--- a/Presentation/795 PowerPoint.pptx
+++ b/Presentation/795 PowerPoint.pptx
@@ -5,28 +5,29 @@
     <p:sldMasterId id="2147483648" r:id="rId1"/>
   </p:sldMasterIdLst>
   <p:notesMasterIdLst>
-    <p:notesMasterId r:id="rId21"/>
+    <p:notesMasterId r:id="rId22"/>
   </p:notesMasterIdLst>
   <p:sldIdLst>
     <p:sldId id="256" r:id="rId2"/>
     <p:sldId id="258" r:id="rId3"/>
     <p:sldId id="259" r:id="rId4"/>
-    <p:sldId id="260" r:id="rId5"/>
-    <p:sldId id="261" r:id="rId6"/>
-    <p:sldId id="276" r:id="rId7"/>
-    <p:sldId id="263" r:id="rId8"/>
-    <p:sldId id="278" r:id="rId9"/>
-    <p:sldId id="264" r:id="rId10"/>
-    <p:sldId id="274" r:id="rId11"/>
-    <p:sldId id="272" r:id="rId12"/>
-    <p:sldId id="273" r:id="rId13"/>
-    <p:sldId id="266" r:id="rId14"/>
-    <p:sldId id="275" r:id="rId15"/>
-    <p:sldId id="267" r:id="rId16"/>
-    <p:sldId id="277" r:id="rId17"/>
-    <p:sldId id="268" r:id="rId18"/>
-    <p:sldId id="269" r:id="rId19"/>
-    <p:sldId id="270" r:id="rId20"/>
+    <p:sldId id="279" r:id="rId5"/>
+    <p:sldId id="260" r:id="rId6"/>
+    <p:sldId id="280" r:id="rId7"/>
+    <p:sldId id="281" r:id="rId8"/>
+    <p:sldId id="282" r:id="rId9"/>
+    <p:sldId id="261" r:id="rId10"/>
+    <p:sldId id="264" r:id="rId11"/>
+    <p:sldId id="274" r:id="rId12"/>
+    <p:sldId id="272" r:id="rId13"/>
+    <p:sldId id="273" r:id="rId14"/>
+    <p:sldId id="266" r:id="rId15"/>
+    <p:sldId id="275" r:id="rId16"/>
+    <p:sldId id="267" r:id="rId17"/>
+    <p:sldId id="277" r:id="rId18"/>
+    <p:sldId id="268" r:id="rId19"/>
+    <p:sldId id="269" r:id="rId20"/>
+    <p:sldId id="270" r:id="rId21"/>
   </p:sldIdLst>
   <p:sldSz cx="4610100" cy="3460750"/>
   <p:notesSz cx="4610100" cy="3460750"/>
@@ -142,6 +143,224 @@
     </p:ext>
   </p:extLst>
 </p:presentation>
+</file>
+
+<file path=ppt/ink/ink1.xml><?xml version="1.0" encoding="utf-8"?>
+<inkml:ink xmlns:inkml="http://www.w3.org/2003/InkML">
+  <inkml:definitions>
+    <inkml:context xml:id="ctx0">
+      <inkml:inkSource xml:id="inkSrc0">
+        <inkml:traceFormat>
+          <inkml:channel name="X" type="integer" min="-2.14748E9" max="2.14748E9" units="cm"/>
+          <inkml:channel name="Y" type="integer" min="-2.14748E9" max="2.14748E9" units="cm"/>
+          <inkml:channel name="F" type="integer" max="32767" units="dev"/>
+        </inkml:traceFormat>
+        <inkml:channelProperties>
+          <inkml:channelProperty channel="X" name="resolution" value="1000" units="1/cm"/>
+          <inkml:channelProperty channel="Y" name="resolution" value="1000" units="1/cm"/>
+          <inkml:channelProperty channel="F" name="resolution" value="0" units="1/dev"/>
+        </inkml:channelProperties>
+      </inkml:inkSource>
+      <inkml:timestamp xml:id="ts0" timeString="2018-12-10T22:29:34.973"/>
+    </inkml:context>
+    <inkml:brush xml:id="br0">
+      <inkml:brushProperty name="width" value="0.05" units="cm"/>
+      <inkml:brushProperty name="height" value="0.05" units="cm"/>
+    </inkml:brush>
+  </inkml:definitions>
+  <inkml:trace contextRef="#ctx0" brushRef="#br0">0 1 24575,'0'0'0</inkml:trace>
+</inkml:ink>
+</file>
+
+<file path=ppt/ink/ink2.xml><?xml version="1.0" encoding="utf-8"?>
+<inkml:ink xmlns:inkml="http://www.w3.org/2003/InkML">
+  <inkml:definitions>
+    <inkml:context xml:id="ctx0">
+      <inkml:inkSource xml:id="inkSrc0">
+        <inkml:traceFormat>
+          <inkml:channel name="X" type="integer" min="-2.14748E9" max="2.14748E9" units="cm"/>
+          <inkml:channel name="Y" type="integer" min="-2.14748E9" max="2.14748E9" units="cm"/>
+          <inkml:channel name="F" type="integer" max="32767" units="dev"/>
+        </inkml:traceFormat>
+        <inkml:channelProperties>
+          <inkml:channelProperty channel="X" name="resolution" value="1000" units="1/cm"/>
+          <inkml:channelProperty channel="Y" name="resolution" value="1000" units="1/cm"/>
+          <inkml:channelProperty channel="F" name="resolution" value="0" units="1/dev"/>
+        </inkml:channelProperties>
+      </inkml:inkSource>
+      <inkml:timestamp xml:id="ts0" timeString="2018-12-10T22:29:36.973"/>
+    </inkml:context>
+    <inkml:brush xml:id="br0">
+      <inkml:brushProperty name="width" value="0.05" units="cm"/>
+      <inkml:brushProperty name="height" value="0.05" units="cm"/>
+    </inkml:brush>
+  </inkml:definitions>
+  <inkml:trace contextRef="#ctx0" brushRef="#br0">0 0 24575,'0'0'0</inkml:trace>
+</inkml:ink>
+</file>
+
+<file path=ppt/ink/ink3.xml><?xml version="1.0" encoding="utf-8"?>
+<inkml:ink xmlns:inkml="http://www.w3.org/2003/InkML">
+  <inkml:definitions>
+    <inkml:context xml:id="ctx0">
+      <inkml:inkSource xml:id="inkSrc0">
+        <inkml:traceFormat>
+          <inkml:channel name="X" type="integer" min="-2.14748E9" max="2.14748E9" units="cm"/>
+          <inkml:channel name="Y" type="integer" min="-2.14748E9" max="2.14748E9" units="cm"/>
+          <inkml:channel name="F" type="integer" max="32767" units="dev"/>
+        </inkml:traceFormat>
+        <inkml:channelProperties>
+          <inkml:channelProperty channel="X" name="resolution" value="1000" units="1/cm"/>
+          <inkml:channelProperty channel="Y" name="resolution" value="1000" units="1/cm"/>
+          <inkml:channelProperty channel="F" name="resolution" value="0" units="1/dev"/>
+        </inkml:channelProperties>
+      </inkml:inkSource>
+      <inkml:timestamp xml:id="ts0" timeString="2018-12-10T22:29:38.307"/>
+    </inkml:context>
+    <inkml:brush xml:id="br0">
+      <inkml:brushProperty name="width" value="0.05" units="cm"/>
+      <inkml:brushProperty name="height" value="0.05" units="cm"/>
+    </inkml:brush>
+  </inkml:definitions>
+  <inkml:trace contextRef="#ctx0" brushRef="#br0">0 0 24575,'0'0'0</inkml:trace>
+</inkml:ink>
+</file>
+
+<file path=ppt/ink/ink4.xml><?xml version="1.0" encoding="utf-8"?>
+<inkml:ink xmlns:inkml="http://www.w3.org/2003/InkML">
+  <inkml:definitions>
+    <inkml:context xml:id="ctx0">
+      <inkml:inkSource xml:id="inkSrc0">
+        <inkml:traceFormat>
+          <inkml:channel name="X" type="integer" min="-2.14748E9" max="2.14748E9" units="cm"/>
+          <inkml:channel name="Y" type="integer" min="-2.14748E9" max="2.14748E9" units="cm"/>
+          <inkml:channel name="F" type="integer" max="32767" units="dev"/>
+        </inkml:traceFormat>
+        <inkml:channelProperties>
+          <inkml:channelProperty channel="X" name="resolution" value="1000" units="1/cm"/>
+          <inkml:channelProperty channel="Y" name="resolution" value="1000" units="1/cm"/>
+          <inkml:channelProperty channel="F" name="resolution" value="0" units="1/dev"/>
+        </inkml:channelProperties>
+      </inkml:inkSource>
+      <inkml:timestamp xml:id="ts0" timeString="2018-12-10T22:29:40.719"/>
+    </inkml:context>
+    <inkml:brush xml:id="br0">
+      <inkml:brushProperty name="width" value="0.05" units="cm"/>
+      <inkml:brushProperty name="height" value="0.05" units="cm"/>
+    </inkml:brush>
+  </inkml:definitions>
+  <inkml:trace contextRef="#ctx0" brushRef="#br0">0 1 24575,'0'0'0</inkml:trace>
+</inkml:ink>
+</file>
+
+<file path=ppt/ink/ink5.xml><?xml version="1.0" encoding="utf-8"?>
+<inkml:ink xmlns:inkml="http://www.w3.org/2003/InkML">
+  <inkml:definitions>
+    <inkml:context xml:id="ctx0">
+      <inkml:inkSource xml:id="inkSrc0">
+        <inkml:traceFormat>
+          <inkml:channel name="X" type="integer" min="-2.14748E9" max="2.14748E9" units="cm"/>
+          <inkml:channel name="Y" type="integer" min="-2.14748E9" max="2.14748E9" units="cm"/>
+          <inkml:channel name="F" type="integer" max="32767" units="dev"/>
+        </inkml:traceFormat>
+        <inkml:channelProperties>
+          <inkml:channelProperty channel="X" name="resolution" value="1000" units="1/cm"/>
+          <inkml:channelProperty channel="Y" name="resolution" value="1000" units="1/cm"/>
+          <inkml:channelProperty channel="F" name="resolution" value="0" units="1/dev"/>
+        </inkml:channelProperties>
+      </inkml:inkSource>
+      <inkml:timestamp xml:id="ts0" timeString="2018-12-10T22:29:42.653"/>
+    </inkml:context>
+    <inkml:brush xml:id="br0">
+      <inkml:brushProperty name="width" value="0.05" units="cm"/>
+      <inkml:brushProperty name="height" value="0.05" units="cm"/>
+    </inkml:brush>
+  </inkml:definitions>
+  <inkml:trace contextRef="#ctx0" brushRef="#br0">1 0 24575,'0'0'0</inkml:trace>
+</inkml:ink>
+</file>
+
+<file path=ppt/ink/ink6.xml><?xml version="1.0" encoding="utf-8"?>
+<inkml:ink xmlns:inkml="http://www.w3.org/2003/InkML">
+  <inkml:definitions>
+    <inkml:context xml:id="ctx0">
+      <inkml:inkSource xml:id="inkSrc0">
+        <inkml:traceFormat>
+          <inkml:channel name="X" type="integer" min="-2.14748E9" max="2.14748E9" units="cm"/>
+          <inkml:channel name="Y" type="integer" min="-2.14748E9" max="2.14748E9" units="cm"/>
+          <inkml:channel name="F" type="integer" max="32767" units="dev"/>
+        </inkml:traceFormat>
+        <inkml:channelProperties>
+          <inkml:channelProperty channel="X" name="resolution" value="1000" units="1/cm"/>
+          <inkml:channelProperty channel="Y" name="resolution" value="1000" units="1/cm"/>
+          <inkml:channelProperty channel="F" name="resolution" value="0" units="1/dev"/>
+        </inkml:channelProperties>
+      </inkml:inkSource>
+      <inkml:timestamp xml:id="ts0" timeString="2018-12-10T22:29:45.577"/>
+    </inkml:context>
+    <inkml:brush xml:id="br0">
+      <inkml:brushProperty name="width" value="0.05" units="cm"/>
+      <inkml:brushProperty name="height" value="0.05" units="cm"/>
+    </inkml:brush>
+  </inkml:definitions>
+  <inkml:trace contextRef="#ctx0" brushRef="#br0">1 0 24575,'0'0'0</inkml:trace>
+</inkml:ink>
+</file>
+
+<file path=ppt/ink/ink7.xml><?xml version="1.0" encoding="utf-8"?>
+<inkml:ink xmlns:inkml="http://www.w3.org/2003/InkML">
+  <inkml:definitions>
+    <inkml:context xml:id="ctx0">
+      <inkml:inkSource xml:id="inkSrc0">
+        <inkml:traceFormat>
+          <inkml:channel name="X" type="integer" min="-2.14748E9" max="2.14748E9" units="cm"/>
+          <inkml:channel name="Y" type="integer" min="-2.14748E9" max="2.14748E9" units="cm"/>
+          <inkml:channel name="F" type="integer" max="32767" units="dev"/>
+        </inkml:traceFormat>
+        <inkml:channelProperties>
+          <inkml:channelProperty channel="X" name="resolution" value="1000" units="1/cm"/>
+          <inkml:channelProperty channel="Y" name="resolution" value="1000" units="1/cm"/>
+          <inkml:channelProperty channel="F" name="resolution" value="0" units="1/dev"/>
+        </inkml:channelProperties>
+      </inkml:inkSource>
+      <inkml:timestamp xml:id="ts0" timeString="2018-12-10T22:37:32.959"/>
+    </inkml:context>
+    <inkml:brush xml:id="br0">
+      <inkml:brushProperty name="width" value="0.05" units="cm"/>
+      <inkml:brushProperty name="height" value="0.05" units="cm"/>
+      <inkml:brushProperty name="color" value="#E71224"/>
+    </inkml:brush>
+  </inkml:definitions>
+  <inkml:trace contextRef="#ctx0" brushRef="#br0">1757 403 24575,'-16'0'0,"1"-6"0,6 0 0,-2-4 0,1-1 0,-5 4 0,5-4 0,-2 7 0,4-4 0,2 5 0,-6-3 0,3-3 0,-3 0 0,1 0 0,-5-6 0,3 5 0,-10-4 0,6-1 0,-3 4 0,-4-9 0,7 6 0,-10-3 0,3 4 0,0-1 0,-3 1 0,7 3 0,-3-3 0,4 3 0,0 0 0,0-2 0,-1 5 0,1-2 0,0-1 0,3 3 0,-3-2 0,3 0 0,-3 2 0,0-2 0,0 2 0,3 1 0,-3 0 0,7 2 0,-1 1 0,2 3 0,5 0 0,-5 0 0,4 0 0,-1 0 0,0 0 0,2 0 0,-2 0 0,2 0 0,-2 0 0,-4 0 0,-4 0 0,0 0 0,-3 0 0,7 0 0,-7 3 0,7-2 0,-4 4 0,4-4 0,3 4 0,-2-4 0,5 3 0,-5-3 0,2 4 0,0-4 0,-3 4 0,3-4 0,-5 4 0,4-2 0,-3 2 0,7-1 0,-6 1 0,3-2 0,-3 3 0,1 0 0,-1 0 0,0 0 0,0-3 0,0 2 0,3-2 0,-2 3 0,4-3 0,-1 2 0,3-2 0,-1 0 0,1 2 0,-1-4 0,1 4 0,-1-5 0,0 5 0,1-4 0,-1 4 0,1-2 0,-1 0 0,1 2 0,-3-2 0,-2 2 0,-7 4 0,-7 3 0,4-2 0,-3 1 0,14-5 0,1-1 0,-1 1 0,3-1 0,-5 1 0,5 0 0,-3-1 0,4 1 0,-1-1 0,-2 1 0,2-1 0,0 1 0,1-3 0,2 0 0,-3-1 0,1 1 0,-1 3 0,1-3 0,-1 1 0,1-1 0,-3 3 0,1 0 0,-4-1 0,5 1 0,-2 0 0,2-1 0,0-2 0,1 2 0,-1-2 0,1 0 0,-1 2 0,1-5 0,-1 5 0,3-2 0,-2 0 0,2 2 0,-2-2 0,-1 0 0,3 2 0,-2-4 0,5 4 0,-5-2 0,2 2 0,-3 1 0,1-3 0,2 1 0,-2-3 0,4 4 0,-4-5 0,5 5 0,-5-2 0,4 3 0,-4-1 0,5 1 0,-5-3 0,2-1 0,-3-2 0,1 0 0,-1 0 0,0-5 0,3 1 0,-5-7 0,4 2 0,-4-3 0,2 0 0,0 0 0,0 0 0,0-3 0,0 2 0,-1-5 0,1 5 0,0-2 0,3 6 0,-3-2 0,6 5 0,-6-3 0,6 4 0,-3-1 0,1 1 0,1 4 0,-1 2 0,4 4 0,1 1 0,3-1 0,-1 0 0,1 1 0,-1-1 0,1 4 0,0 0 0,-1 0 0,1 2 0,0-5 0,-1 2 0,1-2 0,-3-1 0,-1 1 0,-2-1 0,0 0 0,0 1 0,0-1 0,0 1 0,0-1 0,0 1 0,0-1 0,3-2 0,-3 2 0,3-2 0,-1 0 0,-1 2 0,4-4 0,-5 3 0,5-1 0,-2 0 0,2 2 0,-2-2 0,2 0 0,-4 2 0,4-4 0,-5 4 0,3-2 0,-3 2 0,2-2 0,-1 2 0,4-4 0,-5 4 0,5-5 0,-2 3 0,3-3 0,-1 0 0,1 0 0,-1 0 0,0 0 0,4 0 0,0 0 0,3 0 0,3 0 0,-3 0 0,7 0 0,-7 0 0,7 0 0,-3 0 0,0 0 0,2 0 0,-2 0 0,3 0 0,-3 0 0,2 0 0,-5 0 0,2 0 0,-3 0 0,-3 0 0,-1 0 0,-2 0 0,-1 0 0,0 0 0,1 0 0,-3 0 0,-1 0 0</inkml:trace>
+</inkml:ink>
+</file>
+
+<file path=ppt/ink/ink8.xml><?xml version="1.0" encoding="utf-8"?>
+<inkml:ink xmlns:inkml="http://www.w3.org/2003/InkML">
+  <inkml:definitions>
+    <inkml:context xml:id="ctx0">
+      <inkml:inkSource xml:id="inkSrc0">
+        <inkml:traceFormat>
+          <inkml:channel name="X" type="integer" min="-2.14748E9" max="2.14748E9" units="cm"/>
+          <inkml:channel name="Y" type="integer" min="-2.14748E9" max="2.14748E9" units="cm"/>
+          <inkml:channel name="F" type="integer" max="32767" units="dev"/>
+        </inkml:traceFormat>
+        <inkml:channelProperties>
+          <inkml:channelProperty channel="X" name="resolution" value="1000" units="1/cm"/>
+          <inkml:channelProperty channel="Y" name="resolution" value="1000" units="1/cm"/>
+          <inkml:channelProperty channel="F" name="resolution" value="0" units="1/dev"/>
+        </inkml:channelProperties>
+      </inkml:inkSource>
+      <inkml:timestamp xml:id="ts0" timeString="2018-12-10T22:37:37.142"/>
+    </inkml:context>
+    <inkml:brush xml:id="br0">
+      <inkml:brushProperty name="width" value="0.05" units="cm"/>
+      <inkml:brushProperty name="height" value="0.05" units="cm"/>
+      <inkml:brushProperty name="color" value="#E71224"/>
+    </inkml:brush>
+  </inkml:definitions>
+  <inkml:trace contextRef="#ctx0" brushRef="#br0">2206 362 24575,'-15'-5'0,"3"-2"0,-15-3 0,5-6 0,-11 0 0,-4-6 0,3 3 0,-12-4 0,4 7 0,-1-6 0,-3 6 0,-1-3 0,8 4 0,-16-5 0,24 11 0,-18-9 0,15 13 0,-22-11 0,23 8 0,-21-4 0,28 6 0,-14 1 0,11-1 0,-2 2 0,7-2 0,-3-1 0,7 3 0,-7-2 0,4 2 0,-1-2 0,-3 2 0,7 1 0,-3 3 0,4-3 0,3 2 0,-3-2 0,7 3 0,-1 0 0,2 0 0,-1 0 0,-1 0 0,-5 0 0,2 0 0,-7 0 0,3 0 0,-7 0 0,3 0 0,0 0 0,1 0 0,4 0 0,3 0 0,-2 0 0,5 0 0,-2 3 0,6-2 0,-3 4 0,3-4 0,0 4 0,-2-2 0,5 0 0,-5 2 0,-2-1 0,1-1 0,-7 3 0,7-3 0,-7 3 0,3-2 0,0 1 0,1-1 0,3 1 0,-3-1 0,2 1 0,-2-2 0,3 3 0,0-3 0,0 3 0,1-3 0,-1 3 0,0-3 0,3 2 0,-3-2 0,3 3 0,0-3 0,-2 3 0,2-3 0,0 3 0,-2-3 0,2 2 0,0-2 0,-2 0 0,4 2 0,-4-2 0,5 0 0,-2 3 0,2-3 0,1 0 0,-1 1 0,1-1 0,-4 3 0,3 0 0,-2-3 0,2 2 0,1-5 0,-1 5 0,3-2 0,-2 0 0,2 2 0,-3-2 0,1 3 0,-1-1 0,1 0 0,-1 1 0,1-1 0,-1-2 0,1 2 0,-1-2 0,3 3 0,-2-1 0,2 1 0,0-1 0,-2 1 0,2-1 0,0 0 0,-2 1 0,2-1 0,-2 1 0,-1-1 0,1 1 0,2-1 0,0 1 0,1-1 0,-1 1 0,0-1 0,-2-2 0,4 2 0,-4-5 0,4 5 0,-3-4 0,3 4 0,-1-2 0,2 2 0,0 1 0,-3-3 0,0-1 0,-3-2 0,1 0 0,-1 0 0,1-5 0,2 1 0,-3-4 0,6-1 0,-5 3 0,2-2 0,0-1 0,-2 3 0,4-5 0,-4 5 0,5-5 0,-5 4 0,4-1 0,-1 3 0,-1-4 0,2 3 0,-1-2 0,2 2 0,0-2 0,0 2 0,0-3 0,0 4 0,0-1 0,0 1 0,-3-1 0,3 1 0,-3 4 0,3 4 0,0 3 0,0 2 0,0-3 0,0 1 0,0-1 0,0 1 0,0-1 0,0 1 0,0-1 0,3 0 0,0 1 0,2-1 0,1 4 0,0 0 0,-1 0 0,1 2 0,0-2 0,0 0 0,-1-1 0,1-2 0,-1-1 0,-2 0 0,0 1 0,-3-1 0,2 1 0,-1-1 0,3-2 0,-3 2 0,4-2 0,-2 3 0,2-1 0,-2 1 0,2-1 0,-2 0 0,0 1 0,0-1 0,-1 1 0,1-3 0,3-1 0,-1-2 0,1-2 0,-1 1 0,1-4 0,-1 5 0,0-5 0,1 2 0,2 0 0,4-3 0,1 6 0,2-6 0,-3 3 0,3-3 0,-2 2 0,2-1 0,-3 1 0,-1-2 0,1 3 0,-3-2 0,0 4 0,-4-1 0,3-1 0,-2 3 0,3-3 0,-4 3 0,1-3 0,-1 3 0,1-3 0,-1 3 0,0 0 0,1 0 0,-1 0 0,1 0 0,-3-2 0,2 1 0,-2-1 0,2 2 0,1 0 0,-1 0 0,1 0 0,-1 0 0,0 0 0,-1 0 0,-2 0 0</inkml:trace>
+</inkml:ink>
 </file>
 
 <file path=ppt/notesMasters/notesMaster1.xml><?xml version="1.0" encoding="utf-8"?>
@@ -558,7 +777,7 @@
           <a:p>
             <a:fld id="{C163A804-C849-BD47-A700-B9B71871DCD5}" type="slidenum">
               <a:rPr lang="en-US" smtClean="0"/>
-              <a:t>6</a:t>
+              <a:t>14</a:t>
             </a:fld>
             <a:endParaRPr lang="en-US"/>
           </a:p>
@@ -567,7 +786,7 @@
     </p:spTree>
     <p:extLst>
       <p:ext uri="{BB962C8B-B14F-4D97-AF65-F5344CB8AC3E}">
-        <p14:creationId xmlns:p14="http://schemas.microsoft.com/office/powerpoint/2010/main" val="919480575"/>
+        <p14:creationId xmlns:p14="http://schemas.microsoft.com/office/powerpoint/2010/main" val="2597462488"/>
       </p:ext>
     </p:extLst>
   </p:cSld>
@@ -642,91 +861,7 @@
           <a:p>
             <a:fld id="{C163A804-C849-BD47-A700-B9B71871DCD5}" type="slidenum">
               <a:rPr lang="en-US" smtClean="0"/>
-              <a:t>13</a:t>
-            </a:fld>
-            <a:endParaRPr lang="en-US"/>
-          </a:p>
-        </p:txBody>
-      </p:sp>
-    </p:spTree>
-    <p:extLst>
-      <p:ext uri="{BB962C8B-B14F-4D97-AF65-F5344CB8AC3E}">
-        <p14:creationId xmlns:p14="http://schemas.microsoft.com/office/powerpoint/2010/main" val="2597462488"/>
-      </p:ext>
-    </p:extLst>
-  </p:cSld>
-  <p:clrMapOvr>
-    <a:masterClrMapping/>
-  </p:clrMapOvr>
-</p:notes>
-</file>
-
-<file path=ppt/notesSlides/notesSlide3.xml><?xml version="1.0" encoding="utf-8"?>
-<p:notes xmlns:a="http://schemas.openxmlformats.org/drawingml/2006/main" xmlns:r="http://schemas.openxmlformats.org/officeDocument/2006/relationships" xmlns:p="http://schemas.openxmlformats.org/presentationml/2006/main">
-  <p:cSld>
-    <p:spTree>
-      <p:nvGrpSpPr>
-        <p:cNvPr id="1" name=""/>
-        <p:cNvGrpSpPr/>
-        <p:nvPr/>
-      </p:nvGrpSpPr>
-      <p:grpSpPr>
-        <a:xfrm>
-          <a:off x="0" y="0"/>
-          <a:ext cx="0" cy="0"/>
-          <a:chOff x="0" y="0"/>
-          <a:chExt cx="0" cy="0"/>
-        </a:xfrm>
-      </p:grpSpPr>
-      <p:sp>
-        <p:nvSpPr>
-          <p:cNvPr id="2" name="Slide Image Placeholder 1"/>
-          <p:cNvSpPr>
-            <a:spLocks noGrp="1" noRot="1" noChangeAspect="1"/>
-          </p:cNvSpPr>
-          <p:nvPr>
-            <p:ph type="sldImg"/>
-          </p:nvPr>
-        </p:nvSpPr>
-        <p:spPr/>
-      </p:sp>
-      <p:sp>
-        <p:nvSpPr>
-          <p:cNvPr id="3" name="Notes Placeholder 2"/>
-          <p:cNvSpPr>
-            <a:spLocks noGrp="1"/>
-          </p:cNvSpPr>
-          <p:nvPr>
-            <p:ph type="body" idx="1"/>
-          </p:nvPr>
-        </p:nvSpPr>
-        <p:spPr/>
-        <p:txBody>
-          <a:bodyPr/>
-          <a:lstStyle/>
-          <a:p>
-            <a:endParaRPr lang="en-US" dirty="0"/>
-          </a:p>
-        </p:txBody>
-      </p:sp>
-      <p:sp>
-        <p:nvSpPr>
-          <p:cNvPr id="4" name="Slide Number Placeholder 3"/>
-          <p:cNvSpPr>
-            <a:spLocks noGrp="1"/>
-          </p:cNvSpPr>
-          <p:nvPr>
-            <p:ph type="sldNum" sz="quarter" idx="5"/>
-          </p:nvPr>
-        </p:nvSpPr>
-        <p:spPr/>
-        <p:txBody>
-          <a:bodyPr/>
-          <a:lstStyle/>
-          <a:p>
-            <a:fld id="{C163A804-C849-BD47-A700-B9B71871DCD5}" type="slidenum">
-              <a:rPr lang="en-US" smtClean="0"/>
-              <a:t>17</a:t>
+              <a:t>18</a:t>
             </a:fld>
             <a:endParaRPr lang="en-US"/>
           </a:p>
@@ -2299,6 +2434,10 @@
           </p:nvPr>
         </p:nvSpPr>
         <p:spPr>
+          <a:xfrm>
+            <a:off x="1716874" y="3204555"/>
+            <a:ext cx="978535" cy="114134"/>
+          </a:xfrm>
           <a:prstGeom prst="rect">
             <a:avLst/>
           </a:prstGeom>
@@ -2322,8 +2461,8 @@
               <a:t>Stat </a:t>
             </a:r>
             <a:r>
-              <a:rPr spc="65" dirty="0"/>
-              <a:t>680A</a:t>
+              <a:rPr lang="en-US" spc="65" dirty="0"/>
+              <a:t>795</a:t>
             </a:r>
             <a:r>
               <a:rPr spc="55" dirty="0"/>
@@ -2494,7 +2633,7 @@
         <p:spPr>
           <a:xfrm>
             <a:off x="275297" y="121180"/>
-            <a:ext cx="1264285" cy="244475"/>
+            <a:ext cx="2119630" cy="244475"/>
           </a:xfrm>
           <a:prstGeom prst="rect">
             <a:avLst/>
@@ -2515,34 +2654,44 @@
               </a:spcBef>
             </a:pPr>
             <a:r>
-              <a:rPr sz="1400" spc="-45" dirty="0">
+              <a:rPr sz="1400" spc="-5" dirty="0">
                 <a:solidFill>
                   <a:srgbClr val="58180C"/>
                 </a:solidFill>
                 <a:latin typeface="Palatino Linotype"/>
                 <a:cs typeface="Palatino Linotype"/>
               </a:rPr>
-              <a:t>Model</a:t>
-            </a:r>
-            <a:r>
-              <a:rPr sz="1400" spc="55" dirty="0">
+              <a:t>Exploratory </a:t>
+            </a:r>
+            <a:r>
+              <a:rPr sz="1400" spc="15" dirty="0">
                 <a:solidFill>
                   <a:srgbClr val="58180C"/>
                 </a:solidFill>
                 <a:latin typeface="Palatino Linotype"/>
                 <a:cs typeface="Palatino Linotype"/>
               </a:rPr>
-              <a:t> </a:t>
-            </a:r>
-            <a:r>
-              <a:rPr sz="1400" spc="-10" dirty="0">
+              <a:t>Data</a:t>
+            </a:r>
+            <a:r>
+              <a:rPr sz="1400" spc="190" dirty="0">
                 <a:solidFill>
                   <a:srgbClr val="58180C"/>
                 </a:solidFill>
                 <a:latin typeface="Palatino Linotype"/>
                 <a:cs typeface="Palatino Linotype"/>
               </a:rPr>
-              <a:t>Selection</a:t>
+              <a:t> </a:t>
+            </a:r>
+            <a:r>
+              <a:rPr sz="1400" spc="-30" dirty="0">
+                <a:solidFill>
+                  <a:srgbClr val="58180C"/>
+                </a:solidFill>
+                <a:latin typeface="Palatino Linotype"/>
+                <a:cs typeface="Palatino Linotype"/>
+              </a:rPr>
+              <a:t>Analysis</a:t>
             </a:r>
             <a:endParaRPr sz="1400" dirty="0">
               <a:latin typeface="Palatino Linotype"/>
@@ -2559,8 +2708,8 @@
         </p:nvSpPr>
         <p:spPr>
           <a:xfrm>
-            <a:off x="275297" y="479317"/>
-            <a:ext cx="3977640" cy="203375"/>
+            <a:off x="217321" y="494845"/>
+            <a:ext cx="3977640" cy="198755"/>
           </a:xfrm>
           <a:custGeom>
             <a:avLst/>
@@ -2609,8 +2758,8 @@
         </p:nvSpPr>
         <p:spPr>
           <a:xfrm>
-            <a:off x="315264" y="479317"/>
-            <a:ext cx="3818586" cy="196849"/>
+            <a:off x="241769" y="482859"/>
+            <a:ext cx="1475105" cy="207645"/>
           </a:xfrm>
           <a:prstGeom prst="rect">
             <a:avLst/>
@@ -2631,17 +2780,17 @@
               </a:spcBef>
             </a:pPr>
             <a:r>
-              <a:rPr lang="en-US" sz="1200" spc="-35" dirty="0">
+              <a:rPr sz="1200" spc="-50" dirty="0">
                 <a:solidFill>
                   <a:srgbClr val="58180C"/>
                 </a:solidFill>
                 <a:latin typeface="Palatino Linotype"/>
                 <a:cs typeface="Palatino Linotype"/>
               </a:rPr>
-              <a:t>Reduced</a:t>
-            </a:r>
-            <a:r>
-              <a:rPr sz="1200" spc="30" dirty="0">
+              <a:t>Continuous</a:t>
+            </a:r>
+            <a:r>
+              <a:rPr sz="1200" spc="35" dirty="0">
                 <a:solidFill>
                   <a:srgbClr val="58180C"/>
                 </a:solidFill>
@@ -2651,71 +2800,19 @@
               <a:t> </a:t>
             </a:r>
             <a:r>
-              <a:rPr sz="1200" spc="-55" dirty="0">
+              <a:rPr sz="1200" spc="-20" dirty="0">
                 <a:solidFill>
                   <a:srgbClr val="58180C"/>
                 </a:solidFill>
                 <a:latin typeface="Palatino Linotype"/>
                 <a:cs typeface="Palatino Linotype"/>
               </a:rPr>
-              <a:t>Model</a:t>
-            </a:r>
-            <a:r>
-              <a:rPr lang="en-US" sz="1200" spc="-55" dirty="0">
-                <a:solidFill>
-                  <a:srgbClr val="58180C"/>
-                </a:solidFill>
-                <a:latin typeface="Palatino Linotype"/>
-                <a:cs typeface="Palatino Linotype"/>
-              </a:rPr>
-              <a:t> after Backward Selection</a:t>
+              <a:t>Predictors</a:t>
             </a:r>
             <a:endParaRPr sz="1200" dirty="0">
               <a:latin typeface="Palatino Linotype"/>
               <a:cs typeface="Palatino Linotype"/>
             </a:endParaRPr>
-          </a:p>
-        </p:txBody>
-      </p:sp>
-      <p:sp>
-        <p:nvSpPr>
-          <p:cNvPr id="5" name="object 5"/>
-          <p:cNvSpPr/>
-          <p:nvPr/>
-        </p:nvSpPr>
-        <p:spPr>
-          <a:xfrm>
-            <a:off x="315264" y="1642192"/>
-            <a:ext cx="89535" cy="0"/>
-          </a:xfrm>
-          <a:custGeom>
-            <a:avLst/>
-            <a:gdLst/>
-            <a:ahLst/>
-            <a:cxnLst/>
-            <a:rect l="l" t="t" r="r" b="b"/>
-            <a:pathLst>
-              <a:path w="89535">
-                <a:moveTo>
-                  <a:pt x="0" y="0"/>
-                </a:moveTo>
-                <a:lnTo>
-                  <a:pt x="89471" y="0"/>
-                </a:lnTo>
-              </a:path>
-            </a:pathLst>
-          </a:custGeom>
-          <a:ln w="44742">
-            <a:solidFill>
-              <a:srgbClr val="F7F2E5"/>
-            </a:solidFill>
-          </a:ln>
-        </p:spPr>
-        <p:txBody>
-          <a:bodyPr wrap="square" lIns="0" tIns="0" rIns="0" bIns="0" rtlCol="0"/>
-          <a:lstStyle/>
-          <a:p>
-            <a:endParaRPr dirty="0"/>
           </a:p>
         </p:txBody>
       </p:sp>
@@ -2803,15 +2900,131 @@
           </a:p>
         </p:txBody>
       </p:sp>
+      <p:sp>
+        <p:nvSpPr>
+          <p:cNvPr id="8" name="object 4"/>
+          <p:cNvSpPr/>
+          <p:nvPr/>
+        </p:nvSpPr>
+        <p:spPr>
+          <a:xfrm>
+            <a:off x="217320" y="817881"/>
+            <a:ext cx="3989747" cy="983109"/>
+          </a:xfrm>
+          <a:custGeom>
+            <a:avLst/>
+            <a:gdLst/>
+            <a:ahLst/>
+            <a:cxnLst/>
+            <a:rect l="l" t="t" r="r" b="b"/>
+            <a:pathLst>
+              <a:path w="3977640" h="1104264">
+                <a:moveTo>
+                  <a:pt x="0" y="1104125"/>
+                </a:moveTo>
+                <a:lnTo>
+                  <a:pt x="3977474" y="1104125"/>
+                </a:lnTo>
+                <a:lnTo>
+                  <a:pt x="3977474" y="0"/>
+                </a:lnTo>
+                <a:lnTo>
+                  <a:pt x="0" y="0"/>
+                </a:lnTo>
+                <a:lnTo>
+                  <a:pt x="0" y="1104125"/>
+                </a:lnTo>
+                <a:close/>
+              </a:path>
+            </a:pathLst>
+          </a:custGeom>
+          <a:solidFill>
+            <a:srgbClr val="F7F2E5"/>
+          </a:solidFill>
+        </p:spPr>
+        <p:txBody>
+          <a:bodyPr wrap="square" lIns="0" tIns="0" rIns="0" bIns="0" rtlCol="0"/>
+          <a:lstStyle/>
+          <a:p>
+            <a:pPr marL="171450" indent="-171450">
+              <a:buFont typeface="Arial" panose="020B0604020202020204" pitchFamily="34" charset="0"/>
+              <a:buChar char="•"/>
+            </a:pPr>
+            <a:r>
+              <a:rPr lang="en-US" sz="1100" dirty="0">
+                <a:latin typeface="Times New Roman" panose="02020603050405020304" pitchFamily="18" charset="0"/>
+                <a:cs typeface="Times New Roman" panose="02020603050405020304" pitchFamily="18" charset="0"/>
+              </a:rPr>
+              <a:t>2-sample T-test for difference between means of two groups</a:t>
+            </a:r>
+          </a:p>
+          <a:p>
+            <a:pPr marL="171450" indent="-171450">
+              <a:buFont typeface="Arial" panose="020B0604020202020204" pitchFamily="34" charset="0"/>
+              <a:buChar char="•"/>
+            </a:pPr>
+            <a:r>
+              <a:rPr lang="en-US" sz="1100" dirty="0">
+                <a:latin typeface="Times New Roman" panose="02020603050405020304" pitchFamily="18" charset="0"/>
+                <a:cs typeface="Times New Roman" panose="02020603050405020304" pitchFamily="18" charset="0"/>
+              </a:rPr>
+              <a:t>Positive relationship between PSA value and tumor penetration</a:t>
+            </a:r>
+          </a:p>
+          <a:p>
+            <a:pPr marL="171450" indent="-171450">
+              <a:buFont typeface="Arial" panose="020B0604020202020204" pitchFamily="34" charset="0"/>
+              <a:buChar char="•"/>
+            </a:pPr>
+            <a:r>
+              <a:rPr lang="en-US" sz="1100" dirty="0">
+                <a:latin typeface="Times New Roman" panose="02020603050405020304" pitchFamily="18" charset="0"/>
+                <a:cs typeface="Times New Roman" panose="02020603050405020304" pitchFamily="18" charset="0"/>
+              </a:rPr>
+              <a:t>Cohen’s D used to corroborate data</a:t>
+            </a:r>
+          </a:p>
+          <a:p>
+            <a:pPr marL="628650" lvl="1" indent="-171450">
+              <a:buFont typeface="Arial" panose="020B0604020202020204" pitchFamily="34" charset="0"/>
+              <a:buChar char="•"/>
+            </a:pPr>
+            <a:r>
+              <a:rPr lang="en-US" sz="1100" dirty="0">
+                <a:latin typeface="Times New Roman" panose="02020603050405020304" pitchFamily="18" charset="0"/>
+                <a:cs typeface="Times New Roman" panose="02020603050405020304" pitchFamily="18" charset="0"/>
+              </a:rPr>
+              <a:t>Age was of negligible effect</a:t>
+            </a:r>
+          </a:p>
+          <a:p>
+            <a:pPr marL="628650" lvl="1" indent="-171450">
+              <a:buFont typeface="Arial" panose="020B0604020202020204" pitchFamily="34" charset="0"/>
+              <a:buChar char="•"/>
+            </a:pPr>
+            <a:r>
+              <a:rPr lang="en-US" sz="1100" dirty="0">
+                <a:latin typeface="Times New Roman" panose="02020603050405020304" pitchFamily="18" charset="0"/>
+                <a:cs typeface="Times New Roman" panose="02020603050405020304" pitchFamily="18" charset="0"/>
+              </a:rPr>
+              <a:t>PSA was of moderate effect</a:t>
+            </a:r>
+          </a:p>
+          <a:p>
+            <a:pPr marL="171450" indent="-171450">
+              <a:buFont typeface="Arial" panose="020B0604020202020204" pitchFamily="34" charset="0"/>
+              <a:buChar char="•"/>
+            </a:pPr>
+            <a:endParaRPr lang="en-US" sz="1100" dirty="0">
+              <a:latin typeface="Times New Roman" panose="02020603050405020304" pitchFamily="18" charset="0"/>
+              <a:cs typeface="Times New Roman" panose="02020603050405020304" pitchFamily="18" charset="0"/>
+            </a:endParaRPr>
+          </a:p>
+        </p:txBody>
+      </p:sp>
       <p:pic>
         <p:nvPicPr>
-          <p:cNvPr id="9" name="Picture 8">
-            <a:extLst>
-              <a:ext uri="{FF2B5EF4-FFF2-40B4-BE49-F238E27FC236}">
-                <a16:creationId xmlns:a16="http://schemas.microsoft.com/office/drawing/2014/main" id="{7448AE03-09A2-714E-9B93-83BF71573C2F}"/>
-              </a:ext>
-            </a:extLst>
-          </p:cNvPr>
+          <p:cNvPr id="336" name="Picture 335"/>
           <p:cNvPicPr>
             <a:picLocks noChangeAspect="1"/>
           </p:cNvPicPr>
@@ -2825,8 +3038,8 @@
         </p:blipFill>
         <p:spPr>
           <a:xfrm>
-            <a:off x="315264" y="810223"/>
-            <a:ext cx="3972508" cy="2171209"/>
+            <a:off x="476250" y="1893501"/>
+            <a:ext cx="3276600" cy="1352528"/>
           </a:xfrm>
           <a:prstGeom prst="rect">
             <a:avLst/>
@@ -2834,11 +3047,6 @@
         </p:spPr>
       </p:pic>
     </p:spTree>
-    <p:extLst>
-      <p:ext uri="{BB962C8B-B14F-4D97-AF65-F5344CB8AC3E}">
-        <p14:creationId xmlns:p14="http://schemas.microsoft.com/office/powerpoint/2010/main" val="1418168870"/>
-      </p:ext>
-    </p:extLst>
   </p:cSld>
   <p:clrMapOvr>
     <a:masterClrMapping/>
@@ -2940,8 +3148,8 @@
         </p:nvSpPr>
         <p:spPr>
           <a:xfrm>
-            <a:off x="262835" y="496540"/>
-            <a:ext cx="3977640" cy="198755"/>
+            <a:off x="275297" y="479317"/>
+            <a:ext cx="3977640" cy="203375"/>
           </a:xfrm>
           <a:custGeom>
             <a:avLst/>
@@ -2990,8 +3198,8 @@
         </p:nvSpPr>
         <p:spPr>
           <a:xfrm>
-            <a:off x="275296" y="486740"/>
-            <a:ext cx="2486953" cy="196849"/>
+            <a:off x="315264" y="479317"/>
+            <a:ext cx="3818586" cy="196849"/>
           </a:xfrm>
           <a:prstGeom prst="rect">
             <a:avLst/>
@@ -3012,14 +3220,14 @@
               </a:spcBef>
             </a:pPr>
             <a:r>
-              <a:rPr lang="en-US" sz="1200" spc="-50" dirty="0">
+              <a:rPr lang="en-US" sz="1200" spc="-35" dirty="0">
                 <a:solidFill>
                   <a:srgbClr val="58180C"/>
                 </a:solidFill>
                 <a:latin typeface="Palatino Linotype"/>
                 <a:cs typeface="Palatino Linotype"/>
               </a:rPr>
-              <a:t>Interaction</a:t>
+              <a:t>Reduced</a:t>
             </a:r>
             <a:r>
               <a:rPr sz="1200" spc="30" dirty="0">
@@ -3049,7 +3257,7 @@
                 <a:latin typeface="Palatino Linotype"/>
                 <a:cs typeface="Palatino Linotype"/>
               </a:rPr>
-              <a:t> (Candidate 1) </a:t>
+              <a:t> after Backward Selection</a:t>
             </a:r>
             <a:endParaRPr sz="1200" dirty="0">
               <a:latin typeface="Palatino Linotype"/>
@@ -3065,9 +3273,9 @@
           <p:nvPr/>
         </p:nvSpPr>
         <p:spPr>
-          <a:xfrm flipV="1">
-            <a:off x="315264" y="1596473"/>
-            <a:ext cx="45719" cy="45719"/>
+          <a:xfrm>
+            <a:off x="315264" y="1642192"/>
+            <a:ext cx="89535" cy="0"/>
           </a:xfrm>
           <a:custGeom>
             <a:avLst/>
@@ -3189,7 +3397,7 @@
           <p:cNvPr id="9" name="Picture 8">
             <a:extLst>
               <a:ext uri="{FF2B5EF4-FFF2-40B4-BE49-F238E27FC236}">
-                <a16:creationId xmlns:a16="http://schemas.microsoft.com/office/drawing/2014/main" id="{0976437C-B3DF-214F-B612-21AF1E5C2533}"/>
+                <a16:creationId xmlns:a16="http://schemas.microsoft.com/office/drawing/2014/main" id="{7448AE03-09A2-714E-9B93-83BF71573C2F}"/>
               </a:ext>
             </a:extLst>
           </p:cNvPr>
@@ -3206,8 +3414,8 @@
         </p:blipFill>
         <p:spPr>
           <a:xfrm>
-            <a:off x="181935" y="1011577"/>
-            <a:ext cx="4246230" cy="1437595"/>
+            <a:off x="315264" y="810223"/>
+            <a:ext cx="3972508" cy="2171209"/>
           </a:xfrm>
           <a:prstGeom prst="rect">
             <a:avLst/>
@@ -3217,7 +3425,7 @@
     </p:spTree>
     <p:extLst>
       <p:ext uri="{BB962C8B-B14F-4D97-AF65-F5344CB8AC3E}">
-        <p14:creationId xmlns:p14="http://schemas.microsoft.com/office/powerpoint/2010/main" val="1539295739"/>
+        <p14:creationId xmlns:p14="http://schemas.microsoft.com/office/powerpoint/2010/main" val="1418168870"/>
       </p:ext>
     </p:extLst>
   </p:cSld>
@@ -3321,7 +3529,7 @@
         </p:nvSpPr>
         <p:spPr>
           <a:xfrm>
-            <a:off x="217321" y="486740"/>
+            <a:off x="262835" y="496540"/>
             <a:ext cx="3977640" cy="198755"/>
           </a:xfrm>
           <a:custGeom>
@@ -3372,7 +3580,7 @@
         <p:spPr>
           <a:xfrm>
             <a:off x="275296" y="486740"/>
-            <a:ext cx="2182153" cy="196849"/>
+            <a:ext cx="2486953" cy="196849"/>
           </a:xfrm>
           <a:prstGeom prst="rect">
             <a:avLst/>
@@ -3393,14 +3601,14 @@
               </a:spcBef>
             </a:pPr>
             <a:r>
-              <a:rPr sz="1200" spc="-50" dirty="0">
+              <a:rPr lang="en-US" sz="1200" spc="-50" dirty="0">
                 <a:solidFill>
                   <a:srgbClr val="58180C"/>
                 </a:solidFill>
                 <a:latin typeface="Palatino Linotype"/>
                 <a:cs typeface="Palatino Linotype"/>
               </a:rPr>
-              <a:t>Reduced</a:t>
+              <a:t>Interaction</a:t>
             </a:r>
             <a:r>
               <a:rPr sz="1200" spc="30" dirty="0">
@@ -3430,7 +3638,7 @@
                 <a:latin typeface="Palatino Linotype"/>
                 <a:cs typeface="Palatino Linotype"/>
               </a:rPr>
-              <a:t> (Candidate 2)</a:t>
+              <a:t> (Candidate 1) </a:t>
             </a:r>
             <a:endParaRPr sz="1200" dirty="0">
               <a:latin typeface="Palatino Linotype"/>
@@ -3570,7 +3778,7 @@
           <p:cNvPr id="9" name="Picture 8">
             <a:extLst>
               <a:ext uri="{FF2B5EF4-FFF2-40B4-BE49-F238E27FC236}">
-                <a16:creationId xmlns:a16="http://schemas.microsoft.com/office/drawing/2014/main" id="{84FA99F2-6BCE-2348-93CE-202D77701344}"/>
+                <a16:creationId xmlns:a16="http://schemas.microsoft.com/office/drawing/2014/main" id="{0976437C-B3DF-214F-B612-21AF1E5C2533}"/>
               </a:ext>
             </a:extLst>
           </p:cNvPr>
@@ -3587,38 +3795,8 @@
         </p:blipFill>
         <p:spPr>
           <a:xfrm>
-            <a:off x="197119" y="1247775"/>
-            <a:ext cx="4122783" cy="965200"/>
-          </a:xfrm>
-          <a:prstGeom prst="rect">
-            <a:avLst/>
-          </a:prstGeom>
-        </p:spPr>
-      </p:pic>
-      <p:pic>
-        <p:nvPicPr>
-          <p:cNvPr id="10" name="Picture 9">
-            <a:extLst>
-              <a:ext uri="{FF2B5EF4-FFF2-40B4-BE49-F238E27FC236}">
-                <a16:creationId xmlns:a16="http://schemas.microsoft.com/office/drawing/2014/main" id="{A3D7CEA2-71A8-C244-B299-C21EB227748F}"/>
-              </a:ext>
-            </a:extLst>
-          </p:cNvPr>
-          <p:cNvPicPr>
-            <a:picLocks noChangeAspect="1"/>
-          </p:cNvPicPr>
-          <p:nvPr/>
-        </p:nvPicPr>
-        <p:blipFill>
-          <a:blip r:embed="rId2"/>
-          <a:stretch>
-            <a:fillRect/>
-          </a:stretch>
-        </p:blipFill>
-        <p:spPr>
-          <a:xfrm>
-            <a:off x="198271" y="1247775"/>
-            <a:ext cx="4122783" cy="965200"/>
+            <a:off x="181935" y="1011577"/>
+            <a:ext cx="4246230" cy="1437595"/>
           </a:xfrm>
           <a:prstGeom prst="rect">
             <a:avLst/>
@@ -3628,7 +3806,7 @@
     </p:spTree>
     <p:extLst>
       <p:ext uri="{BB962C8B-B14F-4D97-AF65-F5344CB8AC3E}">
-        <p14:creationId xmlns:p14="http://schemas.microsoft.com/office/powerpoint/2010/main" val="4178273517"/>
+        <p14:creationId xmlns:p14="http://schemas.microsoft.com/office/powerpoint/2010/main" val="1539295739"/>
       </p:ext>
     </p:extLst>
   </p:cSld>
@@ -3732,7 +3910,7 @@
         </p:nvSpPr>
         <p:spPr>
           <a:xfrm>
-            <a:off x="263455" y="505396"/>
+            <a:off x="217321" y="486740"/>
             <a:ext cx="3977640" cy="198755"/>
           </a:xfrm>
           <a:custGeom>
@@ -3782,8 +3960,8 @@
         </p:nvSpPr>
         <p:spPr>
           <a:xfrm>
-            <a:off x="315264" y="485875"/>
-            <a:ext cx="1035050" cy="207645"/>
+            <a:off x="275296" y="486740"/>
+            <a:ext cx="2182153" cy="196849"/>
           </a:xfrm>
           <a:prstGeom prst="rect">
             <a:avLst/>
@@ -3832,6 +4010,16 @@
                 <a:cs typeface="Palatino Linotype"/>
               </a:rPr>
               <a:t>Model</a:t>
+            </a:r>
+            <a:r>
+              <a:rPr lang="en-US" sz="1200" spc="-55" dirty="0">
+                <a:solidFill>
+                  <a:srgbClr val="58180C"/>
+                </a:solidFill>
+                <a:latin typeface="Palatino Linotype"/>
+                <a:cs typeface="Palatino Linotype"/>
+              </a:rPr>
+              <a:t> (Candidate 2)</a:t>
             </a:r>
             <a:endParaRPr sz="1200" dirty="0">
               <a:latin typeface="Palatino Linotype"/>
@@ -3958,6 +4146,407 @@
             <a:fld id="{81D60167-4931-47E6-BA6A-407CBD079E47}" type="slidenum">
               <a:rPr spc="20" dirty="0"/>
               <a:t>13</a:t>
+            </a:fld>
+            <a:r>
+              <a:rPr spc="20" dirty="0"/>
+              <a:t>/15</a:t>
+            </a:r>
+          </a:p>
+        </p:txBody>
+      </p:sp>
+      <p:pic>
+        <p:nvPicPr>
+          <p:cNvPr id="9" name="Picture 8">
+            <a:extLst>
+              <a:ext uri="{FF2B5EF4-FFF2-40B4-BE49-F238E27FC236}">
+                <a16:creationId xmlns:a16="http://schemas.microsoft.com/office/drawing/2014/main" id="{84FA99F2-6BCE-2348-93CE-202D77701344}"/>
+              </a:ext>
+            </a:extLst>
+          </p:cNvPr>
+          <p:cNvPicPr>
+            <a:picLocks noChangeAspect="1"/>
+          </p:cNvPicPr>
+          <p:nvPr/>
+        </p:nvPicPr>
+        <p:blipFill>
+          <a:blip r:embed="rId2"/>
+          <a:stretch>
+            <a:fillRect/>
+          </a:stretch>
+        </p:blipFill>
+        <p:spPr>
+          <a:xfrm>
+            <a:off x="197119" y="1247775"/>
+            <a:ext cx="4122783" cy="965200"/>
+          </a:xfrm>
+          <a:prstGeom prst="rect">
+            <a:avLst/>
+          </a:prstGeom>
+        </p:spPr>
+      </p:pic>
+      <p:pic>
+        <p:nvPicPr>
+          <p:cNvPr id="10" name="Picture 9">
+            <a:extLst>
+              <a:ext uri="{FF2B5EF4-FFF2-40B4-BE49-F238E27FC236}">
+                <a16:creationId xmlns:a16="http://schemas.microsoft.com/office/drawing/2014/main" id="{A3D7CEA2-71A8-C244-B299-C21EB227748F}"/>
+              </a:ext>
+            </a:extLst>
+          </p:cNvPr>
+          <p:cNvPicPr>
+            <a:picLocks noChangeAspect="1"/>
+          </p:cNvPicPr>
+          <p:nvPr/>
+        </p:nvPicPr>
+        <p:blipFill>
+          <a:blip r:embed="rId2"/>
+          <a:stretch>
+            <a:fillRect/>
+          </a:stretch>
+        </p:blipFill>
+        <p:spPr>
+          <a:xfrm>
+            <a:off x="198271" y="1247775"/>
+            <a:ext cx="4122783" cy="965200"/>
+          </a:xfrm>
+          <a:prstGeom prst="rect">
+            <a:avLst/>
+          </a:prstGeom>
+        </p:spPr>
+      </p:pic>
+    </p:spTree>
+    <p:extLst>
+      <p:ext uri="{BB962C8B-B14F-4D97-AF65-F5344CB8AC3E}">
+        <p14:creationId xmlns:p14="http://schemas.microsoft.com/office/powerpoint/2010/main" val="4178273517"/>
+      </p:ext>
+    </p:extLst>
+  </p:cSld>
+  <p:clrMapOvr>
+    <a:masterClrMapping/>
+  </p:clrMapOvr>
+  <p:transition>
+    <p:cut/>
+  </p:transition>
+</p:sld>
+</file>
+
+<file path=ppt/slides/slide14.xml><?xml version="1.0" encoding="utf-8"?>
+<p:sld xmlns:a="http://schemas.openxmlformats.org/drawingml/2006/main" xmlns:r="http://schemas.openxmlformats.org/officeDocument/2006/relationships" xmlns:p="http://schemas.openxmlformats.org/presentationml/2006/main">
+  <p:cSld>
+    <p:spTree>
+      <p:nvGrpSpPr>
+        <p:cNvPr id="1" name=""/>
+        <p:cNvGrpSpPr/>
+        <p:nvPr/>
+      </p:nvGrpSpPr>
+      <p:grpSpPr>
+        <a:xfrm>
+          <a:off x="0" y="0"/>
+          <a:ext cx="0" cy="0"/>
+          <a:chOff x="0" y="0"/>
+          <a:chExt cx="0" cy="0"/>
+        </a:xfrm>
+      </p:grpSpPr>
+      <p:sp>
+        <p:nvSpPr>
+          <p:cNvPr id="2" name="object 2"/>
+          <p:cNvSpPr txBox="1"/>
+          <p:nvPr/>
+        </p:nvSpPr>
+        <p:spPr>
+          <a:xfrm>
+            <a:off x="275297" y="121180"/>
+            <a:ext cx="1264285" cy="244475"/>
+          </a:xfrm>
+          <a:prstGeom prst="rect">
+            <a:avLst/>
+          </a:prstGeom>
+        </p:spPr>
+        <p:txBody>
+          <a:bodyPr vert="horz" wrap="square" lIns="0" tIns="17145" rIns="0" bIns="0" rtlCol="0">
+            <a:spAutoFit/>
+          </a:bodyPr>
+          <a:lstStyle/>
+          <a:p>
+            <a:pPr marL="12700">
+              <a:lnSpc>
+                <a:spcPct val="100000"/>
+              </a:lnSpc>
+              <a:spcBef>
+                <a:spcPts val="135"/>
+              </a:spcBef>
+            </a:pPr>
+            <a:r>
+              <a:rPr sz="1400" spc="-45" dirty="0">
+                <a:solidFill>
+                  <a:srgbClr val="58180C"/>
+                </a:solidFill>
+                <a:latin typeface="Palatino Linotype"/>
+                <a:cs typeface="Palatino Linotype"/>
+              </a:rPr>
+              <a:t>Model</a:t>
+            </a:r>
+            <a:r>
+              <a:rPr sz="1400" spc="55" dirty="0">
+                <a:solidFill>
+                  <a:srgbClr val="58180C"/>
+                </a:solidFill>
+                <a:latin typeface="Palatino Linotype"/>
+                <a:cs typeface="Palatino Linotype"/>
+              </a:rPr>
+              <a:t> </a:t>
+            </a:r>
+            <a:r>
+              <a:rPr sz="1400" spc="-10" dirty="0">
+                <a:solidFill>
+                  <a:srgbClr val="58180C"/>
+                </a:solidFill>
+                <a:latin typeface="Palatino Linotype"/>
+                <a:cs typeface="Palatino Linotype"/>
+              </a:rPr>
+              <a:t>Selection</a:t>
+            </a:r>
+            <a:endParaRPr sz="1400" dirty="0">
+              <a:latin typeface="Palatino Linotype"/>
+              <a:cs typeface="Palatino Linotype"/>
+            </a:endParaRPr>
+          </a:p>
+        </p:txBody>
+      </p:sp>
+      <p:sp>
+        <p:nvSpPr>
+          <p:cNvPr id="3" name="object 3"/>
+          <p:cNvSpPr/>
+          <p:nvPr/>
+        </p:nvSpPr>
+        <p:spPr>
+          <a:xfrm>
+            <a:off x="263455" y="505396"/>
+            <a:ext cx="3977640" cy="198755"/>
+          </a:xfrm>
+          <a:custGeom>
+            <a:avLst/>
+            <a:gdLst/>
+            <a:ahLst/>
+            <a:cxnLst/>
+            <a:rect l="l" t="t" r="r" b="b"/>
+            <a:pathLst>
+              <a:path w="3977640" h="198755">
+                <a:moveTo>
+                  <a:pt x="0" y="198361"/>
+                </a:moveTo>
+                <a:lnTo>
+                  <a:pt x="3977474" y="198361"/>
+                </a:lnTo>
+                <a:lnTo>
+                  <a:pt x="3977474" y="0"/>
+                </a:lnTo>
+                <a:lnTo>
+                  <a:pt x="0" y="0"/>
+                </a:lnTo>
+                <a:lnTo>
+                  <a:pt x="0" y="198361"/>
+                </a:lnTo>
+                <a:close/>
+              </a:path>
+            </a:pathLst>
+          </a:custGeom>
+          <a:solidFill>
+            <a:srgbClr val="DBE4E4"/>
+          </a:solidFill>
+        </p:spPr>
+        <p:txBody>
+          <a:bodyPr wrap="square" lIns="0" tIns="0" rIns="0" bIns="0" rtlCol="0"/>
+          <a:lstStyle/>
+          <a:p>
+            <a:endParaRPr dirty="0"/>
+          </a:p>
+        </p:txBody>
+      </p:sp>
+      <p:sp>
+        <p:nvSpPr>
+          <p:cNvPr id="4" name="object 4"/>
+          <p:cNvSpPr txBox="1"/>
+          <p:nvPr/>
+        </p:nvSpPr>
+        <p:spPr>
+          <a:xfrm>
+            <a:off x="315264" y="485875"/>
+            <a:ext cx="1035050" cy="207645"/>
+          </a:xfrm>
+          <a:prstGeom prst="rect">
+            <a:avLst/>
+          </a:prstGeom>
+        </p:spPr>
+        <p:txBody>
+          <a:bodyPr vert="horz" wrap="square" lIns="0" tIns="12065" rIns="0" bIns="0" rtlCol="0">
+            <a:spAutoFit/>
+          </a:bodyPr>
+          <a:lstStyle/>
+          <a:p>
+            <a:pPr marL="12700">
+              <a:lnSpc>
+                <a:spcPct val="100000"/>
+              </a:lnSpc>
+              <a:spcBef>
+                <a:spcPts val="95"/>
+              </a:spcBef>
+            </a:pPr>
+            <a:r>
+              <a:rPr sz="1200" spc="-50" dirty="0">
+                <a:solidFill>
+                  <a:srgbClr val="58180C"/>
+                </a:solidFill>
+                <a:latin typeface="Palatino Linotype"/>
+                <a:cs typeface="Palatino Linotype"/>
+              </a:rPr>
+              <a:t>Reduced</a:t>
+            </a:r>
+            <a:r>
+              <a:rPr sz="1200" spc="30" dirty="0">
+                <a:solidFill>
+                  <a:srgbClr val="58180C"/>
+                </a:solidFill>
+                <a:latin typeface="Palatino Linotype"/>
+                <a:cs typeface="Palatino Linotype"/>
+              </a:rPr>
+              <a:t> </a:t>
+            </a:r>
+            <a:r>
+              <a:rPr sz="1200" spc="-55" dirty="0">
+                <a:solidFill>
+                  <a:srgbClr val="58180C"/>
+                </a:solidFill>
+                <a:latin typeface="Palatino Linotype"/>
+                <a:cs typeface="Palatino Linotype"/>
+              </a:rPr>
+              <a:t>Model</a:t>
+            </a:r>
+            <a:endParaRPr sz="1200" dirty="0">
+              <a:latin typeface="Palatino Linotype"/>
+              <a:cs typeface="Palatino Linotype"/>
+            </a:endParaRPr>
+          </a:p>
+        </p:txBody>
+      </p:sp>
+      <p:sp>
+        <p:nvSpPr>
+          <p:cNvPr id="5" name="object 5"/>
+          <p:cNvSpPr/>
+          <p:nvPr/>
+        </p:nvSpPr>
+        <p:spPr>
+          <a:xfrm flipV="1">
+            <a:off x="315264" y="1596473"/>
+            <a:ext cx="45719" cy="45719"/>
+          </a:xfrm>
+          <a:custGeom>
+            <a:avLst/>
+            <a:gdLst/>
+            <a:ahLst/>
+            <a:cxnLst/>
+            <a:rect l="l" t="t" r="r" b="b"/>
+            <a:pathLst>
+              <a:path w="89535">
+                <a:moveTo>
+                  <a:pt x="0" y="0"/>
+                </a:moveTo>
+                <a:lnTo>
+                  <a:pt x="89471" y="0"/>
+                </a:lnTo>
+              </a:path>
+            </a:pathLst>
+          </a:custGeom>
+          <a:ln w="44742">
+            <a:solidFill>
+              <a:srgbClr val="F7F2E5"/>
+            </a:solidFill>
+          </a:ln>
+        </p:spPr>
+        <p:txBody>
+          <a:bodyPr wrap="square" lIns="0" tIns="0" rIns="0" bIns="0" rtlCol="0"/>
+          <a:lstStyle/>
+          <a:p>
+            <a:endParaRPr dirty="0"/>
+          </a:p>
+        </p:txBody>
+      </p:sp>
+      <p:sp>
+        <p:nvSpPr>
+          <p:cNvPr id="6" name="object 6"/>
+          <p:cNvSpPr txBox="1">
+            <a:spLocks noGrp="1"/>
+          </p:cNvSpPr>
+          <p:nvPr>
+            <p:ph type="ftr" sz="quarter" idx="5"/>
+          </p:nvPr>
+        </p:nvSpPr>
+        <p:spPr>
+          <a:prstGeom prst="rect">
+            <a:avLst/>
+          </a:prstGeom>
+        </p:spPr>
+        <p:txBody>
+          <a:bodyPr vert="horz" wrap="square" lIns="0" tIns="21590" rIns="0" bIns="0" rtlCol="0">
+            <a:spAutoFit/>
+          </a:bodyPr>
+          <a:lstStyle/>
+          <a:p>
+            <a:pPr marL="12700">
+              <a:lnSpc>
+                <a:spcPct val="100000"/>
+              </a:lnSpc>
+              <a:spcBef>
+                <a:spcPts val="170"/>
+              </a:spcBef>
+            </a:pPr>
+            <a:r>
+              <a:rPr spc="80" dirty="0"/>
+              <a:t>Stat </a:t>
+            </a:r>
+            <a:r>
+              <a:rPr spc="65" dirty="0"/>
+              <a:t>680A</a:t>
+            </a:r>
+            <a:r>
+              <a:rPr spc="55" dirty="0"/>
+              <a:t> Presentation</a:t>
+            </a:r>
+          </a:p>
+        </p:txBody>
+      </p:sp>
+      <p:sp>
+        <p:nvSpPr>
+          <p:cNvPr id="7" name="object 7"/>
+          <p:cNvSpPr txBox="1">
+            <a:spLocks noGrp="1"/>
+          </p:cNvSpPr>
+          <p:nvPr>
+            <p:ph type="sldNum" sz="quarter" idx="7"/>
+          </p:nvPr>
+        </p:nvSpPr>
+        <p:spPr>
+          <a:prstGeom prst="rect">
+            <a:avLst/>
+          </a:prstGeom>
+        </p:spPr>
+        <p:txBody>
+          <a:bodyPr vert="horz" wrap="square" lIns="0" tIns="18415" rIns="0" bIns="0" rtlCol="0">
+            <a:spAutoFit/>
+          </a:bodyPr>
+          <a:lstStyle/>
+          <a:p>
+            <a:pPr marL="25400">
+              <a:lnSpc>
+                <a:spcPct val="100000"/>
+              </a:lnSpc>
+              <a:spcBef>
+                <a:spcPts val="145"/>
+              </a:spcBef>
+            </a:pPr>
+            <a:fld id="{81D60167-4931-47E6-BA6A-407CBD079E47}" type="slidenum">
+              <a:rPr spc="20" dirty="0"/>
+              <a:t>14</a:t>
             </a:fld>
             <a:r>
               <a:rPr spc="20" dirty="0"/>
@@ -4067,7 +4656,7 @@
 </p:sld>
 </file>
 
-<file path=ppt/slides/slide14.xml><?xml version="1.0" encoding="utf-8"?>
+<file path=ppt/slides/slide15.xml><?xml version="1.0" encoding="utf-8"?>
 <p:sld xmlns:a="http://schemas.openxmlformats.org/drawingml/2006/main" xmlns:r="http://schemas.openxmlformats.org/officeDocument/2006/relationships" xmlns:p="http://schemas.openxmlformats.org/presentationml/2006/main">
   <p:cSld>
     <p:spTree>
@@ -4225,7 +4814,7 @@
             </a:pPr>
             <a:fld id="{81D60167-4931-47E6-BA6A-407CBD079E47}" type="slidenum">
               <a:rPr spc="20" dirty="0"/>
-              <a:t>14</a:t>
+              <a:t>15</a:t>
             </a:fld>
             <a:r>
               <a:rPr spc="20" dirty="0"/>
@@ -4418,7 +5007,7 @@
 </p:sld>
 </file>
 
-<file path=ppt/slides/slide15.xml><?xml version="1.0" encoding="utf-8"?>
+<file path=ppt/slides/slide16.xml><?xml version="1.0" encoding="utf-8"?>
 <p:sld xmlns:a="http://schemas.openxmlformats.org/drawingml/2006/main" xmlns:r="http://schemas.openxmlformats.org/officeDocument/2006/relationships" xmlns:p="http://schemas.openxmlformats.org/presentationml/2006/main">
   <p:cSld>
     <p:spTree>
@@ -4576,7 +5165,7 @@
             </a:pPr>
             <a:fld id="{81D60167-4931-47E6-BA6A-407CBD079E47}" type="slidenum">
               <a:rPr spc="20" dirty="0"/>
-              <a:t>15</a:t>
+              <a:t>16</a:t>
             </a:fld>
             <a:r>
               <a:rPr spc="20" dirty="0"/>
@@ -4624,7 +5213,7 @@
 </p:sld>
 </file>
 
-<file path=ppt/slides/slide16.xml><?xml version="1.0" encoding="utf-8"?>
+<file path=ppt/slides/slide17.xml><?xml version="1.0" encoding="utf-8"?>
 <p:sld xmlns:a="http://schemas.openxmlformats.org/drawingml/2006/main" xmlns:r="http://schemas.openxmlformats.org/officeDocument/2006/relationships" xmlns:p="http://schemas.openxmlformats.org/presentationml/2006/main">
   <p:cSld>
     <p:spTree>
@@ -4756,7 +5345,7 @@
 </p:sld>
 </file>
 
-<file path=ppt/slides/slide17.xml><?xml version="1.0" encoding="utf-8"?>
+<file path=ppt/slides/slide18.xml><?xml version="1.0" encoding="utf-8"?>
 <p:sld xmlns:a="http://schemas.openxmlformats.org/drawingml/2006/main" xmlns:r="http://schemas.openxmlformats.org/officeDocument/2006/relationships" xmlns:p="http://schemas.openxmlformats.org/presentationml/2006/main">
   <p:cSld>
     <p:spTree>
@@ -4951,7 +5540,7 @@
             </a:pPr>
             <a:fld id="{81D60167-4931-47E6-BA6A-407CBD079E47}" type="slidenum">
               <a:rPr spc="20" dirty="0"/>
-              <a:t>17</a:t>
+              <a:t>18</a:t>
             </a:fld>
             <a:r>
               <a:rPr spc="20" dirty="0"/>
@@ -5055,7 +5644,7 @@
 </p:sld>
 </file>
 
-<file path=ppt/slides/slide18.xml><?xml version="1.0" encoding="utf-8"?>
+<file path=ppt/slides/slide19.xml><?xml version="1.0" encoding="utf-8"?>
 <p:sld xmlns:a="http://schemas.openxmlformats.org/drawingml/2006/main" xmlns:r="http://schemas.openxmlformats.org/officeDocument/2006/relationships" xmlns:p="http://schemas.openxmlformats.org/presentationml/2006/main">
   <p:cSld>
     <p:spTree>
@@ -5193,7 +5782,7 @@
             </a:pPr>
             <a:fld id="{81D60167-4931-47E6-BA6A-407CBD079E47}" type="slidenum">
               <a:rPr spc="20" dirty="0"/>
-              <a:t>18</a:t>
+              <a:t>19</a:t>
             </a:fld>
             <a:r>
               <a:rPr spc="20" dirty="0"/>
@@ -5414,976 +6003,6 @@
 </p:sld>
 </file>
 
-<file path=ppt/slides/slide19.xml><?xml version="1.0" encoding="utf-8"?>
-<p:sld xmlns:a="http://schemas.openxmlformats.org/drawingml/2006/main" xmlns:r="http://schemas.openxmlformats.org/officeDocument/2006/relationships" xmlns:p="http://schemas.openxmlformats.org/presentationml/2006/main">
-  <p:cSld>
-    <p:spTree>
-      <p:nvGrpSpPr>
-        <p:cNvPr id="1" name=""/>
-        <p:cNvGrpSpPr/>
-        <p:nvPr/>
-      </p:nvGrpSpPr>
-      <p:grpSpPr>
-        <a:xfrm>
-          <a:off x="0" y="0"/>
-          <a:ext cx="0" cy="0"/>
-          <a:chOff x="0" y="0"/>
-          <a:chExt cx="0" cy="0"/>
-        </a:xfrm>
-      </p:grpSpPr>
-      <p:sp>
-        <p:nvSpPr>
-          <p:cNvPr id="2" name="object 2"/>
-          <p:cNvSpPr txBox="1">
-            <a:spLocks noGrp="1"/>
-          </p:cNvSpPr>
-          <p:nvPr>
-            <p:ph type="title"/>
-          </p:nvPr>
-        </p:nvSpPr>
-        <p:spPr>
-          <a:xfrm>
-            <a:off x="275297" y="121180"/>
-            <a:ext cx="845819" cy="244475"/>
-          </a:xfrm>
-          <a:prstGeom prst="rect">
-            <a:avLst/>
-          </a:prstGeom>
-        </p:spPr>
-        <p:txBody>
-          <a:bodyPr vert="horz" wrap="square" lIns="0" tIns="17145" rIns="0" bIns="0" rtlCol="0">
-            <a:spAutoFit/>
-          </a:bodyPr>
-          <a:lstStyle/>
-          <a:p>
-            <a:pPr marL="12700">
-              <a:lnSpc>
-                <a:spcPct val="100000"/>
-              </a:lnSpc>
-              <a:spcBef>
-                <a:spcPts val="135"/>
-              </a:spcBef>
-            </a:pPr>
-            <a:r>
-              <a:rPr spc="-30" dirty="0"/>
-              <a:t>References</a:t>
-            </a:r>
-          </a:p>
-        </p:txBody>
-      </p:sp>
-      <p:sp>
-        <p:nvSpPr>
-          <p:cNvPr id="4" name="object 4"/>
-          <p:cNvSpPr txBox="1">
-            <a:spLocks noGrp="1"/>
-          </p:cNvSpPr>
-          <p:nvPr>
-            <p:ph type="ftr" sz="quarter" idx="5"/>
-          </p:nvPr>
-        </p:nvSpPr>
-        <p:spPr>
-          <a:prstGeom prst="rect">
-            <a:avLst/>
-          </a:prstGeom>
-        </p:spPr>
-        <p:txBody>
-          <a:bodyPr vert="horz" wrap="square" lIns="0" tIns="21590" rIns="0" bIns="0" rtlCol="0">
-            <a:spAutoFit/>
-          </a:bodyPr>
-          <a:lstStyle/>
-          <a:p>
-            <a:pPr marL="12700">
-              <a:lnSpc>
-                <a:spcPct val="100000"/>
-              </a:lnSpc>
-              <a:spcBef>
-                <a:spcPts val="170"/>
-              </a:spcBef>
-            </a:pPr>
-            <a:r>
-              <a:rPr spc="80" dirty="0"/>
-              <a:t>Stat </a:t>
-            </a:r>
-            <a:r>
-              <a:rPr spc="65" dirty="0"/>
-              <a:t>680A</a:t>
-            </a:r>
-            <a:r>
-              <a:rPr spc="55" dirty="0"/>
-              <a:t> Presentation</a:t>
-            </a:r>
-          </a:p>
-        </p:txBody>
-      </p:sp>
-      <p:sp>
-        <p:nvSpPr>
-          <p:cNvPr id="5" name="object 5"/>
-          <p:cNvSpPr txBox="1">
-            <a:spLocks noGrp="1"/>
-          </p:cNvSpPr>
-          <p:nvPr>
-            <p:ph type="sldNum" sz="quarter" idx="7"/>
-          </p:nvPr>
-        </p:nvSpPr>
-        <p:spPr>
-          <a:prstGeom prst="rect">
-            <a:avLst/>
-          </a:prstGeom>
-        </p:spPr>
-        <p:txBody>
-          <a:bodyPr vert="horz" wrap="square" lIns="0" tIns="18415" rIns="0" bIns="0" rtlCol="0">
-            <a:spAutoFit/>
-          </a:bodyPr>
-          <a:lstStyle/>
-          <a:p>
-            <a:pPr marL="25400">
-              <a:lnSpc>
-                <a:spcPct val="100000"/>
-              </a:lnSpc>
-              <a:spcBef>
-                <a:spcPts val="145"/>
-              </a:spcBef>
-            </a:pPr>
-            <a:fld id="{81D60167-4931-47E6-BA6A-407CBD079E47}" type="slidenum">
-              <a:rPr spc="20" dirty="0"/>
-              <a:t>19</a:t>
-            </a:fld>
-            <a:r>
-              <a:rPr spc="20" dirty="0"/>
-              <a:t>/15</a:t>
-            </a:r>
-          </a:p>
-        </p:txBody>
-      </p:sp>
-      <p:sp>
-        <p:nvSpPr>
-          <p:cNvPr id="3" name="object 3"/>
-          <p:cNvSpPr txBox="1"/>
-          <p:nvPr/>
-        </p:nvSpPr>
-        <p:spPr>
-          <a:xfrm>
-            <a:off x="447357" y="513409"/>
-            <a:ext cx="3802379" cy="2618740"/>
-          </a:xfrm>
-          <a:prstGeom prst="rect">
-            <a:avLst/>
-          </a:prstGeom>
-        </p:spPr>
-        <p:txBody>
-          <a:bodyPr vert="horz" wrap="square" lIns="0" tIns="29209" rIns="0" bIns="0" rtlCol="0">
-            <a:spAutoFit/>
-          </a:bodyPr>
-          <a:lstStyle/>
-          <a:p>
-            <a:pPr marL="189230" marR="55244" indent="-177165">
-              <a:lnSpc>
-                <a:spcPts val="1200"/>
-              </a:lnSpc>
-              <a:spcBef>
-                <a:spcPts val="229"/>
-              </a:spcBef>
-            </a:pPr>
-            <a:r>
-              <a:rPr sz="1650" spc="165" baseline="5050" dirty="0">
-                <a:solidFill>
-                  <a:srgbClr val="58180C"/>
-                </a:solidFill>
-                <a:latin typeface="Arial Black"/>
-                <a:cs typeface="Arial Black"/>
-              </a:rPr>
-              <a:t>e </a:t>
-            </a:r>
-            <a:r>
-              <a:rPr sz="1000" spc="25" dirty="0">
-                <a:latin typeface="Georgia"/>
-                <a:cs typeface="Georgia"/>
-              </a:rPr>
-              <a:t>“SEER </a:t>
-            </a:r>
-            <a:r>
-              <a:rPr sz="1000" spc="-10" dirty="0">
-                <a:latin typeface="Georgia"/>
-                <a:cs typeface="Georgia"/>
-              </a:rPr>
-              <a:t>Cancer </a:t>
-            </a:r>
-            <a:r>
-              <a:rPr sz="1000" spc="-5" dirty="0">
-                <a:latin typeface="Georgia"/>
-                <a:cs typeface="Georgia"/>
-              </a:rPr>
-              <a:t>Fact </a:t>
-            </a:r>
-            <a:r>
-              <a:rPr sz="1000" spc="-25" dirty="0">
-                <a:latin typeface="Georgia"/>
-                <a:cs typeface="Georgia"/>
-              </a:rPr>
-              <a:t>Sheet: </a:t>
-            </a:r>
-            <a:r>
-              <a:rPr sz="1000" spc="-5" dirty="0">
-                <a:latin typeface="Georgia"/>
-                <a:cs typeface="Georgia"/>
-              </a:rPr>
-              <a:t>Prostate </a:t>
-            </a:r>
-            <a:r>
-              <a:rPr sz="1000" spc="-15" dirty="0">
-                <a:latin typeface="Georgia"/>
-                <a:cs typeface="Georgia"/>
-              </a:rPr>
-              <a:t>Cancer”. </a:t>
-            </a:r>
-            <a:r>
-              <a:rPr sz="1000" spc="-30" dirty="0">
-                <a:latin typeface="Georgia"/>
-                <a:cs typeface="Georgia"/>
-              </a:rPr>
-              <a:t>NIH. </a:t>
-            </a:r>
-            <a:r>
-              <a:rPr sz="1000" spc="-30" dirty="0">
-                <a:latin typeface="Georgia"/>
-                <a:cs typeface="Georgia"/>
-                <a:hlinkClick r:id="rId2"/>
-              </a:rPr>
-              <a:t> </a:t>
-            </a:r>
-            <a:r>
-              <a:rPr sz="1000" spc="-15" dirty="0">
-                <a:latin typeface="Georgia"/>
-                <a:cs typeface="Georgia"/>
-                <a:hlinkClick r:id="rId2"/>
-              </a:rPr>
-              <a:t>https://seer.cancer.gov/statfacts/html/prost.html</a:t>
-            </a:r>
-            <a:r>
-              <a:rPr sz="1000" spc="-15" dirty="0">
-                <a:latin typeface="Georgia"/>
-                <a:cs typeface="Georgia"/>
-              </a:rPr>
-              <a:t>. Retrieved</a:t>
-            </a:r>
-            <a:r>
-              <a:rPr sz="1000" spc="95" dirty="0">
-                <a:latin typeface="Georgia"/>
-                <a:cs typeface="Georgia"/>
-              </a:rPr>
-              <a:t> </a:t>
-            </a:r>
-            <a:r>
-              <a:rPr sz="1000" spc="5" dirty="0">
-                <a:latin typeface="Georgia"/>
-                <a:cs typeface="Georgia"/>
-              </a:rPr>
-              <a:t>13</a:t>
-            </a:r>
-            <a:endParaRPr sz="1000" dirty="0">
-              <a:latin typeface="Georgia"/>
-              <a:cs typeface="Georgia"/>
-            </a:endParaRPr>
-          </a:p>
-          <a:p>
-            <a:pPr marL="189230">
-              <a:lnSpc>
-                <a:spcPts val="1150"/>
-              </a:lnSpc>
-            </a:pPr>
-            <a:r>
-              <a:rPr sz="1000" spc="-35" dirty="0">
-                <a:latin typeface="Georgia"/>
-                <a:cs typeface="Georgia"/>
-              </a:rPr>
-              <a:t>November</a:t>
-            </a:r>
-            <a:r>
-              <a:rPr sz="1000" spc="85" dirty="0">
-                <a:latin typeface="Georgia"/>
-                <a:cs typeface="Georgia"/>
-              </a:rPr>
-              <a:t> </a:t>
-            </a:r>
-            <a:r>
-              <a:rPr sz="1000" spc="-40" dirty="0">
-                <a:latin typeface="Georgia"/>
-                <a:cs typeface="Georgia"/>
-              </a:rPr>
-              <a:t>2018.</a:t>
-            </a:r>
-            <a:endParaRPr sz="1000" dirty="0">
-              <a:latin typeface="Georgia"/>
-              <a:cs typeface="Georgia"/>
-            </a:endParaRPr>
-          </a:p>
-          <a:p>
-            <a:pPr marL="189230" marR="440055" indent="-168275">
-              <a:lnSpc>
-                <a:spcPts val="1200"/>
-              </a:lnSpc>
-              <a:spcBef>
-                <a:spcPts val="35"/>
-              </a:spcBef>
-            </a:pPr>
-            <a:r>
-              <a:rPr sz="1500" spc="157" baseline="5555" dirty="0">
-                <a:solidFill>
-                  <a:srgbClr val="58180C"/>
-                </a:solidFill>
-                <a:latin typeface="Arial Black"/>
-                <a:cs typeface="Arial Black"/>
-              </a:rPr>
-              <a:t>e </a:t>
-            </a:r>
-            <a:r>
-              <a:rPr sz="1000" spc="5" dirty="0">
-                <a:latin typeface="Georgia"/>
-                <a:cs typeface="Georgia"/>
-              </a:rPr>
-              <a:t>“Prostate </a:t>
-            </a:r>
-            <a:r>
-              <a:rPr sz="1000" spc="-10" dirty="0">
-                <a:latin typeface="Georgia"/>
-                <a:cs typeface="Georgia"/>
-              </a:rPr>
-              <a:t>Cancer </a:t>
-            </a:r>
-            <a:r>
-              <a:rPr sz="1000" spc="-25" dirty="0">
-                <a:latin typeface="Georgia"/>
-                <a:cs typeface="Georgia"/>
-              </a:rPr>
-              <a:t>Treatment”. </a:t>
-            </a:r>
-            <a:r>
-              <a:rPr sz="1000" spc="-15" dirty="0">
-                <a:latin typeface="Georgia"/>
-                <a:cs typeface="Georgia"/>
-              </a:rPr>
-              <a:t>National </a:t>
-            </a:r>
-            <a:r>
-              <a:rPr sz="1000" spc="-10" dirty="0">
-                <a:latin typeface="Georgia"/>
-                <a:cs typeface="Georgia"/>
-              </a:rPr>
-              <a:t>Cancer </a:t>
-            </a:r>
-            <a:r>
-              <a:rPr sz="1000" spc="-5" dirty="0">
-                <a:latin typeface="Georgia"/>
-                <a:cs typeface="Georgia"/>
-              </a:rPr>
-              <a:t>Institute. </a:t>
-            </a:r>
-            <a:r>
-              <a:rPr sz="1000" spc="-5" dirty="0">
-                <a:latin typeface="Georgia"/>
-                <a:cs typeface="Georgia"/>
-                <a:hlinkClick r:id="rId3"/>
-              </a:rPr>
-              <a:t> </a:t>
-            </a:r>
-            <a:r>
-              <a:rPr sz="1000" spc="-15" dirty="0">
-                <a:latin typeface="Georgia"/>
-                <a:cs typeface="Georgia"/>
-                <a:hlinkClick r:id="rId3"/>
-              </a:rPr>
-              <a:t>https://www.cancer.gov/types/</a:t>
-            </a:r>
-            <a:endParaRPr sz="1000" dirty="0">
-              <a:latin typeface="Georgia"/>
-              <a:cs typeface="Georgia"/>
-            </a:endParaRPr>
-          </a:p>
-          <a:p>
-            <a:pPr marL="189230">
-              <a:lnSpc>
-                <a:spcPts val="1150"/>
-              </a:lnSpc>
-            </a:pPr>
-            <a:r>
-              <a:rPr sz="1000" spc="-15" dirty="0">
-                <a:latin typeface="Georgia"/>
-                <a:cs typeface="Georgia"/>
-              </a:rPr>
-              <a:t>prostate/patient/prostate-treatment. Retrieved </a:t>
-            </a:r>
-            <a:r>
-              <a:rPr sz="1000" spc="5" dirty="0">
-                <a:latin typeface="Georgia"/>
-                <a:cs typeface="Georgia"/>
-              </a:rPr>
-              <a:t>13</a:t>
-            </a:r>
-            <a:r>
-              <a:rPr sz="1000" spc="-35" dirty="0">
-                <a:latin typeface="Georgia"/>
-                <a:cs typeface="Georgia"/>
-              </a:rPr>
-              <a:t> November</a:t>
-            </a:r>
-            <a:endParaRPr sz="1000" dirty="0">
-              <a:latin typeface="Georgia"/>
-              <a:cs typeface="Georgia"/>
-            </a:endParaRPr>
-          </a:p>
-          <a:p>
-            <a:pPr marL="186055">
-              <a:lnSpc>
-                <a:spcPts val="1195"/>
-              </a:lnSpc>
-            </a:pPr>
-            <a:r>
-              <a:rPr sz="1000" spc="-40" dirty="0">
-                <a:latin typeface="Georgia"/>
-                <a:cs typeface="Georgia"/>
-              </a:rPr>
-              <a:t>2018.</a:t>
-            </a:r>
-            <a:endParaRPr sz="1000" dirty="0">
-              <a:latin typeface="Georgia"/>
-              <a:cs typeface="Georgia"/>
-            </a:endParaRPr>
-          </a:p>
-          <a:p>
-            <a:pPr marL="189230" marR="5080" indent="-168275">
-              <a:lnSpc>
-                <a:spcPts val="1200"/>
-              </a:lnSpc>
-              <a:spcBef>
-                <a:spcPts val="40"/>
-              </a:spcBef>
-            </a:pPr>
-            <a:r>
-              <a:rPr sz="1500" spc="157" baseline="5555" dirty="0">
-                <a:solidFill>
-                  <a:srgbClr val="58180C"/>
-                </a:solidFill>
-                <a:latin typeface="Arial Black"/>
-                <a:cs typeface="Arial Black"/>
-              </a:rPr>
-              <a:t>e </a:t>
-            </a:r>
-            <a:r>
-              <a:rPr sz="1000" spc="-25" dirty="0">
-                <a:latin typeface="Georgia"/>
-                <a:cs typeface="Georgia"/>
-              </a:rPr>
-              <a:t>Ruddon, </a:t>
-            </a:r>
-            <a:r>
-              <a:rPr sz="1000" spc="-20" dirty="0">
-                <a:latin typeface="Georgia"/>
-                <a:cs typeface="Georgia"/>
-              </a:rPr>
-              <a:t>Raymond </a:t>
-            </a:r>
-            <a:r>
-              <a:rPr sz="1000" spc="25" dirty="0">
-                <a:latin typeface="Georgia"/>
-                <a:cs typeface="Georgia"/>
-              </a:rPr>
-              <a:t>W. </a:t>
-            </a:r>
-            <a:r>
-              <a:rPr sz="1000" spc="-45" dirty="0">
-                <a:latin typeface="Georgia"/>
-                <a:cs typeface="Georgia"/>
-              </a:rPr>
-              <a:t>(2007). </a:t>
-            </a:r>
-            <a:r>
-              <a:rPr sz="1000" spc="-10" dirty="0">
-                <a:latin typeface="Georgia"/>
-                <a:cs typeface="Georgia"/>
-              </a:rPr>
-              <a:t>Cancer </a:t>
-            </a:r>
-            <a:r>
-              <a:rPr sz="1000" spc="-20" dirty="0">
-                <a:latin typeface="Georgia"/>
-                <a:cs typeface="Georgia"/>
-              </a:rPr>
-              <a:t>biology </a:t>
-            </a:r>
-            <a:r>
-              <a:rPr sz="1000" spc="-15" dirty="0">
-                <a:latin typeface="Georgia"/>
-                <a:cs typeface="Georgia"/>
-              </a:rPr>
-              <a:t>(4th </a:t>
-            </a:r>
-            <a:r>
-              <a:rPr sz="1000" spc="-10" dirty="0">
-                <a:latin typeface="Georgia"/>
-                <a:cs typeface="Georgia"/>
-              </a:rPr>
-              <a:t>ed.). </a:t>
-            </a:r>
-            <a:r>
-              <a:rPr sz="1000" spc="-15" dirty="0">
-                <a:latin typeface="Georgia"/>
-                <a:cs typeface="Georgia"/>
-              </a:rPr>
-              <a:t>Oxford:  Oxford University Press. </a:t>
-            </a:r>
-            <a:r>
-              <a:rPr sz="1000" spc="-10" dirty="0">
-                <a:latin typeface="Georgia"/>
-                <a:cs typeface="Georgia"/>
-              </a:rPr>
-              <a:t>p. </a:t>
-            </a:r>
-            <a:r>
-              <a:rPr sz="1000" spc="-45" dirty="0">
-                <a:latin typeface="Georgia"/>
-                <a:cs typeface="Georgia"/>
-              </a:rPr>
-              <a:t>223. </a:t>
-            </a:r>
-            <a:r>
-              <a:rPr sz="1000" spc="-5" dirty="0">
-                <a:latin typeface="Georgia"/>
-                <a:cs typeface="Georgia"/>
-              </a:rPr>
-              <a:t>ISBN</a:t>
-            </a:r>
-            <a:r>
-              <a:rPr sz="1000" spc="-20" dirty="0">
-                <a:latin typeface="Georgia"/>
-                <a:cs typeface="Georgia"/>
-              </a:rPr>
-              <a:t> </a:t>
-            </a:r>
-            <a:r>
-              <a:rPr sz="1000" spc="-25" dirty="0">
-                <a:latin typeface="Georgia"/>
-                <a:cs typeface="Georgia"/>
-              </a:rPr>
-              <a:t>9780195175431.</a:t>
-            </a:r>
-            <a:endParaRPr sz="1000" dirty="0">
-              <a:latin typeface="Georgia"/>
-              <a:cs typeface="Georgia"/>
-            </a:endParaRPr>
-          </a:p>
-          <a:p>
-            <a:pPr marL="21590">
-              <a:lnSpc>
-                <a:spcPts val="1150"/>
-              </a:lnSpc>
-            </a:pPr>
-            <a:r>
-              <a:rPr sz="1500" spc="157" baseline="5555" dirty="0">
-                <a:solidFill>
-                  <a:srgbClr val="58180C"/>
-                </a:solidFill>
-                <a:latin typeface="Arial Black"/>
-                <a:cs typeface="Arial Black"/>
-              </a:rPr>
-              <a:t>e </a:t>
-            </a:r>
-            <a:r>
-              <a:rPr sz="1000" spc="-5" dirty="0">
-                <a:latin typeface="Georgia"/>
-                <a:cs typeface="Georgia"/>
-              </a:rPr>
-              <a:t>Clinical </a:t>
-            </a:r>
-            <a:r>
-              <a:rPr sz="1000" spc="-25" dirty="0">
-                <a:latin typeface="Georgia"/>
-                <a:cs typeface="Georgia"/>
-              </a:rPr>
-              <a:t>and </a:t>
-            </a:r>
-            <a:r>
-              <a:rPr sz="1000" spc="-20" dirty="0">
-                <a:latin typeface="Georgia"/>
-                <a:cs typeface="Georgia"/>
-              </a:rPr>
-              <a:t>pathological </a:t>
-            </a:r>
-            <a:r>
-              <a:rPr sz="1000" spc="-25" dirty="0">
-                <a:latin typeface="Georgia"/>
-                <a:cs typeface="Georgia"/>
-              </a:rPr>
-              <a:t>significance </a:t>
-            </a:r>
-            <a:r>
-              <a:rPr sz="1000" spc="-35" dirty="0">
-                <a:latin typeface="Georgia"/>
-                <a:cs typeface="Georgia"/>
-              </a:rPr>
-              <a:t>of </a:t>
-            </a:r>
-            <a:r>
-              <a:rPr sz="1000" spc="-15" dirty="0">
-                <a:latin typeface="Georgia"/>
-                <a:cs typeface="Georgia"/>
-              </a:rPr>
-              <a:t>the </a:t>
-            </a:r>
-            <a:r>
-              <a:rPr sz="1000" spc="-25" dirty="0">
-                <a:latin typeface="Georgia"/>
-                <a:cs typeface="Georgia"/>
-              </a:rPr>
-              <a:t>level and </a:t>
-            </a:r>
-            <a:r>
-              <a:rPr sz="1000" spc="-10" dirty="0">
-                <a:latin typeface="Georgia"/>
-                <a:cs typeface="Georgia"/>
-              </a:rPr>
-              <a:t>extent</a:t>
-            </a:r>
-            <a:r>
-              <a:rPr sz="1000" spc="40" dirty="0">
-                <a:latin typeface="Georgia"/>
-                <a:cs typeface="Georgia"/>
-              </a:rPr>
-              <a:t> </a:t>
-            </a:r>
-            <a:r>
-              <a:rPr sz="1000" spc="-35" dirty="0">
-                <a:latin typeface="Georgia"/>
-                <a:cs typeface="Georgia"/>
-              </a:rPr>
-              <a:t>of</a:t>
-            </a:r>
-            <a:endParaRPr sz="1000" dirty="0">
-              <a:latin typeface="Georgia"/>
-              <a:cs typeface="Georgia"/>
-            </a:endParaRPr>
-          </a:p>
-          <a:p>
-            <a:pPr marL="182880" marR="250190" indent="6350">
-              <a:lnSpc>
-                <a:spcPts val="1200"/>
-              </a:lnSpc>
-              <a:spcBef>
-                <a:spcPts val="40"/>
-              </a:spcBef>
-            </a:pPr>
-            <a:r>
-              <a:rPr sz="1000" spc="-20" dirty="0">
-                <a:latin typeface="Georgia"/>
-                <a:cs typeface="Georgia"/>
-              </a:rPr>
-              <a:t>capsular </a:t>
-            </a:r>
-            <a:r>
-              <a:rPr sz="1000" spc="-35" dirty="0">
-                <a:latin typeface="Georgia"/>
-                <a:cs typeface="Georgia"/>
-              </a:rPr>
-              <a:t>invasion </a:t>
-            </a:r>
-            <a:r>
-              <a:rPr sz="1000" spc="-30" dirty="0">
-                <a:latin typeface="Georgia"/>
-                <a:cs typeface="Georgia"/>
-              </a:rPr>
-              <a:t>in </a:t>
-            </a:r>
-            <a:r>
-              <a:rPr sz="1000" spc="-15" dirty="0">
-                <a:latin typeface="Georgia"/>
-                <a:cs typeface="Georgia"/>
-              </a:rPr>
-              <a:t>clinical stage </a:t>
-            </a:r>
-            <a:r>
-              <a:rPr sz="1000" spc="-10" dirty="0">
-                <a:latin typeface="Georgia"/>
-                <a:cs typeface="Georgia"/>
-              </a:rPr>
-              <a:t>T1–2 </a:t>
-            </a:r>
-            <a:r>
-              <a:rPr sz="1000" spc="-15" dirty="0">
-                <a:latin typeface="Georgia"/>
-                <a:cs typeface="Georgia"/>
-              </a:rPr>
-              <a:t>prostate </a:t>
-            </a:r>
-            <a:r>
-              <a:rPr sz="1000" spc="-20" dirty="0">
-                <a:latin typeface="Georgia"/>
-                <a:cs typeface="Georgia"/>
-              </a:rPr>
-              <a:t>cancer. </a:t>
-            </a:r>
-            <a:r>
-              <a:rPr sz="1000" spc="40" dirty="0">
-                <a:latin typeface="Georgia"/>
-                <a:cs typeface="Georgia"/>
-              </a:rPr>
-              <a:t>TM  </a:t>
-            </a:r>
-            <a:r>
-              <a:rPr sz="1000" spc="-20" dirty="0">
-                <a:latin typeface="Georgia"/>
-                <a:cs typeface="Georgia"/>
-              </a:rPr>
-              <a:t>Wheeler, </a:t>
-            </a:r>
-            <a:r>
-              <a:rPr sz="1000" spc="30" dirty="0">
-                <a:latin typeface="Georgia"/>
-                <a:cs typeface="Georgia"/>
-              </a:rPr>
-              <a:t>O </a:t>
-            </a:r>
-            <a:r>
-              <a:rPr sz="1000" spc="-20" dirty="0">
-                <a:latin typeface="Georgia"/>
-                <a:cs typeface="Georgia"/>
-              </a:rPr>
-              <a:t>Dillioglugil, </a:t>
-            </a:r>
-            <a:r>
-              <a:rPr sz="1000" spc="10" dirty="0">
-                <a:latin typeface="Georgia"/>
-                <a:cs typeface="Georgia"/>
-              </a:rPr>
-              <a:t>MW Kattan, </a:t>
-            </a:r>
-            <a:r>
-              <a:rPr sz="1000" spc="75" dirty="0">
-                <a:latin typeface="Georgia"/>
-                <a:cs typeface="Georgia"/>
-              </a:rPr>
-              <a:t>A </a:t>
-            </a:r>
-            <a:r>
-              <a:rPr sz="1000" spc="-5" dirty="0">
-                <a:latin typeface="Georgia"/>
-                <a:cs typeface="Georgia"/>
-              </a:rPr>
-              <a:t>Arakawa. </a:t>
-            </a:r>
-            <a:r>
-              <a:rPr sz="1000" spc="-45" dirty="0">
-                <a:latin typeface="Georgia"/>
-                <a:cs typeface="Georgia"/>
-              </a:rPr>
-              <a:t>- </a:t>
-            </a:r>
-            <a:r>
-              <a:rPr sz="1000" spc="-40" dirty="0">
-                <a:latin typeface="Georgia"/>
-                <a:cs typeface="Georgia"/>
-              </a:rPr>
-              <a:t>Human  </a:t>
-            </a:r>
-            <a:r>
-              <a:rPr sz="1000" spc="-20" dirty="0">
-                <a:latin typeface="Georgia"/>
-                <a:cs typeface="Georgia"/>
-              </a:rPr>
-              <a:t>pathology,</a:t>
-            </a:r>
-            <a:r>
-              <a:rPr sz="1000" spc="85" dirty="0">
-                <a:latin typeface="Georgia"/>
-                <a:cs typeface="Georgia"/>
-              </a:rPr>
-              <a:t> </a:t>
-            </a:r>
-            <a:r>
-              <a:rPr sz="1000" spc="-35" dirty="0">
-                <a:latin typeface="Georgia"/>
-                <a:cs typeface="Georgia"/>
-              </a:rPr>
-              <a:t>1998.</a:t>
-            </a:r>
-            <a:endParaRPr sz="1000" dirty="0">
-              <a:latin typeface="Georgia"/>
-              <a:cs typeface="Georgia"/>
-            </a:endParaRPr>
-          </a:p>
-          <a:p>
-            <a:pPr marL="21590">
-              <a:lnSpc>
-                <a:spcPts val="1145"/>
-              </a:lnSpc>
-            </a:pPr>
-            <a:r>
-              <a:rPr sz="1500" spc="157" baseline="5555" dirty="0">
-                <a:solidFill>
-                  <a:srgbClr val="58180C"/>
-                </a:solidFill>
-                <a:latin typeface="Arial Black"/>
-                <a:cs typeface="Arial Black"/>
-              </a:rPr>
-              <a:t>e </a:t>
-            </a:r>
-            <a:r>
-              <a:rPr sz="1000" spc="-20" dirty="0">
-                <a:latin typeface="Georgia"/>
-                <a:cs typeface="Georgia"/>
-              </a:rPr>
-              <a:t>“Interpreting Diagnostic</a:t>
-            </a:r>
-            <a:r>
-              <a:rPr sz="1000" spc="80" dirty="0">
-                <a:latin typeface="Georgia"/>
-                <a:cs typeface="Georgia"/>
-              </a:rPr>
-              <a:t> </a:t>
-            </a:r>
-            <a:r>
-              <a:rPr sz="1000" spc="-20" dirty="0">
-                <a:latin typeface="Georgia"/>
-                <a:cs typeface="Georgia"/>
-              </a:rPr>
-              <a:t>Tests”.</a:t>
-            </a:r>
-            <a:endParaRPr sz="1000" dirty="0">
-              <a:latin typeface="Georgia"/>
-              <a:cs typeface="Georgia"/>
-            </a:endParaRPr>
-          </a:p>
-          <a:p>
-            <a:pPr marL="186055" marR="63500" indent="2540" algn="just">
-              <a:lnSpc>
-                <a:spcPts val="1200"/>
-              </a:lnSpc>
-              <a:spcBef>
-                <a:spcPts val="35"/>
-              </a:spcBef>
-            </a:pPr>
-            <a:r>
-              <a:rPr sz="1000" spc="-15" dirty="0">
-                <a:latin typeface="Georgia"/>
-                <a:cs typeface="Georgia"/>
-                <a:hlinkClick r:id="rId4"/>
-              </a:rPr>
-              <a:t>http://gim.unmc.edu/dxtests/roc3.htm</a:t>
-            </a:r>
-            <a:r>
-              <a:rPr sz="1000" spc="-15" dirty="0">
-                <a:latin typeface="Georgia"/>
-                <a:cs typeface="Georgia"/>
-              </a:rPr>
-              <a:t>. </a:t>
-            </a:r>
-            <a:r>
-              <a:rPr sz="1000" spc="-5" dirty="0">
-                <a:latin typeface="Georgia"/>
-                <a:cs typeface="Georgia"/>
-              </a:rPr>
-              <a:t>Tape, </a:t>
-            </a:r>
-            <a:r>
-              <a:rPr sz="1000" spc="-15" dirty="0">
-                <a:latin typeface="Georgia"/>
-                <a:cs typeface="Georgia"/>
-              </a:rPr>
-              <a:t>Thomas </a:t>
-            </a:r>
-            <a:r>
-              <a:rPr sz="1000" spc="25" dirty="0">
-                <a:latin typeface="Georgia"/>
-                <a:cs typeface="Georgia"/>
-              </a:rPr>
-              <a:t>G. </a:t>
-            </a:r>
-            <a:r>
-              <a:rPr sz="1000" spc="-5" dirty="0">
-                <a:latin typeface="Georgia"/>
-                <a:cs typeface="Georgia"/>
-              </a:rPr>
-              <a:t>MD.  </a:t>
-            </a:r>
-            <a:r>
-              <a:rPr sz="1000" spc="-15" dirty="0">
-                <a:latin typeface="Georgia"/>
-                <a:cs typeface="Georgia"/>
-              </a:rPr>
-              <a:t>University </a:t>
-            </a:r>
-            <a:r>
-              <a:rPr sz="1000" spc="-35" dirty="0">
-                <a:latin typeface="Georgia"/>
-                <a:cs typeface="Georgia"/>
-              </a:rPr>
-              <a:t>of </a:t>
-            </a:r>
-            <a:r>
-              <a:rPr sz="1000" spc="-20" dirty="0">
-                <a:latin typeface="Georgia"/>
-                <a:cs typeface="Georgia"/>
-              </a:rPr>
-              <a:t>Nebraska </a:t>
-            </a:r>
-            <a:r>
-              <a:rPr sz="1000" spc="-25" dirty="0">
-                <a:latin typeface="Georgia"/>
-                <a:cs typeface="Georgia"/>
-              </a:rPr>
-              <a:t>Medical </a:t>
-            </a:r>
-            <a:r>
-              <a:rPr sz="1000" spc="-10" dirty="0">
-                <a:latin typeface="Georgia"/>
-                <a:cs typeface="Georgia"/>
-              </a:rPr>
-              <a:t>Center. </a:t>
-            </a:r>
-            <a:r>
-              <a:rPr sz="1000" spc="-15" dirty="0">
-                <a:latin typeface="Georgia"/>
-                <a:cs typeface="Georgia"/>
-              </a:rPr>
-              <a:t>Retrieved </a:t>
-            </a:r>
-            <a:r>
-              <a:rPr sz="1000" spc="5" dirty="0">
-                <a:latin typeface="Georgia"/>
-                <a:cs typeface="Georgia"/>
-              </a:rPr>
-              <a:t>13 </a:t>
-            </a:r>
-            <a:r>
-              <a:rPr sz="1000" spc="-35" dirty="0">
-                <a:latin typeface="Georgia"/>
-                <a:cs typeface="Georgia"/>
-              </a:rPr>
-              <a:t>November  </a:t>
-            </a:r>
-            <a:r>
-              <a:rPr sz="1000" spc="-40" dirty="0">
-                <a:latin typeface="Georgia"/>
-                <a:cs typeface="Georgia"/>
-              </a:rPr>
-              <a:t>2018.</a:t>
-            </a:r>
-            <a:endParaRPr sz="1000" dirty="0">
-              <a:latin typeface="Georgia"/>
-              <a:cs typeface="Georgia"/>
-            </a:endParaRPr>
-          </a:p>
-        </p:txBody>
-      </p:sp>
-    </p:spTree>
-  </p:cSld>
-  <p:clrMapOvr>
-    <a:masterClrMapping/>
-  </p:clrMapOvr>
-  <p:transition>
-    <p:cut/>
-  </p:transition>
-</p:sld>
-</file>
-
 <file path=ppt/slides/slide2.xml><?xml version="1.0" encoding="utf-8"?>
 <p:sld xmlns:a="http://schemas.openxmlformats.org/drawingml/2006/main" xmlns:r="http://schemas.openxmlformats.org/officeDocument/2006/relationships" xmlns:p="http://schemas.openxmlformats.org/presentationml/2006/main">
   <p:cSld>
@@ -6452,6 +6071,10 @@
           </p:nvPr>
         </p:nvSpPr>
         <p:spPr>
+          <a:xfrm>
+            <a:off x="1716874" y="3204555"/>
+            <a:ext cx="978535" cy="114134"/>
+          </a:xfrm>
           <a:prstGeom prst="rect">
             <a:avLst/>
           </a:prstGeom>
@@ -6475,8 +6098,8 @@
               <a:t>Stat </a:t>
             </a:r>
             <a:r>
-              <a:rPr spc="65" dirty="0"/>
-              <a:t>680A</a:t>
+              <a:rPr lang="en-US" spc="65" dirty="0"/>
+              <a:t>795</a:t>
             </a:r>
             <a:r>
               <a:rPr spc="55" dirty="0"/>
@@ -6726,6 +6349,976 @@
               <a:t>Conclusion</a:t>
             </a:r>
             <a:endParaRPr sz="1100" dirty="0">
+              <a:latin typeface="Georgia"/>
+              <a:cs typeface="Georgia"/>
+            </a:endParaRPr>
+          </a:p>
+        </p:txBody>
+      </p:sp>
+    </p:spTree>
+  </p:cSld>
+  <p:clrMapOvr>
+    <a:masterClrMapping/>
+  </p:clrMapOvr>
+  <p:transition>
+    <p:cut/>
+  </p:transition>
+</p:sld>
+</file>
+
+<file path=ppt/slides/slide20.xml><?xml version="1.0" encoding="utf-8"?>
+<p:sld xmlns:a="http://schemas.openxmlformats.org/drawingml/2006/main" xmlns:r="http://schemas.openxmlformats.org/officeDocument/2006/relationships" xmlns:p="http://schemas.openxmlformats.org/presentationml/2006/main">
+  <p:cSld>
+    <p:spTree>
+      <p:nvGrpSpPr>
+        <p:cNvPr id="1" name=""/>
+        <p:cNvGrpSpPr/>
+        <p:nvPr/>
+      </p:nvGrpSpPr>
+      <p:grpSpPr>
+        <a:xfrm>
+          <a:off x="0" y="0"/>
+          <a:ext cx="0" cy="0"/>
+          <a:chOff x="0" y="0"/>
+          <a:chExt cx="0" cy="0"/>
+        </a:xfrm>
+      </p:grpSpPr>
+      <p:sp>
+        <p:nvSpPr>
+          <p:cNvPr id="2" name="object 2"/>
+          <p:cNvSpPr txBox="1">
+            <a:spLocks noGrp="1"/>
+          </p:cNvSpPr>
+          <p:nvPr>
+            <p:ph type="title"/>
+          </p:nvPr>
+        </p:nvSpPr>
+        <p:spPr>
+          <a:xfrm>
+            <a:off x="275297" y="121180"/>
+            <a:ext cx="845819" cy="244475"/>
+          </a:xfrm>
+          <a:prstGeom prst="rect">
+            <a:avLst/>
+          </a:prstGeom>
+        </p:spPr>
+        <p:txBody>
+          <a:bodyPr vert="horz" wrap="square" lIns="0" tIns="17145" rIns="0" bIns="0" rtlCol="0">
+            <a:spAutoFit/>
+          </a:bodyPr>
+          <a:lstStyle/>
+          <a:p>
+            <a:pPr marL="12700">
+              <a:lnSpc>
+                <a:spcPct val="100000"/>
+              </a:lnSpc>
+              <a:spcBef>
+                <a:spcPts val="135"/>
+              </a:spcBef>
+            </a:pPr>
+            <a:r>
+              <a:rPr spc="-30" dirty="0"/>
+              <a:t>References</a:t>
+            </a:r>
+          </a:p>
+        </p:txBody>
+      </p:sp>
+      <p:sp>
+        <p:nvSpPr>
+          <p:cNvPr id="4" name="object 4"/>
+          <p:cNvSpPr txBox="1">
+            <a:spLocks noGrp="1"/>
+          </p:cNvSpPr>
+          <p:nvPr>
+            <p:ph type="ftr" sz="quarter" idx="5"/>
+          </p:nvPr>
+        </p:nvSpPr>
+        <p:spPr>
+          <a:prstGeom prst="rect">
+            <a:avLst/>
+          </a:prstGeom>
+        </p:spPr>
+        <p:txBody>
+          <a:bodyPr vert="horz" wrap="square" lIns="0" tIns="21590" rIns="0" bIns="0" rtlCol="0">
+            <a:spAutoFit/>
+          </a:bodyPr>
+          <a:lstStyle/>
+          <a:p>
+            <a:pPr marL="12700">
+              <a:lnSpc>
+                <a:spcPct val="100000"/>
+              </a:lnSpc>
+              <a:spcBef>
+                <a:spcPts val="170"/>
+              </a:spcBef>
+            </a:pPr>
+            <a:r>
+              <a:rPr spc="80" dirty="0"/>
+              <a:t>Stat </a:t>
+            </a:r>
+            <a:r>
+              <a:rPr spc="65" dirty="0"/>
+              <a:t>680A</a:t>
+            </a:r>
+            <a:r>
+              <a:rPr spc="55" dirty="0"/>
+              <a:t> Presentation</a:t>
+            </a:r>
+          </a:p>
+        </p:txBody>
+      </p:sp>
+      <p:sp>
+        <p:nvSpPr>
+          <p:cNvPr id="5" name="object 5"/>
+          <p:cNvSpPr txBox="1">
+            <a:spLocks noGrp="1"/>
+          </p:cNvSpPr>
+          <p:nvPr>
+            <p:ph type="sldNum" sz="quarter" idx="7"/>
+          </p:nvPr>
+        </p:nvSpPr>
+        <p:spPr>
+          <a:prstGeom prst="rect">
+            <a:avLst/>
+          </a:prstGeom>
+        </p:spPr>
+        <p:txBody>
+          <a:bodyPr vert="horz" wrap="square" lIns="0" tIns="18415" rIns="0" bIns="0" rtlCol="0">
+            <a:spAutoFit/>
+          </a:bodyPr>
+          <a:lstStyle/>
+          <a:p>
+            <a:pPr marL="25400">
+              <a:lnSpc>
+                <a:spcPct val="100000"/>
+              </a:lnSpc>
+              <a:spcBef>
+                <a:spcPts val="145"/>
+              </a:spcBef>
+            </a:pPr>
+            <a:fld id="{81D60167-4931-47E6-BA6A-407CBD079E47}" type="slidenum">
+              <a:rPr spc="20" dirty="0"/>
+              <a:t>20</a:t>
+            </a:fld>
+            <a:r>
+              <a:rPr spc="20" dirty="0"/>
+              <a:t>/15</a:t>
+            </a:r>
+          </a:p>
+        </p:txBody>
+      </p:sp>
+      <p:sp>
+        <p:nvSpPr>
+          <p:cNvPr id="3" name="object 3"/>
+          <p:cNvSpPr txBox="1"/>
+          <p:nvPr/>
+        </p:nvSpPr>
+        <p:spPr>
+          <a:xfrm>
+            <a:off x="447357" y="513409"/>
+            <a:ext cx="3802379" cy="2618740"/>
+          </a:xfrm>
+          <a:prstGeom prst="rect">
+            <a:avLst/>
+          </a:prstGeom>
+        </p:spPr>
+        <p:txBody>
+          <a:bodyPr vert="horz" wrap="square" lIns="0" tIns="29209" rIns="0" bIns="0" rtlCol="0">
+            <a:spAutoFit/>
+          </a:bodyPr>
+          <a:lstStyle/>
+          <a:p>
+            <a:pPr marL="189230" marR="55244" indent="-177165">
+              <a:lnSpc>
+                <a:spcPts val="1200"/>
+              </a:lnSpc>
+              <a:spcBef>
+                <a:spcPts val="229"/>
+              </a:spcBef>
+            </a:pPr>
+            <a:r>
+              <a:rPr sz="1650" spc="165" baseline="5050" dirty="0">
+                <a:solidFill>
+                  <a:srgbClr val="58180C"/>
+                </a:solidFill>
+                <a:latin typeface="Arial Black"/>
+                <a:cs typeface="Arial Black"/>
+              </a:rPr>
+              <a:t>e </a:t>
+            </a:r>
+            <a:r>
+              <a:rPr sz="1000" spc="25" dirty="0">
+                <a:latin typeface="Georgia"/>
+                <a:cs typeface="Georgia"/>
+              </a:rPr>
+              <a:t>“SEER </a:t>
+            </a:r>
+            <a:r>
+              <a:rPr sz="1000" spc="-10" dirty="0">
+                <a:latin typeface="Georgia"/>
+                <a:cs typeface="Georgia"/>
+              </a:rPr>
+              <a:t>Cancer </a:t>
+            </a:r>
+            <a:r>
+              <a:rPr sz="1000" spc="-5" dirty="0">
+                <a:latin typeface="Georgia"/>
+                <a:cs typeface="Georgia"/>
+              </a:rPr>
+              <a:t>Fact </a:t>
+            </a:r>
+            <a:r>
+              <a:rPr sz="1000" spc="-25" dirty="0">
+                <a:latin typeface="Georgia"/>
+                <a:cs typeface="Georgia"/>
+              </a:rPr>
+              <a:t>Sheet: </a:t>
+            </a:r>
+            <a:r>
+              <a:rPr sz="1000" spc="-5" dirty="0">
+                <a:latin typeface="Georgia"/>
+                <a:cs typeface="Georgia"/>
+              </a:rPr>
+              <a:t>Prostate </a:t>
+            </a:r>
+            <a:r>
+              <a:rPr sz="1000" spc="-15" dirty="0">
+                <a:latin typeface="Georgia"/>
+                <a:cs typeface="Georgia"/>
+              </a:rPr>
+              <a:t>Cancer”. </a:t>
+            </a:r>
+            <a:r>
+              <a:rPr sz="1000" spc="-30" dirty="0">
+                <a:latin typeface="Georgia"/>
+                <a:cs typeface="Georgia"/>
+              </a:rPr>
+              <a:t>NIH. </a:t>
+            </a:r>
+            <a:r>
+              <a:rPr sz="1000" spc="-30" dirty="0">
+                <a:latin typeface="Georgia"/>
+                <a:cs typeface="Georgia"/>
+                <a:hlinkClick r:id="rId2"/>
+              </a:rPr>
+              <a:t> </a:t>
+            </a:r>
+            <a:r>
+              <a:rPr sz="1000" spc="-15" dirty="0">
+                <a:latin typeface="Georgia"/>
+                <a:cs typeface="Georgia"/>
+                <a:hlinkClick r:id="rId2"/>
+              </a:rPr>
+              <a:t>https://seer.cancer.gov/statfacts/html/prost.html</a:t>
+            </a:r>
+            <a:r>
+              <a:rPr sz="1000" spc="-15" dirty="0">
+                <a:latin typeface="Georgia"/>
+                <a:cs typeface="Georgia"/>
+              </a:rPr>
+              <a:t>. Retrieved</a:t>
+            </a:r>
+            <a:r>
+              <a:rPr sz="1000" spc="95" dirty="0">
+                <a:latin typeface="Georgia"/>
+                <a:cs typeface="Georgia"/>
+              </a:rPr>
+              <a:t> </a:t>
+            </a:r>
+            <a:r>
+              <a:rPr sz="1000" spc="5" dirty="0">
+                <a:latin typeface="Georgia"/>
+                <a:cs typeface="Georgia"/>
+              </a:rPr>
+              <a:t>13</a:t>
+            </a:r>
+            <a:endParaRPr sz="1000" dirty="0">
+              <a:latin typeface="Georgia"/>
+              <a:cs typeface="Georgia"/>
+            </a:endParaRPr>
+          </a:p>
+          <a:p>
+            <a:pPr marL="189230">
+              <a:lnSpc>
+                <a:spcPts val="1150"/>
+              </a:lnSpc>
+            </a:pPr>
+            <a:r>
+              <a:rPr sz="1000" spc="-35" dirty="0">
+                <a:latin typeface="Georgia"/>
+                <a:cs typeface="Georgia"/>
+              </a:rPr>
+              <a:t>November</a:t>
+            </a:r>
+            <a:r>
+              <a:rPr sz="1000" spc="85" dirty="0">
+                <a:latin typeface="Georgia"/>
+                <a:cs typeface="Georgia"/>
+              </a:rPr>
+              <a:t> </a:t>
+            </a:r>
+            <a:r>
+              <a:rPr sz="1000" spc="-40" dirty="0">
+                <a:latin typeface="Georgia"/>
+                <a:cs typeface="Georgia"/>
+              </a:rPr>
+              <a:t>2018.</a:t>
+            </a:r>
+            <a:endParaRPr sz="1000" dirty="0">
+              <a:latin typeface="Georgia"/>
+              <a:cs typeface="Georgia"/>
+            </a:endParaRPr>
+          </a:p>
+          <a:p>
+            <a:pPr marL="189230" marR="440055" indent="-168275">
+              <a:lnSpc>
+                <a:spcPts val="1200"/>
+              </a:lnSpc>
+              <a:spcBef>
+                <a:spcPts val="35"/>
+              </a:spcBef>
+            </a:pPr>
+            <a:r>
+              <a:rPr sz="1500" spc="157" baseline="5555" dirty="0">
+                <a:solidFill>
+                  <a:srgbClr val="58180C"/>
+                </a:solidFill>
+                <a:latin typeface="Arial Black"/>
+                <a:cs typeface="Arial Black"/>
+              </a:rPr>
+              <a:t>e </a:t>
+            </a:r>
+            <a:r>
+              <a:rPr sz="1000" spc="5" dirty="0">
+                <a:latin typeface="Georgia"/>
+                <a:cs typeface="Georgia"/>
+              </a:rPr>
+              <a:t>“Prostate </a:t>
+            </a:r>
+            <a:r>
+              <a:rPr sz="1000" spc="-10" dirty="0">
+                <a:latin typeface="Georgia"/>
+                <a:cs typeface="Georgia"/>
+              </a:rPr>
+              <a:t>Cancer </a:t>
+            </a:r>
+            <a:r>
+              <a:rPr sz="1000" spc="-25" dirty="0">
+                <a:latin typeface="Georgia"/>
+                <a:cs typeface="Georgia"/>
+              </a:rPr>
+              <a:t>Treatment”. </a:t>
+            </a:r>
+            <a:r>
+              <a:rPr sz="1000" spc="-15" dirty="0">
+                <a:latin typeface="Georgia"/>
+                <a:cs typeface="Georgia"/>
+              </a:rPr>
+              <a:t>National </a:t>
+            </a:r>
+            <a:r>
+              <a:rPr sz="1000" spc="-10" dirty="0">
+                <a:latin typeface="Georgia"/>
+                <a:cs typeface="Georgia"/>
+              </a:rPr>
+              <a:t>Cancer </a:t>
+            </a:r>
+            <a:r>
+              <a:rPr sz="1000" spc="-5" dirty="0">
+                <a:latin typeface="Georgia"/>
+                <a:cs typeface="Georgia"/>
+              </a:rPr>
+              <a:t>Institute. </a:t>
+            </a:r>
+            <a:r>
+              <a:rPr sz="1000" spc="-5" dirty="0">
+                <a:latin typeface="Georgia"/>
+                <a:cs typeface="Georgia"/>
+                <a:hlinkClick r:id="rId3"/>
+              </a:rPr>
+              <a:t> </a:t>
+            </a:r>
+            <a:r>
+              <a:rPr sz="1000" spc="-15" dirty="0">
+                <a:latin typeface="Georgia"/>
+                <a:cs typeface="Georgia"/>
+                <a:hlinkClick r:id="rId3"/>
+              </a:rPr>
+              <a:t>https://www.cancer.gov/types/</a:t>
+            </a:r>
+            <a:endParaRPr sz="1000" dirty="0">
+              <a:latin typeface="Georgia"/>
+              <a:cs typeface="Georgia"/>
+            </a:endParaRPr>
+          </a:p>
+          <a:p>
+            <a:pPr marL="189230">
+              <a:lnSpc>
+                <a:spcPts val="1150"/>
+              </a:lnSpc>
+            </a:pPr>
+            <a:r>
+              <a:rPr sz="1000" spc="-15" dirty="0">
+                <a:latin typeface="Georgia"/>
+                <a:cs typeface="Georgia"/>
+              </a:rPr>
+              <a:t>prostate/patient/prostate-treatment. Retrieved </a:t>
+            </a:r>
+            <a:r>
+              <a:rPr sz="1000" spc="5" dirty="0">
+                <a:latin typeface="Georgia"/>
+                <a:cs typeface="Georgia"/>
+              </a:rPr>
+              <a:t>13</a:t>
+            </a:r>
+            <a:r>
+              <a:rPr sz="1000" spc="-35" dirty="0">
+                <a:latin typeface="Georgia"/>
+                <a:cs typeface="Georgia"/>
+              </a:rPr>
+              <a:t> November</a:t>
+            </a:r>
+            <a:endParaRPr sz="1000" dirty="0">
+              <a:latin typeface="Georgia"/>
+              <a:cs typeface="Georgia"/>
+            </a:endParaRPr>
+          </a:p>
+          <a:p>
+            <a:pPr marL="186055">
+              <a:lnSpc>
+                <a:spcPts val="1195"/>
+              </a:lnSpc>
+            </a:pPr>
+            <a:r>
+              <a:rPr sz="1000" spc="-40" dirty="0">
+                <a:latin typeface="Georgia"/>
+                <a:cs typeface="Georgia"/>
+              </a:rPr>
+              <a:t>2018.</a:t>
+            </a:r>
+            <a:endParaRPr sz="1000" dirty="0">
+              <a:latin typeface="Georgia"/>
+              <a:cs typeface="Georgia"/>
+            </a:endParaRPr>
+          </a:p>
+          <a:p>
+            <a:pPr marL="189230" marR="5080" indent="-168275">
+              <a:lnSpc>
+                <a:spcPts val="1200"/>
+              </a:lnSpc>
+              <a:spcBef>
+                <a:spcPts val="40"/>
+              </a:spcBef>
+            </a:pPr>
+            <a:r>
+              <a:rPr sz="1500" spc="157" baseline="5555" dirty="0">
+                <a:solidFill>
+                  <a:srgbClr val="58180C"/>
+                </a:solidFill>
+                <a:latin typeface="Arial Black"/>
+                <a:cs typeface="Arial Black"/>
+              </a:rPr>
+              <a:t>e </a:t>
+            </a:r>
+            <a:r>
+              <a:rPr sz="1000" spc="-25" dirty="0">
+                <a:latin typeface="Georgia"/>
+                <a:cs typeface="Georgia"/>
+              </a:rPr>
+              <a:t>Ruddon, </a:t>
+            </a:r>
+            <a:r>
+              <a:rPr sz="1000" spc="-20" dirty="0">
+                <a:latin typeface="Georgia"/>
+                <a:cs typeface="Georgia"/>
+              </a:rPr>
+              <a:t>Raymond </a:t>
+            </a:r>
+            <a:r>
+              <a:rPr sz="1000" spc="25" dirty="0">
+                <a:latin typeface="Georgia"/>
+                <a:cs typeface="Georgia"/>
+              </a:rPr>
+              <a:t>W. </a:t>
+            </a:r>
+            <a:r>
+              <a:rPr sz="1000" spc="-45" dirty="0">
+                <a:latin typeface="Georgia"/>
+                <a:cs typeface="Georgia"/>
+              </a:rPr>
+              <a:t>(2007). </a:t>
+            </a:r>
+            <a:r>
+              <a:rPr sz="1000" spc="-10" dirty="0">
+                <a:latin typeface="Georgia"/>
+                <a:cs typeface="Georgia"/>
+              </a:rPr>
+              <a:t>Cancer </a:t>
+            </a:r>
+            <a:r>
+              <a:rPr sz="1000" spc="-20" dirty="0">
+                <a:latin typeface="Georgia"/>
+                <a:cs typeface="Georgia"/>
+              </a:rPr>
+              <a:t>biology </a:t>
+            </a:r>
+            <a:r>
+              <a:rPr sz="1000" spc="-15" dirty="0">
+                <a:latin typeface="Georgia"/>
+                <a:cs typeface="Georgia"/>
+              </a:rPr>
+              <a:t>(4th </a:t>
+            </a:r>
+            <a:r>
+              <a:rPr sz="1000" spc="-10" dirty="0">
+                <a:latin typeface="Georgia"/>
+                <a:cs typeface="Georgia"/>
+              </a:rPr>
+              <a:t>ed.). </a:t>
+            </a:r>
+            <a:r>
+              <a:rPr sz="1000" spc="-15" dirty="0">
+                <a:latin typeface="Georgia"/>
+                <a:cs typeface="Georgia"/>
+              </a:rPr>
+              <a:t>Oxford:  Oxford University Press. </a:t>
+            </a:r>
+            <a:r>
+              <a:rPr sz="1000" spc="-10" dirty="0">
+                <a:latin typeface="Georgia"/>
+                <a:cs typeface="Georgia"/>
+              </a:rPr>
+              <a:t>p. </a:t>
+            </a:r>
+            <a:r>
+              <a:rPr sz="1000" spc="-45" dirty="0">
+                <a:latin typeface="Georgia"/>
+                <a:cs typeface="Georgia"/>
+              </a:rPr>
+              <a:t>223. </a:t>
+            </a:r>
+            <a:r>
+              <a:rPr sz="1000" spc="-5" dirty="0">
+                <a:latin typeface="Georgia"/>
+                <a:cs typeface="Georgia"/>
+              </a:rPr>
+              <a:t>ISBN</a:t>
+            </a:r>
+            <a:r>
+              <a:rPr sz="1000" spc="-20" dirty="0">
+                <a:latin typeface="Georgia"/>
+                <a:cs typeface="Georgia"/>
+              </a:rPr>
+              <a:t> </a:t>
+            </a:r>
+            <a:r>
+              <a:rPr sz="1000" spc="-25" dirty="0">
+                <a:latin typeface="Georgia"/>
+                <a:cs typeface="Georgia"/>
+              </a:rPr>
+              <a:t>9780195175431.</a:t>
+            </a:r>
+            <a:endParaRPr sz="1000" dirty="0">
+              <a:latin typeface="Georgia"/>
+              <a:cs typeface="Georgia"/>
+            </a:endParaRPr>
+          </a:p>
+          <a:p>
+            <a:pPr marL="21590">
+              <a:lnSpc>
+                <a:spcPts val="1150"/>
+              </a:lnSpc>
+            </a:pPr>
+            <a:r>
+              <a:rPr sz="1500" spc="157" baseline="5555" dirty="0">
+                <a:solidFill>
+                  <a:srgbClr val="58180C"/>
+                </a:solidFill>
+                <a:latin typeface="Arial Black"/>
+                <a:cs typeface="Arial Black"/>
+              </a:rPr>
+              <a:t>e </a:t>
+            </a:r>
+            <a:r>
+              <a:rPr sz="1000" spc="-5" dirty="0">
+                <a:latin typeface="Georgia"/>
+                <a:cs typeface="Georgia"/>
+              </a:rPr>
+              <a:t>Clinical </a:t>
+            </a:r>
+            <a:r>
+              <a:rPr sz="1000" spc="-25" dirty="0">
+                <a:latin typeface="Georgia"/>
+                <a:cs typeface="Georgia"/>
+              </a:rPr>
+              <a:t>and </a:t>
+            </a:r>
+            <a:r>
+              <a:rPr sz="1000" spc="-20" dirty="0">
+                <a:latin typeface="Georgia"/>
+                <a:cs typeface="Georgia"/>
+              </a:rPr>
+              <a:t>pathological </a:t>
+            </a:r>
+            <a:r>
+              <a:rPr sz="1000" spc="-25" dirty="0">
+                <a:latin typeface="Georgia"/>
+                <a:cs typeface="Georgia"/>
+              </a:rPr>
+              <a:t>significance </a:t>
+            </a:r>
+            <a:r>
+              <a:rPr sz="1000" spc="-35" dirty="0">
+                <a:latin typeface="Georgia"/>
+                <a:cs typeface="Georgia"/>
+              </a:rPr>
+              <a:t>of </a:t>
+            </a:r>
+            <a:r>
+              <a:rPr sz="1000" spc="-15" dirty="0">
+                <a:latin typeface="Georgia"/>
+                <a:cs typeface="Georgia"/>
+              </a:rPr>
+              <a:t>the </a:t>
+            </a:r>
+            <a:r>
+              <a:rPr sz="1000" spc="-25" dirty="0">
+                <a:latin typeface="Georgia"/>
+                <a:cs typeface="Georgia"/>
+              </a:rPr>
+              <a:t>level and </a:t>
+            </a:r>
+            <a:r>
+              <a:rPr sz="1000" spc="-10" dirty="0">
+                <a:latin typeface="Georgia"/>
+                <a:cs typeface="Georgia"/>
+              </a:rPr>
+              <a:t>extent</a:t>
+            </a:r>
+            <a:r>
+              <a:rPr sz="1000" spc="40" dirty="0">
+                <a:latin typeface="Georgia"/>
+                <a:cs typeface="Georgia"/>
+              </a:rPr>
+              <a:t> </a:t>
+            </a:r>
+            <a:r>
+              <a:rPr sz="1000" spc="-35" dirty="0">
+                <a:latin typeface="Georgia"/>
+                <a:cs typeface="Georgia"/>
+              </a:rPr>
+              <a:t>of</a:t>
+            </a:r>
+            <a:endParaRPr sz="1000" dirty="0">
+              <a:latin typeface="Georgia"/>
+              <a:cs typeface="Georgia"/>
+            </a:endParaRPr>
+          </a:p>
+          <a:p>
+            <a:pPr marL="182880" marR="250190" indent="6350">
+              <a:lnSpc>
+                <a:spcPts val="1200"/>
+              </a:lnSpc>
+              <a:spcBef>
+                <a:spcPts val="40"/>
+              </a:spcBef>
+            </a:pPr>
+            <a:r>
+              <a:rPr sz="1000" spc="-20" dirty="0">
+                <a:latin typeface="Georgia"/>
+                <a:cs typeface="Georgia"/>
+              </a:rPr>
+              <a:t>capsular </a:t>
+            </a:r>
+            <a:r>
+              <a:rPr sz="1000" spc="-35" dirty="0">
+                <a:latin typeface="Georgia"/>
+                <a:cs typeface="Georgia"/>
+              </a:rPr>
+              <a:t>invasion </a:t>
+            </a:r>
+            <a:r>
+              <a:rPr sz="1000" spc="-30" dirty="0">
+                <a:latin typeface="Georgia"/>
+                <a:cs typeface="Georgia"/>
+              </a:rPr>
+              <a:t>in </a:t>
+            </a:r>
+            <a:r>
+              <a:rPr sz="1000" spc="-15" dirty="0">
+                <a:latin typeface="Georgia"/>
+                <a:cs typeface="Georgia"/>
+              </a:rPr>
+              <a:t>clinical stage </a:t>
+            </a:r>
+            <a:r>
+              <a:rPr sz="1000" spc="-10" dirty="0">
+                <a:latin typeface="Georgia"/>
+                <a:cs typeface="Georgia"/>
+              </a:rPr>
+              <a:t>T1–2 </a:t>
+            </a:r>
+            <a:r>
+              <a:rPr sz="1000" spc="-15" dirty="0">
+                <a:latin typeface="Georgia"/>
+                <a:cs typeface="Georgia"/>
+              </a:rPr>
+              <a:t>prostate </a:t>
+            </a:r>
+            <a:r>
+              <a:rPr sz="1000" spc="-20" dirty="0">
+                <a:latin typeface="Georgia"/>
+                <a:cs typeface="Georgia"/>
+              </a:rPr>
+              <a:t>cancer. </a:t>
+            </a:r>
+            <a:r>
+              <a:rPr sz="1000" spc="40" dirty="0">
+                <a:latin typeface="Georgia"/>
+                <a:cs typeface="Georgia"/>
+              </a:rPr>
+              <a:t>TM  </a:t>
+            </a:r>
+            <a:r>
+              <a:rPr sz="1000" spc="-20" dirty="0">
+                <a:latin typeface="Georgia"/>
+                <a:cs typeface="Georgia"/>
+              </a:rPr>
+              <a:t>Wheeler, </a:t>
+            </a:r>
+            <a:r>
+              <a:rPr sz="1000" spc="30" dirty="0">
+                <a:latin typeface="Georgia"/>
+                <a:cs typeface="Georgia"/>
+              </a:rPr>
+              <a:t>O </a:t>
+            </a:r>
+            <a:r>
+              <a:rPr sz="1000" spc="-20" dirty="0">
+                <a:latin typeface="Georgia"/>
+                <a:cs typeface="Georgia"/>
+              </a:rPr>
+              <a:t>Dillioglugil, </a:t>
+            </a:r>
+            <a:r>
+              <a:rPr sz="1000" spc="10" dirty="0">
+                <a:latin typeface="Georgia"/>
+                <a:cs typeface="Georgia"/>
+              </a:rPr>
+              <a:t>MW Kattan, </a:t>
+            </a:r>
+            <a:r>
+              <a:rPr sz="1000" spc="75" dirty="0">
+                <a:latin typeface="Georgia"/>
+                <a:cs typeface="Georgia"/>
+              </a:rPr>
+              <a:t>A </a:t>
+            </a:r>
+            <a:r>
+              <a:rPr sz="1000" spc="-5" dirty="0">
+                <a:latin typeface="Georgia"/>
+                <a:cs typeface="Georgia"/>
+              </a:rPr>
+              <a:t>Arakawa. </a:t>
+            </a:r>
+            <a:r>
+              <a:rPr sz="1000" spc="-45" dirty="0">
+                <a:latin typeface="Georgia"/>
+                <a:cs typeface="Georgia"/>
+              </a:rPr>
+              <a:t>- </a:t>
+            </a:r>
+            <a:r>
+              <a:rPr sz="1000" spc="-40" dirty="0">
+                <a:latin typeface="Georgia"/>
+                <a:cs typeface="Georgia"/>
+              </a:rPr>
+              <a:t>Human  </a:t>
+            </a:r>
+            <a:r>
+              <a:rPr sz="1000" spc="-20" dirty="0">
+                <a:latin typeface="Georgia"/>
+                <a:cs typeface="Georgia"/>
+              </a:rPr>
+              <a:t>pathology,</a:t>
+            </a:r>
+            <a:r>
+              <a:rPr sz="1000" spc="85" dirty="0">
+                <a:latin typeface="Georgia"/>
+                <a:cs typeface="Georgia"/>
+              </a:rPr>
+              <a:t> </a:t>
+            </a:r>
+            <a:r>
+              <a:rPr sz="1000" spc="-35" dirty="0">
+                <a:latin typeface="Georgia"/>
+                <a:cs typeface="Georgia"/>
+              </a:rPr>
+              <a:t>1998.</a:t>
+            </a:r>
+            <a:endParaRPr sz="1000" dirty="0">
+              <a:latin typeface="Georgia"/>
+              <a:cs typeface="Georgia"/>
+            </a:endParaRPr>
+          </a:p>
+          <a:p>
+            <a:pPr marL="21590">
+              <a:lnSpc>
+                <a:spcPts val="1145"/>
+              </a:lnSpc>
+            </a:pPr>
+            <a:r>
+              <a:rPr sz="1500" spc="157" baseline="5555" dirty="0">
+                <a:solidFill>
+                  <a:srgbClr val="58180C"/>
+                </a:solidFill>
+                <a:latin typeface="Arial Black"/>
+                <a:cs typeface="Arial Black"/>
+              </a:rPr>
+              <a:t>e </a:t>
+            </a:r>
+            <a:r>
+              <a:rPr sz="1000" spc="-20" dirty="0">
+                <a:latin typeface="Georgia"/>
+                <a:cs typeface="Georgia"/>
+              </a:rPr>
+              <a:t>“Interpreting Diagnostic</a:t>
+            </a:r>
+            <a:r>
+              <a:rPr sz="1000" spc="80" dirty="0">
+                <a:latin typeface="Georgia"/>
+                <a:cs typeface="Georgia"/>
+              </a:rPr>
+              <a:t> </a:t>
+            </a:r>
+            <a:r>
+              <a:rPr sz="1000" spc="-20" dirty="0">
+                <a:latin typeface="Georgia"/>
+                <a:cs typeface="Georgia"/>
+              </a:rPr>
+              <a:t>Tests”.</a:t>
+            </a:r>
+            <a:endParaRPr sz="1000" dirty="0">
+              <a:latin typeface="Georgia"/>
+              <a:cs typeface="Georgia"/>
+            </a:endParaRPr>
+          </a:p>
+          <a:p>
+            <a:pPr marL="186055" marR="63500" indent="2540" algn="just">
+              <a:lnSpc>
+                <a:spcPts val="1200"/>
+              </a:lnSpc>
+              <a:spcBef>
+                <a:spcPts val="35"/>
+              </a:spcBef>
+            </a:pPr>
+            <a:r>
+              <a:rPr sz="1000" spc="-15" dirty="0">
+                <a:latin typeface="Georgia"/>
+                <a:cs typeface="Georgia"/>
+                <a:hlinkClick r:id="rId4"/>
+              </a:rPr>
+              <a:t>http://gim.unmc.edu/dxtests/roc3.htm</a:t>
+            </a:r>
+            <a:r>
+              <a:rPr sz="1000" spc="-15" dirty="0">
+                <a:latin typeface="Georgia"/>
+                <a:cs typeface="Georgia"/>
+              </a:rPr>
+              <a:t>. </a:t>
+            </a:r>
+            <a:r>
+              <a:rPr sz="1000" spc="-5" dirty="0">
+                <a:latin typeface="Georgia"/>
+                <a:cs typeface="Georgia"/>
+              </a:rPr>
+              <a:t>Tape, </a:t>
+            </a:r>
+            <a:r>
+              <a:rPr sz="1000" spc="-15" dirty="0">
+                <a:latin typeface="Georgia"/>
+                <a:cs typeface="Georgia"/>
+              </a:rPr>
+              <a:t>Thomas </a:t>
+            </a:r>
+            <a:r>
+              <a:rPr sz="1000" spc="25" dirty="0">
+                <a:latin typeface="Georgia"/>
+                <a:cs typeface="Georgia"/>
+              </a:rPr>
+              <a:t>G. </a:t>
+            </a:r>
+            <a:r>
+              <a:rPr sz="1000" spc="-5" dirty="0">
+                <a:latin typeface="Georgia"/>
+                <a:cs typeface="Georgia"/>
+              </a:rPr>
+              <a:t>MD.  </a:t>
+            </a:r>
+            <a:r>
+              <a:rPr sz="1000" spc="-15" dirty="0">
+                <a:latin typeface="Georgia"/>
+                <a:cs typeface="Georgia"/>
+              </a:rPr>
+              <a:t>University </a:t>
+            </a:r>
+            <a:r>
+              <a:rPr sz="1000" spc="-35" dirty="0">
+                <a:latin typeface="Georgia"/>
+                <a:cs typeface="Georgia"/>
+              </a:rPr>
+              <a:t>of </a:t>
+            </a:r>
+            <a:r>
+              <a:rPr sz="1000" spc="-20" dirty="0">
+                <a:latin typeface="Georgia"/>
+                <a:cs typeface="Georgia"/>
+              </a:rPr>
+              <a:t>Nebraska </a:t>
+            </a:r>
+            <a:r>
+              <a:rPr sz="1000" spc="-25" dirty="0">
+                <a:latin typeface="Georgia"/>
+                <a:cs typeface="Georgia"/>
+              </a:rPr>
+              <a:t>Medical </a:t>
+            </a:r>
+            <a:r>
+              <a:rPr sz="1000" spc="-10" dirty="0">
+                <a:latin typeface="Georgia"/>
+                <a:cs typeface="Georgia"/>
+              </a:rPr>
+              <a:t>Center. </a:t>
+            </a:r>
+            <a:r>
+              <a:rPr sz="1000" spc="-15" dirty="0">
+                <a:latin typeface="Georgia"/>
+                <a:cs typeface="Georgia"/>
+              </a:rPr>
+              <a:t>Retrieved </a:t>
+            </a:r>
+            <a:r>
+              <a:rPr sz="1000" spc="5" dirty="0">
+                <a:latin typeface="Georgia"/>
+                <a:cs typeface="Georgia"/>
+              </a:rPr>
+              <a:t>13 </a:t>
+            </a:r>
+            <a:r>
+              <a:rPr sz="1000" spc="-35" dirty="0">
+                <a:latin typeface="Georgia"/>
+                <a:cs typeface="Georgia"/>
+              </a:rPr>
+              <a:t>November  </a:t>
+            </a:r>
+            <a:r>
+              <a:rPr sz="1000" spc="-40" dirty="0">
+                <a:latin typeface="Georgia"/>
+                <a:cs typeface="Georgia"/>
+              </a:rPr>
+              <a:t>2018.</a:t>
+            </a:r>
+            <a:endParaRPr sz="1000" dirty="0">
               <a:latin typeface="Georgia"/>
               <a:cs typeface="Georgia"/>
             </a:endParaRPr>
@@ -6995,6 +7588,10 @@
           </p:nvPr>
         </p:nvSpPr>
         <p:spPr>
+          <a:xfrm>
+            <a:off x="1716874" y="3204555"/>
+            <a:ext cx="978535" cy="114134"/>
+          </a:xfrm>
           <a:prstGeom prst="rect">
             <a:avLst/>
           </a:prstGeom>
@@ -7018,8 +7615,8 @@
               <a:t>Stat </a:t>
             </a:r>
             <a:r>
-              <a:rPr spc="65" dirty="0"/>
-              <a:t>680A</a:t>
+              <a:rPr lang="en-US" spc="65" dirty="0"/>
+              <a:t>795</a:t>
             </a:r>
             <a:r>
               <a:rPr spc="55" dirty="0"/>
@@ -7108,8 +7705,8 @@
         </p:nvSpPr>
         <p:spPr>
           <a:xfrm>
-            <a:off x="275296" y="121180"/>
-            <a:ext cx="1877354" cy="232756"/>
+            <a:off x="275297" y="121180"/>
+            <a:ext cx="1002030" cy="244475"/>
           </a:xfrm>
           <a:prstGeom prst="rect">
             <a:avLst/>
@@ -7130,10 +7727,9 @@
               </a:spcBef>
             </a:pPr>
             <a:r>
-              <a:rPr lang="en-US" spc="-15" dirty="0"/>
-              <a:t>Design of Experiment</a:t>
-            </a:r>
-            <a:endParaRPr spc="-15" dirty="0"/>
+              <a:rPr spc="-15" dirty="0"/>
+              <a:t>Introduction</a:t>
+            </a:r>
           </a:p>
         </p:txBody>
       </p:sp>
@@ -7196,7 +7792,7 @@
         <p:spPr>
           <a:xfrm>
             <a:off x="315264" y="1196073"/>
-            <a:ext cx="3977640" cy="1104265"/>
+            <a:ext cx="3977640" cy="1296302"/>
           </a:xfrm>
           <a:custGeom>
             <a:avLst/>
@@ -7240,17 +7836,13 @@
       <p:sp>
         <p:nvSpPr>
           <p:cNvPr id="5" name="object 5"/>
-          <p:cNvSpPr txBox="1">
-            <a:spLocks noGrp="1"/>
-          </p:cNvSpPr>
-          <p:nvPr>
-            <p:ph type="body" idx="1"/>
-          </p:nvPr>
+          <p:cNvSpPr txBox="1"/>
+          <p:nvPr/>
         </p:nvSpPr>
         <p:spPr>
           <a:xfrm>
-            <a:off x="313227" y="1149025"/>
-            <a:ext cx="3968648" cy="1049390"/>
+            <a:off x="332726" y="1186444"/>
+            <a:ext cx="3942715" cy="1010918"/>
           </a:xfrm>
           <a:prstGeom prst="rect">
             <a:avLst/>
@@ -7262,7 +7854,7 @@
           </a:bodyPr>
           <a:lstStyle/>
           <a:p>
-            <a:pPr marL="38735">
+            <a:pPr marL="15875">
               <a:lnSpc>
                 <a:spcPct val="100000"/>
               </a:lnSpc>
@@ -7270,10 +7862,23 @@
                 <a:spcPts val="490"/>
               </a:spcBef>
             </a:pPr>
-            <a:endParaRPr spc="-30" dirty="0"/>
-          </a:p>
-          <a:p>
-            <a:pPr marL="210185" marR="5080" indent="-171450">
+            <a:r>
+              <a:rPr lang="en-US" sz="1200" spc="-30" dirty="0">
+                <a:solidFill>
+                  <a:srgbClr val="58180C"/>
+                </a:solidFill>
+                <a:latin typeface="Palatino Linotype"/>
+                <a:cs typeface="Palatino Linotype"/>
+              </a:rPr>
+              <a:t>Goal</a:t>
+            </a:r>
+            <a:endParaRPr sz="1200" dirty="0">
+              <a:latin typeface="Palatino Linotype"/>
+              <a:cs typeface="Palatino Linotype"/>
+            </a:endParaRPr>
+          </a:p>
+          <a:p>
+            <a:pPr marL="184150" marR="5080" indent="-171450">
               <a:lnSpc>
                 <a:spcPct val="102600"/>
               </a:lnSpc>
@@ -7285,17 +7890,14 @@
             </a:pPr>
             <a:r>
               <a:rPr lang="en-US" sz="1100" spc="-15" dirty="0">
-                <a:solidFill>
-                  <a:srgbClr val="000000"/>
-                </a:solidFill>
                 <a:latin typeface="Georgia"/>
                 <a:cs typeface="Georgia"/>
               </a:rPr>
-              <a:t>Prostatic capsule penetration is an important indicator</a:t>
-            </a:r>
-          </a:p>
-          <a:p>
-            <a:pPr marL="210185" marR="5080" indent="-171450">
+              <a:t>We want to show that that there is a measurable difference in the performance of the different golf ball types</a:t>
+            </a:r>
+          </a:p>
+          <a:p>
+            <a:pPr marL="184150" marR="5080" indent="-171450">
               <a:lnSpc>
                 <a:spcPct val="102600"/>
               </a:lnSpc>
@@ -7307,35 +7909,10 @@
             </a:pPr>
             <a:r>
               <a:rPr lang="en-US" sz="1100" spc="-15" dirty="0">
-                <a:solidFill>
-                  <a:srgbClr val="000000"/>
-                </a:solidFill>
                 <a:latin typeface="Georgia"/>
                 <a:cs typeface="Georgia"/>
               </a:rPr>
-              <a:t>10-year survival rate of patients with tumor-free capsule in 1995: 79%</a:t>
-            </a:r>
-          </a:p>
-          <a:p>
-            <a:pPr marL="210185" marR="5080" indent="-171450">
-              <a:lnSpc>
-                <a:spcPct val="102600"/>
-              </a:lnSpc>
-              <a:spcBef>
-                <a:spcPts val="315"/>
-              </a:spcBef>
-              <a:buFont typeface="Arial" panose="020B0604020202020204" pitchFamily="34" charset="0"/>
-              <a:buChar char="•"/>
-            </a:pPr>
-            <a:r>
-              <a:rPr lang="en-US" sz="1100" spc="-15" dirty="0">
-                <a:solidFill>
-                  <a:srgbClr val="000000"/>
-                </a:solidFill>
-                <a:latin typeface="Georgia"/>
-                <a:cs typeface="Georgia"/>
-              </a:rPr>
-              <a:t>10-year survival rate of patients with capsule penetration: 58%</a:t>
+              <a:t>Showing a difference in a single metric constitutes a difference among ball types</a:t>
             </a:r>
           </a:p>
         </p:txBody>
@@ -7429,6 +8006,11 @@
         </p:txBody>
       </p:sp>
     </p:spTree>
+    <p:extLst>
+      <p:ext uri="{BB962C8B-B14F-4D97-AF65-F5344CB8AC3E}">
+        <p14:creationId xmlns:p14="http://schemas.microsoft.com/office/powerpoint/2010/main" val="3783150126"/>
+      </p:ext>
+    </p:extLst>
   </p:cSld>
   <p:clrMapOvr>
     <a:masterClrMapping/>
@@ -7468,8 +8050,8 @@
         </p:nvSpPr>
         <p:spPr>
           <a:xfrm>
-            <a:off x="275297" y="121180"/>
-            <a:ext cx="716915" cy="244475"/>
+            <a:off x="275296" y="121180"/>
+            <a:ext cx="1877354" cy="232756"/>
           </a:xfrm>
           <a:prstGeom prst="rect">
             <a:avLst/>
@@ -7490,113 +8072,16 @@
               </a:spcBef>
             </a:pPr>
             <a:r>
-              <a:rPr spc="15" dirty="0"/>
-              <a:t>Data</a:t>
-            </a:r>
-            <a:r>
-              <a:rPr spc="50" dirty="0"/>
-              <a:t> </a:t>
-            </a:r>
-            <a:r>
-              <a:rPr spc="25" dirty="0"/>
-              <a:t>Set</a:t>
-            </a:r>
-          </a:p>
-        </p:txBody>
-      </p:sp>
-      <p:sp>
-        <p:nvSpPr>
-          <p:cNvPr id="4" name="object 4"/>
-          <p:cNvSpPr txBox="1">
-            <a:spLocks noGrp="1"/>
-          </p:cNvSpPr>
-          <p:nvPr>
-            <p:ph type="ftr" sz="quarter" idx="5"/>
-          </p:nvPr>
-        </p:nvSpPr>
-        <p:spPr>
-          <a:prstGeom prst="rect">
-            <a:avLst/>
-          </a:prstGeom>
-        </p:spPr>
-        <p:txBody>
-          <a:bodyPr vert="horz" wrap="square" lIns="0" tIns="21590" rIns="0" bIns="0" rtlCol="0">
-            <a:spAutoFit/>
-          </a:bodyPr>
-          <a:lstStyle/>
-          <a:p>
-            <a:pPr marL="12700">
-              <a:lnSpc>
-                <a:spcPct val="100000"/>
-              </a:lnSpc>
-              <a:spcBef>
-                <a:spcPts val="170"/>
-              </a:spcBef>
-            </a:pPr>
-            <a:r>
-              <a:rPr spc="80" dirty="0"/>
-              <a:t>Stat </a:t>
-            </a:r>
-            <a:r>
-              <a:rPr spc="65" dirty="0"/>
-              <a:t>680A</a:t>
-            </a:r>
-            <a:r>
-              <a:rPr spc="55" dirty="0"/>
-              <a:t> Presentation</a:t>
-            </a:r>
-          </a:p>
-        </p:txBody>
-      </p:sp>
-      <p:sp>
-        <p:nvSpPr>
-          <p:cNvPr id="5" name="object 5"/>
-          <p:cNvSpPr txBox="1">
-            <a:spLocks noGrp="1"/>
-          </p:cNvSpPr>
-          <p:nvPr>
-            <p:ph type="sldNum" sz="quarter" idx="7"/>
-          </p:nvPr>
-        </p:nvSpPr>
-        <p:spPr>
-          <a:prstGeom prst="rect">
-            <a:avLst/>
-          </a:prstGeom>
-        </p:spPr>
-        <p:txBody>
-          <a:bodyPr vert="horz" wrap="square" lIns="0" tIns="18415" rIns="0" bIns="0" rtlCol="0">
-            <a:spAutoFit/>
-          </a:bodyPr>
-          <a:lstStyle/>
-          <a:p>
-            <a:pPr marL="25400">
-              <a:lnSpc>
-                <a:spcPct val="100000"/>
-              </a:lnSpc>
-              <a:spcBef>
-                <a:spcPts val="145"/>
-              </a:spcBef>
-            </a:pPr>
-            <a:fld id="{81D60167-4931-47E6-BA6A-407CBD079E47}" type="slidenum">
-              <a:rPr spc="20" dirty="0"/>
-              <a:t>5</a:t>
-            </a:fld>
-            <a:r>
-              <a:rPr spc="20" dirty="0"/>
-              <a:t>/15</a:t>
-            </a:r>
-          </a:p>
-        </p:txBody>
-      </p:sp>
-      <p:sp>
-        <p:nvSpPr>
-          <p:cNvPr id="9" name="object 3">
-            <a:extLst>
-              <a:ext uri="{FF2B5EF4-FFF2-40B4-BE49-F238E27FC236}">
-                <a16:creationId xmlns:a16="http://schemas.microsoft.com/office/drawing/2014/main" id="{058C9368-2471-2E4C-9085-74638B2B96CE}"/>
-              </a:ext>
-            </a:extLst>
-          </p:cNvPr>
+              <a:rPr lang="en-US" spc="-15" dirty="0"/>
+              <a:t>Design of Experiment</a:t>
+            </a:r>
+            <a:endParaRPr spc="-15" dirty="0"/>
+          </a:p>
+        </p:txBody>
+      </p:sp>
+      <p:sp>
+        <p:nvSpPr>
+          <p:cNvPr id="3" name="object 3"/>
           <p:cNvSpPr/>
           <p:nvPr/>
         </p:nvSpPr>
@@ -7646,20 +8131,14 @@
       </p:sp>
       <p:sp>
         <p:nvSpPr>
-          <p:cNvPr id="10" name="object 4">
-            <a:extLst>
-              <a:ext uri="{FF2B5EF4-FFF2-40B4-BE49-F238E27FC236}">
-                <a16:creationId xmlns:a16="http://schemas.microsoft.com/office/drawing/2014/main" id="{A876D753-88D1-BB43-A9CA-90BADC2FA1F8}"/>
-              </a:ext>
-            </a:extLst>
-          </p:cNvPr>
+          <p:cNvPr id="4" name="object 4"/>
           <p:cNvSpPr/>
           <p:nvPr/>
         </p:nvSpPr>
         <p:spPr>
           <a:xfrm>
-            <a:off x="315264" y="1196073"/>
-            <a:ext cx="3977640" cy="1104265"/>
+            <a:off x="315264" y="1196074"/>
+            <a:ext cx="3977640" cy="1491434"/>
           </a:xfrm>
           <a:custGeom>
             <a:avLst/>
@@ -7702,79 +8181,216 @@
       </p:sp>
       <p:sp>
         <p:nvSpPr>
-          <p:cNvPr id="3" name="object 3"/>
-          <p:cNvSpPr txBox="1"/>
-          <p:nvPr/>
+          <p:cNvPr id="5" name="object 5"/>
+          <p:cNvSpPr txBox="1">
+            <a:spLocks noGrp="1"/>
+          </p:cNvSpPr>
+          <p:nvPr>
+            <p:ph type="body" idx="1"/>
+          </p:nvPr>
         </p:nvSpPr>
         <p:spPr>
           <a:xfrm>
-            <a:off x="502271" y="1394192"/>
-            <a:ext cx="3603625" cy="719171"/>
+            <a:off x="313227" y="1149025"/>
+            <a:ext cx="3968648" cy="1491434"/>
           </a:xfrm>
           <a:prstGeom prst="rect">
             <a:avLst/>
           </a:prstGeom>
         </p:spPr>
         <p:txBody>
-          <a:bodyPr vert="horz" wrap="square" lIns="0" tIns="6985" rIns="0" bIns="0" rtlCol="0">
+          <a:bodyPr vert="horz" wrap="square" lIns="0" tIns="62230" rIns="0" bIns="0" rtlCol="0">
             <a:spAutoFit/>
           </a:bodyPr>
           <a:lstStyle/>
           <a:p>
-            <a:pPr marL="183515" marR="5080" indent="-171450">
+            <a:pPr marL="210185" indent="-171450">
               <a:lnSpc>
-                <a:spcPct val="102600"/>
+                <a:spcPct val="100000"/>
               </a:lnSpc>
               <a:spcBef>
-                <a:spcPts val="55"/>
+                <a:spcPts val="490"/>
               </a:spcBef>
               <a:buFont typeface="Arial" panose="020B0604020202020204" pitchFamily="34" charset="0"/>
               <a:buChar char="•"/>
             </a:pPr>
             <a:r>
-              <a:rPr lang="en-US" sz="1100" spc="5" dirty="0">
-                <a:latin typeface="Georgia"/>
-                <a:cs typeface="Georgia"/>
-              </a:rPr>
-              <a:t>Ohio State University Comprehensive Cancer Center</a:t>
-            </a:r>
-          </a:p>
-          <a:p>
-            <a:pPr marL="183515" marR="5080" indent="-171450">
+              <a:rPr lang="en-US" spc="-30" dirty="0"/>
+              <a:t>Randomization is key to any Experimental Design</a:t>
+            </a:r>
+          </a:p>
+          <a:p>
+            <a:pPr marL="210185" indent="-171450">
               <a:lnSpc>
-                <a:spcPct val="102600"/>
+                <a:spcPct val="100000"/>
               </a:lnSpc>
               <a:spcBef>
-                <a:spcPts val="55"/>
+                <a:spcPts val="490"/>
               </a:spcBef>
               <a:buFont typeface="Arial" panose="020B0604020202020204" pitchFamily="34" charset="0"/>
               <a:buChar char="•"/>
             </a:pPr>
             <a:r>
-              <a:rPr lang="en-US" sz="1100" spc="5" dirty="0">
-                <a:latin typeface="Georgia"/>
-                <a:cs typeface="Georgia"/>
-              </a:rPr>
-              <a:t>380 Observations of subjects with preliminary signs of abnormal prostate function</a:t>
-            </a:r>
-          </a:p>
-          <a:p>
-            <a:pPr marL="183515" marR="5080" indent="-171450">
+              <a:rPr lang="en-US" spc="-30" dirty="0"/>
+              <a:t>Power of .95 used to determine optimal sample size</a:t>
+            </a:r>
+          </a:p>
+          <a:p>
+            <a:pPr marL="210185" indent="-171450">
               <a:lnSpc>
-                <a:spcPct val="102600"/>
+                <a:spcPct val="100000"/>
               </a:lnSpc>
               <a:spcBef>
-                <a:spcPts val="55"/>
+                <a:spcPts val="490"/>
               </a:spcBef>
               <a:buFont typeface="Arial" panose="020B0604020202020204" pitchFamily="34" charset="0"/>
               <a:buChar char="•"/>
             </a:pPr>
             <a:r>
-              <a:rPr lang="en-US" sz="1100" spc="5" dirty="0">
-                <a:latin typeface="Georgia"/>
-                <a:cs typeface="Georgia"/>
-              </a:rPr>
-              <a:t>No longitudinal data on subjects </a:t>
+              <a:rPr lang="en-US" spc="-30" dirty="0"/>
+              <a:t>Primary golf ball characteristics of note:</a:t>
+            </a:r>
+          </a:p>
+          <a:p>
+            <a:pPr marL="667385" lvl="2" indent="-171450">
+              <a:spcBef>
+                <a:spcPts val="490"/>
+              </a:spcBef>
+              <a:buFont typeface="Arial" panose="020B0604020202020204" pitchFamily="34" charset="0"/>
+              <a:buChar char="•"/>
+            </a:pPr>
+            <a:r>
+              <a:rPr lang="en-US" sz="1200" spc="-30" dirty="0">
+                <a:solidFill>
+                  <a:srgbClr val="58180C"/>
+                </a:solidFill>
+                <a:latin typeface="Palatino Linotype"/>
+              </a:rPr>
+              <a:t>Distance</a:t>
+            </a:r>
+          </a:p>
+          <a:p>
+            <a:pPr marL="667385" lvl="2" indent="-171450">
+              <a:spcBef>
+                <a:spcPts val="490"/>
+              </a:spcBef>
+              <a:buFont typeface="Arial" panose="020B0604020202020204" pitchFamily="34" charset="0"/>
+              <a:buChar char="•"/>
+            </a:pPr>
+            <a:r>
+              <a:rPr lang="en-US" sz="1200" spc="-30" dirty="0">
+                <a:solidFill>
+                  <a:srgbClr val="58180C"/>
+                </a:solidFill>
+                <a:latin typeface="Palatino Linotype"/>
+              </a:rPr>
+              <a:t>Accuracy</a:t>
+            </a:r>
+          </a:p>
+          <a:p>
+            <a:pPr marL="667385" lvl="2" indent="-171450">
+              <a:spcBef>
+                <a:spcPts val="490"/>
+              </a:spcBef>
+              <a:buFont typeface="Arial" panose="020B0604020202020204" pitchFamily="34" charset="0"/>
+              <a:buChar char="•"/>
+            </a:pPr>
+            <a:r>
+              <a:rPr lang="en-US" sz="1200" spc="-30" dirty="0">
+                <a:solidFill>
+                  <a:srgbClr val="58180C"/>
+                </a:solidFill>
+                <a:latin typeface="Palatino Linotype"/>
+              </a:rPr>
+              <a:t>Control</a:t>
+            </a:r>
+          </a:p>
+        </p:txBody>
+      </p:sp>
+      <p:sp>
+        <p:nvSpPr>
+          <p:cNvPr id="6" name="object 6"/>
+          <p:cNvSpPr txBox="1">
+            <a:spLocks noGrp="1"/>
+          </p:cNvSpPr>
+          <p:nvPr>
+            <p:ph type="ftr" sz="quarter" idx="5"/>
+          </p:nvPr>
+        </p:nvSpPr>
+        <p:spPr>
+          <a:xfrm>
+            <a:off x="1716874" y="3204555"/>
+            <a:ext cx="978535" cy="114134"/>
+          </a:xfrm>
+          <a:prstGeom prst="rect">
+            <a:avLst/>
+          </a:prstGeom>
+        </p:spPr>
+        <p:txBody>
+          <a:bodyPr vert="horz" wrap="square" lIns="0" tIns="21590" rIns="0" bIns="0" rtlCol="0">
+            <a:spAutoFit/>
+          </a:bodyPr>
+          <a:lstStyle/>
+          <a:p>
+            <a:pPr marL="12700">
+              <a:lnSpc>
+                <a:spcPct val="100000"/>
+              </a:lnSpc>
+              <a:spcBef>
+                <a:spcPts val="170"/>
+              </a:spcBef>
+            </a:pPr>
+            <a:r>
+              <a:rPr spc="80" dirty="0"/>
+              <a:t>Stat </a:t>
+            </a:r>
+            <a:r>
+              <a:rPr lang="en-US" spc="65" dirty="0"/>
+              <a:t>795</a:t>
+            </a:r>
+            <a:r>
+              <a:rPr spc="55" dirty="0"/>
+              <a:t> Presentation</a:t>
+            </a:r>
+          </a:p>
+        </p:txBody>
+      </p:sp>
+      <p:sp>
+        <p:nvSpPr>
+          <p:cNvPr id="7" name="object 7"/>
+          <p:cNvSpPr txBox="1">
+            <a:spLocks noGrp="1"/>
+          </p:cNvSpPr>
+          <p:nvPr>
+            <p:ph type="sldNum" sz="quarter" idx="7"/>
+          </p:nvPr>
+        </p:nvSpPr>
+        <p:spPr>
+          <a:prstGeom prst="rect">
+            <a:avLst/>
+          </a:prstGeom>
+        </p:spPr>
+        <p:txBody>
+          <a:bodyPr vert="horz" wrap="square" lIns="0" tIns="18415" rIns="0" bIns="0" rtlCol="0">
+            <a:spAutoFit/>
+          </a:bodyPr>
+          <a:lstStyle/>
+          <a:p>
+            <a:pPr marL="25400">
+              <a:lnSpc>
+                <a:spcPct val="100000"/>
+              </a:lnSpc>
+              <a:spcBef>
+                <a:spcPts val="145"/>
+              </a:spcBef>
+            </a:pPr>
+            <a:fld id="{81D60167-4931-47E6-BA6A-407CBD079E47}" type="slidenum">
+              <a:rPr spc="20" dirty="0"/>
+              <a:t>5</a:t>
+            </a:fld>
+            <a:r>
+              <a:rPr spc="20" dirty="0"/>
+              <a:t>/15</a:t>
             </a:r>
           </a:p>
         </p:txBody>
@@ -7809,14 +8425,8 @@
       </p:grpSpPr>
       <p:sp>
         <p:nvSpPr>
-          <p:cNvPr id="2" name="Title 1">
-            <a:extLst>
-              <a:ext uri="{FF2B5EF4-FFF2-40B4-BE49-F238E27FC236}">
-                <a16:creationId xmlns:a16="http://schemas.microsoft.com/office/drawing/2014/main" id="{F0D8FD8B-61B7-CC4F-85D2-541C1DC92898}"/>
-              </a:ext>
-            </a:extLst>
-          </p:cNvPr>
-          <p:cNvSpPr>
+          <p:cNvPr id="2" name="object 2"/>
+          <p:cNvSpPr txBox="1">
             <a:spLocks noGrp="1"/>
           </p:cNvSpPr>
           <p:nvPr>
@@ -7825,132 +8435,284 @@
         </p:nvSpPr>
         <p:spPr>
           <a:xfrm>
-            <a:off x="275297" y="121180"/>
-            <a:ext cx="4059504" cy="215444"/>
-          </a:xfrm>
-        </p:spPr>
-        <p:txBody>
-          <a:bodyPr/>
-          <a:lstStyle/>
-          <a:p>
-            <a:r>
-              <a:rPr lang="en-US" dirty="0"/>
-              <a:t>Variable Descriptions</a:t>
-            </a:r>
-          </a:p>
-        </p:txBody>
-      </p:sp>
-      <p:pic>
-        <p:nvPicPr>
-          <p:cNvPr id="4" name="Picture 3">
-            <a:extLst>
-              <a:ext uri="{FF2B5EF4-FFF2-40B4-BE49-F238E27FC236}">
-                <a16:creationId xmlns:a16="http://schemas.microsoft.com/office/drawing/2014/main" id="{12B8F619-F1B1-D74F-BB4E-DD50952990CF}"/>
-              </a:ext>
-            </a:extLst>
-          </p:cNvPr>
-          <p:cNvPicPr>
-            <a:picLocks noChangeAspect="1"/>
-          </p:cNvPicPr>
-          <p:nvPr/>
-        </p:nvPicPr>
-        <p:blipFill>
-          <a:blip r:embed="rId3"/>
-          <a:stretch>
-            <a:fillRect/>
-          </a:stretch>
-        </p:blipFill>
-        <p:spPr>
-          <a:xfrm>
-            <a:off x="256690" y="968375"/>
-            <a:ext cx="4078111" cy="1524000"/>
+            <a:off x="275296" y="121180"/>
+            <a:ext cx="1877354" cy="232756"/>
           </a:xfrm>
           <a:prstGeom prst="rect">
             <a:avLst/>
           </a:prstGeom>
         </p:spPr>
-      </p:pic>
-      <p:sp>
-        <p:nvSpPr>
-          <p:cNvPr id="5" name="Rectangle 4">
-            <a:extLst>
-              <a:ext uri="{FF2B5EF4-FFF2-40B4-BE49-F238E27FC236}">
-                <a16:creationId xmlns:a16="http://schemas.microsoft.com/office/drawing/2014/main" id="{444F9C69-B28C-5B4D-8013-CBA7BC40D84C}"/>
-              </a:ext>
-            </a:extLst>
-          </p:cNvPr>
+        <p:txBody>
+          <a:bodyPr vert="horz" wrap="square" lIns="0" tIns="17145" rIns="0" bIns="0" rtlCol="0">
+            <a:spAutoFit/>
+          </a:bodyPr>
+          <a:lstStyle/>
+          <a:p>
+            <a:pPr marL="12700">
+              <a:lnSpc>
+                <a:spcPct val="100000"/>
+              </a:lnSpc>
+              <a:spcBef>
+                <a:spcPts val="135"/>
+              </a:spcBef>
+            </a:pPr>
+            <a:r>
+              <a:rPr lang="en-US" spc="-15" dirty="0"/>
+              <a:t>Design of Experiment</a:t>
+            </a:r>
+            <a:endParaRPr spc="-15" dirty="0"/>
+          </a:p>
+        </p:txBody>
+      </p:sp>
+      <p:sp>
+        <p:nvSpPr>
+          <p:cNvPr id="3" name="object 3"/>
           <p:cNvSpPr/>
           <p:nvPr/>
         </p:nvSpPr>
         <p:spPr>
           <a:xfrm>
-            <a:off x="1543050" y="2568575"/>
-            <a:ext cx="2305050" cy="246221"/>
+            <a:off x="315264" y="1004036"/>
+            <a:ext cx="3977640" cy="192405"/>
+          </a:xfrm>
+          <a:custGeom>
+            <a:avLst/>
+            <a:gdLst/>
+            <a:ahLst/>
+            <a:cxnLst/>
+            <a:rect l="l" t="t" r="r" b="b"/>
+            <a:pathLst>
+              <a:path w="3977640" h="192405">
+                <a:moveTo>
+                  <a:pt x="0" y="192036"/>
+                </a:moveTo>
+                <a:lnTo>
+                  <a:pt x="3977474" y="192036"/>
+                </a:lnTo>
+                <a:lnTo>
+                  <a:pt x="3977474" y="0"/>
+                </a:lnTo>
+                <a:lnTo>
+                  <a:pt x="0" y="0"/>
+                </a:lnTo>
+                <a:lnTo>
+                  <a:pt x="0" y="192036"/>
+                </a:lnTo>
+                <a:close/>
+              </a:path>
+            </a:pathLst>
+          </a:custGeom>
+          <a:solidFill>
+            <a:srgbClr val="DBE4E4"/>
+          </a:solidFill>
+        </p:spPr>
+        <p:txBody>
+          <a:bodyPr wrap="square" lIns="0" tIns="0" rIns="0" bIns="0" rtlCol="0"/>
+          <a:lstStyle/>
+          <a:p>
+            <a:endParaRPr dirty="0"/>
+          </a:p>
+        </p:txBody>
+      </p:sp>
+      <p:sp>
+        <p:nvSpPr>
+          <p:cNvPr id="4" name="object 4"/>
+          <p:cNvSpPr/>
+          <p:nvPr/>
+        </p:nvSpPr>
+        <p:spPr>
+          <a:xfrm>
+            <a:off x="315264" y="1196074"/>
+            <a:ext cx="3977640" cy="1491434"/>
+          </a:xfrm>
+          <a:custGeom>
+            <a:avLst/>
+            <a:gdLst/>
+            <a:ahLst/>
+            <a:cxnLst/>
+            <a:rect l="l" t="t" r="r" b="b"/>
+            <a:pathLst>
+              <a:path w="3977640" h="1104264">
+                <a:moveTo>
+                  <a:pt x="0" y="1104125"/>
+                </a:moveTo>
+                <a:lnTo>
+                  <a:pt x="3977474" y="1104125"/>
+                </a:lnTo>
+                <a:lnTo>
+                  <a:pt x="3977474" y="0"/>
+                </a:lnTo>
+                <a:lnTo>
+                  <a:pt x="0" y="0"/>
+                </a:lnTo>
+                <a:lnTo>
+                  <a:pt x="0" y="1104125"/>
+                </a:lnTo>
+                <a:close/>
+              </a:path>
+            </a:pathLst>
+          </a:custGeom>
+          <a:solidFill>
+            <a:srgbClr val="F7F2E5"/>
+          </a:solidFill>
+        </p:spPr>
+        <p:txBody>
+          <a:bodyPr wrap="square" lIns="0" tIns="0" rIns="0" bIns="0" rtlCol="0"/>
+          <a:lstStyle/>
+          <a:p>
+            <a:endParaRPr dirty="0"/>
+          </a:p>
+        </p:txBody>
+      </p:sp>
+      <p:sp>
+        <p:nvSpPr>
+          <p:cNvPr id="5" name="object 5"/>
+          <p:cNvSpPr txBox="1">
+            <a:spLocks noGrp="1"/>
+          </p:cNvSpPr>
+          <p:nvPr>
+            <p:ph type="body" idx="1"/>
+          </p:nvPr>
+        </p:nvSpPr>
+        <p:spPr>
+          <a:xfrm>
+            <a:off x="313227" y="1149025"/>
+            <a:ext cx="3968648" cy="432170"/>
           </a:xfrm>
           <a:prstGeom prst="rect">
             <a:avLst/>
           </a:prstGeom>
         </p:spPr>
         <p:txBody>
-          <a:bodyPr>
+          <a:bodyPr vert="horz" wrap="square" lIns="0" tIns="62230" rIns="0" bIns="0" rtlCol="0">
             <a:spAutoFit/>
           </a:bodyPr>
           <a:lstStyle/>
           <a:p>
-            <a:r>
-              <a:rPr lang="en-US" sz="1000" spc="-25" dirty="0">
-                <a:solidFill>
-                  <a:srgbClr val="58180C"/>
-                </a:solidFill>
-                <a:latin typeface="Georgia"/>
-                <a:cs typeface="Georgia"/>
-              </a:rPr>
-              <a:t>Description </a:t>
-            </a:r>
-            <a:r>
-              <a:rPr lang="en-US" sz="1000" spc="-35" dirty="0">
-                <a:solidFill>
-                  <a:srgbClr val="58180C"/>
-                </a:solidFill>
-                <a:latin typeface="Georgia"/>
-                <a:cs typeface="Georgia"/>
-              </a:rPr>
-              <a:t>of</a:t>
-            </a:r>
-            <a:r>
-              <a:rPr lang="en-US" sz="1000" dirty="0">
-                <a:solidFill>
-                  <a:srgbClr val="58180C"/>
-                </a:solidFill>
-                <a:latin typeface="Georgia"/>
-                <a:cs typeface="Georgia"/>
-              </a:rPr>
-              <a:t> </a:t>
-            </a:r>
-            <a:r>
-              <a:rPr lang="en-US" sz="1000" spc="-20" dirty="0">
-                <a:solidFill>
-                  <a:srgbClr val="58180C"/>
-                </a:solidFill>
-                <a:latin typeface="Georgia"/>
-                <a:cs typeface="Georgia"/>
-              </a:rPr>
-              <a:t>Variables</a:t>
-            </a:r>
-            <a:endParaRPr lang="en-US" sz="1000" dirty="0"/>
+            <a:pPr marL="210185" indent="-171450">
+              <a:lnSpc>
+                <a:spcPct val="100000"/>
+              </a:lnSpc>
+              <a:spcBef>
+                <a:spcPts val="490"/>
+              </a:spcBef>
+              <a:buFont typeface="Arial" panose="020B0604020202020204" pitchFamily="34" charset="0"/>
+              <a:buChar char="•"/>
+            </a:pPr>
+            <a:r>
+              <a:rPr lang="en-US" spc="-30" dirty="0"/>
+              <a:t>We will first check distance, and then go from there if there is no measurable difference among ball types.</a:t>
+            </a:r>
+            <a:endParaRPr lang="en-US" sz="1200" spc="-30" dirty="0">
+              <a:solidFill>
+                <a:srgbClr val="58180C"/>
+              </a:solidFill>
+              <a:latin typeface="Palatino Linotype"/>
+            </a:endParaRPr>
+          </a:p>
+        </p:txBody>
+      </p:sp>
+      <p:sp>
+        <p:nvSpPr>
+          <p:cNvPr id="6" name="object 6"/>
+          <p:cNvSpPr txBox="1">
+            <a:spLocks noGrp="1"/>
+          </p:cNvSpPr>
+          <p:nvPr>
+            <p:ph type="ftr" sz="quarter" idx="5"/>
+          </p:nvPr>
+        </p:nvSpPr>
+        <p:spPr>
+          <a:xfrm>
+            <a:off x="1716874" y="3204555"/>
+            <a:ext cx="978535" cy="114134"/>
+          </a:xfrm>
+          <a:prstGeom prst="rect">
+            <a:avLst/>
+          </a:prstGeom>
+        </p:spPr>
+        <p:txBody>
+          <a:bodyPr vert="horz" wrap="square" lIns="0" tIns="21590" rIns="0" bIns="0" rtlCol="0">
+            <a:spAutoFit/>
+          </a:bodyPr>
+          <a:lstStyle/>
+          <a:p>
+            <a:pPr marL="12700">
+              <a:lnSpc>
+                <a:spcPct val="100000"/>
+              </a:lnSpc>
+              <a:spcBef>
+                <a:spcPts val="170"/>
+              </a:spcBef>
+            </a:pPr>
+            <a:r>
+              <a:rPr spc="80" dirty="0"/>
+              <a:t>Stat </a:t>
+            </a:r>
+            <a:r>
+              <a:rPr lang="en-US" spc="65" dirty="0"/>
+              <a:t>795</a:t>
+            </a:r>
+            <a:r>
+              <a:rPr spc="55" dirty="0"/>
+              <a:t> Presentation</a:t>
+            </a:r>
+          </a:p>
+        </p:txBody>
+      </p:sp>
+      <p:sp>
+        <p:nvSpPr>
+          <p:cNvPr id="7" name="object 7"/>
+          <p:cNvSpPr txBox="1">
+            <a:spLocks noGrp="1"/>
+          </p:cNvSpPr>
+          <p:nvPr>
+            <p:ph type="sldNum" sz="quarter" idx="7"/>
+          </p:nvPr>
+        </p:nvSpPr>
+        <p:spPr>
+          <a:prstGeom prst="rect">
+            <a:avLst/>
+          </a:prstGeom>
+        </p:spPr>
+        <p:txBody>
+          <a:bodyPr vert="horz" wrap="square" lIns="0" tIns="18415" rIns="0" bIns="0" rtlCol="0">
+            <a:spAutoFit/>
+          </a:bodyPr>
+          <a:lstStyle/>
+          <a:p>
+            <a:pPr marL="25400">
+              <a:lnSpc>
+                <a:spcPct val="100000"/>
+              </a:lnSpc>
+              <a:spcBef>
+                <a:spcPts val="145"/>
+              </a:spcBef>
+            </a:pPr>
+            <a:fld id="{81D60167-4931-47E6-BA6A-407CBD079E47}" type="slidenum">
+              <a:rPr spc="20" dirty="0"/>
+              <a:t>6</a:t>
+            </a:fld>
+            <a:r>
+              <a:rPr spc="20" dirty="0"/>
+              <a:t>/15</a:t>
+            </a:r>
           </a:p>
         </p:txBody>
       </p:sp>
     </p:spTree>
     <p:extLst>
       <p:ext uri="{BB962C8B-B14F-4D97-AF65-F5344CB8AC3E}">
-        <p14:creationId xmlns:p14="http://schemas.microsoft.com/office/powerpoint/2010/main" val="4009536625"/>
+        <p14:creationId xmlns:p14="http://schemas.microsoft.com/office/powerpoint/2010/main" val="496726024"/>
       </p:ext>
     </p:extLst>
   </p:cSld>
   <p:clrMapOvr>
     <a:masterClrMapping/>
   </p:clrMapOvr>
+  <p:transition>
+    <p:cut/>
+  </p:transition>
 </p:sld>
 </file>
 
@@ -7974,13 +8736,17 @@
       <p:sp>
         <p:nvSpPr>
           <p:cNvPr id="2" name="object 2"/>
-          <p:cNvSpPr txBox="1"/>
-          <p:nvPr/>
+          <p:cNvSpPr txBox="1">
+            <a:spLocks noGrp="1"/>
+          </p:cNvSpPr>
+          <p:nvPr>
+            <p:ph type="title"/>
+          </p:nvPr>
         </p:nvSpPr>
         <p:spPr>
           <a:xfrm>
-            <a:off x="275297" y="121180"/>
-            <a:ext cx="2119630" cy="244475"/>
+            <a:off x="275296" y="121180"/>
+            <a:ext cx="1877354" cy="232756"/>
           </a:xfrm>
           <a:prstGeom prst="rect">
             <a:avLst/>
@@ -8001,49 +8767,10 @@
               </a:spcBef>
             </a:pPr>
             <a:r>
-              <a:rPr sz="1400" spc="-5" dirty="0">
-                <a:solidFill>
-                  <a:srgbClr val="58180C"/>
-                </a:solidFill>
-                <a:latin typeface="Palatino Linotype"/>
-                <a:cs typeface="Palatino Linotype"/>
-              </a:rPr>
-              <a:t>Exploratory </a:t>
-            </a:r>
-            <a:r>
-              <a:rPr sz="1400" spc="15" dirty="0">
-                <a:solidFill>
-                  <a:srgbClr val="58180C"/>
-                </a:solidFill>
-                <a:latin typeface="Palatino Linotype"/>
-                <a:cs typeface="Palatino Linotype"/>
-              </a:rPr>
-              <a:t>Data</a:t>
-            </a:r>
-            <a:r>
-              <a:rPr sz="1400" spc="190" dirty="0">
-                <a:solidFill>
-                  <a:srgbClr val="58180C"/>
-                </a:solidFill>
-                <a:latin typeface="Palatino Linotype"/>
-                <a:cs typeface="Palatino Linotype"/>
-              </a:rPr>
-              <a:t> </a:t>
-            </a:r>
-            <a:r>
-              <a:rPr sz="1400" spc="-30" dirty="0">
-                <a:solidFill>
-                  <a:srgbClr val="58180C"/>
-                </a:solidFill>
-                <a:latin typeface="Palatino Linotype"/>
-                <a:cs typeface="Palatino Linotype"/>
-              </a:rPr>
-              <a:t>Analysis</a:t>
-            </a:r>
-            <a:endParaRPr sz="1400" dirty="0">
-              <a:latin typeface="Palatino Linotype"/>
-              <a:cs typeface="Palatino Linotype"/>
-            </a:endParaRPr>
+              <a:rPr lang="en-US" spc="-15" dirty="0"/>
+              <a:t>Design of Experiment</a:t>
+            </a:r>
+            <a:endParaRPr spc="-15" dirty="0"/>
           </a:p>
         </p:txBody>
       </p:sp>
@@ -8055,8 +8782,8 @@
         </p:nvSpPr>
         <p:spPr>
           <a:xfrm>
-            <a:off x="275297" y="511175"/>
-            <a:ext cx="3977640" cy="227965"/>
+            <a:off x="315264" y="1004036"/>
+            <a:ext cx="3977640" cy="192405"/>
           </a:xfrm>
           <a:custGeom>
             <a:avLst/>
@@ -8065,12 +8792,12 @@
             <a:cxnLst/>
             <a:rect l="l" t="t" r="r" b="b"/>
             <a:pathLst>
-              <a:path w="3977640" h="227964">
+              <a:path w="3977640" h="192405">
                 <a:moveTo>
-                  <a:pt x="0" y="227876"/>
+                  <a:pt x="0" y="192036"/>
                 </a:moveTo>
                 <a:lnTo>
-                  <a:pt x="3977474" y="227876"/>
+                  <a:pt x="3977474" y="192036"/>
                 </a:lnTo>
                 <a:lnTo>
                   <a:pt x="3977474" y="0"/>
@@ -8079,7 +8806,7 @@
                   <a:pt x="0" y="0"/>
                 </a:lnTo>
                 <a:lnTo>
-                  <a:pt x="0" y="227876"/>
+                  <a:pt x="0" y="192036"/>
                 </a:lnTo>
                 <a:close/>
               </a:path>
@@ -8100,79 +8827,13 @@
       <p:sp>
         <p:nvSpPr>
           <p:cNvPr id="4" name="object 4"/>
-          <p:cNvSpPr txBox="1"/>
-          <p:nvPr/>
-        </p:nvSpPr>
-        <p:spPr>
-          <a:xfrm>
-            <a:off x="307327" y="495970"/>
-            <a:ext cx="1475105" cy="207645"/>
-          </a:xfrm>
-          <a:prstGeom prst="rect">
-            <a:avLst/>
-          </a:prstGeom>
-        </p:spPr>
-        <p:txBody>
-          <a:bodyPr vert="horz" wrap="square" lIns="0" tIns="12065" rIns="0" bIns="0" rtlCol="0">
-            <a:spAutoFit/>
-          </a:bodyPr>
-          <a:lstStyle/>
-          <a:p>
-            <a:pPr marL="12700">
-              <a:lnSpc>
-                <a:spcPct val="100000"/>
-              </a:lnSpc>
-              <a:spcBef>
-                <a:spcPts val="95"/>
-              </a:spcBef>
-            </a:pPr>
-            <a:r>
-              <a:rPr sz="1200" spc="-25" dirty="0">
-                <a:solidFill>
-                  <a:srgbClr val="58180C"/>
-                </a:solidFill>
-                <a:latin typeface="Palatino Linotype"/>
-                <a:cs typeface="Palatino Linotype"/>
-              </a:rPr>
-              <a:t>Categorical</a:t>
-            </a:r>
-            <a:r>
-              <a:rPr sz="1200" spc="30" dirty="0">
-                <a:solidFill>
-                  <a:srgbClr val="58180C"/>
-                </a:solidFill>
-                <a:latin typeface="Palatino Linotype"/>
-                <a:cs typeface="Palatino Linotype"/>
-              </a:rPr>
-              <a:t> </a:t>
-            </a:r>
-            <a:r>
-              <a:rPr sz="1200" spc="-20" dirty="0">
-                <a:solidFill>
-                  <a:srgbClr val="58180C"/>
-                </a:solidFill>
-                <a:latin typeface="Palatino Linotype"/>
-                <a:cs typeface="Palatino Linotype"/>
-              </a:rPr>
-              <a:t>Predictors</a:t>
-            </a:r>
-            <a:endParaRPr sz="1200" dirty="0">
-              <a:latin typeface="Palatino Linotype"/>
-              <a:cs typeface="Palatino Linotype"/>
-            </a:endParaRPr>
-          </a:p>
-        </p:txBody>
-      </p:sp>
-      <p:sp>
-        <p:nvSpPr>
-          <p:cNvPr id="5" name="object 5"/>
           <p:cNvSpPr/>
           <p:nvPr/>
         </p:nvSpPr>
         <p:spPr>
           <a:xfrm>
-            <a:off x="315264" y="1681156"/>
-            <a:ext cx="89535" cy="0"/>
+            <a:off x="315264" y="1196073"/>
+            <a:ext cx="3977640" cy="1982102"/>
           </a:xfrm>
           <a:custGeom>
             <a:avLst/>
@@ -8181,21 +8842,29 @@
             <a:cxnLst/>
             <a:rect l="l" t="t" r="r" b="b"/>
             <a:pathLst>
-              <a:path w="89535">
+              <a:path w="3977640" h="1104264">
                 <a:moveTo>
-                  <a:pt x="0" y="0"/>
+                  <a:pt x="0" y="1104125"/>
                 </a:moveTo>
                 <a:lnTo>
-                  <a:pt x="89471" y="0"/>
+                  <a:pt x="3977474" y="1104125"/>
                 </a:lnTo>
+                <a:lnTo>
+                  <a:pt x="3977474" y="0"/>
+                </a:lnTo>
+                <a:lnTo>
+                  <a:pt x="0" y="0"/>
+                </a:lnTo>
+                <a:lnTo>
+                  <a:pt x="0" y="1104125"/>
+                </a:lnTo>
+                <a:close/>
               </a:path>
             </a:pathLst>
           </a:custGeom>
-          <a:ln w="44742">
-            <a:solidFill>
-              <a:srgbClr val="F7F2E5"/>
-            </a:solidFill>
-          </a:ln>
+          <a:solidFill>
+            <a:srgbClr val="F7F2E5"/>
+          </a:solidFill>
         </p:spPr>
         <p:txBody>
           <a:bodyPr wrap="square" lIns="0" tIns="0" rIns="0" bIns="0" rtlCol="0"/>
@@ -8205,6 +8874,741 @@
           </a:p>
         </p:txBody>
       </p:sp>
+      <mc:AlternateContent xmlns:mc="http://schemas.openxmlformats.org/markup-compatibility/2006">
+        <mc:Choice xmlns:a14="http://schemas.microsoft.com/office/drawing/2010/main" Requires="a14">
+          <p:sp>
+            <p:nvSpPr>
+              <p:cNvPr id="5" name="object 5"/>
+              <p:cNvSpPr txBox="1">
+                <a:spLocks noGrp="1"/>
+              </p:cNvSpPr>
+              <p:nvPr>
+                <p:ph type="body" idx="1"/>
+              </p:nvPr>
+            </p:nvSpPr>
+            <p:spPr>
+              <a:xfrm>
+                <a:off x="313227" y="1149025"/>
+                <a:ext cx="3968648" cy="1982722"/>
+              </a:xfrm>
+              <a:prstGeom prst="rect">
+                <a:avLst/>
+              </a:prstGeom>
+            </p:spPr>
+            <p:txBody>
+              <a:bodyPr vert="horz" wrap="square" lIns="0" tIns="62230" rIns="0" bIns="0" rtlCol="0">
+                <a:spAutoFit/>
+              </a:bodyPr>
+              <a:lstStyle/>
+              <a:p>
+                <a:pPr marL="210185" indent="-171450">
+                  <a:lnSpc>
+                    <a:spcPct val="100000"/>
+                  </a:lnSpc>
+                  <a:spcBef>
+                    <a:spcPts val="490"/>
+                  </a:spcBef>
+                  <a:buFont typeface="Arial" panose="020B0604020202020204" pitchFamily="34" charset="0"/>
+                  <a:buChar char="•"/>
+                </a:pPr>
+                <a:r>
+                  <a:rPr lang="en-US" spc="-30" dirty="0"/>
+                  <a:t>Randomized Complete Block Design ANCOVA</a:t>
+                </a:r>
+              </a:p>
+              <a:p>
+                <a:pPr marL="38735">
+                  <a:lnSpc>
+                    <a:spcPct val="100000"/>
+                  </a:lnSpc>
+                  <a:spcBef>
+                    <a:spcPts val="490"/>
+                  </a:spcBef>
+                </a:pPr>
+                <a14:m>
+                  <m:oMathPara xmlns:m="http://schemas.openxmlformats.org/officeDocument/2006/math">
+                    <m:oMathParaPr>
+                      <m:jc m:val="centerGroup"/>
+                    </m:oMathParaPr>
+                    <m:oMath xmlns:m="http://schemas.openxmlformats.org/officeDocument/2006/math">
+                      <m:sSub>
+                        <m:sSubPr>
+                          <m:ctrlPr>
+                            <a:rPr lang="en-US" sz="1200" b="0" i="1" spc="-30" smtClean="0">
+                              <a:solidFill>
+                                <a:srgbClr val="58180C"/>
+                              </a:solidFill>
+                              <a:latin typeface="Cambria Math" panose="02040503050406030204" pitchFamily="18" charset="0"/>
+                            </a:rPr>
+                          </m:ctrlPr>
+                        </m:sSubPr>
+                        <m:e>
+                          <m:r>
+                            <a:rPr lang="en-US" sz="1200" b="0" i="1" spc="-30" smtClean="0">
+                              <a:solidFill>
+                                <a:srgbClr val="58180C"/>
+                              </a:solidFill>
+                              <a:latin typeface="Cambria Math" panose="02040503050406030204" pitchFamily="18" charset="0"/>
+                            </a:rPr>
+                            <m:t>𝑦</m:t>
+                          </m:r>
+                        </m:e>
+                        <m:sub>
+                          <m:r>
+                            <a:rPr lang="en-US" sz="1200" b="0" i="1" spc="-30" smtClean="0">
+                              <a:solidFill>
+                                <a:srgbClr val="58180C"/>
+                              </a:solidFill>
+                              <a:latin typeface="Cambria Math" panose="02040503050406030204" pitchFamily="18" charset="0"/>
+                            </a:rPr>
+                            <m:t>𝑖𝑗</m:t>
+                          </m:r>
+                        </m:sub>
+                      </m:sSub>
+                      <m:r>
+                        <a:rPr lang="en-US" sz="1200" b="0" i="1" spc="-30" smtClean="0">
+                          <a:solidFill>
+                            <a:srgbClr val="58180C"/>
+                          </a:solidFill>
+                          <a:latin typeface="Cambria Math" panose="02040503050406030204" pitchFamily="18" charset="0"/>
+                        </a:rPr>
+                        <m:t>=</m:t>
+                      </m:r>
+                      <m:r>
+                        <a:rPr lang="en-US" sz="1200" b="0" i="1" spc="-30" smtClean="0">
+                          <a:solidFill>
+                            <a:srgbClr val="58180C"/>
+                          </a:solidFill>
+                          <a:latin typeface="Cambria Math" panose="02040503050406030204" pitchFamily="18" charset="0"/>
+                        </a:rPr>
+                        <m:t>𝜇</m:t>
+                      </m:r>
+                      <m:r>
+                        <a:rPr lang="en-US" sz="1200" b="0" i="1" spc="-30" smtClean="0">
+                          <a:solidFill>
+                            <a:srgbClr val="58180C"/>
+                          </a:solidFill>
+                          <a:latin typeface="Cambria Math" panose="02040503050406030204" pitchFamily="18" charset="0"/>
+                        </a:rPr>
+                        <m:t>+</m:t>
+                      </m:r>
+                      <m:sSub>
+                        <m:sSubPr>
+                          <m:ctrlPr>
+                            <a:rPr lang="en-US" sz="1200" b="0" i="1" spc="-30" smtClean="0">
+                              <a:solidFill>
+                                <a:srgbClr val="58180C"/>
+                              </a:solidFill>
+                              <a:latin typeface="Cambria Math" panose="02040503050406030204" pitchFamily="18" charset="0"/>
+                            </a:rPr>
+                          </m:ctrlPr>
+                        </m:sSubPr>
+                        <m:e>
+                          <m:r>
+                            <a:rPr lang="en-US" sz="1200" b="0" i="1" spc="-30" smtClean="0">
+                              <a:solidFill>
+                                <a:srgbClr val="58180C"/>
+                              </a:solidFill>
+                              <a:latin typeface="Cambria Math" panose="02040503050406030204" pitchFamily="18" charset="0"/>
+                            </a:rPr>
+                            <m:t>𝜏</m:t>
+                          </m:r>
+                        </m:e>
+                        <m:sub>
+                          <m:r>
+                            <a:rPr lang="en-US" sz="1200" b="0" i="1" spc="-30" smtClean="0">
+                              <a:solidFill>
+                                <a:srgbClr val="58180C"/>
+                              </a:solidFill>
+                              <a:latin typeface="Cambria Math" panose="02040503050406030204" pitchFamily="18" charset="0"/>
+                            </a:rPr>
+                            <m:t>𝑖</m:t>
+                          </m:r>
+                        </m:sub>
+                      </m:sSub>
+                      <m:r>
+                        <a:rPr lang="en-US" sz="1200" b="0" i="1" spc="-30" smtClean="0">
+                          <a:solidFill>
+                            <a:srgbClr val="58180C"/>
+                          </a:solidFill>
+                          <a:latin typeface="Cambria Math" panose="02040503050406030204" pitchFamily="18" charset="0"/>
+                        </a:rPr>
+                        <m:t>+</m:t>
+                      </m:r>
+                      <m:sSub>
+                        <m:sSubPr>
+                          <m:ctrlPr>
+                            <a:rPr lang="en-US" sz="1200" b="0" i="1" spc="-30" smtClean="0">
+                              <a:solidFill>
+                                <a:srgbClr val="58180C"/>
+                              </a:solidFill>
+                              <a:latin typeface="Cambria Math" panose="02040503050406030204" pitchFamily="18" charset="0"/>
+                            </a:rPr>
+                          </m:ctrlPr>
+                        </m:sSubPr>
+                        <m:e>
+                          <m:r>
+                            <a:rPr lang="en-US" sz="1200" b="0" i="1" spc="-30" smtClean="0">
+                              <a:solidFill>
+                                <a:srgbClr val="58180C"/>
+                              </a:solidFill>
+                              <a:latin typeface="Cambria Math" panose="02040503050406030204" pitchFamily="18" charset="0"/>
+                            </a:rPr>
+                            <m:t>𝜌</m:t>
+                          </m:r>
+                        </m:e>
+                        <m:sub>
+                          <m:r>
+                            <a:rPr lang="en-US" sz="1200" b="0" i="1" spc="-30" smtClean="0">
+                              <a:solidFill>
+                                <a:srgbClr val="58180C"/>
+                              </a:solidFill>
+                              <a:latin typeface="Cambria Math" panose="02040503050406030204" pitchFamily="18" charset="0"/>
+                            </a:rPr>
+                            <m:t>𝑗</m:t>
+                          </m:r>
+                        </m:sub>
+                      </m:sSub>
+                      <m:r>
+                        <a:rPr lang="en-US" sz="1200" b="0" i="1" spc="-30" smtClean="0">
+                          <a:solidFill>
+                            <a:srgbClr val="58180C"/>
+                          </a:solidFill>
+                          <a:latin typeface="Cambria Math" panose="02040503050406030204" pitchFamily="18" charset="0"/>
+                        </a:rPr>
+                        <m:t>+</m:t>
+                      </m:r>
+                      <m:r>
+                        <a:rPr lang="en-US" sz="1200" b="0" i="1" spc="-30" smtClean="0">
+                          <a:solidFill>
+                            <a:srgbClr val="58180C"/>
+                          </a:solidFill>
+                          <a:latin typeface="Cambria Math" panose="02040503050406030204" pitchFamily="18" charset="0"/>
+                        </a:rPr>
+                        <m:t>𝛽</m:t>
+                      </m:r>
+                      <m:d>
+                        <m:dPr>
+                          <m:ctrlPr>
+                            <a:rPr lang="en-US" sz="1200" b="0" i="1" spc="-30" smtClean="0">
+                              <a:solidFill>
+                                <a:srgbClr val="58180C"/>
+                              </a:solidFill>
+                              <a:latin typeface="Cambria Math" panose="02040503050406030204" pitchFamily="18" charset="0"/>
+                            </a:rPr>
+                          </m:ctrlPr>
+                        </m:dPr>
+                        <m:e>
+                          <m:sSub>
+                            <m:sSubPr>
+                              <m:ctrlPr>
+                                <a:rPr lang="en-US" sz="1200" b="0" i="1" spc="-30" smtClean="0">
+                                  <a:solidFill>
+                                    <a:srgbClr val="58180C"/>
+                                  </a:solidFill>
+                                  <a:latin typeface="Cambria Math" panose="02040503050406030204" pitchFamily="18" charset="0"/>
+                                </a:rPr>
+                              </m:ctrlPr>
+                            </m:sSubPr>
+                            <m:e>
+                              <m:r>
+                                <a:rPr lang="en-US" sz="1200" b="0" i="1" spc="-30" smtClean="0">
+                                  <a:solidFill>
+                                    <a:srgbClr val="58180C"/>
+                                  </a:solidFill>
+                                  <a:latin typeface="Cambria Math" panose="02040503050406030204" pitchFamily="18" charset="0"/>
+                                </a:rPr>
+                                <m:t>𝑥</m:t>
+                              </m:r>
+                            </m:e>
+                            <m:sub>
+                              <m:r>
+                                <a:rPr lang="en-US" sz="1200" b="0" i="1" spc="-30" smtClean="0">
+                                  <a:solidFill>
+                                    <a:srgbClr val="58180C"/>
+                                  </a:solidFill>
+                                  <a:latin typeface="Cambria Math" panose="02040503050406030204" pitchFamily="18" charset="0"/>
+                                </a:rPr>
+                                <m:t>𝑖𝑗</m:t>
+                              </m:r>
+                            </m:sub>
+                          </m:sSub>
+                          <m:r>
+                            <a:rPr lang="en-US" sz="1200" b="0" i="1" spc="-30" smtClean="0">
+                              <a:solidFill>
+                                <a:srgbClr val="58180C"/>
+                              </a:solidFill>
+                              <a:latin typeface="Cambria Math" panose="02040503050406030204" pitchFamily="18" charset="0"/>
+                            </a:rPr>
+                            <m:t>−</m:t>
+                          </m:r>
+                          <m:acc>
+                            <m:accPr>
+                              <m:chr m:val="̅"/>
+                              <m:ctrlPr>
+                                <a:rPr lang="en-US" sz="1200" b="0" i="1" spc="-30" smtClean="0">
+                                  <a:solidFill>
+                                    <a:srgbClr val="58180C"/>
+                                  </a:solidFill>
+                                  <a:latin typeface="Cambria Math" panose="02040503050406030204" pitchFamily="18" charset="0"/>
+                                </a:rPr>
+                              </m:ctrlPr>
+                            </m:accPr>
+                            <m:e>
+                              <m:r>
+                                <a:rPr lang="en-US" sz="1200" b="0" i="1" spc="-30" smtClean="0">
+                                  <a:solidFill>
+                                    <a:srgbClr val="58180C"/>
+                                  </a:solidFill>
+                                  <a:latin typeface="Cambria Math" panose="02040503050406030204" pitchFamily="18" charset="0"/>
+                                </a:rPr>
+                                <m:t>𝑥</m:t>
+                              </m:r>
+                            </m:e>
+                          </m:acc>
+                          <m:r>
+                            <a:rPr lang="en-US" sz="1200" b="0" i="1" spc="-30" smtClean="0">
+                              <a:solidFill>
+                                <a:srgbClr val="58180C"/>
+                              </a:solidFill>
+                              <a:latin typeface="Cambria Math" panose="02040503050406030204" pitchFamily="18" charset="0"/>
+                            </a:rPr>
+                            <m:t>..</m:t>
+                          </m:r>
+                        </m:e>
+                      </m:d>
+                      <m:r>
+                        <a:rPr lang="en-US" sz="1200" b="0" i="1" spc="-30" smtClean="0">
+                          <a:solidFill>
+                            <a:srgbClr val="58180C"/>
+                          </a:solidFill>
+                          <a:latin typeface="Cambria Math" panose="02040503050406030204" pitchFamily="18" charset="0"/>
+                        </a:rPr>
+                        <m:t>+</m:t>
+                      </m:r>
+                      <m:sSub>
+                        <m:sSubPr>
+                          <m:ctrlPr>
+                            <a:rPr lang="en-US" sz="1200" b="0" i="1" spc="-30" smtClean="0">
+                              <a:solidFill>
+                                <a:srgbClr val="58180C"/>
+                              </a:solidFill>
+                              <a:latin typeface="Cambria Math" panose="02040503050406030204" pitchFamily="18" charset="0"/>
+                            </a:rPr>
+                          </m:ctrlPr>
+                        </m:sSubPr>
+                        <m:e>
+                          <m:r>
+                            <a:rPr lang="en-US" sz="1200" b="0" i="1" spc="-30" smtClean="0">
+                              <a:solidFill>
+                                <a:srgbClr val="58180C"/>
+                              </a:solidFill>
+                              <a:latin typeface="Cambria Math" panose="02040503050406030204" pitchFamily="18" charset="0"/>
+                            </a:rPr>
+                            <m:t>𝑒</m:t>
+                          </m:r>
+                        </m:e>
+                        <m:sub>
+                          <m:r>
+                            <a:rPr lang="en-US" sz="1200" b="0" i="1" spc="-30" smtClean="0">
+                              <a:solidFill>
+                                <a:srgbClr val="58180C"/>
+                              </a:solidFill>
+                              <a:latin typeface="Cambria Math" panose="02040503050406030204" pitchFamily="18" charset="0"/>
+                            </a:rPr>
+                            <m:t>𝑖𝑗</m:t>
+                          </m:r>
+                        </m:sub>
+                      </m:sSub>
+                    </m:oMath>
+                  </m:oMathPara>
+                </a14:m>
+                <a:endParaRPr lang="en-US" sz="1200" spc="-30" dirty="0">
+                  <a:solidFill>
+                    <a:srgbClr val="58180C"/>
+                  </a:solidFill>
+                  <a:latin typeface="Palatino Linotype"/>
+                </a:endParaRPr>
+              </a:p>
+              <a:p>
+                <a:pPr marL="210185" indent="-171450">
+                  <a:lnSpc>
+                    <a:spcPct val="100000"/>
+                  </a:lnSpc>
+                  <a:spcBef>
+                    <a:spcPts val="490"/>
+                  </a:spcBef>
+                  <a:buFont typeface="Arial" panose="020B0604020202020204" pitchFamily="34" charset="0"/>
+                  <a:buChar char="•"/>
+                </a:pPr>
+                <a14:m>
+                  <m:oMath xmlns:m="http://schemas.openxmlformats.org/officeDocument/2006/math">
+                    <m:r>
+                      <a:rPr lang="en-US" sz="1200" b="0" i="1" spc="-30" smtClean="0">
+                        <a:solidFill>
+                          <a:srgbClr val="58180C"/>
+                        </a:solidFill>
+                        <a:latin typeface="Cambria Math" panose="02040503050406030204" pitchFamily="18" charset="0"/>
+                      </a:rPr>
+                      <m:t>𝜇</m:t>
+                    </m:r>
+                  </m:oMath>
+                </a14:m>
+                <a:r>
+                  <a:rPr lang="en-US" sz="1200" spc="-30" dirty="0">
+                    <a:solidFill>
+                      <a:srgbClr val="58180C"/>
+                    </a:solidFill>
+                    <a:latin typeface="Palatino Linotype"/>
+                  </a:rPr>
+                  <a:t> – General Mean</a:t>
+                </a:r>
+              </a:p>
+              <a:p>
+                <a:pPr marL="210185" indent="-171450">
+                  <a:lnSpc>
+                    <a:spcPct val="100000"/>
+                  </a:lnSpc>
+                  <a:spcBef>
+                    <a:spcPts val="490"/>
+                  </a:spcBef>
+                  <a:buFont typeface="Arial" panose="020B0604020202020204" pitchFamily="34" charset="0"/>
+                  <a:buChar char="•"/>
+                </a:pPr>
+                <a14:m>
+                  <m:oMath xmlns:m="http://schemas.openxmlformats.org/officeDocument/2006/math">
+                    <m:sSub>
+                      <m:sSubPr>
+                        <m:ctrlPr>
+                          <a:rPr lang="en-US" sz="1200" b="0" i="1" spc="-30" smtClean="0">
+                            <a:solidFill>
+                              <a:srgbClr val="58180C"/>
+                            </a:solidFill>
+                            <a:latin typeface="Cambria Math" panose="02040503050406030204" pitchFamily="18" charset="0"/>
+                          </a:rPr>
+                        </m:ctrlPr>
+                      </m:sSubPr>
+                      <m:e>
+                        <m:r>
+                          <a:rPr lang="en-US" sz="1200" b="0" i="1" spc="-30" smtClean="0">
+                            <a:solidFill>
+                              <a:srgbClr val="58180C"/>
+                            </a:solidFill>
+                            <a:latin typeface="Cambria Math" panose="02040503050406030204" pitchFamily="18" charset="0"/>
+                          </a:rPr>
+                          <m:t>𝜏</m:t>
+                        </m:r>
+                      </m:e>
+                      <m:sub>
+                        <m:r>
+                          <a:rPr lang="en-US" sz="1200" b="0" i="1" spc="-30" smtClean="0">
+                            <a:solidFill>
+                              <a:srgbClr val="58180C"/>
+                            </a:solidFill>
+                            <a:latin typeface="Cambria Math" panose="02040503050406030204" pitchFamily="18" charset="0"/>
+                          </a:rPr>
+                          <m:t>𝑖</m:t>
+                        </m:r>
+                      </m:sub>
+                    </m:sSub>
+                  </m:oMath>
+                </a14:m>
+                <a:r>
+                  <a:rPr lang="en-US" sz="1200" spc="-30" dirty="0">
+                    <a:solidFill>
+                      <a:srgbClr val="58180C"/>
+                    </a:solidFill>
+                    <a:latin typeface="Palatino Linotype"/>
+                  </a:rPr>
+                  <a:t> – Treatment  Effect</a:t>
+                </a:r>
+              </a:p>
+              <a:p>
+                <a:pPr marL="210185" indent="-171450">
+                  <a:lnSpc>
+                    <a:spcPct val="100000"/>
+                  </a:lnSpc>
+                  <a:spcBef>
+                    <a:spcPts val="490"/>
+                  </a:spcBef>
+                  <a:buFont typeface="Arial" panose="020B0604020202020204" pitchFamily="34" charset="0"/>
+                  <a:buChar char="•"/>
+                </a:pPr>
+                <a14:m>
+                  <m:oMath xmlns:m="http://schemas.openxmlformats.org/officeDocument/2006/math">
+                    <m:sSub>
+                      <m:sSubPr>
+                        <m:ctrlPr>
+                          <a:rPr lang="en-US" sz="1200" b="0" i="1" spc="-30" smtClean="0">
+                            <a:solidFill>
+                              <a:srgbClr val="58180C"/>
+                            </a:solidFill>
+                            <a:latin typeface="Cambria Math" panose="02040503050406030204" pitchFamily="18" charset="0"/>
+                          </a:rPr>
+                        </m:ctrlPr>
+                      </m:sSubPr>
+                      <m:e>
+                        <m:r>
+                          <a:rPr lang="en-US" sz="1200" b="0" i="1" spc="-30" smtClean="0">
+                            <a:solidFill>
+                              <a:srgbClr val="58180C"/>
+                            </a:solidFill>
+                            <a:latin typeface="Cambria Math" panose="02040503050406030204" pitchFamily="18" charset="0"/>
+                          </a:rPr>
+                          <m:t>𝜌</m:t>
+                        </m:r>
+                      </m:e>
+                      <m:sub>
+                        <m:r>
+                          <a:rPr lang="en-US" sz="1200" b="0" i="1" spc="-30" smtClean="0">
+                            <a:solidFill>
+                              <a:srgbClr val="58180C"/>
+                            </a:solidFill>
+                            <a:latin typeface="Cambria Math" panose="02040503050406030204" pitchFamily="18" charset="0"/>
+                          </a:rPr>
+                          <m:t>𝑗</m:t>
+                        </m:r>
+                      </m:sub>
+                    </m:sSub>
+                  </m:oMath>
+                </a14:m>
+                <a:r>
+                  <a:rPr lang="en-US" sz="1200" spc="-30" dirty="0">
+                    <a:solidFill>
+                      <a:srgbClr val="58180C"/>
+                    </a:solidFill>
+                    <a:latin typeface="Palatino Linotype"/>
+                  </a:rPr>
+                  <a:t> – Blocking  Effect</a:t>
+                </a:r>
+              </a:p>
+              <a:p>
+                <a:pPr marL="210185" indent="-171450">
+                  <a:lnSpc>
+                    <a:spcPct val="100000"/>
+                  </a:lnSpc>
+                  <a:spcBef>
+                    <a:spcPts val="490"/>
+                  </a:spcBef>
+                  <a:buFont typeface="Arial" panose="020B0604020202020204" pitchFamily="34" charset="0"/>
+                  <a:buChar char="•"/>
+                </a:pPr>
+                <a14:m>
+                  <m:oMath xmlns:m="http://schemas.openxmlformats.org/officeDocument/2006/math">
+                    <m:r>
+                      <a:rPr lang="en-US" sz="1200" b="0" i="1" spc="-30" smtClean="0">
+                        <a:solidFill>
+                          <a:srgbClr val="58180C"/>
+                        </a:solidFill>
+                        <a:latin typeface="Cambria Math" panose="02040503050406030204" pitchFamily="18" charset="0"/>
+                      </a:rPr>
+                      <m:t>𝛽</m:t>
+                    </m:r>
+                  </m:oMath>
+                </a14:m>
+                <a:r>
+                  <a:rPr lang="en-US" sz="1200" spc="-30" dirty="0">
+                    <a:solidFill>
+                      <a:srgbClr val="58180C"/>
+                    </a:solidFill>
+                    <a:latin typeface="Palatino Linotype"/>
+                  </a:rPr>
+                  <a:t> – Regression Slope</a:t>
+                </a:r>
+              </a:p>
+              <a:p>
+                <a:pPr marL="210185" indent="-171450">
+                  <a:lnSpc>
+                    <a:spcPct val="100000"/>
+                  </a:lnSpc>
+                  <a:spcBef>
+                    <a:spcPts val="490"/>
+                  </a:spcBef>
+                  <a:buFont typeface="Arial" panose="020B0604020202020204" pitchFamily="34" charset="0"/>
+                  <a:buChar char="•"/>
+                </a:pPr>
+                <a14:m>
+                  <m:oMath xmlns:m="http://schemas.openxmlformats.org/officeDocument/2006/math">
+                    <m:sSub>
+                      <m:sSubPr>
+                        <m:ctrlPr>
+                          <a:rPr lang="en-US" sz="1200" b="0" i="1" spc="-30" smtClean="0">
+                            <a:solidFill>
+                              <a:srgbClr val="58180C"/>
+                            </a:solidFill>
+                            <a:latin typeface="Cambria Math" panose="02040503050406030204" pitchFamily="18" charset="0"/>
+                          </a:rPr>
+                        </m:ctrlPr>
+                      </m:sSubPr>
+                      <m:e>
+                        <m:r>
+                          <a:rPr lang="en-US" sz="1200" b="0" i="1" spc="-30" smtClean="0">
+                            <a:solidFill>
+                              <a:srgbClr val="58180C"/>
+                            </a:solidFill>
+                            <a:latin typeface="Cambria Math" panose="02040503050406030204" pitchFamily="18" charset="0"/>
+                          </a:rPr>
+                          <m:t>𝑒</m:t>
+                        </m:r>
+                      </m:e>
+                      <m:sub>
+                        <m:r>
+                          <a:rPr lang="en-US" sz="1200" b="0" i="1" spc="-30" smtClean="0">
+                            <a:solidFill>
+                              <a:srgbClr val="58180C"/>
+                            </a:solidFill>
+                            <a:latin typeface="Cambria Math" panose="02040503050406030204" pitchFamily="18" charset="0"/>
+                          </a:rPr>
+                          <m:t>𝑖𝑗</m:t>
+                        </m:r>
+                      </m:sub>
+                    </m:sSub>
+                  </m:oMath>
+                </a14:m>
+                <a:r>
+                  <a:rPr lang="en-US" sz="1200" spc="-30" dirty="0">
+                    <a:solidFill>
+                      <a:srgbClr val="58180C"/>
+                    </a:solidFill>
+                    <a:latin typeface="Palatino Linotype"/>
+                  </a:rPr>
+                  <a:t> – </a:t>
+                </a:r>
+                <a:r>
+                  <a:rPr lang="en-US" sz="1200" spc="-30" dirty="0" err="1">
+                    <a:solidFill>
+                      <a:srgbClr val="58180C"/>
+                    </a:solidFill>
+                    <a:latin typeface="Palatino Linotype"/>
+                  </a:rPr>
+                  <a:t>iid</a:t>
+                </a:r>
+                <a:r>
+                  <a:rPr lang="en-US" sz="1200" spc="-30" dirty="0">
+                    <a:solidFill>
+                      <a:srgbClr val="58180C"/>
+                    </a:solidFill>
+                    <a:latin typeface="Palatino Linotype"/>
+                  </a:rPr>
+                  <a:t> Random </a:t>
+                </a:r>
+                <a:r>
+                  <a:rPr lang="en-US" spc="-30" dirty="0"/>
+                  <a:t>E</a:t>
+                </a:r>
+                <a:r>
+                  <a:rPr lang="en-US" sz="1200" spc="-30" dirty="0">
+                    <a:solidFill>
+                      <a:srgbClr val="58180C"/>
+                    </a:solidFill>
+                    <a:latin typeface="Palatino Linotype"/>
+                  </a:rPr>
+                  <a:t>rrors</a:t>
+                </a:r>
+              </a:p>
+              <a:p>
+                <a:pPr marL="210185" indent="-171450">
+                  <a:lnSpc>
+                    <a:spcPct val="100000"/>
+                  </a:lnSpc>
+                  <a:spcBef>
+                    <a:spcPts val="490"/>
+                  </a:spcBef>
+                  <a:buFont typeface="Arial" panose="020B0604020202020204" pitchFamily="34" charset="0"/>
+                  <a:buChar char="•"/>
+                </a:pPr>
+                <a14:m>
+                  <m:oMath xmlns:m="http://schemas.openxmlformats.org/officeDocument/2006/math">
+                    <m:sSub>
+                      <m:sSubPr>
+                        <m:ctrlPr>
+                          <a:rPr lang="en-US" sz="1200" b="0" i="1" spc="-30" smtClean="0">
+                            <a:solidFill>
+                              <a:srgbClr val="58180C"/>
+                            </a:solidFill>
+                            <a:latin typeface="Cambria Math" panose="02040503050406030204" pitchFamily="18" charset="0"/>
+                          </a:rPr>
+                        </m:ctrlPr>
+                      </m:sSubPr>
+                      <m:e>
+                        <m:r>
+                          <a:rPr lang="en-US" sz="1200" b="0" i="1" spc="-30" smtClean="0">
+                            <a:solidFill>
+                              <a:srgbClr val="58180C"/>
+                            </a:solidFill>
+                            <a:latin typeface="Cambria Math" panose="02040503050406030204" pitchFamily="18" charset="0"/>
+                          </a:rPr>
+                          <m:t>𝑥</m:t>
+                        </m:r>
+                      </m:e>
+                      <m:sub>
+                        <m:r>
+                          <a:rPr lang="en-US" sz="1200" b="0" i="1" spc="-30" smtClean="0">
+                            <a:solidFill>
+                              <a:srgbClr val="58180C"/>
+                            </a:solidFill>
+                            <a:latin typeface="Cambria Math" panose="02040503050406030204" pitchFamily="18" charset="0"/>
+                          </a:rPr>
+                          <m:t>𝑖𝑗</m:t>
+                        </m:r>
+                      </m:sub>
+                    </m:sSub>
+                  </m:oMath>
+                </a14:m>
+                <a:r>
+                  <a:rPr lang="en-US" sz="1200" spc="-30" dirty="0">
+                    <a:solidFill>
+                      <a:srgbClr val="58180C"/>
+                    </a:solidFill>
+                    <a:latin typeface="Palatino Linotype"/>
+                  </a:rPr>
+                  <a:t> – Covariate </a:t>
+                </a:r>
+              </a:p>
+            </p:txBody>
+          </p:sp>
+        </mc:Choice>
+        <mc:Fallback>
+          <p:sp>
+            <p:nvSpPr>
+              <p:cNvPr id="5" name="object 5"/>
+              <p:cNvSpPr txBox="1">
+                <a:spLocks noGrp="1" noRot="1" noChangeAspect="1" noMove="1" noResize="1" noEditPoints="1" noAdjustHandles="1" noChangeArrowheads="1" noChangeShapeType="1" noTextEdit="1"/>
+              </p:cNvSpPr>
+              <p:nvPr>
+                <p:ph type="body" idx="1"/>
+              </p:nvPr>
+            </p:nvSpPr>
+            <p:spPr>
+              <a:xfrm>
+                <a:off x="313227" y="1149025"/>
+                <a:ext cx="3968648" cy="1982722"/>
+              </a:xfrm>
+              <a:prstGeom prst="rect">
+                <a:avLst/>
+              </a:prstGeom>
+              <a:blipFill>
+                <a:blip r:embed="rId2"/>
+                <a:stretch>
+                  <a:fillRect l="-958" b="-3165"/>
+                </a:stretch>
+              </a:blipFill>
+            </p:spPr>
+            <p:txBody>
+              <a:bodyPr/>
+              <a:lstStyle/>
+              <a:p>
+                <a:r>
+                  <a:rPr lang="en-US">
+                    <a:noFill/>
+                  </a:rPr>
+                  <a:t> </a:t>
+                </a:r>
+              </a:p>
+            </p:txBody>
+          </p:sp>
+        </mc:Fallback>
+      </mc:AlternateContent>
       <p:sp>
         <p:nvSpPr>
           <p:cNvPr id="6" name="object 6"/>
@@ -8216,6 +9620,10 @@
           </p:nvPr>
         </p:nvSpPr>
         <p:spPr>
+          <a:xfrm>
+            <a:off x="1716874" y="3204555"/>
+            <a:ext cx="978535" cy="114134"/>
+          </a:xfrm>
           <a:prstGeom prst="rect">
             <a:avLst/>
           </a:prstGeom>
@@ -8239,8 +9647,8 @@
               <a:t>Stat </a:t>
             </a:r>
             <a:r>
-              <a:rPr spc="65" dirty="0"/>
-              <a:t>680A</a:t>
+              <a:rPr lang="en-US" spc="65" dirty="0"/>
+              <a:t>795</a:t>
             </a:r>
             <a:r>
               <a:rPr spc="55" dirty="0"/>
@@ -8289,84 +9697,12 @@
           </a:p>
         </p:txBody>
       </p:sp>
-      <p:pic>
-        <p:nvPicPr>
-          <p:cNvPr id="8" name="Picture 7">
-            <a:extLst>
-              <a:ext uri="{FF2B5EF4-FFF2-40B4-BE49-F238E27FC236}">
-                <a16:creationId xmlns:a16="http://schemas.microsoft.com/office/drawing/2014/main" id="{5D8F93D4-F397-C549-B18E-E6C2492B1196}"/>
-              </a:ext>
-            </a:extLst>
-          </p:cNvPr>
-          <p:cNvPicPr>
-            <a:picLocks noChangeAspect="1"/>
-          </p:cNvPicPr>
-          <p:nvPr/>
-        </p:nvPicPr>
-        <p:blipFill>
-          <a:blip r:embed="rId2"/>
-          <a:stretch>
-            <a:fillRect/>
-          </a:stretch>
-        </p:blipFill>
-        <p:spPr>
-          <a:xfrm>
-            <a:off x="4221" y="0"/>
-            <a:ext cx="4601657" cy="3460750"/>
-          </a:xfrm>
-          <a:prstGeom prst="rect">
-            <a:avLst/>
-          </a:prstGeom>
-        </p:spPr>
-      </p:pic>
-      <p:pic>
-        <p:nvPicPr>
-          <p:cNvPr id="13" name="Picture 12">
-            <a:extLst>
-              <a:ext uri="{FF2B5EF4-FFF2-40B4-BE49-F238E27FC236}">
-                <a16:creationId xmlns:a16="http://schemas.microsoft.com/office/drawing/2014/main" id="{B810B15E-1ADF-B749-A754-5887D8621418}"/>
-              </a:ext>
-            </a:extLst>
-          </p:cNvPr>
-          <p:cNvPicPr>
-            <a:picLocks noChangeAspect="1" noChangeArrowheads="1"/>
-          </p:cNvPicPr>
-          <p:nvPr/>
-        </p:nvPicPr>
-        <p:blipFill>
-          <a:blip r:embed="rId3">
-            <a:extLst>
-              <a:ext uri="{28A0092B-C50C-407E-A947-70E740481C1C}">
-                <a14:useLocalDpi xmlns:a14="http://schemas.microsoft.com/office/drawing/2010/main" val="0"/>
-              </a:ext>
-            </a:extLst>
-          </a:blip>
-          <a:srcRect/>
-          <a:stretch>
-            <a:fillRect/>
-          </a:stretch>
-        </p:blipFill>
-        <p:spPr bwMode="auto">
-          <a:xfrm>
-            <a:off x="219144" y="976022"/>
-            <a:ext cx="4231944" cy="1920601"/>
-          </a:xfrm>
-          <a:prstGeom prst="rect">
-            <a:avLst/>
-          </a:prstGeom>
-          <a:noFill/>
-          <a:extLst>
-            <a:ext uri="{909E8E84-426E-40DD-AFC4-6F175D3DCCD1}">
-              <a14:hiddenFill xmlns:a14="http://schemas.microsoft.com/office/drawing/2010/main">
-                <a:solidFill>
-                  <a:srgbClr val="FFFFFF"/>
-                </a:solidFill>
-              </a14:hiddenFill>
-            </a:ext>
-          </a:extLst>
-        </p:spPr>
-      </p:pic>
     </p:spTree>
+    <p:extLst>
+      <p:ext uri="{BB962C8B-B14F-4D97-AF65-F5344CB8AC3E}">
+        <p14:creationId xmlns:p14="http://schemas.microsoft.com/office/powerpoint/2010/main" val="2639473151"/>
+      </p:ext>
+    </p:extLst>
   </p:cSld>
   <p:clrMapOvr>
     <a:masterClrMapping/>
@@ -8397,13 +9733,17 @@
       <p:sp>
         <p:nvSpPr>
           <p:cNvPr id="2" name="object 2"/>
-          <p:cNvSpPr txBox="1"/>
-          <p:nvPr/>
+          <p:cNvSpPr txBox="1">
+            <a:spLocks noGrp="1"/>
+          </p:cNvSpPr>
+          <p:nvPr>
+            <p:ph type="title"/>
+          </p:nvPr>
         </p:nvSpPr>
         <p:spPr>
           <a:xfrm>
-            <a:off x="275297" y="121180"/>
-            <a:ext cx="2119630" cy="244475"/>
+            <a:off x="275296" y="121180"/>
+            <a:ext cx="1877354" cy="232756"/>
           </a:xfrm>
           <a:prstGeom prst="rect">
             <a:avLst/>
@@ -8424,207 +9764,10 @@
               </a:spcBef>
             </a:pPr>
             <a:r>
-              <a:rPr sz="1400" spc="-5" dirty="0">
-                <a:solidFill>
-                  <a:srgbClr val="58180C"/>
-                </a:solidFill>
-                <a:latin typeface="Palatino Linotype"/>
-                <a:cs typeface="Palatino Linotype"/>
-              </a:rPr>
-              <a:t>Exploratory </a:t>
-            </a:r>
-            <a:r>
-              <a:rPr sz="1400" spc="15" dirty="0">
-                <a:solidFill>
-                  <a:srgbClr val="58180C"/>
-                </a:solidFill>
-                <a:latin typeface="Palatino Linotype"/>
-                <a:cs typeface="Palatino Linotype"/>
-              </a:rPr>
-              <a:t>Data</a:t>
-            </a:r>
-            <a:r>
-              <a:rPr sz="1400" spc="190" dirty="0">
-                <a:solidFill>
-                  <a:srgbClr val="58180C"/>
-                </a:solidFill>
-                <a:latin typeface="Palatino Linotype"/>
-                <a:cs typeface="Palatino Linotype"/>
-              </a:rPr>
-              <a:t> </a:t>
-            </a:r>
-            <a:r>
-              <a:rPr sz="1400" spc="-30" dirty="0">
-                <a:solidFill>
-                  <a:srgbClr val="58180C"/>
-                </a:solidFill>
-                <a:latin typeface="Palatino Linotype"/>
-                <a:cs typeface="Palatino Linotype"/>
-              </a:rPr>
-              <a:t>Analysis</a:t>
-            </a:r>
-            <a:endParaRPr sz="1400" dirty="0">
-              <a:latin typeface="Palatino Linotype"/>
-              <a:cs typeface="Palatino Linotype"/>
-            </a:endParaRPr>
-          </a:p>
-        </p:txBody>
-      </p:sp>
-      <p:sp>
-        <p:nvSpPr>
-          <p:cNvPr id="3" name="object 3"/>
-          <p:cNvSpPr/>
-          <p:nvPr/>
-        </p:nvSpPr>
-        <p:spPr>
-          <a:xfrm>
-            <a:off x="275297" y="511175"/>
-            <a:ext cx="3977640" cy="227965"/>
-          </a:xfrm>
-          <a:custGeom>
-            <a:avLst/>
-            <a:gdLst/>
-            <a:ahLst/>
-            <a:cxnLst/>
-            <a:rect l="l" t="t" r="r" b="b"/>
-            <a:pathLst>
-              <a:path w="3977640" h="227964">
-                <a:moveTo>
-                  <a:pt x="0" y="227876"/>
-                </a:moveTo>
-                <a:lnTo>
-                  <a:pt x="3977474" y="227876"/>
-                </a:lnTo>
-                <a:lnTo>
-                  <a:pt x="3977474" y="0"/>
-                </a:lnTo>
-                <a:lnTo>
-                  <a:pt x="0" y="0"/>
-                </a:lnTo>
-                <a:lnTo>
-                  <a:pt x="0" y="227876"/>
-                </a:lnTo>
-                <a:close/>
-              </a:path>
-            </a:pathLst>
-          </a:custGeom>
-          <a:solidFill>
-            <a:srgbClr val="DBE4E4"/>
-          </a:solidFill>
-        </p:spPr>
-        <p:txBody>
-          <a:bodyPr wrap="square" lIns="0" tIns="0" rIns="0" bIns="0" rtlCol="0"/>
-          <a:lstStyle/>
-          <a:p>
-            <a:endParaRPr dirty="0"/>
-          </a:p>
-        </p:txBody>
-      </p:sp>
-      <p:sp>
-        <p:nvSpPr>
-          <p:cNvPr id="4" name="object 4"/>
-          <p:cNvSpPr txBox="1"/>
-          <p:nvPr/>
-        </p:nvSpPr>
-        <p:spPr>
-          <a:xfrm>
-            <a:off x="307327" y="495970"/>
-            <a:ext cx="1475105" cy="207645"/>
-          </a:xfrm>
-          <a:prstGeom prst="rect">
-            <a:avLst/>
-          </a:prstGeom>
-        </p:spPr>
-        <p:txBody>
-          <a:bodyPr vert="horz" wrap="square" lIns="0" tIns="12065" rIns="0" bIns="0" rtlCol="0">
-            <a:spAutoFit/>
-          </a:bodyPr>
-          <a:lstStyle/>
-          <a:p>
-            <a:pPr marL="12700">
-              <a:lnSpc>
-                <a:spcPct val="100000"/>
-              </a:lnSpc>
-              <a:spcBef>
-                <a:spcPts val="95"/>
-              </a:spcBef>
-            </a:pPr>
-            <a:r>
-              <a:rPr sz="1200" spc="-25" dirty="0">
-                <a:solidFill>
-                  <a:srgbClr val="58180C"/>
-                </a:solidFill>
-                <a:latin typeface="Palatino Linotype"/>
-                <a:cs typeface="Palatino Linotype"/>
-              </a:rPr>
-              <a:t>Categorical</a:t>
-            </a:r>
-            <a:r>
-              <a:rPr sz="1200" spc="30" dirty="0">
-                <a:solidFill>
-                  <a:srgbClr val="58180C"/>
-                </a:solidFill>
-                <a:latin typeface="Palatino Linotype"/>
-                <a:cs typeface="Palatino Linotype"/>
-              </a:rPr>
-              <a:t> </a:t>
-            </a:r>
-            <a:r>
-              <a:rPr sz="1200" spc="-20" dirty="0">
-                <a:solidFill>
-                  <a:srgbClr val="58180C"/>
-                </a:solidFill>
-                <a:latin typeface="Palatino Linotype"/>
-                <a:cs typeface="Palatino Linotype"/>
-              </a:rPr>
-              <a:t>Predictors</a:t>
-            </a:r>
-            <a:endParaRPr sz="1200" dirty="0">
-              <a:latin typeface="Palatino Linotype"/>
-              <a:cs typeface="Palatino Linotype"/>
-            </a:endParaRPr>
-          </a:p>
-        </p:txBody>
-      </p:sp>
-      <p:sp>
-        <p:nvSpPr>
-          <p:cNvPr id="5" name="object 5"/>
-          <p:cNvSpPr/>
-          <p:nvPr/>
-        </p:nvSpPr>
-        <p:spPr>
-          <a:xfrm>
-            <a:off x="315264" y="1681156"/>
-            <a:ext cx="89535" cy="0"/>
-          </a:xfrm>
-          <a:custGeom>
-            <a:avLst/>
-            <a:gdLst/>
-            <a:ahLst/>
-            <a:cxnLst/>
-            <a:rect l="l" t="t" r="r" b="b"/>
-            <a:pathLst>
-              <a:path w="89535">
-                <a:moveTo>
-                  <a:pt x="0" y="0"/>
-                </a:moveTo>
-                <a:lnTo>
-                  <a:pt x="89471" y="0"/>
-                </a:lnTo>
-              </a:path>
-            </a:pathLst>
-          </a:custGeom>
-          <a:ln w="44742">
-            <a:solidFill>
-              <a:srgbClr val="F7F2E5"/>
-            </a:solidFill>
-          </a:ln>
-        </p:spPr>
-        <p:txBody>
-          <a:bodyPr wrap="square" lIns="0" tIns="0" rIns="0" bIns="0" rtlCol="0"/>
-          <a:lstStyle/>
-          <a:p>
-            <a:endParaRPr dirty="0"/>
+              <a:rPr lang="en-US" spc="-15" dirty="0"/>
+              <a:t>Design of Experiment</a:t>
+            </a:r>
+            <a:endParaRPr spc="-15" dirty="0"/>
           </a:p>
         </p:txBody>
       </p:sp>
@@ -8639,6 +9782,10 @@
           </p:nvPr>
         </p:nvSpPr>
         <p:spPr>
+          <a:xfrm>
+            <a:off x="1716874" y="3204555"/>
+            <a:ext cx="978535" cy="114134"/>
+          </a:xfrm>
           <a:prstGeom prst="rect">
             <a:avLst/>
           </a:prstGeom>
@@ -8662,8 +9809,8 @@
               <a:t>Stat </a:t>
             </a:r>
             <a:r>
-              <a:rPr spc="65" dirty="0"/>
-              <a:t>680A</a:t>
+              <a:rPr lang="en-US" spc="65" dirty="0"/>
+              <a:t>795</a:t>
             </a:r>
             <a:r>
               <a:rPr spc="55" dirty="0"/>
@@ -8712,87 +9859,1192 @@
           </a:p>
         </p:txBody>
       </p:sp>
-      <p:pic>
-        <p:nvPicPr>
-          <p:cNvPr id="8" name="Picture 7">
+      <p:sp>
+        <p:nvSpPr>
+          <p:cNvPr id="16" name="Rectangle 15">
             <a:extLst>
               <a:ext uri="{FF2B5EF4-FFF2-40B4-BE49-F238E27FC236}">
-                <a16:creationId xmlns:a16="http://schemas.microsoft.com/office/drawing/2014/main" id="{5D8F93D4-F397-C549-B18E-E6C2492B1196}"/>
+                <a16:creationId xmlns:a16="http://schemas.microsoft.com/office/drawing/2014/main" id="{3640DE80-48B1-F347-BD15-F78AF735C671}"/>
               </a:ext>
             </a:extLst>
           </p:cNvPr>
-          <p:cNvPicPr>
-            <a:picLocks noChangeAspect="1"/>
-          </p:cNvPicPr>
+          <p:cNvSpPr/>
           <p:nvPr/>
-        </p:nvPicPr>
-        <p:blipFill>
-          <a:blip r:embed="rId2"/>
-          <a:stretch>
-            <a:fillRect/>
-          </a:stretch>
-        </p:blipFill>
+        </p:nvSpPr>
         <p:spPr>
           <a:xfrm>
-            <a:off x="4221" y="0"/>
-            <a:ext cx="4601657" cy="3460750"/>
+            <a:off x="933450" y="892175"/>
+            <a:ext cx="2209800" cy="381000"/>
           </a:xfrm>
           <a:prstGeom prst="rect">
             <a:avLst/>
           </a:prstGeom>
-        </p:spPr>
-      </p:pic>
-      <p:pic>
-        <p:nvPicPr>
-          <p:cNvPr id="10" name="Picture 9">
+          <a:noFill/>
+        </p:spPr>
+        <p:style>
+          <a:lnRef idx="2">
+            <a:schemeClr val="accent1">
+              <a:shade val="50000"/>
+            </a:schemeClr>
+          </a:lnRef>
+          <a:fillRef idx="1">
+            <a:schemeClr val="accent1"/>
+          </a:fillRef>
+          <a:effectRef idx="0">
+            <a:schemeClr val="accent1"/>
+          </a:effectRef>
+          <a:fontRef idx="minor">
+            <a:schemeClr val="lt1"/>
+          </a:fontRef>
+        </p:style>
+        <p:txBody>
+          <a:bodyPr rtlCol="0" anchor="ctr"/>
+          <a:lstStyle/>
+          <a:p>
+            <a:pPr algn="ctr"/>
+            <a:endParaRPr lang="en-US"/>
+          </a:p>
+        </p:txBody>
+      </p:sp>
+      <p:sp>
+        <p:nvSpPr>
+          <p:cNvPr id="17" name="TextBox 16">
             <a:extLst>
               <a:ext uri="{FF2B5EF4-FFF2-40B4-BE49-F238E27FC236}">
-                <a16:creationId xmlns:a16="http://schemas.microsoft.com/office/drawing/2014/main" id="{793D15D9-AE3D-A945-8D7B-7A56E90A929B}"/>
+                <a16:creationId xmlns:a16="http://schemas.microsoft.com/office/drawing/2014/main" id="{27EDFECA-DAB7-7E43-8E38-A2534D2FE74A}"/>
               </a:ext>
             </a:extLst>
           </p:cNvPr>
-          <p:cNvPicPr>
-            <a:picLocks noChangeAspect="1" noChangeArrowheads="1"/>
-          </p:cNvPicPr>
+          <p:cNvSpPr txBox="1"/>
           <p:nvPr/>
-        </p:nvPicPr>
-        <p:blipFill>
-          <a:blip r:embed="rId3">
+        </p:nvSpPr>
+        <p:spPr>
+          <a:xfrm>
+            <a:off x="962593" y="898009"/>
+            <a:ext cx="351857" cy="369332"/>
+          </a:xfrm>
+          <a:prstGeom prst="rect">
+            <a:avLst/>
+          </a:prstGeom>
+          <a:noFill/>
+        </p:spPr>
+        <p:txBody>
+          <a:bodyPr wrap="square" rtlCol="0">
+            <a:spAutoFit/>
+          </a:bodyPr>
+          <a:lstStyle/>
+          <a:p>
+            <a:r>
+              <a:rPr lang="en-US" dirty="0"/>
+              <a:t>N</a:t>
+            </a:r>
+          </a:p>
+        </p:txBody>
+      </p:sp>
+      <p:sp>
+        <p:nvSpPr>
+          <p:cNvPr id="18" name="TextBox 17">
             <a:extLst>
-              <a:ext uri="{28A0092B-C50C-407E-A947-70E740481C1C}">
-                <a14:useLocalDpi xmlns:a14="http://schemas.microsoft.com/office/drawing/2010/main" val="0"/>
+              <a:ext uri="{FF2B5EF4-FFF2-40B4-BE49-F238E27FC236}">
+                <a16:creationId xmlns:a16="http://schemas.microsoft.com/office/drawing/2014/main" id="{E900525F-151A-F240-BD70-191FBE5F41F2}"/>
               </a:ext>
             </a:extLst>
-          </a:blip>
-          <a:srcRect/>
-          <a:stretch>
-            <a:fillRect/>
-          </a:stretch>
-        </p:blipFill>
-        <p:spPr bwMode="auto">
+          </p:cNvPr>
+          <p:cNvSpPr txBox="1"/>
+          <p:nvPr/>
+        </p:nvSpPr>
+        <p:spPr>
           <a:xfrm>
-            <a:off x="171450" y="972886"/>
-            <a:ext cx="4142907" cy="1748089"/>
+            <a:off x="1306250" y="901237"/>
+            <a:ext cx="351857" cy="369332"/>
           </a:xfrm>
           <a:prstGeom prst="rect">
             <a:avLst/>
           </a:prstGeom>
           <a:noFill/>
-          <a:extLst>
-            <a:ext uri="{909E8E84-426E-40DD-AFC4-6F175D3DCCD1}">
-              <a14:hiddenFill xmlns:a14="http://schemas.microsoft.com/office/drawing/2010/main">
-                <a:solidFill>
-                  <a:srgbClr val="FFFFFF"/>
-                </a:solidFill>
-              </a14:hiddenFill>
-            </a:ext>
-          </a:extLst>
-        </p:spPr>
-      </p:pic>
+        </p:spPr>
+        <p:txBody>
+          <a:bodyPr wrap="square" rtlCol="0">
+            <a:spAutoFit/>
+          </a:bodyPr>
+          <a:lstStyle/>
+          <a:p>
+            <a:r>
+              <a:rPr lang="en-US" dirty="0"/>
+              <a:t>W</a:t>
+            </a:r>
+          </a:p>
+        </p:txBody>
+      </p:sp>
+      <p:sp>
+        <p:nvSpPr>
+          <p:cNvPr id="19" name="TextBox 18">
+            <a:extLst>
+              <a:ext uri="{FF2B5EF4-FFF2-40B4-BE49-F238E27FC236}">
+                <a16:creationId xmlns:a16="http://schemas.microsoft.com/office/drawing/2014/main" id="{0769D1F5-8CF4-3742-BD4A-AF55C0E955D6}"/>
+              </a:ext>
+            </a:extLst>
+          </p:cNvPr>
+          <p:cNvSpPr txBox="1"/>
+          <p:nvPr/>
+        </p:nvSpPr>
+        <p:spPr>
+          <a:xfrm>
+            <a:off x="1641707" y="898631"/>
+            <a:ext cx="351857" cy="369332"/>
+          </a:xfrm>
+          <a:prstGeom prst="rect">
+            <a:avLst/>
+          </a:prstGeom>
+          <a:noFill/>
+        </p:spPr>
+        <p:txBody>
+          <a:bodyPr wrap="square" rtlCol="0">
+            <a:spAutoFit/>
+          </a:bodyPr>
+          <a:lstStyle/>
+          <a:p>
+            <a:r>
+              <a:rPr lang="en-US" dirty="0"/>
+              <a:t>N</a:t>
+            </a:r>
+          </a:p>
+        </p:txBody>
+      </p:sp>
+      <p:sp>
+        <p:nvSpPr>
+          <p:cNvPr id="20" name="TextBox 19">
+            <a:extLst>
+              <a:ext uri="{FF2B5EF4-FFF2-40B4-BE49-F238E27FC236}">
+                <a16:creationId xmlns:a16="http://schemas.microsoft.com/office/drawing/2014/main" id="{0B9BB81E-1915-364E-8C29-D1E0AD647D57}"/>
+              </a:ext>
+            </a:extLst>
+          </p:cNvPr>
+          <p:cNvSpPr txBox="1"/>
+          <p:nvPr/>
+        </p:nvSpPr>
+        <p:spPr>
+          <a:xfrm>
+            <a:off x="2001764" y="892175"/>
+            <a:ext cx="351857" cy="369332"/>
+          </a:xfrm>
+          <a:prstGeom prst="rect">
+            <a:avLst/>
+          </a:prstGeom>
+          <a:noFill/>
+        </p:spPr>
+        <p:txBody>
+          <a:bodyPr wrap="square" rtlCol="0">
+            <a:spAutoFit/>
+          </a:bodyPr>
+          <a:lstStyle/>
+          <a:p>
+            <a:r>
+              <a:rPr lang="en-US" dirty="0"/>
+              <a:t>R</a:t>
+            </a:r>
+          </a:p>
+        </p:txBody>
+      </p:sp>
+      <p:sp>
+        <p:nvSpPr>
+          <p:cNvPr id="21" name="TextBox 20">
+            <a:extLst>
+              <a:ext uri="{FF2B5EF4-FFF2-40B4-BE49-F238E27FC236}">
+                <a16:creationId xmlns:a16="http://schemas.microsoft.com/office/drawing/2014/main" id="{F4287194-5B16-714D-B82C-F7B0715BB7D6}"/>
+              </a:ext>
+            </a:extLst>
+          </p:cNvPr>
+          <p:cNvSpPr txBox="1"/>
+          <p:nvPr/>
+        </p:nvSpPr>
+        <p:spPr>
+          <a:xfrm>
+            <a:off x="2374564" y="892175"/>
+            <a:ext cx="351857" cy="369332"/>
+          </a:xfrm>
+          <a:prstGeom prst="rect">
+            <a:avLst/>
+          </a:prstGeom>
+          <a:noFill/>
+        </p:spPr>
+        <p:txBody>
+          <a:bodyPr wrap="square" rtlCol="0">
+            <a:spAutoFit/>
+          </a:bodyPr>
+          <a:lstStyle/>
+          <a:p>
+            <a:r>
+              <a:rPr lang="en-US" dirty="0"/>
+              <a:t>R</a:t>
+            </a:r>
+          </a:p>
+        </p:txBody>
+      </p:sp>
+      <p:sp>
+        <p:nvSpPr>
+          <p:cNvPr id="22" name="TextBox 21">
+            <a:extLst>
+              <a:ext uri="{FF2B5EF4-FFF2-40B4-BE49-F238E27FC236}">
+                <a16:creationId xmlns:a16="http://schemas.microsoft.com/office/drawing/2014/main" id="{0155808B-2992-6E4A-8717-38525F63A015}"/>
+              </a:ext>
+            </a:extLst>
+          </p:cNvPr>
+          <p:cNvSpPr txBox="1"/>
+          <p:nvPr/>
+        </p:nvSpPr>
+        <p:spPr>
+          <a:xfrm>
+            <a:off x="2726421" y="892175"/>
+            <a:ext cx="351857" cy="369332"/>
+          </a:xfrm>
+          <a:prstGeom prst="rect">
+            <a:avLst/>
+          </a:prstGeom>
+          <a:noFill/>
+        </p:spPr>
+        <p:txBody>
+          <a:bodyPr wrap="square" rtlCol="0">
+            <a:spAutoFit/>
+          </a:bodyPr>
+          <a:lstStyle/>
+          <a:p>
+            <a:r>
+              <a:rPr lang="en-US" dirty="0"/>
+              <a:t>W</a:t>
+            </a:r>
+          </a:p>
+        </p:txBody>
+      </p:sp>
+      <p:sp>
+        <p:nvSpPr>
+          <p:cNvPr id="23" name="Rectangle 22">
+            <a:extLst>
+              <a:ext uri="{FF2B5EF4-FFF2-40B4-BE49-F238E27FC236}">
+                <a16:creationId xmlns:a16="http://schemas.microsoft.com/office/drawing/2014/main" id="{CA57F380-C51E-484A-88F0-9827393F644A}"/>
+              </a:ext>
+            </a:extLst>
+          </p:cNvPr>
+          <p:cNvSpPr/>
+          <p:nvPr/>
+        </p:nvSpPr>
+        <p:spPr>
+          <a:xfrm>
+            <a:off x="943291" y="1433020"/>
+            <a:ext cx="2209800" cy="381000"/>
+          </a:xfrm>
+          <a:prstGeom prst="rect">
+            <a:avLst/>
+          </a:prstGeom>
+          <a:noFill/>
+        </p:spPr>
+        <p:style>
+          <a:lnRef idx="2">
+            <a:schemeClr val="accent1">
+              <a:shade val="50000"/>
+            </a:schemeClr>
+          </a:lnRef>
+          <a:fillRef idx="1">
+            <a:schemeClr val="accent1"/>
+          </a:fillRef>
+          <a:effectRef idx="0">
+            <a:schemeClr val="accent1"/>
+          </a:effectRef>
+          <a:fontRef idx="minor">
+            <a:schemeClr val="lt1"/>
+          </a:fontRef>
+        </p:style>
+        <p:txBody>
+          <a:bodyPr rtlCol="0" anchor="ctr"/>
+          <a:lstStyle/>
+          <a:p>
+            <a:pPr algn="ctr"/>
+            <a:endParaRPr lang="en-US"/>
+          </a:p>
+        </p:txBody>
+      </p:sp>
+      <p:sp>
+        <p:nvSpPr>
+          <p:cNvPr id="24" name="TextBox 23">
+            <a:extLst>
+              <a:ext uri="{FF2B5EF4-FFF2-40B4-BE49-F238E27FC236}">
+                <a16:creationId xmlns:a16="http://schemas.microsoft.com/office/drawing/2014/main" id="{1A6B5FA6-753C-ED45-87CB-4C185E0C112C}"/>
+              </a:ext>
+            </a:extLst>
+          </p:cNvPr>
+          <p:cNvSpPr txBox="1"/>
+          <p:nvPr/>
+        </p:nvSpPr>
+        <p:spPr>
+          <a:xfrm>
+            <a:off x="972434" y="1438854"/>
+            <a:ext cx="351857" cy="369332"/>
+          </a:xfrm>
+          <a:prstGeom prst="rect">
+            <a:avLst/>
+          </a:prstGeom>
+          <a:noFill/>
+        </p:spPr>
+        <p:txBody>
+          <a:bodyPr wrap="square" rtlCol="0">
+            <a:spAutoFit/>
+          </a:bodyPr>
+          <a:lstStyle/>
+          <a:p>
+            <a:r>
+              <a:rPr lang="en-US" dirty="0"/>
+              <a:t>W</a:t>
+            </a:r>
+          </a:p>
+        </p:txBody>
+      </p:sp>
+      <p:sp>
+        <p:nvSpPr>
+          <p:cNvPr id="25" name="TextBox 24">
+            <a:extLst>
+              <a:ext uri="{FF2B5EF4-FFF2-40B4-BE49-F238E27FC236}">
+                <a16:creationId xmlns:a16="http://schemas.microsoft.com/office/drawing/2014/main" id="{B15213A7-7739-414D-B48C-85DAAC46EF53}"/>
+              </a:ext>
+            </a:extLst>
+          </p:cNvPr>
+          <p:cNvSpPr txBox="1"/>
+          <p:nvPr/>
+        </p:nvSpPr>
+        <p:spPr>
+          <a:xfrm>
+            <a:off x="1316091" y="1442082"/>
+            <a:ext cx="351857" cy="369332"/>
+          </a:xfrm>
+          <a:prstGeom prst="rect">
+            <a:avLst/>
+          </a:prstGeom>
+          <a:noFill/>
+        </p:spPr>
+        <p:txBody>
+          <a:bodyPr wrap="square" rtlCol="0">
+            <a:spAutoFit/>
+          </a:bodyPr>
+          <a:lstStyle/>
+          <a:p>
+            <a:r>
+              <a:rPr lang="en-US" dirty="0"/>
+              <a:t>N</a:t>
+            </a:r>
+          </a:p>
+        </p:txBody>
+      </p:sp>
+      <p:sp>
+        <p:nvSpPr>
+          <p:cNvPr id="26" name="TextBox 25">
+            <a:extLst>
+              <a:ext uri="{FF2B5EF4-FFF2-40B4-BE49-F238E27FC236}">
+                <a16:creationId xmlns:a16="http://schemas.microsoft.com/office/drawing/2014/main" id="{D4BFDF90-3A3F-CF43-8E37-89E59ABD7B99}"/>
+              </a:ext>
+            </a:extLst>
+          </p:cNvPr>
+          <p:cNvSpPr txBox="1"/>
+          <p:nvPr/>
+        </p:nvSpPr>
+        <p:spPr>
+          <a:xfrm>
+            <a:off x="1651548" y="1439476"/>
+            <a:ext cx="351857" cy="369332"/>
+          </a:xfrm>
+          <a:prstGeom prst="rect">
+            <a:avLst/>
+          </a:prstGeom>
+          <a:noFill/>
+        </p:spPr>
+        <p:txBody>
+          <a:bodyPr wrap="square" rtlCol="0">
+            <a:spAutoFit/>
+          </a:bodyPr>
+          <a:lstStyle/>
+          <a:p>
+            <a:r>
+              <a:rPr lang="en-US" dirty="0"/>
+              <a:t>W</a:t>
+            </a:r>
+          </a:p>
+        </p:txBody>
+      </p:sp>
+      <p:sp>
+        <p:nvSpPr>
+          <p:cNvPr id="27" name="TextBox 26">
+            <a:extLst>
+              <a:ext uri="{FF2B5EF4-FFF2-40B4-BE49-F238E27FC236}">
+                <a16:creationId xmlns:a16="http://schemas.microsoft.com/office/drawing/2014/main" id="{C7252483-F51B-E04D-8858-12C3C2AC904C}"/>
+              </a:ext>
+            </a:extLst>
+          </p:cNvPr>
+          <p:cNvSpPr txBox="1"/>
+          <p:nvPr/>
+        </p:nvSpPr>
+        <p:spPr>
+          <a:xfrm>
+            <a:off x="2011605" y="1433020"/>
+            <a:ext cx="351857" cy="369332"/>
+          </a:xfrm>
+          <a:prstGeom prst="rect">
+            <a:avLst/>
+          </a:prstGeom>
+          <a:noFill/>
+        </p:spPr>
+        <p:txBody>
+          <a:bodyPr wrap="square" rtlCol="0">
+            <a:spAutoFit/>
+          </a:bodyPr>
+          <a:lstStyle/>
+          <a:p>
+            <a:r>
+              <a:rPr lang="en-US" dirty="0"/>
+              <a:t>R</a:t>
+            </a:r>
+          </a:p>
+        </p:txBody>
+      </p:sp>
+      <p:sp>
+        <p:nvSpPr>
+          <p:cNvPr id="28" name="TextBox 27">
+            <a:extLst>
+              <a:ext uri="{FF2B5EF4-FFF2-40B4-BE49-F238E27FC236}">
+                <a16:creationId xmlns:a16="http://schemas.microsoft.com/office/drawing/2014/main" id="{F35D3D05-196E-1D40-ADD5-9D5F58BFB2A4}"/>
+              </a:ext>
+            </a:extLst>
+          </p:cNvPr>
+          <p:cNvSpPr txBox="1"/>
+          <p:nvPr/>
+        </p:nvSpPr>
+        <p:spPr>
+          <a:xfrm>
+            <a:off x="2384405" y="1433020"/>
+            <a:ext cx="351857" cy="369332"/>
+          </a:xfrm>
+          <a:prstGeom prst="rect">
+            <a:avLst/>
+          </a:prstGeom>
+          <a:noFill/>
+        </p:spPr>
+        <p:txBody>
+          <a:bodyPr wrap="square" rtlCol="0">
+            <a:spAutoFit/>
+          </a:bodyPr>
+          <a:lstStyle/>
+          <a:p>
+            <a:r>
+              <a:rPr lang="en-US" dirty="0"/>
+              <a:t>N</a:t>
+            </a:r>
+          </a:p>
+        </p:txBody>
+      </p:sp>
+      <p:sp>
+        <p:nvSpPr>
+          <p:cNvPr id="29" name="TextBox 28">
+            <a:extLst>
+              <a:ext uri="{FF2B5EF4-FFF2-40B4-BE49-F238E27FC236}">
+                <a16:creationId xmlns:a16="http://schemas.microsoft.com/office/drawing/2014/main" id="{C2C12C4A-E42F-3C44-9069-6FAE7ACB6C73}"/>
+              </a:ext>
+            </a:extLst>
+          </p:cNvPr>
+          <p:cNvSpPr txBox="1"/>
+          <p:nvPr/>
+        </p:nvSpPr>
+        <p:spPr>
+          <a:xfrm>
+            <a:off x="2736262" y="1433020"/>
+            <a:ext cx="351857" cy="369332"/>
+          </a:xfrm>
+          <a:prstGeom prst="rect">
+            <a:avLst/>
+          </a:prstGeom>
+          <a:noFill/>
+        </p:spPr>
+        <p:txBody>
+          <a:bodyPr wrap="square" rtlCol="0">
+            <a:spAutoFit/>
+          </a:bodyPr>
+          <a:lstStyle/>
+          <a:p>
+            <a:r>
+              <a:rPr lang="en-US" dirty="0"/>
+              <a:t>R</a:t>
+            </a:r>
+          </a:p>
+        </p:txBody>
+      </p:sp>
+      <p:sp>
+        <p:nvSpPr>
+          <p:cNvPr id="30" name="Rectangle 29">
+            <a:extLst>
+              <a:ext uri="{FF2B5EF4-FFF2-40B4-BE49-F238E27FC236}">
+                <a16:creationId xmlns:a16="http://schemas.microsoft.com/office/drawing/2014/main" id="{BA7BBA9E-CECF-F84B-8E9F-DD5DA3534BE2}"/>
+              </a:ext>
+            </a:extLst>
+          </p:cNvPr>
+          <p:cNvSpPr/>
+          <p:nvPr/>
+        </p:nvSpPr>
+        <p:spPr>
+          <a:xfrm>
+            <a:off x="959691" y="2355584"/>
+            <a:ext cx="2209800" cy="381000"/>
+          </a:xfrm>
+          <a:prstGeom prst="rect">
+            <a:avLst/>
+          </a:prstGeom>
+          <a:noFill/>
+        </p:spPr>
+        <p:style>
+          <a:lnRef idx="2">
+            <a:schemeClr val="accent1">
+              <a:shade val="50000"/>
+            </a:schemeClr>
+          </a:lnRef>
+          <a:fillRef idx="1">
+            <a:schemeClr val="accent1"/>
+          </a:fillRef>
+          <a:effectRef idx="0">
+            <a:schemeClr val="accent1"/>
+          </a:effectRef>
+          <a:fontRef idx="minor">
+            <a:schemeClr val="lt1"/>
+          </a:fontRef>
+        </p:style>
+        <p:txBody>
+          <a:bodyPr rtlCol="0" anchor="ctr"/>
+          <a:lstStyle/>
+          <a:p>
+            <a:pPr algn="ctr"/>
+            <a:endParaRPr lang="en-US"/>
+          </a:p>
+        </p:txBody>
+      </p:sp>
+      <p:sp>
+        <p:nvSpPr>
+          <p:cNvPr id="31" name="TextBox 30">
+            <a:extLst>
+              <a:ext uri="{FF2B5EF4-FFF2-40B4-BE49-F238E27FC236}">
+                <a16:creationId xmlns:a16="http://schemas.microsoft.com/office/drawing/2014/main" id="{75A24A4C-F3E1-EF49-AA81-BD23F325264E}"/>
+              </a:ext>
+            </a:extLst>
+          </p:cNvPr>
+          <p:cNvSpPr txBox="1"/>
+          <p:nvPr/>
+        </p:nvSpPr>
+        <p:spPr>
+          <a:xfrm>
+            <a:off x="988834" y="2361418"/>
+            <a:ext cx="351857" cy="369332"/>
+          </a:xfrm>
+          <a:prstGeom prst="rect">
+            <a:avLst/>
+          </a:prstGeom>
+          <a:noFill/>
+        </p:spPr>
+        <p:txBody>
+          <a:bodyPr wrap="square" rtlCol="0">
+            <a:spAutoFit/>
+          </a:bodyPr>
+          <a:lstStyle/>
+          <a:p>
+            <a:r>
+              <a:rPr lang="en-US" dirty="0"/>
+              <a:t>N</a:t>
+            </a:r>
+          </a:p>
+        </p:txBody>
+      </p:sp>
+      <p:sp>
+        <p:nvSpPr>
+          <p:cNvPr id="32" name="TextBox 31">
+            <a:extLst>
+              <a:ext uri="{FF2B5EF4-FFF2-40B4-BE49-F238E27FC236}">
+                <a16:creationId xmlns:a16="http://schemas.microsoft.com/office/drawing/2014/main" id="{50375441-AE0F-F94E-924C-EAC1D40E2967}"/>
+              </a:ext>
+            </a:extLst>
+          </p:cNvPr>
+          <p:cNvSpPr txBox="1"/>
+          <p:nvPr/>
+        </p:nvSpPr>
+        <p:spPr>
+          <a:xfrm>
+            <a:off x="1332491" y="2364646"/>
+            <a:ext cx="351857" cy="369332"/>
+          </a:xfrm>
+          <a:prstGeom prst="rect">
+            <a:avLst/>
+          </a:prstGeom>
+          <a:noFill/>
+        </p:spPr>
+        <p:txBody>
+          <a:bodyPr wrap="square" rtlCol="0">
+            <a:spAutoFit/>
+          </a:bodyPr>
+          <a:lstStyle/>
+          <a:p>
+            <a:r>
+              <a:rPr lang="en-US" dirty="0"/>
+              <a:t>R</a:t>
+            </a:r>
+          </a:p>
+        </p:txBody>
+      </p:sp>
+      <p:sp>
+        <p:nvSpPr>
+          <p:cNvPr id="33" name="TextBox 32">
+            <a:extLst>
+              <a:ext uri="{FF2B5EF4-FFF2-40B4-BE49-F238E27FC236}">
+                <a16:creationId xmlns:a16="http://schemas.microsoft.com/office/drawing/2014/main" id="{87971307-5FFF-2A4F-97A3-D4B8610337B5}"/>
+              </a:ext>
+            </a:extLst>
+          </p:cNvPr>
+          <p:cNvSpPr txBox="1"/>
+          <p:nvPr/>
+        </p:nvSpPr>
+        <p:spPr>
+          <a:xfrm>
+            <a:off x="1667948" y="2362040"/>
+            <a:ext cx="351857" cy="369332"/>
+          </a:xfrm>
+          <a:prstGeom prst="rect">
+            <a:avLst/>
+          </a:prstGeom>
+          <a:noFill/>
+        </p:spPr>
+        <p:txBody>
+          <a:bodyPr wrap="square" rtlCol="0">
+            <a:spAutoFit/>
+          </a:bodyPr>
+          <a:lstStyle/>
+          <a:p>
+            <a:r>
+              <a:rPr lang="en-US" dirty="0"/>
+              <a:t>N</a:t>
+            </a:r>
+          </a:p>
+        </p:txBody>
+      </p:sp>
+      <p:sp>
+        <p:nvSpPr>
+          <p:cNvPr id="34" name="TextBox 33">
+            <a:extLst>
+              <a:ext uri="{FF2B5EF4-FFF2-40B4-BE49-F238E27FC236}">
+                <a16:creationId xmlns:a16="http://schemas.microsoft.com/office/drawing/2014/main" id="{E222FE38-8081-9C4D-A3F0-018E104AE3DA}"/>
+              </a:ext>
+            </a:extLst>
+          </p:cNvPr>
+          <p:cNvSpPr txBox="1"/>
+          <p:nvPr/>
+        </p:nvSpPr>
+        <p:spPr>
+          <a:xfrm>
+            <a:off x="2028005" y="2355584"/>
+            <a:ext cx="351857" cy="369332"/>
+          </a:xfrm>
+          <a:prstGeom prst="rect">
+            <a:avLst/>
+          </a:prstGeom>
+          <a:noFill/>
+        </p:spPr>
+        <p:txBody>
+          <a:bodyPr wrap="square" rtlCol="0">
+            <a:spAutoFit/>
+          </a:bodyPr>
+          <a:lstStyle/>
+          <a:p>
+            <a:r>
+              <a:rPr lang="en-US" dirty="0"/>
+              <a:t>W</a:t>
+            </a:r>
+          </a:p>
+        </p:txBody>
+      </p:sp>
+      <p:sp>
+        <p:nvSpPr>
+          <p:cNvPr id="35" name="TextBox 34">
+            <a:extLst>
+              <a:ext uri="{FF2B5EF4-FFF2-40B4-BE49-F238E27FC236}">
+                <a16:creationId xmlns:a16="http://schemas.microsoft.com/office/drawing/2014/main" id="{0263CE49-31C1-534F-9072-231192EF1DF4}"/>
+              </a:ext>
+            </a:extLst>
+          </p:cNvPr>
+          <p:cNvSpPr txBox="1"/>
+          <p:nvPr/>
+        </p:nvSpPr>
+        <p:spPr>
+          <a:xfrm>
+            <a:off x="2400805" y="2355584"/>
+            <a:ext cx="351857" cy="369332"/>
+          </a:xfrm>
+          <a:prstGeom prst="rect">
+            <a:avLst/>
+          </a:prstGeom>
+          <a:noFill/>
+        </p:spPr>
+        <p:txBody>
+          <a:bodyPr wrap="square" rtlCol="0">
+            <a:spAutoFit/>
+          </a:bodyPr>
+          <a:lstStyle/>
+          <a:p>
+            <a:r>
+              <a:rPr lang="en-US" dirty="0"/>
+              <a:t>R</a:t>
+            </a:r>
+          </a:p>
+        </p:txBody>
+      </p:sp>
+      <p:sp>
+        <p:nvSpPr>
+          <p:cNvPr id="36" name="TextBox 35">
+            <a:extLst>
+              <a:ext uri="{FF2B5EF4-FFF2-40B4-BE49-F238E27FC236}">
+                <a16:creationId xmlns:a16="http://schemas.microsoft.com/office/drawing/2014/main" id="{0EA72CD9-369A-8143-A917-6144E1F13D5F}"/>
+              </a:ext>
+            </a:extLst>
+          </p:cNvPr>
+          <p:cNvSpPr txBox="1"/>
+          <p:nvPr/>
+        </p:nvSpPr>
+        <p:spPr>
+          <a:xfrm>
+            <a:off x="2752662" y="2355584"/>
+            <a:ext cx="351857" cy="369332"/>
+          </a:xfrm>
+          <a:prstGeom prst="rect">
+            <a:avLst/>
+          </a:prstGeom>
+          <a:noFill/>
+        </p:spPr>
+        <p:txBody>
+          <a:bodyPr wrap="square" rtlCol="0">
+            <a:spAutoFit/>
+          </a:bodyPr>
+          <a:lstStyle/>
+          <a:p>
+            <a:r>
+              <a:rPr lang="en-US" dirty="0"/>
+              <a:t>W</a:t>
+            </a:r>
+          </a:p>
+        </p:txBody>
+      </p:sp>
+      <p:sp>
+        <p:nvSpPr>
+          <p:cNvPr id="37" name="TextBox 36">
+            <a:extLst>
+              <a:ext uri="{FF2B5EF4-FFF2-40B4-BE49-F238E27FC236}">
+                <a16:creationId xmlns:a16="http://schemas.microsoft.com/office/drawing/2014/main" id="{7D6E0E69-A7F0-6B47-B49D-8DF00117783B}"/>
+              </a:ext>
+            </a:extLst>
+          </p:cNvPr>
+          <p:cNvSpPr txBox="1"/>
+          <p:nvPr/>
+        </p:nvSpPr>
+        <p:spPr>
+          <a:xfrm>
+            <a:off x="3295650" y="984508"/>
+            <a:ext cx="665924" cy="276999"/>
+          </a:xfrm>
+          <a:prstGeom prst="rect">
+            <a:avLst/>
+          </a:prstGeom>
+          <a:noFill/>
+        </p:spPr>
+        <p:txBody>
+          <a:bodyPr wrap="square" rtlCol="0">
+            <a:spAutoFit/>
+          </a:bodyPr>
+          <a:lstStyle/>
+          <a:p>
+            <a:r>
+              <a:rPr lang="en-US" sz="1200" i="1" dirty="0"/>
+              <a:t>Block 1</a:t>
+            </a:r>
+          </a:p>
+        </p:txBody>
+      </p:sp>
+      <p:sp>
+        <p:nvSpPr>
+          <p:cNvPr id="38" name="TextBox 37">
+            <a:extLst>
+              <a:ext uri="{FF2B5EF4-FFF2-40B4-BE49-F238E27FC236}">
+                <a16:creationId xmlns:a16="http://schemas.microsoft.com/office/drawing/2014/main" id="{0AB2DE8E-45FB-C245-880E-9D2AF60DCDCA}"/>
+              </a:ext>
+            </a:extLst>
+          </p:cNvPr>
+          <p:cNvSpPr txBox="1"/>
+          <p:nvPr/>
+        </p:nvSpPr>
+        <p:spPr>
+          <a:xfrm>
+            <a:off x="3295650" y="1525353"/>
+            <a:ext cx="665924" cy="276999"/>
+          </a:xfrm>
+          <a:prstGeom prst="rect">
+            <a:avLst/>
+          </a:prstGeom>
+          <a:noFill/>
+        </p:spPr>
+        <p:txBody>
+          <a:bodyPr wrap="square" rtlCol="0">
+            <a:spAutoFit/>
+          </a:bodyPr>
+          <a:lstStyle/>
+          <a:p>
+            <a:r>
+              <a:rPr lang="en-US" sz="1200" i="1" dirty="0"/>
+              <a:t>Block 2</a:t>
+            </a:r>
+          </a:p>
+        </p:txBody>
+      </p:sp>
+      <p:sp>
+        <p:nvSpPr>
+          <p:cNvPr id="39" name="TextBox 38">
+            <a:extLst>
+              <a:ext uri="{FF2B5EF4-FFF2-40B4-BE49-F238E27FC236}">
+                <a16:creationId xmlns:a16="http://schemas.microsoft.com/office/drawing/2014/main" id="{776A51CB-B482-2B42-98DE-58156DED3A84}"/>
+              </a:ext>
+            </a:extLst>
+          </p:cNvPr>
+          <p:cNvSpPr txBox="1"/>
+          <p:nvPr/>
+        </p:nvSpPr>
+        <p:spPr>
+          <a:xfrm>
+            <a:off x="3317446" y="2476431"/>
+            <a:ext cx="740203" cy="276999"/>
+          </a:xfrm>
+          <a:prstGeom prst="rect">
+            <a:avLst/>
+          </a:prstGeom>
+          <a:noFill/>
+        </p:spPr>
+        <p:txBody>
+          <a:bodyPr wrap="square" rtlCol="0">
+            <a:spAutoFit/>
+          </a:bodyPr>
+          <a:lstStyle/>
+          <a:p>
+            <a:r>
+              <a:rPr lang="en-US" sz="1200" i="1" dirty="0"/>
+              <a:t>Block 42</a:t>
+            </a:r>
+          </a:p>
+        </p:txBody>
+      </p:sp>
+      <mc:AlternateContent xmlns:mc="http://schemas.openxmlformats.org/markup-compatibility/2006">
+        <mc:Choice xmlns:p14="http://schemas.microsoft.com/office/powerpoint/2010/main" Requires="p14">
+          <p:contentPart p14:bwMode="auto" r:id="rId2">
+            <p14:nvContentPartPr>
+              <p14:cNvPr id="41" name="Ink 40">
+                <a:extLst>
+                  <a:ext uri="{FF2B5EF4-FFF2-40B4-BE49-F238E27FC236}">
+                    <a16:creationId xmlns:a16="http://schemas.microsoft.com/office/drawing/2014/main" id="{6B087947-23FF-1349-A06B-DF095B424518}"/>
+                  </a:ext>
+                </a:extLst>
+              </p14:cNvPr>
+              <p14:cNvContentPartPr/>
+              <p14:nvPr/>
+            </p14:nvContentPartPr>
+            <p14:xfrm>
+              <a:off x="1996357" y="1971105"/>
+              <a:ext cx="360" cy="360"/>
+            </p14:xfrm>
+          </p:contentPart>
+        </mc:Choice>
+        <mc:Fallback>
+          <p:pic>
+            <p:nvPicPr>
+              <p:cNvPr id="41" name="Ink 40">
+                <a:extLst>
+                  <a:ext uri="{FF2B5EF4-FFF2-40B4-BE49-F238E27FC236}">
+                    <a16:creationId xmlns:a16="http://schemas.microsoft.com/office/drawing/2014/main" id="{6B087947-23FF-1349-A06B-DF095B424518}"/>
+                  </a:ext>
+                </a:extLst>
+              </p:cNvPr>
+              <p:cNvPicPr/>
+              <p:nvPr/>
+            </p:nvPicPr>
+            <p:blipFill>
+              <a:blip r:embed="rId3"/>
+              <a:stretch>
+                <a:fillRect/>
+              </a:stretch>
+            </p:blipFill>
+            <p:spPr>
+              <a:xfrm>
+                <a:off x="1987357" y="1962465"/>
+                <a:ext cx="18000" cy="18000"/>
+              </a:xfrm>
+              <a:prstGeom prst="rect">
+                <a:avLst/>
+              </a:prstGeom>
+            </p:spPr>
+          </p:pic>
+        </mc:Fallback>
+      </mc:AlternateContent>
+      <mc:AlternateContent xmlns:mc="http://schemas.openxmlformats.org/markup-compatibility/2006">
+        <mc:Choice xmlns:p14="http://schemas.microsoft.com/office/powerpoint/2010/main" Requires="p14">
+          <p:contentPart p14:bwMode="auto" r:id="rId4">
+            <p14:nvContentPartPr>
+              <p14:cNvPr id="42" name="Ink 41">
+                <a:extLst>
+                  <a:ext uri="{FF2B5EF4-FFF2-40B4-BE49-F238E27FC236}">
+                    <a16:creationId xmlns:a16="http://schemas.microsoft.com/office/drawing/2014/main" id="{2BBF970D-E92E-2246-A677-B1A1AE120D23}"/>
+                  </a:ext>
+                </a:extLst>
+              </p14:cNvPr>
+              <p14:cNvContentPartPr/>
+              <p14:nvPr/>
+            </p14:nvContentPartPr>
+            <p14:xfrm>
+              <a:off x="1999597" y="2090265"/>
+              <a:ext cx="360" cy="360"/>
+            </p14:xfrm>
+          </p:contentPart>
+        </mc:Choice>
+        <mc:Fallback>
+          <p:pic>
+            <p:nvPicPr>
+              <p:cNvPr id="42" name="Ink 41">
+                <a:extLst>
+                  <a:ext uri="{FF2B5EF4-FFF2-40B4-BE49-F238E27FC236}">
+                    <a16:creationId xmlns:a16="http://schemas.microsoft.com/office/drawing/2014/main" id="{2BBF970D-E92E-2246-A677-B1A1AE120D23}"/>
+                  </a:ext>
+                </a:extLst>
+              </p:cNvPr>
+              <p:cNvPicPr/>
+              <p:nvPr/>
+            </p:nvPicPr>
+            <p:blipFill>
+              <a:blip r:embed="rId3"/>
+              <a:stretch>
+                <a:fillRect/>
+              </a:stretch>
+            </p:blipFill>
+            <p:spPr>
+              <a:xfrm>
+                <a:off x="1990597" y="2081265"/>
+                <a:ext cx="18000" cy="18000"/>
+              </a:xfrm>
+              <a:prstGeom prst="rect">
+                <a:avLst/>
+              </a:prstGeom>
+            </p:spPr>
+          </p:pic>
+        </mc:Fallback>
+      </mc:AlternateContent>
+      <mc:AlternateContent xmlns:mc="http://schemas.openxmlformats.org/markup-compatibility/2006">
+        <mc:Choice xmlns:p14="http://schemas.microsoft.com/office/powerpoint/2010/main" Requires="p14">
+          <p:contentPart p14:bwMode="auto" r:id="rId5">
+            <p14:nvContentPartPr>
+              <p14:cNvPr id="43" name="Ink 42">
+                <a:extLst>
+                  <a:ext uri="{FF2B5EF4-FFF2-40B4-BE49-F238E27FC236}">
+                    <a16:creationId xmlns:a16="http://schemas.microsoft.com/office/drawing/2014/main" id="{4005595B-EEF8-AE40-BE1B-E5A6F6BE4031}"/>
+                  </a:ext>
+                </a:extLst>
+              </p14:cNvPr>
+              <p14:cNvContentPartPr/>
+              <p14:nvPr/>
+            </p14:nvContentPartPr>
+            <p14:xfrm>
+              <a:off x="1999597" y="2201145"/>
+              <a:ext cx="360" cy="360"/>
+            </p14:xfrm>
+          </p:contentPart>
+        </mc:Choice>
+        <mc:Fallback>
+          <p:pic>
+            <p:nvPicPr>
+              <p:cNvPr id="43" name="Ink 42">
+                <a:extLst>
+                  <a:ext uri="{FF2B5EF4-FFF2-40B4-BE49-F238E27FC236}">
+                    <a16:creationId xmlns:a16="http://schemas.microsoft.com/office/drawing/2014/main" id="{4005595B-EEF8-AE40-BE1B-E5A6F6BE4031}"/>
+                  </a:ext>
+                </a:extLst>
+              </p:cNvPr>
+              <p:cNvPicPr/>
+              <p:nvPr/>
+            </p:nvPicPr>
+            <p:blipFill>
+              <a:blip r:embed="rId3"/>
+              <a:stretch>
+                <a:fillRect/>
+              </a:stretch>
+            </p:blipFill>
+            <p:spPr>
+              <a:xfrm>
+                <a:off x="1990597" y="2192145"/>
+                <a:ext cx="18000" cy="18000"/>
+              </a:xfrm>
+              <a:prstGeom prst="rect">
+                <a:avLst/>
+              </a:prstGeom>
+            </p:spPr>
+          </p:pic>
+        </mc:Fallback>
+      </mc:AlternateContent>
+      <mc:AlternateContent xmlns:mc="http://schemas.openxmlformats.org/markup-compatibility/2006">
+        <mc:Choice xmlns:p14="http://schemas.microsoft.com/office/powerpoint/2010/main" Requires="p14">
+          <p:contentPart p14:bwMode="auto" r:id="rId6">
+            <p14:nvContentPartPr>
+              <p14:cNvPr id="44" name="Ink 43">
+                <a:extLst>
+                  <a:ext uri="{FF2B5EF4-FFF2-40B4-BE49-F238E27FC236}">
+                    <a16:creationId xmlns:a16="http://schemas.microsoft.com/office/drawing/2014/main" id="{3B31CA5E-CBEF-C744-A1B0-41641F804417}"/>
+                  </a:ext>
+                </a:extLst>
+              </p14:cNvPr>
+              <p14:cNvContentPartPr/>
+              <p14:nvPr/>
+            </p14:nvContentPartPr>
+            <p14:xfrm>
+              <a:off x="3610597" y="1967505"/>
+              <a:ext cx="360" cy="360"/>
+            </p14:xfrm>
+          </p:contentPart>
+        </mc:Choice>
+        <mc:Fallback>
+          <p:pic>
+            <p:nvPicPr>
+              <p:cNvPr id="44" name="Ink 43">
+                <a:extLst>
+                  <a:ext uri="{FF2B5EF4-FFF2-40B4-BE49-F238E27FC236}">
+                    <a16:creationId xmlns:a16="http://schemas.microsoft.com/office/drawing/2014/main" id="{3B31CA5E-CBEF-C744-A1B0-41641F804417}"/>
+                  </a:ext>
+                </a:extLst>
+              </p:cNvPr>
+              <p:cNvPicPr/>
+              <p:nvPr/>
+            </p:nvPicPr>
+            <p:blipFill>
+              <a:blip r:embed="rId3"/>
+              <a:stretch>
+                <a:fillRect/>
+              </a:stretch>
+            </p:blipFill>
+            <p:spPr>
+              <a:xfrm>
+                <a:off x="3601597" y="1958865"/>
+                <a:ext cx="18000" cy="18000"/>
+              </a:xfrm>
+              <a:prstGeom prst="rect">
+                <a:avLst/>
+              </a:prstGeom>
+            </p:spPr>
+          </p:pic>
+        </mc:Fallback>
+      </mc:AlternateContent>
+      <mc:AlternateContent xmlns:mc="http://schemas.openxmlformats.org/markup-compatibility/2006">
+        <mc:Choice xmlns:p14="http://schemas.microsoft.com/office/powerpoint/2010/main" Requires="p14">
+          <p:contentPart p14:bwMode="auto" r:id="rId7">
+            <p14:nvContentPartPr>
+              <p14:cNvPr id="45" name="Ink 44">
+                <a:extLst>
+                  <a:ext uri="{FF2B5EF4-FFF2-40B4-BE49-F238E27FC236}">
+                    <a16:creationId xmlns:a16="http://schemas.microsoft.com/office/drawing/2014/main" id="{6F96769C-E889-C145-A64C-7394339898FE}"/>
+                  </a:ext>
+                </a:extLst>
+              </p14:cNvPr>
+              <p14:cNvContentPartPr/>
+              <p14:nvPr/>
+            </p14:nvContentPartPr>
+            <p14:xfrm>
+              <a:off x="3609517" y="2087025"/>
+              <a:ext cx="360" cy="360"/>
+            </p14:xfrm>
+          </p:contentPart>
+        </mc:Choice>
+        <mc:Fallback>
+          <p:pic>
+            <p:nvPicPr>
+              <p:cNvPr id="45" name="Ink 44">
+                <a:extLst>
+                  <a:ext uri="{FF2B5EF4-FFF2-40B4-BE49-F238E27FC236}">
+                    <a16:creationId xmlns:a16="http://schemas.microsoft.com/office/drawing/2014/main" id="{6F96769C-E889-C145-A64C-7394339898FE}"/>
+                  </a:ext>
+                </a:extLst>
+              </p:cNvPr>
+              <p:cNvPicPr/>
+              <p:nvPr/>
+            </p:nvPicPr>
+            <p:blipFill>
+              <a:blip r:embed="rId3"/>
+              <a:stretch>
+                <a:fillRect/>
+              </a:stretch>
+            </p:blipFill>
+            <p:spPr>
+              <a:xfrm>
+                <a:off x="3600877" y="2078025"/>
+                <a:ext cx="18000" cy="18000"/>
+              </a:xfrm>
+              <a:prstGeom prst="rect">
+                <a:avLst/>
+              </a:prstGeom>
+            </p:spPr>
+          </p:pic>
+        </mc:Fallback>
+      </mc:AlternateContent>
+      <mc:AlternateContent xmlns:mc="http://schemas.openxmlformats.org/markup-compatibility/2006">
+        <mc:Choice xmlns:p14="http://schemas.microsoft.com/office/powerpoint/2010/main" Requires="p14">
+          <p:contentPart p14:bwMode="auto" r:id="rId8">
+            <p14:nvContentPartPr>
+              <p14:cNvPr id="46" name="Ink 45">
+                <a:extLst>
+                  <a:ext uri="{FF2B5EF4-FFF2-40B4-BE49-F238E27FC236}">
+                    <a16:creationId xmlns:a16="http://schemas.microsoft.com/office/drawing/2014/main" id="{230815E9-972D-0A4C-90EF-DFAEAD182628}"/>
+                  </a:ext>
+                </a:extLst>
+              </p14:cNvPr>
+              <p14:cNvContentPartPr/>
+              <p14:nvPr/>
+            </p14:nvContentPartPr>
+            <p14:xfrm>
+              <a:off x="3609517" y="2212665"/>
+              <a:ext cx="360" cy="360"/>
+            </p14:xfrm>
+          </p:contentPart>
+        </mc:Choice>
+        <mc:Fallback>
+          <p:pic>
+            <p:nvPicPr>
+              <p:cNvPr id="46" name="Ink 45">
+                <a:extLst>
+                  <a:ext uri="{FF2B5EF4-FFF2-40B4-BE49-F238E27FC236}">
+                    <a16:creationId xmlns:a16="http://schemas.microsoft.com/office/drawing/2014/main" id="{230815E9-972D-0A4C-90EF-DFAEAD182628}"/>
+                  </a:ext>
+                </a:extLst>
+              </p:cNvPr>
+              <p:cNvPicPr/>
+              <p:nvPr/>
+            </p:nvPicPr>
+            <p:blipFill>
+              <a:blip r:embed="rId3"/>
+              <a:stretch>
+                <a:fillRect/>
+              </a:stretch>
+            </p:blipFill>
+            <p:spPr>
+              <a:xfrm>
+                <a:off x="3600877" y="2203665"/>
+                <a:ext cx="18000" cy="18000"/>
+              </a:xfrm>
+              <a:prstGeom prst="rect">
+                <a:avLst/>
+              </a:prstGeom>
+            </p:spPr>
+          </p:pic>
+        </mc:Fallback>
+      </mc:AlternateContent>
     </p:spTree>
     <p:extLst>
       <p:ext uri="{BB962C8B-B14F-4D97-AF65-F5344CB8AC3E}">
-        <p14:creationId xmlns:p14="http://schemas.microsoft.com/office/powerpoint/2010/main" val="348900919"/>
+        <p14:creationId xmlns:p14="http://schemas.microsoft.com/office/powerpoint/2010/main" val="652103538"/>
       </p:ext>
     </p:extLst>
   </p:cSld>
@@ -8825,13 +11077,17 @@
       <p:sp>
         <p:nvSpPr>
           <p:cNvPr id="2" name="object 2"/>
-          <p:cNvSpPr txBox="1"/>
-          <p:nvPr/>
+          <p:cNvSpPr txBox="1">
+            <a:spLocks noGrp="1"/>
+          </p:cNvSpPr>
+          <p:nvPr>
+            <p:ph type="title"/>
+          </p:nvPr>
         </p:nvSpPr>
         <p:spPr>
           <a:xfrm>
             <a:off x="275297" y="121180"/>
-            <a:ext cx="2119630" cy="244475"/>
+            <a:ext cx="716915" cy="244475"/>
           </a:xfrm>
           <a:prstGeom prst="rect">
             <a:avLst/>
@@ -8852,62 +11108,124 @@
               </a:spcBef>
             </a:pPr>
             <a:r>
-              <a:rPr sz="1400" spc="-5" dirty="0">
-                <a:solidFill>
-                  <a:srgbClr val="58180C"/>
-                </a:solidFill>
-                <a:latin typeface="Palatino Linotype"/>
-                <a:cs typeface="Palatino Linotype"/>
-              </a:rPr>
-              <a:t>Exploratory </a:t>
-            </a:r>
-            <a:r>
-              <a:rPr sz="1400" spc="15" dirty="0">
-                <a:solidFill>
-                  <a:srgbClr val="58180C"/>
-                </a:solidFill>
-                <a:latin typeface="Palatino Linotype"/>
-                <a:cs typeface="Palatino Linotype"/>
-              </a:rPr>
+              <a:rPr spc="15" dirty="0"/>
               <a:t>Data</a:t>
             </a:r>
             <a:r>
-              <a:rPr sz="1400" spc="190" dirty="0">
-                <a:solidFill>
-                  <a:srgbClr val="58180C"/>
-                </a:solidFill>
-                <a:latin typeface="Palatino Linotype"/>
-                <a:cs typeface="Palatino Linotype"/>
-              </a:rPr>
+              <a:rPr spc="50" dirty="0"/>
               <a:t> </a:t>
             </a:r>
             <a:r>
-              <a:rPr sz="1400" spc="-30" dirty="0">
-                <a:solidFill>
-                  <a:srgbClr val="58180C"/>
-                </a:solidFill>
-                <a:latin typeface="Palatino Linotype"/>
-                <a:cs typeface="Palatino Linotype"/>
-              </a:rPr>
-              <a:t>Analysis</a:t>
-            </a:r>
-            <a:endParaRPr sz="1400" dirty="0">
-              <a:latin typeface="Palatino Linotype"/>
-              <a:cs typeface="Palatino Linotype"/>
-            </a:endParaRPr>
-          </a:p>
-        </p:txBody>
-      </p:sp>
-      <p:sp>
-        <p:nvSpPr>
-          <p:cNvPr id="3" name="object 3"/>
+              <a:rPr spc="25" dirty="0"/>
+              <a:t>Set</a:t>
+            </a:r>
+          </a:p>
+        </p:txBody>
+      </p:sp>
+      <p:sp>
+        <p:nvSpPr>
+          <p:cNvPr id="4" name="object 4"/>
+          <p:cNvSpPr txBox="1">
+            <a:spLocks noGrp="1"/>
+          </p:cNvSpPr>
+          <p:nvPr>
+            <p:ph type="ftr" sz="quarter" idx="5"/>
+          </p:nvPr>
+        </p:nvSpPr>
+        <p:spPr>
+          <a:xfrm>
+            <a:off x="1716874" y="3204555"/>
+            <a:ext cx="978535" cy="114134"/>
+          </a:xfrm>
+          <a:prstGeom prst="rect">
+            <a:avLst/>
+          </a:prstGeom>
+        </p:spPr>
+        <p:txBody>
+          <a:bodyPr vert="horz" wrap="square" lIns="0" tIns="21590" rIns="0" bIns="0" rtlCol="0">
+            <a:spAutoFit/>
+          </a:bodyPr>
+          <a:lstStyle/>
+          <a:p>
+            <a:pPr marL="12700">
+              <a:lnSpc>
+                <a:spcPct val="100000"/>
+              </a:lnSpc>
+              <a:spcBef>
+                <a:spcPts val="170"/>
+              </a:spcBef>
+            </a:pPr>
+            <a:r>
+              <a:rPr spc="80" dirty="0"/>
+              <a:t>Stat </a:t>
+            </a:r>
+            <a:r>
+              <a:rPr lang="en-US" spc="65" dirty="0"/>
+              <a:t>795</a:t>
+            </a:r>
+            <a:r>
+              <a:rPr spc="55" dirty="0"/>
+              <a:t> Presentation</a:t>
+            </a:r>
+          </a:p>
+        </p:txBody>
+      </p:sp>
+      <p:sp>
+        <p:nvSpPr>
+          <p:cNvPr id="5" name="object 5"/>
+          <p:cNvSpPr txBox="1">
+            <a:spLocks noGrp="1"/>
+          </p:cNvSpPr>
+          <p:nvPr>
+            <p:ph type="sldNum" sz="quarter" idx="7"/>
+          </p:nvPr>
+        </p:nvSpPr>
+        <p:spPr>
+          <a:prstGeom prst="rect">
+            <a:avLst/>
+          </a:prstGeom>
+        </p:spPr>
+        <p:txBody>
+          <a:bodyPr vert="horz" wrap="square" lIns="0" tIns="18415" rIns="0" bIns="0" rtlCol="0">
+            <a:spAutoFit/>
+          </a:bodyPr>
+          <a:lstStyle/>
+          <a:p>
+            <a:pPr marL="25400">
+              <a:lnSpc>
+                <a:spcPct val="100000"/>
+              </a:lnSpc>
+              <a:spcBef>
+                <a:spcPts val="145"/>
+              </a:spcBef>
+            </a:pPr>
+            <a:fld id="{81D60167-4931-47E6-BA6A-407CBD079E47}" type="slidenum">
+              <a:rPr spc="20" dirty="0"/>
+              <a:t>9</a:t>
+            </a:fld>
+            <a:r>
+              <a:rPr spc="20" dirty="0"/>
+              <a:t>/15</a:t>
+            </a:r>
+          </a:p>
+        </p:txBody>
+      </p:sp>
+      <p:sp>
+        <p:nvSpPr>
+          <p:cNvPr id="9" name="object 3">
+            <a:extLst>
+              <a:ext uri="{FF2B5EF4-FFF2-40B4-BE49-F238E27FC236}">
+                <a16:creationId xmlns:a16="http://schemas.microsoft.com/office/drawing/2014/main" id="{058C9368-2471-2E4C-9085-74638B2B96CE}"/>
+              </a:ext>
+            </a:extLst>
+          </p:cNvPr>
           <p:cNvSpPr/>
           <p:nvPr/>
         </p:nvSpPr>
         <p:spPr>
           <a:xfrm>
-            <a:off x="217321" y="494845"/>
-            <a:ext cx="3977640" cy="198755"/>
+            <a:off x="275297" y="587375"/>
+            <a:ext cx="3977640" cy="192405"/>
           </a:xfrm>
           <a:custGeom>
             <a:avLst/>
@@ -8916,12 +11234,12 @@
             <a:cxnLst/>
             <a:rect l="l" t="t" r="r" b="b"/>
             <a:pathLst>
-              <a:path w="3977640" h="198755">
+              <a:path w="3977640" h="192405">
                 <a:moveTo>
-                  <a:pt x="0" y="198361"/>
+                  <a:pt x="0" y="192036"/>
                 </a:moveTo>
                 <a:lnTo>
-                  <a:pt x="3977474" y="198361"/>
+                  <a:pt x="3977474" y="192036"/>
                 </a:lnTo>
                 <a:lnTo>
                   <a:pt x="3977474" y="0"/>
@@ -8930,7 +11248,7 @@
                   <a:pt x="0" y="0"/>
                 </a:lnTo>
                 <a:lnTo>
-                  <a:pt x="0" y="198361"/>
+                  <a:pt x="0" y="192036"/>
                 </a:lnTo>
                 <a:close/>
               </a:path>
@@ -8950,164 +11268,20 @@
       </p:sp>
       <p:sp>
         <p:nvSpPr>
-          <p:cNvPr id="4" name="object 4"/>
-          <p:cNvSpPr txBox="1"/>
-          <p:nvPr/>
-        </p:nvSpPr>
-        <p:spPr>
-          <a:xfrm>
-            <a:off x="241769" y="482859"/>
-            <a:ext cx="1475105" cy="207645"/>
-          </a:xfrm>
-          <a:prstGeom prst="rect">
-            <a:avLst/>
-          </a:prstGeom>
-        </p:spPr>
-        <p:txBody>
-          <a:bodyPr vert="horz" wrap="square" lIns="0" tIns="12065" rIns="0" bIns="0" rtlCol="0">
-            <a:spAutoFit/>
-          </a:bodyPr>
-          <a:lstStyle/>
-          <a:p>
-            <a:pPr marL="12700">
-              <a:lnSpc>
-                <a:spcPct val="100000"/>
-              </a:lnSpc>
-              <a:spcBef>
-                <a:spcPts val="95"/>
-              </a:spcBef>
-            </a:pPr>
-            <a:r>
-              <a:rPr sz="1200" spc="-50" dirty="0">
-                <a:solidFill>
-                  <a:srgbClr val="58180C"/>
-                </a:solidFill>
-                <a:latin typeface="Palatino Linotype"/>
-                <a:cs typeface="Palatino Linotype"/>
-              </a:rPr>
-              <a:t>Continuous</a:t>
-            </a:r>
-            <a:r>
-              <a:rPr sz="1200" spc="35" dirty="0">
-                <a:solidFill>
-                  <a:srgbClr val="58180C"/>
-                </a:solidFill>
-                <a:latin typeface="Palatino Linotype"/>
-                <a:cs typeface="Palatino Linotype"/>
-              </a:rPr>
-              <a:t> </a:t>
-            </a:r>
-            <a:r>
-              <a:rPr sz="1200" spc="-20" dirty="0">
-                <a:solidFill>
-                  <a:srgbClr val="58180C"/>
-                </a:solidFill>
-                <a:latin typeface="Palatino Linotype"/>
-                <a:cs typeface="Palatino Linotype"/>
-              </a:rPr>
-              <a:t>Predictors</a:t>
-            </a:r>
-            <a:endParaRPr sz="1200" dirty="0">
-              <a:latin typeface="Palatino Linotype"/>
-              <a:cs typeface="Palatino Linotype"/>
-            </a:endParaRPr>
-          </a:p>
-        </p:txBody>
-      </p:sp>
-      <p:sp>
-        <p:nvSpPr>
-          <p:cNvPr id="6" name="object 6"/>
-          <p:cNvSpPr txBox="1">
-            <a:spLocks noGrp="1"/>
-          </p:cNvSpPr>
-          <p:nvPr>
-            <p:ph type="ftr" sz="quarter" idx="5"/>
-          </p:nvPr>
-        </p:nvSpPr>
-        <p:spPr>
-          <a:prstGeom prst="rect">
-            <a:avLst/>
-          </a:prstGeom>
-        </p:spPr>
-        <p:txBody>
-          <a:bodyPr vert="horz" wrap="square" lIns="0" tIns="21590" rIns="0" bIns="0" rtlCol="0">
-            <a:spAutoFit/>
-          </a:bodyPr>
-          <a:lstStyle/>
-          <a:p>
-            <a:pPr marL="12700">
-              <a:lnSpc>
-                <a:spcPct val="100000"/>
-              </a:lnSpc>
-              <a:spcBef>
-                <a:spcPts val="170"/>
-              </a:spcBef>
-            </a:pPr>
-            <a:r>
-              <a:rPr spc="80" dirty="0"/>
-              <a:t>Stat </a:t>
-            </a:r>
-            <a:r>
-              <a:rPr spc="65" dirty="0"/>
-              <a:t>680A</a:t>
-            </a:r>
-            <a:r>
-              <a:rPr spc="55" dirty="0"/>
-              <a:t> Presentation</a:t>
-            </a:r>
-          </a:p>
-        </p:txBody>
-      </p:sp>
-      <p:sp>
-        <p:nvSpPr>
-          <p:cNvPr id="7" name="object 7"/>
-          <p:cNvSpPr txBox="1">
-            <a:spLocks noGrp="1"/>
-          </p:cNvSpPr>
-          <p:nvPr>
-            <p:ph type="sldNum" sz="quarter" idx="7"/>
-          </p:nvPr>
-        </p:nvSpPr>
-        <p:spPr>
-          <a:prstGeom prst="rect">
-            <a:avLst/>
-          </a:prstGeom>
-        </p:spPr>
-        <p:txBody>
-          <a:bodyPr vert="horz" wrap="square" lIns="0" tIns="18415" rIns="0" bIns="0" rtlCol="0">
-            <a:spAutoFit/>
-          </a:bodyPr>
-          <a:lstStyle/>
-          <a:p>
-            <a:pPr marL="25400">
-              <a:lnSpc>
-                <a:spcPct val="100000"/>
-              </a:lnSpc>
-              <a:spcBef>
-                <a:spcPts val="145"/>
-              </a:spcBef>
-            </a:pPr>
-            <a:fld id="{81D60167-4931-47E6-BA6A-407CBD079E47}" type="slidenum">
-              <a:rPr spc="20" dirty="0"/>
-              <a:t>9</a:t>
-            </a:fld>
-            <a:r>
-              <a:rPr spc="20" dirty="0"/>
-              <a:t>/15</a:t>
-            </a:r>
-          </a:p>
-        </p:txBody>
-      </p:sp>
-      <p:sp>
-        <p:nvSpPr>
-          <p:cNvPr id="8" name="object 4"/>
+          <p:cNvPr id="10" name="object 4">
+            <a:extLst>
+              <a:ext uri="{FF2B5EF4-FFF2-40B4-BE49-F238E27FC236}">
+                <a16:creationId xmlns:a16="http://schemas.microsoft.com/office/drawing/2014/main" id="{A876D753-88D1-BB43-A9CA-90BADC2FA1F8}"/>
+              </a:ext>
+            </a:extLst>
+          </p:cNvPr>
           <p:cNvSpPr/>
           <p:nvPr/>
         </p:nvSpPr>
         <p:spPr>
           <a:xfrm>
-            <a:off x="217320" y="817881"/>
-            <a:ext cx="3989747" cy="983109"/>
+            <a:off x="275297" y="779413"/>
+            <a:ext cx="3977640" cy="247504"/>
           </a:xfrm>
           <a:custGeom>
             <a:avLst/>
@@ -9144,106 +11318,618 @@
           <a:bodyPr wrap="square" lIns="0" tIns="0" rIns="0" bIns="0" rtlCol="0"/>
           <a:lstStyle/>
           <a:p>
-            <a:pPr marL="171450" indent="-171450">
+            <a:endParaRPr dirty="0"/>
+          </a:p>
+        </p:txBody>
+      </p:sp>
+      <p:sp>
+        <p:nvSpPr>
+          <p:cNvPr id="8" name="object 5">
+            <a:extLst>
+              <a:ext uri="{FF2B5EF4-FFF2-40B4-BE49-F238E27FC236}">
+                <a16:creationId xmlns:a16="http://schemas.microsoft.com/office/drawing/2014/main" id="{BF7D7C5F-8B1C-C847-B685-C5FEFB2CEC59}"/>
+              </a:ext>
+            </a:extLst>
+          </p:cNvPr>
+          <p:cNvSpPr txBox="1">
+            <a:spLocks/>
+          </p:cNvSpPr>
+          <p:nvPr/>
+        </p:nvSpPr>
+        <p:spPr>
+          <a:xfrm>
+            <a:off x="273260" y="732364"/>
+            <a:ext cx="3968648" cy="247504"/>
+          </a:xfrm>
+          <a:prstGeom prst="rect">
+            <a:avLst/>
+          </a:prstGeom>
+        </p:spPr>
+        <p:txBody>
+          <a:bodyPr vert="horz" wrap="square" lIns="0" tIns="62230" rIns="0" bIns="0" rtlCol="0">
+            <a:spAutoFit/>
+          </a:bodyPr>
+          <a:lstStyle>
+            <a:lvl1pPr marL="0">
+              <a:defRPr>
+                <a:latin typeface="+mn-lt"/>
+                <a:ea typeface="+mn-ea"/>
+                <a:cs typeface="+mn-cs"/>
+              </a:defRPr>
+            </a:lvl1pPr>
+            <a:lvl2pPr marL="457200">
+              <a:defRPr>
+                <a:latin typeface="+mn-lt"/>
+                <a:ea typeface="+mn-ea"/>
+                <a:cs typeface="+mn-cs"/>
+              </a:defRPr>
+            </a:lvl2pPr>
+            <a:lvl3pPr marL="914400">
+              <a:defRPr>
+                <a:latin typeface="+mn-lt"/>
+                <a:ea typeface="+mn-ea"/>
+                <a:cs typeface="+mn-cs"/>
+              </a:defRPr>
+            </a:lvl3pPr>
+            <a:lvl4pPr marL="1371600">
+              <a:defRPr>
+                <a:latin typeface="+mn-lt"/>
+                <a:ea typeface="+mn-ea"/>
+                <a:cs typeface="+mn-cs"/>
+              </a:defRPr>
+            </a:lvl4pPr>
+            <a:lvl5pPr marL="1828800">
+              <a:defRPr>
+                <a:latin typeface="+mn-lt"/>
+                <a:ea typeface="+mn-ea"/>
+                <a:cs typeface="+mn-cs"/>
+              </a:defRPr>
+            </a:lvl5pPr>
+            <a:lvl6pPr marL="2286000">
+              <a:defRPr>
+                <a:latin typeface="+mn-lt"/>
+                <a:ea typeface="+mn-ea"/>
+                <a:cs typeface="+mn-cs"/>
+              </a:defRPr>
+            </a:lvl6pPr>
+            <a:lvl7pPr marL="2743200">
+              <a:defRPr>
+                <a:latin typeface="+mn-lt"/>
+                <a:ea typeface="+mn-ea"/>
+                <a:cs typeface="+mn-cs"/>
+              </a:defRPr>
+            </a:lvl7pPr>
+            <a:lvl8pPr marL="3200400">
+              <a:defRPr>
+                <a:latin typeface="+mn-lt"/>
+                <a:ea typeface="+mn-ea"/>
+                <a:cs typeface="+mn-cs"/>
+              </a:defRPr>
+            </a:lvl8pPr>
+            <a:lvl9pPr marL="3657600">
+              <a:defRPr>
+                <a:latin typeface="+mn-lt"/>
+                <a:ea typeface="+mn-ea"/>
+                <a:cs typeface="+mn-cs"/>
+              </a:defRPr>
+            </a:lvl9pPr>
+          </a:lstStyle>
+          <a:p>
+            <a:pPr marL="210185" indent="-171450">
+              <a:spcBef>
+                <a:spcPts val="490"/>
+              </a:spcBef>
               <a:buFont typeface="Arial" panose="020B0604020202020204" pitchFamily="34" charset="0"/>
               <a:buChar char="•"/>
             </a:pPr>
             <a:r>
-              <a:rPr lang="en-US" sz="1100" dirty="0">
-                <a:latin typeface="Times New Roman" panose="02020603050405020304" pitchFamily="18" charset="0"/>
-                <a:cs typeface="Times New Roman" panose="02020603050405020304" pitchFamily="18" charset="0"/>
-              </a:rPr>
-              <a:t>2-sample T-test for difference between means of two groups</a:t>
-            </a:r>
-          </a:p>
-          <a:p>
-            <a:pPr marL="171450" indent="-171450">
-              <a:buFont typeface="Arial" panose="020B0604020202020204" pitchFamily="34" charset="0"/>
-              <a:buChar char="•"/>
-            </a:pPr>
-            <a:r>
-              <a:rPr lang="en-US" sz="1100" dirty="0">
-                <a:latin typeface="Times New Roman" panose="02020603050405020304" pitchFamily="18" charset="0"/>
-                <a:cs typeface="Times New Roman" panose="02020603050405020304" pitchFamily="18" charset="0"/>
-              </a:rPr>
-              <a:t>Positive relationship between PSA value and tumor penetration</a:t>
-            </a:r>
-          </a:p>
-          <a:p>
-            <a:pPr marL="171450" indent="-171450">
-              <a:buFont typeface="Arial" panose="020B0604020202020204" pitchFamily="34" charset="0"/>
-              <a:buChar char="•"/>
-            </a:pPr>
-            <a:r>
-              <a:rPr lang="en-US" sz="1100" dirty="0">
-                <a:latin typeface="Times New Roman" panose="02020603050405020304" pitchFamily="18" charset="0"/>
-                <a:cs typeface="Times New Roman" panose="02020603050405020304" pitchFamily="18" charset="0"/>
-              </a:rPr>
-              <a:t>Cohen’s D used to corroborate data</a:t>
-            </a:r>
-          </a:p>
-          <a:p>
-            <a:pPr marL="628650" lvl="1" indent="-171450">
-              <a:buFont typeface="Arial" panose="020B0604020202020204" pitchFamily="34" charset="0"/>
-              <a:buChar char="•"/>
-            </a:pPr>
-            <a:r>
-              <a:rPr lang="en-US" sz="1100" dirty="0">
-                <a:latin typeface="Times New Roman" panose="02020603050405020304" pitchFamily="18" charset="0"/>
-                <a:cs typeface="Times New Roman" panose="02020603050405020304" pitchFamily="18" charset="0"/>
-              </a:rPr>
-              <a:t>Age was of negligible effect</a:t>
-            </a:r>
-          </a:p>
-          <a:p>
-            <a:pPr marL="628650" lvl="1" indent="-171450">
-              <a:buFont typeface="Arial" panose="020B0604020202020204" pitchFamily="34" charset="0"/>
-              <a:buChar char="•"/>
-            </a:pPr>
-            <a:r>
-              <a:rPr lang="en-US" sz="1100" dirty="0">
-                <a:latin typeface="Times New Roman" panose="02020603050405020304" pitchFamily="18" charset="0"/>
-                <a:cs typeface="Times New Roman" panose="02020603050405020304" pitchFamily="18" charset="0"/>
-              </a:rPr>
-              <a:t>PSA was of moderate effect</a:t>
-            </a:r>
-          </a:p>
-          <a:p>
-            <a:pPr marL="171450" indent="-171450">
-              <a:buFont typeface="Arial" panose="020B0604020202020204" pitchFamily="34" charset="0"/>
-              <a:buChar char="•"/>
-            </a:pPr>
-            <a:endParaRPr lang="en-US" sz="1100" dirty="0">
-              <a:latin typeface="Times New Roman" panose="02020603050405020304" pitchFamily="18" charset="0"/>
-              <a:cs typeface="Times New Roman" panose="02020603050405020304" pitchFamily="18" charset="0"/>
-            </a:endParaRPr>
-          </a:p>
-        </p:txBody>
-      </p:sp>
-      <p:pic>
-        <p:nvPicPr>
-          <p:cNvPr id="336" name="Picture 335"/>
-          <p:cNvPicPr>
-            <a:picLocks noChangeAspect="1"/>
-          </p:cNvPicPr>
+              <a:rPr lang="en-US" sz="1200" kern="0" spc="-30" dirty="0">
+                <a:solidFill>
+                  <a:srgbClr val="58180C"/>
+                </a:solidFill>
+                <a:latin typeface="Palatino Linotype"/>
+              </a:rPr>
+              <a:t>Multiple measurements taken for each shot</a:t>
+            </a:r>
+          </a:p>
+        </p:txBody>
+      </p:sp>
+      <p:cxnSp>
+        <p:nvCxnSpPr>
+          <p:cNvPr id="7" name="Straight Connector 6">
+            <a:extLst>
+              <a:ext uri="{FF2B5EF4-FFF2-40B4-BE49-F238E27FC236}">
+                <a16:creationId xmlns:a16="http://schemas.microsoft.com/office/drawing/2014/main" id="{FFAB9054-B2AA-7D40-B909-7DEB2D316C62}"/>
+              </a:ext>
+            </a:extLst>
+          </p:cNvPr>
+          <p:cNvCxnSpPr>
+            <a:cxnSpLocks/>
+          </p:cNvCxnSpPr>
           <p:nvPr/>
-        </p:nvPicPr>
-        <p:blipFill>
-          <a:blip r:embed="rId2"/>
-          <a:stretch>
-            <a:fillRect/>
-          </a:stretch>
-        </p:blipFill>
+        </p:nvCxnSpPr>
         <p:spPr>
           <a:xfrm>
-            <a:off x="476250" y="1893501"/>
-            <a:ext cx="3276600" cy="1352528"/>
+            <a:off x="2000250" y="1806575"/>
+            <a:ext cx="0" cy="1143000"/>
+          </a:xfrm>
+          <a:prstGeom prst="line">
+            <a:avLst/>
+          </a:prstGeom>
+          <a:ln>
+            <a:headEnd type="triangle"/>
+            <a:tailEnd type="none"/>
+          </a:ln>
+        </p:spPr>
+        <p:style>
+          <a:lnRef idx="1">
+            <a:schemeClr val="accent1"/>
+          </a:lnRef>
+          <a:fillRef idx="0">
+            <a:schemeClr val="accent1"/>
+          </a:fillRef>
+          <a:effectRef idx="0">
+            <a:schemeClr val="accent1"/>
+          </a:effectRef>
+          <a:fontRef idx="minor">
+            <a:schemeClr val="tx1"/>
+          </a:fontRef>
+        </p:style>
+      </p:cxnSp>
+      <p:cxnSp>
+        <p:nvCxnSpPr>
+          <p:cNvPr id="11" name="Straight Connector 10">
+            <a:extLst>
+              <a:ext uri="{FF2B5EF4-FFF2-40B4-BE49-F238E27FC236}">
+                <a16:creationId xmlns:a16="http://schemas.microsoft.com/office/drawing/2014/main" id="{4A9E53AC-853A-FC44-9847-ACF40EBB81C8}"/>
+              </a:ext>
+            </a:extLst>
+          </p:cNvPr>
+          <p:cNvCxnSpPr>
+            <a:cxnSpLocks/>
+          </p:cNvCxnSpPr>
+          <p:nvPr/>
+        </p:nvCxnSpPr>
+        <p:spPr>
+          <a:xfrm flipH="1">
+            <a:off x="2000250" y="1806575"/>
+            <a:ext cx="457200" cy="1143000"/>
+          </a:xfrm>
+          <a:prstGeom prst="line">
+            <a:avLst/>
+          </a:prstGeom>
+          <a:ln>
+            <a:headEnd type="triangle"/>
+            <a:tailEnd type="none"/>
+          </a:ln>
+        </p:spPr>
+        <p:style>
+          <a:lnRef idx="1">
+            <a:schemeClr val="accent1"/>
+          </a:lnRef>
+          <a:fillRef idx="0">
+            <a:schemeClr val="accent1"/>
+          </a:fillRef>
+          <a:effectRef idx="0">
+            <a:schemeClr val="accent1"/>
+          </a:effectRef>
+          <a:fontRef idx="minor">
+            <a:schemeClr val="tx1"/>
+          </a:fontRef>
+        </p:style>
+      </p:cxnSp>
+      <p:cxnSp>
+        <p:nvCxnSpPr>
+          <p:cNvPr id="16" name="Straight Connector 15">
+            <a:extLst>
+              <a:ext uri="{FF2B5EF4-FFF2-40B4-BE49-F238E27FC236}">
+                <a16:creationId xmlns:a16="http://schemas.microsoft.com/office/drawing/2014/main" id="{68EBF995-D6AC-464E-ACD1-DE1388076A47}"/>
+              </a:ext>
+            </a:extLst>
+          </p:cNvPr>
+          <p:cNvCxnSpPr>
+            <a:cxnSpLocks/>
+          </p:cNvCxnSpPr>
+          <p:nvPr/>
+        </p:nvCxnSpPr>
+        <p:spPr>
+          <a:xfrm>
+            <a:off x="2000250" y="1425575"/>
+            <a:ext cx="0" cy="381000"/>
+          </a:xfrm>
+          <a:prstGeom prst="line">
+            <a:avLst/>
+          </a:prstGeom>
+          <a:ln>
+            <a:prstDash val="dash"/>
+            <a:headEnd type="triangle"/>
+            <a:tailEnd type="none"/>
+          </a:ln>
+        </p:spPr>
+        <p:style>
+          <a:lnRef idx="1">
+            <a:schemeClr val="accent1"/>
+          </a:lnRef>
+          <a:fillRef idx="0">
+            <a:schemeClr val="accent1"/>
+          </a:fillRef>
+          <a:effectRef idx="0">
+            <a:schemeClr val="accent1"/>
+          </a:effectRef>
+          <a:fontRef idx="minor">
+            <a:schemeClr val="tx1"/>
+          </a:fontRef>
+        </p:style>
+      </p:cxnSp>
+      <p:sp>
+        <p:nvSpPr>
+          <p:cNvPr id="18" name="TextBox 17">
+            <a:extLst>
+              <a:ext uri="{FF2B5EF4-FFF2-40B4-BE49-F238E27FC236}">
+                <a16:creationId xmlns:a16="http://schemas.microsoft.com/office/drawing/2014/main" id="{01175C8A-0F4F-3547-B439-A780B4553993}"/>
+              </a:ext>
+            </a:extLst>
+          </p:cNvPr>
+          <p:cNvSpPr txBox="1"/>
+          <p:nvPr/>
+        </p:nvSpPr>
+        <p:spPr>
+          <a:xfrm>
+            <a:off x="1019323" y="1838526"/>
+            <a:ext cx="978535" cy="246221"/>
           </a:xfrm>
           <a:prstGeom prst="rect">
             <a:avLst/>
           </a:prstGeom>
-        </p:spPr>
-      </p:pic>
+          <a:noFill/>
+        </p:spPr>
+        <p:txBody>
+          <a:bodyPr wrap="square" rtlCol="0">
+            <a:spAutoFit/>
+          </a:bodyPr>
+          <a:lstStyle/>
+          <a:p>
+            <a:r>
+              <a:rPr lang="en-US" sz="1000" dirty="0"/>
+              <a:t>Carry Distance</a:t>
+            </a:r>
+          </a:p>
+        </p:txBody>
+      </p:sp>
+      <p:sp>
+        <p:nvSpPr>
+          <p:cNvPr id="19" name="TextBox 18">
+            <a:extLst>
+              <a:ext uri="{FF2B5EF4-FFF2-40B4-BE49-F238E27FC236}">
+                <a16:creationId xmlns:a16="http://schemas.microsoft.com/office/drawing/2014/main" id="{E09DF801-AEFE-9248-AD55-4C7EA058D622}"/>
+              </a:ext>
+            </a:extLst>
+          </p:cNvPr>
+          <p:cNvSpPr txBox="1"/>
+          <p:nvPr/>
+        </p:nvSpPr>
+        <p:spPr>
+          <a:xfrm>
+            <a:off x="985526" y="1346577"/>
+            <a:ext cx="923651" cy="246221"/>
+          </a:xfrm>
+          <a:prstGeom prst="rect">
+            <a:avLst/>
+          </a:prstGeom>
+          <a:noFill/>
+        </p:spPr>
+        <p:txBody>
+          <a:bodyPr wrap="none" rtlCol="0">
+            <a:spAutoFit/>
+          </a:bodyPr>
+          <a:lstStyle/>
+          <a:p>
+            <a:r>
+              <a:rPr lang="en-US" sz="1000" dirty="0"/>
+              <a:t>Total Distance</a:t>
+            </a:r>
+          </a:p>
+        </p:txBody>
+      </p:sp>
+      <p:cxnSp>
+        <p:nvCxnSpPr>
+          <p:cNvPr id="21" name="Straight Connector 20">
+            <a:extLst>
+              <a:ext uri="{FF2B5EF4-FFF2-40B4-BE49-F238E27FC236}">
+                <a16:creationId xmlns:a16="http://schemas.microsoft.com/office/drawing/2014/main" id="{28297F29-C175-4946-A4AE-1681357BFA04}"/>
+              </a:ext>
+            </a:extLst>
+          </p:cNvPr>
+          <p:cNvCxnSpPr/>
+          <p:nvPr/>
+        </p:nvCxnSpPr>
+        <p:spPr>
+          <a:xfrm>
+            <a:off x="2053741" y="1882775"/>
+            <a:ext cx="304800" cy="0"/>
+          </a:xfrm>
+          <a:prstGeom prst="line">
+            <a:avLst/>
+          </a:prstGeom>
+          <a:ln>
+            <a:prstDash val="sysDot"/>
+            <a:headEnd type="arrow" w="sm" len="med"/>
+            <a:tailEnd type="arrow" w="sm" len="med"/>
+          </a:ln>
+        </p:spPr>
+        <p:style>
+          <a:lnRef idx="1">
+            <a:schemeClr val="accent1"/>
+          </a:lnRef>
+          <a:fillRef idx="0">
+            <a:schemeClr val="accent1"/>
+          </a:fillRef>
+          <a:effectRef idx="0">
+            <a:schemeClr val="accent1"/>
+          </a:effectRef>
+          <a:fontRef idx="minor">
+            <a:schemeClr val="tx1"/>
+          </a:fontRef>
+        </p:style>
+      </p:cxnSp>
+      <p:cxnSp>
+        <p:nvCxnSpPr>
+          <p:cNvPr id="22" name="Straight Connector 21">
+            <a:extLst>
+              <a:ext uri="{FF2B5EF4-FFF2-40B4-BE49-F238E27FC236}">
+                <a16:creationId xmlns:a16="http://schemas.microsoft.com/office/drawing/2014/main" id="{B41C85D7-1BD6-134E-8A37-6AA14AD1BEA4}"/>
+              </a:ext>
+            </a:extLst>
+          </p:cNvPr>
+          <p:cNvCxnSpPr>
+            <a:cxnSpLocks/>
+          </p:cNvCxnSpPr>
+          <p:nvPr/>
+        </p:nvCxnSpPr>
+        <p:spPr>
+          <a:xfrm flipH="1">
+            <a:off x="2457450" y="1425575"/>
+            <a:ext cx="152400" cy="357723"/>
+          </a:xfrm>
+          <a:prstGeom prst="line">
+            <a:avLst/>
+          </a:prstGeom>
+          <a:ln>
+            <a:prstDash val="dash"/>
+            <a:headEnd type="triangle"/>
+            <a:tailEnd type="none"/>
+          </a:ln>
+        </p:spPr>
+        <p:style>
+          <a:lnRef idx="1">
+            <a:schemeClr val="accent1"/>
+          </a:lnRef>
+          <a:fillRef idx="0">
+            <a:schemeClr val="accent1"/>
+          </a:fillRef>
+          <a:effectRef idx="0">
+            <a:schemeClr val="accent1"/>
+          </a:effectRef>
+          <a:fontRef idx="minor">
+            <a:schemeClr val="tx1"/>
+          </a:fontRef>
+        </p:style>
+      </p:cxnSp>
+      <p:cxnSp>
+        <p:nvCxnSpPr>
+          <p:cNvPr id="24" name="Straight Connector 23">
+            <a:extLst>
+              <a:ext uri="{FF2B5EF4-FFF2-40B4-BE49-F238E27FC236}">
+                <a16:creationId xmlns:a16="http://schemas.microsoft.com/office/drawing/2014/main" id="{BAD1ADA0-0C78-0945-A1B5-343B93C954E1}"/>
+              </a:ext>
+            </a:extLst>
+          </p:cNvPr>
+          <p:cNvCxnSpPr>
+            <a:cxnSpLocks/>
+          </p:cNvCxnSpPr>
+          <p:nvPr/>
+        </p:nvCxnSpPr>
+        <p:spPr>
+          <a:xfrm>
+            <a:off x="2053741" y="1469687"/>
+            <a:ext cx="479909" cy="0"/>
+          </a:xfrm>
+          <a:prstGeom prst="line">
+            <a:avLst/>
+          </a:prstGeom>
+          <a:ln>
+            <a:prstDash val="sysDot"/>
+            <a:headEnd type="arrow" w="sm" len="med"/>
+            <a:tailEnd type="arrow" w="sm" len="med"/>
+          </a:ln>
+        </p:spPr>
+        <p:style>
+          <a:lnRef idx="1">
+            <a:schemeClr val="accent1"/>
+          </a:lnRef>
+          <a:fillRef idx="0">
+            <a:schemeClr val="accent1"/>
+          </a:fillRef>
+          <a:effectRef idx="0">
+            <a:schemeClr val="accent1"/>
+          </a:effectRef>
+          <a:fontRef idx="minor">
+            <a:schemeClr val="tx1"/>
+          </a:fontRef>
+        </p:style>
+      </p:cxnSp>
+      <p:sp>
+        <p:nvSpPr>
+          <p:cNvPr id="27" name="TextBox 26">
+            <a:extLst>
+              <a:ext uri="{FF2B5EF4-FFF2-40B4-BE49-F238E27FC236}">
+                <a16:creationId xmlns:a16="http://schemas.microsoft.com/office/drawing/2014/main" id="{97E9D20B-1D0A-F54E-B790-CD9DCA8AF672}"/>
+              </a:ext>
+            </a:extLst>
+          </p:cNvPr>
+          <p:cNvSpPr txBox="1"/>
+          <p:nvPr/>
+        </p:nvSpPr>
+        <p:spPr>
+          <a:xfrm>
+            <a:off x="2657940" y="1346576"/>
+            <a:ext cx="1023037" cy="246221"/>
+          </a:xfrm>
+          <a:prstGeom prst="rect">
+            <a:avLst/>
+          </a:prstGeom>
+          <a:noFill/>
+        </p:spPr>
+        <p:txBody>
+          <a:bodyPr wrap="none" rtlCol="0">
+            <a:spAutoFit/>
+          </a:bodyPr>
+          <a:lstStyle/>
+          <a:p>
+            <a:r>
+              <a:rPr lang="en-US" sz="1000" dirty="0"/>
+              <a:t>Total Dispersion</a:t>
+            </a:r>
+          </a:p>
+        </p:txBody>
+      </p:sp>
+      <p:sp>
+        <p:nvSpPr>
+          <p:cNvPr id="28" name="TextBox 27">
+            <a:extLst>
+              <a:ext uri="{FF2B5EF4-FFF2-40B4-BE49-F238E27FC236}">
+                <a16:creationId xmlns:a16="http://schemas.microsoft.com/office/drawing/2014/main" id="{FFBF198C-EEF6-8A4F-8998-031A62998DCC}"/>
+              </a:ext>
+            </a:extLst>
+          </p:cNvPr>
+          <p:cNvSpPr txBox="1"/>
+          <p:nvPr/>
+        </p:nvSpPr>
+        <p:spPr>
+          <a:xfrm>
+            <a:off x="2695409" y="1746404"/>
+            <a:ext cx="1037463" cy="246221"/>
+          </a:xfrm>
+          <a:prstGeom prst="rect">
+            <a:avLst/>
+          </a:prstGeom>
+          <a:noFill/>
+        </p:spPr>
+        <p:txBody>
+          <a:bodyPr wrap="none" rtlCol="0">
+            <a:spAutoFit/>
+          </a:bodyPr>
+          <a:lstStyle/>
+          <a:p>
+            <a:r>
+              <a:rPr lang="en-US" sz="1000" dirty="0"/>
+              <a:t>Carry Dispersion</a:t>
+            </a:r>
+          </a:p>
+        </p:txBody>
+      </p:sp>
+      <mc:AlternateContent xmlns:mc="http://schemas.openxmlformats.org/markup-compatibility/2006">
+        <mc:Choice xmlns:p14="http://schemas.microsoft.com/office/powerpoint/2010/main" Requires="p14">
+          <p:contentPart p14:bwMode="auto" r:id="rId2">
+            <p14:nvContentPartPr>
+              <p14:cNvPr id="29" name="Ink 28">
+                <a:extLst>
+                  <a:ext uri="{FF2B5EF4-FFF2-40B4-BE49-F238E27FC236}">
+                    <a16:creationId xmlns:a16="http://schemas.microsoft.com/office/drawing/2014/main" id="{6318A640-69BE-DB42-8C5D-BBA88E6EDD7C}"/>
+                  </a:ext>
+                </a:extLst>
+              </p14:cNvPr>
+              <p14:cNvContentPartPr/>
+              <p14:nvPr/>
+            </p14:nvContentPartPr>
+            <p14:xfrm>
+              <a:off x="2301997" y="1233105"/>
+              <a:ext cx="632520" cy="162720"/>
+            </p14:xfrm>
+          </p:contentPart>
+        </mc:Choice>
+        <mc:Fallback>
+          <p:pic>
+            <p:nvPicPr>
+              <p:cNvPr id="29" name="Ink 28">
+                <a:extLst>
+                  <a:ext uri="{FF2B5EF4-FFF2-40B4-BE49-F238E27FC236}">
+                    <a16:creationId xmlns:a16="http://schemas.microsoft.com/office/drawing/2014/main" id="{6318A640-69BE-DB42-8C5D-BBA88E6EDD7C}"/>
+                  </a:ext>
+                </a:extLst>
+              </p:cNvPr>
+              <p:cNvPicPr/>
+              <p:nvPr/>
+            </p:nvPicPr>
+            <p:blipFill>
+              <a:blip r:embed="rId3"/>
+              <a:stretch>
+                <a:fillRect/>
+              </a:stretch>
+            </p:blipFill>
+            <p:spPr>
+              <a:xfrm>
+                <a:off x="2293357" y="1224105"/>
+                <a:ext cx="650160" cy="180360"/>
+              </a:xfrm>
+              <a:prstGeom prst="rect">
+                <a:avLst/>
+              </a:prstGeom>
+            </p:spPr>
+          </p:pic>
+        </mc:Fallback>
+      </mc:AlternateContent>
+      <mc:AlternateContent xmlns:mc="http://schemas.openxmlformats.org/markup-compatibility/2006">
+        <mc:Choice xmlns:p14="http://schemas.microsoft.com/office/powerpoint/2010/main" Requires="p14">
+          <p:contentPart p14:bwMode="auto" r:id="rId4">
+            <p14:nvContentPartPr>
+              <p14:cNvPr id="30" name="Ink 29">
+                <a:extLst>
+                  <a:ext uri="{FF2B5EF4-FFF2-40B4-BE49-F238E27FC236}">
+                    <a16:creationId xmlns:a16="http://schemas.microsoft.com/office/drawing/2014/main" id="{728DD576-33C5-DC45-A077-D8B456A3F670}"/>
+                  </a:ext>
+                </a:extLst>
+              </p14:cNvPr>
+              <p14:cNvContentPartPr/>
+              <p14:nvPr/>
+            </p14:nvContentPartPr>
+            <p14:xfrm>
+              <a:off x="2204797" y="1672305"/>
+              <a:ext cx="794520" cy="158400"/>
+            </p14:xfrm>
+          </p:contentPart>
+        </mc:Choice>
+        <mc:Fallback>
+          <p:pic>
+            <p:nvPicPr>
+              <p:cNvPr id="30" name="Ink 29">
+                <a:extLst>
+                  <a:ext uri="{FF2B5EF4-FFF2-40B4-BE49-F238E27FC236}">
+                    <a16:creationId xmlns:a16="http://schemas.microsoft.com/office/drawing/2014/main" id="{728DD576-33C5-DC45-A077-D8B456A3F670}"/>
+                  </a:ext>
+                </a:extLst>
+              </p:cNvPr>
+              <p:cNvPicPr/>
+              <p:nvPr/>
+            </p:nvPicPr>
+            <p:blipFill>
+              <a:blip r:embed="rId5"/>
+              <a:stretch>
+                <a:fillRect/>
+              </a:stretch>
+            </p:blipFill>
+            <p:spPr>
+              <a:xfrm>
+                <a:off x="2195797" y="1663305"/>
+                <a:ext cx="812160" cy="176040"/>
+              </a:xfrm>
+              <a:prstGeom prst="rect">
+                <a:avLst/>
+              </a:prstGeom>
+            </p:spPr>
+          </p:pic>
+        </mc:Fallback>
+      </mc:AlternateContent>
     </p:spTree>
   </p:cSld>
   <p:clrMapOvr>

--- a/Presentation/795 PowerPoint.pptx
+++ b/Presentation/795 PowerPoint.pptx
@@ -5,7 +5,7 @@
     <p:sldMasterId id="2147483648" r:id="rId1"/>
   </p:sldMasterIdLst>
   <p:notesMasterIdLst>
-    <p:notesMasterId r:id="rId22"/>
+    <p:notesMasterId r:id="rId11"/>
   </p:notesMasterIdLst>
   <p:sldIdLst>
     <p:sldId id="256" r:id="rId2"/>
@@ -17,17 +17,6 @@
     <p:sldId id="281" r:id="rId8"/>
     <p:sldId id="282" r:id="rId9"/>
     <p:sldId id="261" r:id="rId10"/>
-    <p:sldId id="264" r:id="rId11"/>
-    <p:sldId id="274" r:id="rId12"/>
-    <p:sldId id="272" r:id="rId13"/>
-    <p:sldId id="273" r:id="rId14"/>
-    <p:sldId id="266" r:id="rId15"/>
-    <p:sldId id="275" r:id="rId16"/>
-    <p:sldId id="267" r:id="rId17"/>
-    <p:sldId id="277" r:id="rId18"/>
-    <p:sldId id="268" r:id="rId19"/>
-    <p:sldId id="269" r:id="rId20"/>
-    <p:sldId id="270" r:id="rId21"/>
   </p:sldIdLst>
   <p:sldSz cx="4610100" cy="3460750"/>
   <p:notesSz cx="4610100" cy="3460750"/>
@@ -712,174 +701,6 @@
 </p:notesMaster>
 </file>
 
-<file path=ppt/notesSlides/notesSlide1.xml><?xml version="1.0" encoding="utf-8"?>
-<p:notes xmlns:a="http://schemas.openxmlformats.org/drawingml/2006/main" xmlns:r="http://schemas.openxmlformats.org/officeDocument/2006/relationships" xmlns:p="http://schemas.openxmlformats.org/presentationml/2006/main">
-  <p:cSld>
-    <p:spTree>
-      <p:nvGrpSpPr>
-        <p:cNvPr id="1" name=""/>
-        <p:cNvGrpSpPr/>
-        <p:nvPr/>
-      </p:nvGrpSpPr>
-      <p:grpSpPr>
-        <a:xfrm>
-          <a:off x="0" y="0"/>
-          <a:ext cx="0" cy="0"/>
-          <a:chOff x="0" y="0"/>
-          <a:chExt cx="0" cy="0"/>
-        </a:xfrm>
-      </p:grpSpPr>
-      <p:sp>
-        <p:nvSpPr>
-          <p:cNvPr id="2" name="Slide Image Placeholder 1"/>
-          <p:cNvSpPr>
-            <a:spLocks noGrp="1" noRot="1" noChangeAspect="1"/>
-          </p:cNvSpPr>
-          <p:nvPr>
-            <p:ph type="sldImg"/>
-          </p:nvPr>
-        </p:nvSpPr>
-        <p:spPr/>
-      </p:sp>
-      <p:sp>
-        <p:nvSpPr>
-          <p:cNvPr id="3" name="Notes Placeholder 2"/>
-          <p:cNvSpPr>
-            <a:spLocks noGrp="1"/>
-          </p:cNvSpPr>
-          <p:nvPr>
-            <p:ph type="body" idx="1"/>
-          </p:nvPr>
-        </p:nvSpPr>
-        <p:spPr/>
-        <p:txBody>
-          <a:bodyPr/>
-          <a:lstStyle/>
-          <a:p>
-            <a:endParaRPr lang="en-US" dirty="0"/>
-          </a:p>
-        </p:txBody>
-      </p:sp>
-      <p:sp>
-        <p:nvSpPr>
-          <p:cNvPr id="4" name="Slide Number Placeholder 3"/>
-          <p:cNvSpPr>
-            <a:spLocks noGrp="1"/>
-          </p:cNvSpPr>
-          <p:nvPr>
-            <p:ph type="sldNum" sz="quarter" idx="5"/>
-          </p:nvPr>
-        </p:nvSpPr>
-        <p:spPr/>
-        <p:txBody>
-          <a:bodyPr/>
-          <a:lstStyle/>
-          <a:p>
-            <a:fld id="{C163A804-C849-BD47-A700-B9B71871DCD5}" type="slidenum">
-              <a:rPr lang="en-US" smtClean="0"/>
-              <a:t>14</a:t>
-            </a:fld>
-            <a:endParaRPr lang="en-US"/>
-          </a:p>
-        </p:txBody>
-      </p:sp>
-    </p:spTree>
-    <p:extLst>
-      <p:ext uri="{BB962C8B-B14F-4D97-AF65-F5344CB8AC3E}">
-        <p14:creationId xmlns:p14="http://schemas.microsoft.com/office/powerpoint/2010/main" val="2597462488"/>
-      </p:ext>
-    </p:extLst>
-  </p:cSld>
-  <p:clrMapOvr>
-    <a:masterClrMapping/>
-  </p:clrMapOvr>
-</p:notes>
-</file>
-
-<file path=ppt/notesSlides/notesSlide2.xml><?xml version="1.0" encoding="utf-8"?>
-<p:notes xmlns:a="http://schemas.openxmlformats.org/drawingml/2006/main" xmlns:r="http://schemas.openxmlformats.org/officeDocument/2006/relationships" xmlns:p="http://schemas.openxmlformats.org/presentationml/2006/main">
-  <p:cSld>
-    <p:spTree>
-      <p:nvGrpSpPr>
-        <p:cNvPr id="1" name=""/>
-        <p:cNvGrpSpPr/>
-        <p:nvPr/>
-      </p:nvGrpSpPr>
-      <p:grpSpPr>
-        <a:xfrm>
-          <a:off x="0" y="0"/>
-          <a:ext cx="0" cy="0"/>
-          <a:chOff x="0" y="0"/>
-          <a:chExt cx="0" cy="0"/>
-        </a:xfrm>
-      </p:grpSpPr>
-      <p:sp>
-        <p:nvSpPr>
-          <p:cNvPr id="2" name="Slide Image Placeholder 1"/>
-          <p:cNvSpPr>
-            <a:spLocks noGrp="1" noRot="1" noChangeAspect="1"/>
-          </p:cNvSpPr>
-          <p:nvPr>
-            <p:ph type="sldImg"/>
-          </p:nvPr>
-        </p:nvSpPr>
-        <p:spPr/>
-      </p:sp>
-      <p:sp>
-        <p:nvSpPr>
-          <p:cNvPr id="3" name="Notes Placeholder 2"/>
-          <p:cNvSpPr>
-            <a:spLocks noGrp="1"/>
-          </p:cNvSpPr>
-          <p:nvPr>
-            <p:ph type="body" idx="1"/>
-          </p:nvPr>
-        </p:nvSpPr>
-        <p:spPr/>
-        <p:txBody>
-          <a:bodyPr/>
-          <a:lstStyle/>
-          <a:p>
-            <a:endParaRPr lang="en-US" dirty="0"/>
-          </a:p>
-        </p:txBody>
-      </p:sp>
-      <p:sp>
-        <p:nvSpPr>
-          <p:cNvPr id="4" name="Slide Number Placeholder 3"/>
-          <p:cNvSpPr>
-            <a:spLocks noGrp="1"/>
-          </p:cNvSpPr>
-          <p:nvPr>
-            <p:ph type="sldNum" sz="quarter" idx="5"/>
-          </p:nvPr>
-        </p:nvSpPr>
-        <p:spPr/>
-        <p:txBody>
-          <a:bodyPr/>
-          <a:lstStyle/>
-          <a:p>
-            <a:fld id="{C163A804-C849-BD47-A700-B9B71871DCD5}" type="slidenum">
-              <a:rPr lang="en-US" smtClean="0"/>
-              <a:t>18</a:t>
-            </a:fld>
-            <a:endParaRPr lang="en-US"/>
-          </a:p>
-        </p:txBody>
-      </p:sp>
-    </p:spTree>
-    <p:extLst>
-      <p:ext uri="{BB962C8B-B14F-4D97-AF65-F5344CB8AC3E}">
-        <p14:creationId xmlns:p14="http://schemas.microsoft.com/office/powerpoint/2010/main" val="2671529437"/>
-      </p:ext>
-    </p:extLst>
-  </p:cSld>
-  <p:clrMapOvr>
-    <a:masterClrMapping/>
-  </p:clrMapOvr>
-</p:notes>
-</file>
-
 <file path=ppt/slideLayouts/slideLayout1.xml><?xml version="1.0" encoding="utf-8"?>
 <p:sldLayout xmlns:a="http://schemas.openxmlformats.org/drawingml/2006/main" xmlns:r="http://schemas.openxmlformats.org/officeDocument/2006/relationships" xmlns:p="http://schemas.openxmlformats.org/presentationml/2006/main" type="obj" preserve="1">
   <p:cSld name="Title Slide">
@@ -2607,3402 +2428,6 @@
 </p:sld>
 </file>
 
-<file path=ppt/slides/slide10.xml><?xml version="1.0" encoding="utf-8"?>
-<p:sld xmlns:a="http://schemas.openxmlformats.org/drawingml/2006/main" xmlns:r="http://schemas.openxmlformats.org/officeDocument/2006/relationships" xmlns:p="http://schemas.openxmlformats.org/presentationml/2006/main">
-  <p:cSld>
-    <p:spTree>
-      <p:nvGrpSpPr>
-        <p:cNvPr id="1" name=""/>
-        <p:cNvGrpSpPr/>
-        <p:nvPr/>
-      </p:nvGrpSpPr>
-      <p:grpSpPr>
-        <a:xfrm>
-          <a:off x="0" y="0"/>
-          <a:ext cx="0" cy="0"/>
-          <a:chOff x="0" y="0"/>
-          <a:chExt cx="0" cy="0"/>
-        </a:xfrm>
-      </p:grpSpPr>
-      <p:sp>
-        <p:nvSpPr>
-          <p:cNvPr id="2" name="object 2"/>
-          <p:cNvSpPr txBox="1"/>
-          <p:nvPr/>
-        </p:nvSpPr>
-        <p:spPr>
-          <a:xfrm>
-            <a:off x="275297" y="121180"/>
-            <a:ext cx="2119630" cy="244475"/>
-          </a:xfrm>
-          <a:prstGeom prst="rect">
-            <a:avLst/>
-          </a:prstGeom>
-        </p:spPr>
-        <p:txBody>
-          <a:bodyPr vert="horz" wrap="square" lIns="0" tIns="17145" rIns="0" bIns="0" rtlCol="0">
-            <a:spAutoFit/>
-          </a:bodyPr>
-          <a:lstStyle/>
-          <a:p>
-            <a:pPr marL="12700">
-              <a:lnSpc>
-                <a:spcPct val="100000"/>
-              </a:lnSpc>
-              <a:spcBef>
-                <a:spcPts val="135"/>
-              </a:spcBef>
-            </a:pPr>
-            <a:r>
-              <a:rPr sz="1400" spc="-5" dirty="0">
-                <a:solidFill>
-                  <a:srgbClr val="58180C"/>
-                </a:solidFill>
-                <a:latin typeface="Palatino Linotype"/>
-                <a:cs typeface="Palatino Linotype"/>
-              </a:rPr>
-              <a:t>Exploratory </a:t>
-            </a:r>
-            <a:r>
-              <a:rPr sz="1400" spc="15" dirty="0">
-                <a:solidFill>
-                  <a:srgbClr val="58180C"/>
-                </a:solidFill>
-                <a:latin typeface="Palatino Linotype"/>
-                <a:cs typeface="Palatino Linotype"/>
-              </a:rPr>
-              <a:t>Data</a:t>
-            </a:r>
-            <a:r>
-              <a:rPr sz="1400" spc="190" dirty="0">
-                <a:solidFill>
-                  <a:srgbClr val="58180C"/>
-                </a:solidFill>
-                <a:latin typeface="Palatino Linotype"/>
-                <a:cs typeface="Palatino Linotype"/>
-              </a:rPr>
-              <a:t> </a:t>
-            </a:r>
-            <a:r>
-              <a:rPr sz="1400" spc="-30" dirty="0">
-                <a:solidFill>
-                  <a:srgbClr val="58180C"/>
-                </a:solidFill>
-                <a:latin typeface="Palatino Linotype"/>
-                <a:cs typeface="Palatino Linotype"/>
-              </a:rPr>
-              <a:t>Analysis</a:t>
-            </a:r>
-            <a:endParaRPr sz="1400" dirty="0">
-              <a:latin typeface="Palatino Linotype"/>
-              <a:cs typeface="Palatino Linotype"/>
-            </a:endParaRPr>
-          </a:p>
-        </p:txBody>
-      </p:sp>
-      <p:sp>
-        <p:nvSpPr>
-          <p:cNvPr id="3" name="object 3"/>
-          <p:cNvSpPr/>
-          <p:nvPr/>
-        </p:nvSpPr>
-        <p:spPr>
-          <a:xfrm>
-            <a:off x="217321" y="494845"/>
-            <a:ext cx="3977640" cy="198755"/>
-          </a:xfrm>
-          <a:custGeom>
-            <a:avLst/>
-            <a:gdLst/>
-            <a:ahLst/>
-            <a:cxnLst/>
-            <a:rect l="l" t="t" r="r" b="b"/>
-            <a:pathLst>
-              <a:path w="3977640" h="198755">
-                <a:moveTo>
-                  <a:pt x="0" y="198361"/>
-                </a:moveTo>
-                <a:lnTo>
-                  <a:pt x="3977474" y="198361"/>
-                </a:lnTo>
-                <a:lnTo>
-                  <a:pt x="3977474" y="0"/>
-                </a:lnTo>
-                <a:lnTo>
-                  <a:pt x="0" y="0"/>
-                </a:lnTo>
-                <a:lnTo>
-                  <a:pt x="0" y="198361"/>
-                </a:lnTo>
-                <a:close/>
-              </a:path>
-            </a:pathLst>
-          </a:custGeom>
-          <a:solidFill>
-            <a:srgbClr val="DBE4E4"/>
-          </a:solidFill>
-        </p:spPr>
-        <p:txBody>
-          <a:bodyPr wrap="square" lIns="0" tIns="0" rIns="0" bIns="0" rtlCol="0"/>
-          <a:lstStyle/>
-          <a:p>
-            <a:endParaRPr dirty="0"/>
-          </a:p>
-        </p:txBody>
-      </p:sp>
-      <p:sp>
-        <p:nvSpPr>
-          <p:cNvPr id="4" name="object 4"/>
-          <p:cNvSpPr txBox="1"/>
-          <p:nvPr/>
-        </p:nvSpPr>
-        <p:spPr>
-          <a:xfrm>
-            <a:off x="241769" y="482859"/>
-            <a:ext cx="1475105" cy="207645"/>
-          </a:xfrm>
-          <a:prstGeom prst="rect">
-            <a:avLst/>
-          </a:prstGeom>
-        </p:spPr>
-        <p:txBody>
-          <a:bodyPr vert="horz" wrap="square" lIns="0" tIns="12065" rIns="0" bIns="0" rtlCol="0">
-            <a:spAutoFit/>
-          </a:bodyPr>
-          <a:lstStyle/>
-          <a:p>
-            <a:pPr marL="12700">
-              <a:lnSpc>
-                <a:spcPct val="100000"/>
-              </a:lnSpc>
-              <a:spcBef>
-                <a:spcPts val="95"/>
-              </a:spcBef>
-            </a:pPr>
-            <a:r>
-              <a:rPr sz="1200" spc="-50" dirty="0">
-                <a:solidFill>
-                  <a:srgbClr val="58180C"/>
-                </a:solidFill>
-                <a:latin typeface="Palatino Linotype"/>
-                <a:cs typeface="Palatino Linotype"/>
-              </a:rPr>
-              <a:t>Continuous</a:t>
-            </a:r>
-            <a:r>
-              <a:rPr sz="1200" spc="35" dirty="0">
-                <a:solidFill>
-                  <a:srgbClr val="58180C"/>
-                </a:solidFill>
-                <a:latin typeface="Palatino Linotype"/>
-                <a:cs typeface="Palatino Linotype"/>
-              </a:rPr>
-              <a:t> </a:t>
-            </a:r>
-            <a:r>
-              <a:rPr sz="1200" spc="-20" dirty="0">
-                <a:solidFill>
-                  <a:srgbClr val="58180C"/>
-                </a:solidFill>
-                <a:latin typeface="Palatino Linotype"/>
-                <a:cs typeface="Palatino Linotype"/>
-              </a:rPr>
-              <a:t>Predictors</a:t>
-            </a:r>
-            <a:endParaRPr sz="1200" dirty="0">
-              <a:latin typeface="Palatino Linotype"/>
-              <a:cs typeface="Palatino Linotype"/>
-            </a:endParaRPr>
-          </a:p>
-        </p:txBody>
-      </p:sp>
-      <p:sp>
-        <p:nvSpPr>
-          <p:cNvPr id="6" name="object 6"/>
-          <p:cNvSpPr txBox="1">
-            <a:spLocks noGrp="1"/>
-          </p:cNvSpPr>
-          <p:nvPr>
-            <p:ph type="ftr" sz="quarter" idx="5"/>
-          </p:nvPr>
-        </p:nvSpPr>
-        <p:spPr>
-          <a:prstGeom prst="rect">
-            <a:avLst/>
-          </a:prstGeom>
-        </p:spPr>
-        <p:txBody>
-          <a:bodyPr vert="horz" wrap="square" lIns="0" tIns="21590" rIns="0" bIns="0" rtlCol="0">
-            <a:spAutoFit/>
-          </a:bodyPr>
-          <a:lstStyle/>
-          <a:p>
-            <a:pPr marL="12700">
-              <a:lnSpc>
-                <a:spcPct val="100000"/>
-              </a:lnSpc>
-              <a:spcBef>
-                <a:spcPts val="170"/>
-              </a:spcBef>
-            </a:pPr>
-            <a:r>
-              <a:rPr spc="80" dirty="0"/>
-              <a:t>Stat </a:t>
-            </a:r>
-            <a:r>
-              <a:rPr spc="65" dirty="0"/>
-              <a:t>680A</a:t>
-            </a:r>
-            <a:r>
-              <a:rPr spc="55" dirty="0"/>
-              <a:t> Presentation</a:t>
-            </a:r>
-          </a:p>
-        </p:txBody>
-      </p:sp>
-      <p:sp>
-        <p:nvSpPr>
-          <p:cNvPr id="7" name="object 7"/>
-          <p:cNvSpPr txBox="1">
-            <a:spLocks noGrp="1"/>
-          </p:cNvSpPr>
-          <p:nvPr>
-            <p:ph type="sldNum" sz="quarter" idx="7"/>
-          </p:nvPr>
-        </p:nvSpPr>
-        <p:spPr>
-          <a:prstGeom prst="rect">
-            <a:avLst/>
-          </a:prstGeom>
-        </p:spPr>
-        <p:txBody>
-          <a:bodyPr vert="horz" wrap="square" lIns="0" tIns="18415" rIns="0" bIns="0" rtlCol="0">
-            <a:spAutoFit/>
-          </a:bodyPr>
-          <a:lstStyle/>
-          <a:p>
-            <a:pPr marL="25400">
-              <a:lnSpc>
-                <a:spcPct val="100000"/>
-              </a:lnSpc>
-              <a:spcBef>
-                <a:spcPts val="145"/>
-              </a:spcBef>
-            </a:pPr>
-            <a:fld id="{81D60167-4931-47E6-BA6A-407CBD079E47}" type="slidenum">
-              <a:rPr spc="20" dirty="0"/>
-              <a:t>10</a:t>
-            </a:fld>
-            <a:r>
-              <a:rPr spc="20" dirty="0"/>
-              <a:t>/15</a:t>
-            </a:r>
-          </a:p>
-        </p:txBody>
-      </p:sp>
-      <p:sp>
-        <p:nvSpPr>
-          <p:cNvPr id="8" name="object 4"/>
-          <p:cNvSpPr/>
-          <p:nvPr/>
-        </p:nvSpPr>
-        <p:spPr>
-          <a:xfrm>
-            <a:off x="217320" y="817881"/>
-            <a:ext cx="3989747" cy="983109"/>
-          </a:xfrm>
-          <a:custGeom>
-            <a:avLst/>
-            <a:gdLst/>
-            <a:ahLst/>
-            <a:cxnLst/>
-            <a:rect l="l" t="t" r="r" b="b"/>
-            <a:pathLst>
-              <a:path w="3977640" h="1104264">
-                <a:moveTo>
-                  <a:pt x="0" y="1104125"/>
-                </a:moveTo>
-                <a:lnTo>
-                  <a:pt x="3977474" y="1104125"/>
-                </a:lnTo>
-                <a:lnTo>
-                  <a:pt x="3977474" y="0"/>
-                </a:lnTo>
-                <a:lnTo>
-                  <a:pt x="0" y="0"/>
-                </a:lnTo>
-                <a:lnTo>
-                  <a:pt x="0" y="1104125"/>
-                </a:lnTo>
-                <a:close/>
-              </a:path>
-            </a:pathLst>
-          </a:custGeom>
-          <a:solidFill>
-            <a:srgbClr val="F7F2E5"/>
-          </a:solidFill>
-        </p:spPr>
-        <p:txBody>
-          <a:bodyPr wrap="square" lIns="0" tIns="0" rIns="0" bIns="0" rtlCol="0"/>
-          <a:lstStyle/>
-          <a:p>
-            <a:pPr marL="171450" indent="-171450">
-              <a:buFont typeface="Arial" panose="020B0604020202020204" pitchFamily="34" charset="0"/>
-              <a:buChar char="•"/>
-            </a:pPr>
-            <a:r>
-              <a:rPr lang="en-US" sz="1100" dirty="0">
-                <a:latin typeface="Times New Roman" panose="02020603050405020304" pitchFamily="18" charset="0"/>
-                <a:cs typeface="Times New Roman" panose="02020603050405020304" pitchFamily="18" charset="0"/>
-              </a:rPr>
-              <a:t>2-sample T-test for difference between means of two groups</a:t>
-            </a:r>
-          </a:p>
-          <a:p>
-            <a:pPr marL="171450" indent="-171450">
-              <a:buFont typeface="Arial" panose="020B0604020202020204" pitchFamily="34" charset="0"/>
-              <a:buChar char="•"/>
-            </a:pPr>
-            <a:r>
-              <a:rPr lang="en-US" sz="1100" dirty="0">
-                <a:latin typeface="Times New Roman" panose="02020603050405020304" pitchFamily="18" charset="0"/>
-                <a:cs typeface="Times New Roman" panose="02020603050405020304" pitchFamily="18" charset="0"/>
-              </a:rPr>
-              <a:t>Positive relationship between PSA value and tumor penetration</a:t>
-            </a:r>
-          </a:p>
-          <a:p>
-            <a:pPr marL="171450" indent="-171450">
-              <a:buFont typeface="Arial" panose="020B0604020202020204" pitchFamily="34" charset="0"/>
-              <a:buChar char="•"/>
-            </a:pPr>
-            <a:r>
-              <a:rPr lang="en-US" sz="1100" dirty="0">
-                <a:latin typeface="Times New Roman" panose="02020603050405020304" pitchFamily="18" charset="0"/>
-                <a:cs typeface="Times New Roman" panose="02020603050405020304" pitchFamily="18" charset="0"/>
-              </a:rPr>
-              <a:t>Cohen’s D used to corroborate data</a:t>
-            </a:r>
-          </a:p>
-          <a:p>
-            <a:pPr marL="628650" lvl="1" indent="-171450">
-              <a:buFont typeface="Arial" panose="020B0604020202020204" pitchFamily="34" charset="0"/>
-              <a:buChar char="•"/>
-            </a:pPr>
-            <a:r>
-              <a:rPr lang="en-US" sz="1100" dirty="0">
-                <a:latin typeface="Times New Roman" panose="02020603050405020304" pitchFamily="18" charset="0"/>
-                <a:cs typeface="Times New Roman" panose="02020603050405020304" pitchFamily="18" charset="0"/>
-              </a:rPr>
-              <a:t>Age was of negligible effect</a:t>
-            </a:r>
-          </a:p>
-          <a:p>
-            <a:pPr marL="628650" lvl="1" indent="-171450">
-              <a:buFont typeface="Arial" panose="020B0604020202020204" pitchFamily="34" charset="0"/>
-              <a:buChar char="•"/>
-            </a:pPr>
-            <a:r>
-              <a:rPr lang="en-US" sz="1100" dirty="0">
-                <a:latin typeface="Times New Roman" panose="02020603050405020304" pitchFamily="18" charset="0"/>
-                <a:cs typeface="Times New Roman" panose="02020603050405020304" pitchFamily="18" charset="0"/>
-              </a:rPr>
-              <a:t>PSA was of moderate effect</a:t>
-            </a:r>
-          </a:p>
-          <a:p>
-            <a:pPr marL="171450" indent="-171450">
-              <a:buFont typeface="Arial" panose="020B0604020202020204" pitchFamily="34" charset="0"/>
-              <a:buChar char="•"/>
-            </a:pPr>
-            <a:endParaRPr lang="en-US" sz="1100" dirty="0">
-              <a:latin typeface="Times New Roman" panose="02020603050405020304" pitchFamily="18" charset="0"/>
-              <a:cs typeface="Times New Roman" panose="02020603050405020304" pitchFamily="18" charset="0"/>
-            </a:endParaRPr>
-          </a:p>
-        </p:txBody>
-      </p:sp>
-      <p:pic>
-        <p:nvPicPr>
-          <p:cNvPr id="336" name="Picture 335"/>
-          <p:cNvPicPr>
-            <a:picLocks noChangeAspect="1"/>
-          </p:cNvPicPr>
-          <p:nvPr/>
-        </p:nvPicPr>
-        <p:blipFill>
-          <a:blip r:embed="rId2"/>
-          <a:stretch>
-            <a:fillRect/>
-          </a:stretch>
-        </p:blipFill>
-        <p:spPr>
-          <a:xfrm>
-            <a:off x="476250" y="1893501"/>
-            <a:ext cx="3276600" cy="1352528"/>
-          </a:xfrm>
-          <a:prstGeom prst="rect">
-            <a:avLst/>
-          </a:prstGeom>
-        </p:spPr>
-      </p:pic>
-    </p:spTree>
-  </p:cSld>
-  <p:clrMapOvr>
-    <a:masterClrMapping/>
-  </p:clrMapOvr>
-  <p:transition>
-    <p:cut/>
-  </p:transition>
-</p:sld>
-</file>
-
-<file path=ppt/slides/slide11.xml><?xml version="1.0" encoding="utf-8"?>
-<p:sld xmlns:a="http://schemas.openxmlformats.org/drawingml/2006/main" xmlns:r="http://schemas.openxmlformats.org/officeDocument/2006/relationships" xmlns:p="http://schemas.openxmlformats.org/presentationml/2006/main">
-  <p:cSld>
-    <p:spTree>
-      <p:nvGrpSpPr>
-        <p:cNvPr id="1" name=""/>
-        <p:cNvGrpSpPr/>
-        <p:nvPr/>
-      </p:nvGrpSpPr>
-      <p:grpSpPr>
-        <a:xfrm>
-          <a:off x="0" y="0"/>
-          <a:ext cx="0" cy="0"/>
-          <a:chOff x="0" y="0"/>
-          <a:chExt cx="0" cy="0"/>
-        </a:xfrm>
-      </p:grpSpPr>
-      <p:sp>
-        <p:nvSpPr>
-          <p:cNvPr id="2" name="object 2"/>
-          <p:cNvSpPr txBox="1"/>
-          <p:nvPr/>
-        </p:nvSpPr>
-        <p:spPr>
-          <a:xfrm>
-            <a:off x="275297" y="121180"/>
-            <a:ext cx="1264285" cy="244475"/>
-          </a:xfrm>
-          <a:prstGeom prst="rect">
-            <a:avLst/>
-          </a:prstGeom>
-        </p:spPr>
-        <p:txBody>
-          <a:bodyPr vert="horz" wrap="square" lIns="0" tIns="17145" rIns="0" bIns="0" rtlCol="0">
-            <a:spAutoFit/>
-          </a:bodyPr>
-          <a:lstStyle/>
-          <a:p>
-            <a:pPr marL="12700">
-              <a:lnSpc>
-                <a:spcPct val="100000"/>
-              </a:lnSpc>
-              <a:spcBef>
-                <a:spcPts val="135"/>
-              </a:spcBef>
-            </a:pPr>
-            <a:r>
-              <a:rPr sz="1400" spc="-45" dirty="0">
-                <a:solidFill>
-                  <a:srgbClr val="58180C"/>
-                </a:solidFill>
-                <a:latin typeface="Palatino Linotype"/>
-                <a:cs typeface="Palatino Linotype"/>
-              </a:rPr>
-              <a:t>Model</a:t>
-            </a:r>
-            <a:r>
-              <a:rPr sz="1400" spc="55" dirty="0">
-                <a:solidFill>
-                  <a:srgbClr val="58180C"/>
-                </a:solidFill>
-                <a:latin typeface="Palatino Linotype"/>
-                <a:cs typeface="Palatino Linotype"/>
-              </a:rPr>
-              <a:t> </a:t>
-            </a:r>
-            <a:r>
-              <a:rPr sz="1400" spc="-10" dirty="0">
-                <a:solidFill>
-                  <a:srgbClr val="58180C"/>
-                </a:solidFill>
-                <a:latin typeface="Palatino Linotype"/>
-                <a:cs typeface="Palatino Linotype"/>
-              </a:rPr>
-              <a:t>Selection</a:t>
-            </a:r>
-            <a:endParaRPr sz="1400" dirty="0">
-              <a:latin typeface="Palatino Linotype"/>
-              <a:cs typeface="Palatino Linotype"/>
-            </a:endParaRPr>
-          </a:p>
-        </p:txBody>
-      </p:sp>
-      <p:sp>
-        <p:nvSpPr>
-          <p:cNvPr id="3" name="object 3"/>
-          <p:cNvSpPr/>
-          <p:nvPr/>
-        </p:nvSpPr>
-        <p:spPr>
-          <a:xfrm>
-            <a:off x="275297" y="479317"/>
-            <a:ext cx="3977640" cy="203375"/>
-          </a:xfrm>
-          <a:custGeom>
-            <a:avLst/>
-            <a:gdLst/>
-            <a:ahLst/>
-            <a:cxnLst/>
-            <a:rect l="l" t="t" r="r" b="b"/>
-            <a:pathLst>
-              <a:path w="3977640" h="198755">
-                <a:moveTo>
-                  <a:pt x="0" y="198361"/>
-                </a:moveTo>
-                <a:lnTo>
-                  <a:pt x="3977474" y="198361"/>
-                </a:lnTo>
-                <a:lnTo>
-                  <a:pt x="3977474" y="0"/>
-                </a:lnTo>
-                <a:lnTo>
-                  <a:pt x="0" y="0"/>
-                </a:lnTo>
-                <a:lnTo>
-                  <a:pt x="0" y="198361"/>
-                </a:lnTo>
-                <a:close/>
-              </a:path>
-            </a:pathLst>
-          </a:custGeom>
-          <a:solidFill>
-            <a:srgbClr val="DBE4E4"/>
-          </a:solidFill>
-        </p:spPr>
-        <p:txBody>
-          <a:bodyPr wrap="square" lIns="0" tIns="0" rIns="0" bIns="0" rtlCol="0"/>
-          <a:lstStyle/>
-          <a:p>
-            <a:endParaRPr dirty="0"/>
-          </a:p>
-        </p:txBody>
-      </p:sp>
-      <p:sp>
-        <p:nvSpPr>
-          <p:cNvPr id="4" name="object 4"/>
-          <p:cNvSpPr txBox="1"/>
-          <p:nvPr/>
-        </p:nvSpPr>
-        <p:spPr>
-          <a:xfrm>
-            <a:off x="315264" y="479317"/>
-            <a:ext cx="3818586" cy="196849"/>
-          </a:xfrm>
-          <a:prstGeom prst="rect">
-            <a:avLst/>
-          </a:prstGeom>
-        </p:spPr>
-        <p:txBody>
-          <a:bodyPr vert="horz" wrap="square" lIns="0" tIns="12065" rIns="0" bIns="0" rtlCol="0">
-            <a:spAutoFit/>
-          </a:bodyPr>
-          <a:lstStyle/>
-          <a:p>
-            <a:pPr marL="12700">
-              <a:lnSpc>
-                <a:spcPct val="100000"/>
-              </a:lnSpc>
-              <a:spcBef>
-                <a:spcPts val="95"/>
-              </a:spcBef>
-            </a:pPr>
-            <a:r>
-              <a:rPr lang="en-US" sz="1200" spc="-35" dirty="0">
-                <a:solidFill>
-                  <a:srgbClr val="58180C"/>
-                </a:solidFill>
-                <a:latin typeface="Palatino Linotype"/>
-                <a:cs typeface="Palatino Linotype"/>
-              </a:rPr>
-              <a:t>Reduced</a:t>
-            </a:r>
-            <a:r>
-              <a:rPr sz="1200" spc="30" dirty="0">
-                <a:solidFill>
-                  <a:srgbClr val="58180C"/>
-                </a:solidFill>
-                <a:latin typeface="Palatino Linotype"/>
-                <a:cs typeface="Palatino Linotype"/>
-              </a:rPr>
-              <a:t> </a:t>
-            </a:r>
-            <a:r>
-              <a:rPr sz="1200" spc="-55" dirty="0">
-                <a:solidFill>
-                  <a:srgbClr val="58180C"/>
-                </a:solidFill>
-                <a:latin typeface="Palatino Linotype"/>
-                <a:cs typeface="Palatino Linotype"/>
-              </a:rPr>
-              <a:t>Model</a:t>
-            </a:r>
-            <a:r>
-              <a:rPr lang="en-US" sz="1200" spc="-55" dirty="0">
-                <a:solidFill>
-                  <a:srgbClr val="58180C"/>
-                </a:solidFill>
-                <a:latin typeface="Palatino Linotype"/>
-                <a:cs typeface="Palatino Linotype"/>
-              </a:rPr>
-              <a:t> after Backward Selection</a:t>
-            </a:r>
-            <a:endParaRPr sz="1200" dirty="0">
-              <a:latin typeface="Palatino Linotype"/>
-              <a:cs typeface="Palatino Linotype"/>
-            </a:endParaRPr>
-          </a:p>
-        </p:txBody>
-      </p:sp>
-      <p:sp>
-        <p:nvSpPr>
-          <p:cNvPr id="5" name="object 5"/>
-          <p:cNvSpPr/>
-          <p:nvPr/>
-        </p:nvSpPr>
-        <p:spPr>
-          <a:xfrm>
-            <a:off x="315264" y="1642192"/>
-            <a:ext cx="89535" cy="0"/>
-          </a:xfrm>
-          <a:custGeom>
-            <a:avLst/>
-            <a:gdLst/>
-            <a:ahLst/>
-            <a:cxnLst/>
-            <a:rect l="l" t="t" r="r" b="b"/>
-            <a:pathLst>
-              <a:path w="89535">
-                <a:moveTo>
-                  <a:pt x="0" y="0"/>
-                </a:moveTo>
-                <a:lnTo>
-                  <a:pt x="89471" y="0"/>
-                </a:lnTo>
-              </a:path>
-            </a:pathLst>
-          </a:custGeom>
-          <a:ln w="44742">
-            <a:solidFill>
-              <a:srgbClr val="F7F2E5"/>
-            </a:solidFill>
-          </a:ln>
-        </p:spPr>
-        <p:txBody>
-          <a:bodyPr wrap="square" lIns="0" tIns="0" rIns="0" bIns="0" rtlCol="0"/>
-          <a:lstStyle/>
-          <a:p>
-            <a:endParaRPr dirty="0"/>
-          </a:p>
-        </p:txBody>
-      </p:sp>
-      <p:sp>
-        <p:nvSpPr>
-          <p:cNvPr id="6" name="object 6"/>
-          <p:cNvSpPr txBox="1">
-            <a:spLocks noGrp="1"/>
-          </p:cNvSpPr>
-          <p:nvPr>
-            <p:ph type="ftr" sz="quarter" idx="5"/>
-          </p:nvPr>
-        </p:nvSpPr>
-        <p:spPr>
-          <a:prstGeom prst="rect">
-            <a:avLst/>
-          </a:prstGeom>
-        </p:spPr>
-        <p:txBody>
-          <a:bodyPr vert="horz" wrap="square" lIns="0" tIns="21590" rIns="0" bIns="0" rtlCol="0">
-            <a:spAutoFit/>
-          </a:bodyPr>
-          <a:lstStyle/>
-          <a:p>
-            <a:pPr marL="12700">
-              <a:lnSpc>
-                <a:spcPct val="100000"/>
-              </a:lnSpc>
-              <a:spcBef>
-                <a:spcPts val="170"/>
-              </a:spcBef>
-            </a:pPr>
-            <a:r>
-              <a:rPr spc="80" dirty="0"/>
-              <a:t>Stat </a:t>
-            </a:r>
-            <a:r>
-              <a:rPr spc="65" dirty="0"/>
-              <a:t>680A</a:t>
-            </a:r>
-            <a:r>
-              <a:rPr spc="55" dirty="0"/>
-              <a:t> Presentation</a:t>
-            </a:r>
-          </a:p>
-        </p:txBody>
-      </p:sp>
-      <p:sp>
-        <p:nvSpPr>
-          <p:cNvPr id="7" name="object 7"/>
-          <p:cNvSpPr txBox="1">
-            <a:spLocks noGrp="1"/>
-          </p:cNvSpPr>
-          <p:nvPr>
-            <p:ph type="sldNum" sz="quarter" idx="7"/>
-          </p:nvPr>
-        </p:nvSpPr>
-        <p:spPr>
-          <a:prstGeom prst="rect">
-            <a:avLst/>
-          </a:prstGeom>
-        </p:spPr>
-        <p:txBody>
-          <a:bodyPr vert="horz" wrap="square" lIns="0" tIns="18415" rIns="0" bIns="0" rtlCol="0">
-            <a:spAutoFit/>
-          </a:bodyPr>
-          <a:lstStyle/>
-          <a:p>
-            <a:pPr marL="25400">
-              <a:lnSpc>
-                <a:spcPct val="100000"/>
-              </a:lnSpc>
-              <a:spcBef>
-                <a:spcPts val="145"/>
-              </a:spcBef>
-            </a:pPr>
-            <a:fld id="{81D60167-4931-47E6-BA6A-407CBD079E47}" type="slidenum">
-              <a:rPr spc="20" dirty="0"/>
-              <a:t>11</a:t>
-            </a:fld>
-            <a:r>
-              <a:rPr spc="20" dirty="0"/>
-              <a:t>/15</a:t>
-            </a:r>
-          </a:p>
-        </p:txBody>
-      </p:sp>
-      <p:pic>
-        <p:nvPicPr>
-          <p:cNvPr id="9" name="Picture 8">
-            <a:extLst>
-              <a:ext uri="{FF2B5EF4-FFF2-40B4-BE49-F238E27FC236}">
-                <a16:creationId xmlns:a16="http://schemas.microsoft.com/office/drawing/2014/main" id="{7448AE03-09A2-714E-9B93-83BF71573C2F}"/>
-              </a:ext>
-            </a:extLst>
-          </p:cNvPr>
-          <p:cNvPicPr>
-            <a:picLocks noChangeAspect="1"/>
-          </p:cNvPicPr>
-          <p:nvPr/>
-        </p:nvPicPr>
-        <p:blipFill>
-          <a:blip r:embed="rId2"/>
-          <a:stretch>
-            <a:fillRect/>
-          </a:stretch>
-        </p:blipFill>
-        <p:spPr>
-          <a:xfrm>
-            <a:off x="315264" y="810223"/>
-            <a:ext cx="3972508" cy="2171209"/>
-          </a:xfrm>
-          <a:prstGeom prst="rect">
-            <a:avLst/>
-          </a:prstGeom>
-        </p:spPr>
-      </p:pic>
-    </p:spTree>
-    <p:extLst>
-      <p:ext uri="{BB962C8B-B14F-4D97-AF65-F5344CB8AC3E}">
-        <p14:creationId xmlns:p14="http://schemas.microsoft.com/office/powerpoint/2010/main" val="1418168870"/>
-      </p:ext>
-    </p:extLst>
-  </p:cSld>
-  <p:clrMapOvr>
-    <a:masterClrMapping/>
-  </p:clrMapOvr>
-  <p:transition>
-    <p:cut/>
-  </p:transition>
-</p:sld>
-</file>
-
-<file path=ppt/slides/slide12.xml><?xml version="1.0" encoding="utf-8"?>
-<p:sld xmlns:a="http://schemas.openxmlformats.org/drawingml/2006/main" xmlns:r="http://schemas.openxmlformats.org/officeDocument/2006/relationships" xmlns:p="http://schemas.openxmlformats.org/presentationml/2006/main">
-  <p:cSld>
-    <p:spTree>
-      <p:nvGrpSpPr>
-        <p:cNvPr id="1" name=""/>
-        <p:cNvGrpSpPr/>
-        <p:nvPr/>
-      </p:nvGrpSpPr>
-      <p:grpSpPr>
-        <a:xfrm>
-          <a:off x="0" y="0"/>
-          <a:ext cx="0" cy="0"/>
-          <a:chOff x="0" y="0"/>
-          <a:chExt cx="0" cy="0"/>
-        </a:xfrm>
-      </p:grpSpPr>
-      <p:sp>
-        <p:nvSpPr>
-          <p:cNvPr id="2" name="object 2"/>
-          <p:cNvSpPr txBox="1"/>
-          <p:nvPr/>
-        </p:nvSpPr>
-        <p:spPr>
-          <a:xfrm>
-            <a:off x="275297" y="121180"/>
-            <a:ext cx="1264285" cy="244475"/>
-          </a:xfrm>
-          <a:prstGeom prst="rect">
-            <a:avLst/>
-          </a:prstGeom>
-        </p:spPr>
-        <p:txBody>
-          <a:bodyPr vert="horz" wrap="square" lIns="0" tIns="17145" rIns="0" bIns="0" rtlCol="0">
-            <a:spAutoFit/>
-          </a:bodyPr>
-          <a:lstStyle/>
-          <a:p>
-            <a:pPr marL="12700">
-              <a:lnSpc>
-                <a:spcPct val="100000"/>
-              </a:lnSpc>
-              <a:spcBef>
-                <a:spcPts val="135"/>
-              </a:spcBef>
-            </a:pPr>
-            <a:r>
-              <a:rPr sz="1400" spc="-45" dirty="0">
-                <a:solidFill>
-                  <a:srgbClr val="58180C"/>
-                </a:solidFill>
-                <a:latin typeface="Palatino Linotype"/>
-                <a:cs typeface="Palatino Linotype"/>
-              </a:rPr>
-              <a:t>Model</a:t>
-            </a:r>
-            <a:r>
-              <a:rPr sz="1400" spc="55" dirty="0">
-                <a:solidFill>
-                  <a:srgbClr val="58180C"/>
-                </a:solidFill>
-                <a:latin typeface="Palatino Linotype"/>
-                <a:cs typeface="Palatino Linotype"/>
-              </a:rPr>
-              <a:t> </a:t>
-            </a:r>
-            <a:r>
-              <a:rPr sz="1400" spc="-10" dirty="0">
-                <a:solidFill>
-                  <a:srgbClr val="58180C"/>
-                </a:solidFill>
-                <a:latin typeface="Palatino Linotype"/>
-                <a:cs typeface="Palatino Linotype"/>
-              </a:rPr>
-              <a:t>Selection</a:t>
-            </a:r>
-            <a:endParaRPr sz="1400" dirty="0">
-              <a:latin typeface="Palatino Linotype"/>
-              <a:cs typeface="Palatino Linotype"/>
-            </a:endParaRPr>
-          </a:p>
-        </p:txBody>
-      </p:sp>
-      <p:sp>
-        <p:nvSpPr>
-          <p:cNvPr id="3" name="object 3"/>
-          <p:cNvSpPr/>
-          <p:nvPr/>
-        </p:nvSpPr>
-        <p:spPr>
-          <a:xfrm>
-            <a:off x="262835" y="496540"/>
-            <a:ext cx="3977640" cy="198755"/>
-          </a:xfrm>
-          <a:custGeom>
-            <a:avLst/>
-            <a:gdLst/>
-            <a:ahLst/>
-            <a:cxnLst/>
-            <a:rect l="l" t="t" r="r" b="b"/>
-            <a:pathLst>
-              <a:path w="3977640" h="198755">
-                <a:moveTo>
-                  <a:pt x="0" y="198361"/>
-                </a:moveTo>
-                <a:lnTo>
-                  <a:pt x="3977474" y="198361"/>
-                </a:lnTo>
-                <a:lnTo>
-                  <a:pt x="3977474" y="0"/>
-                </a:lnTo>
-                <a:lnTo>
-                  <a:pt x="0" y="0"/>
-                </a:lnTo>
-                <a:lnTo>
-                  <a:pt x="0" y="198361"/>
-                </a:lnTo>
-                <a:close/>
-              </a:path>
-            </a:pathLst>
-          </a:custGeom>
-          <a:solidFill>
-            <a:srgbClr val="DBE4E4"/>
-          </a:solidFill>
-        </p:spPr>
-        <p:txBody>
-          <a:bodyPr wrap="square" lIns="0" tIns="0" rIns="0" bIns="0" rtlCol="0"/>
-          <a:lstStyle/>
-          <a:p>
-            <a:endParaRPr dirty="0"/>
-          </a:p>
-        </p:txBody>
-      </p:sp>
-      <p:sp>
-        <p:nvSpPr>
-          <p:cNvPr id="4" name="object 4"/>
-          <p:cNvSpPr txBox="1"/>
-          <p:nvPr/>
-        </p:nvSpPr>
-        <p:spPr>
-          <a:xfrm>
-            <a:off x="275296" y="486740"/>
-            <a:ext cx="2486953" cy="196849"/>
-          </a:xfrm>
-          <a:prstGeom prst="rect">
-            <a:avLst/>
-          </a:prstGeom>
-        </p:spPr>
-        <p:txBody>
-          <a:bodyPr vert="horz" wrap="square" lIns="0" tIns="12065" rIns="0" bIns="0" rtlCol="0">
-            <a:spAutoFit/>
-          </a:bodyPr>
-          <a:lstStyle/>
-          <a:p>
-            <a:pPr marL="12700">
-              <a:lnSpc>
-                <a:spcPct val="100000"/>
-              </a:lnSpc>
-              <a:spcBef>
-                <a:spcPts val="95"/>
-              </a:spcBef>
-            </a:pPr>
-            <a:r>
-              <a:rPr lang="en-US" sz="1200" spc="-50" dirty="0">
-                <a:solidFill>
-                  <a:srgbClr val="58180C"/>
-                </a:solidFill>
-                <a:latin typeface="Palatino Linotype"/>
-                <a:cs typeface="Palatino Linotype"/>
-              </a:rPr>
-              <a:t>Interaction</a:t>
-            </a:r>
-            <a:r>
-              <a:rPr sz="1200" spc="30" dirty="0">
-                <a:solidFill>
-                  <a:srgbClr val="58180C"/>
-                </a:solidFill>
-                <a:latin typeface="Palatino Linotype"/>
-                <a:cs typeface="Palatino Linotype"/>
-              </a:rPr>
-              <a:t> </a:t>
-            </a:r>
-            <a:r>
-              <a:rPr sz="1200" spc="-55" dirty="0">
-                <a:solidFill>
-                  <a:srgbClr val="58180C"/>
-                </a:solidFill>
-                <a:latin typeface="Palatino Linotype"/>
-                <a:cs typeface="Palatino Linotype"/>
-              </a:rPr>
-              <a:t>Model</a:t>
-            </a:r>
-            <a:r>
-              <a:rPr lang="en-US" sz="1200" spc="-55" dirty="0">
-                <a:solidFill>
-                  <a:srgbClr val="58180C"/>
-                </a:solidFill>
-                <a:latin typeface="Palatino Linotype"/>
-                <a:cs typeface="Palatino Linotype"/>
-              </a:rPr>
-              <a:t> (Candidate 1) </a:t>
-            </a:r>
-            <a:endParaRPr sz="1200" dirty="0">
-              <a:latin typeface="Palatino Linotype"/>
-              <a:cs typeface="Palatino Linotype"/>
-            </a:endParaRPr>
-          </a:p>
-        </p:txBody>
-      </p:sp>
-      <p:sp>
-        <p:nvSpPr>
-          <p:cNvPr id="5" name="object 5"/>
-          <p:cNvSpPr/>
-          <p:nvPr/>
-        </p:nvSpPr>
-        <p:spPr>
-          <a:xfrm flipV="1">
-            <a:off x="315264" y="1596473"/>
-            <a:ext cx="45719" cy="45719"/>
-          </a:xfrm>
-          <a:custGeom>
-            <a:avLst/>
-            <a:gdLst/>
-            <a:ahLst/>
-            <a:cxnLst/>
-            <a:rect l="l" t="t" r="r" b="b"/>
-            <a:pathLst>
-              <a:path w="89535">
-                <a:moveTo>
-                  <a:pt x="0" y="0"/>
-                </a:moveTo>
-                <a:lnTo>
-                  <a:pt x="89471" y="0"/>
-                </a:lnTo>
-              </a:path>
-            </a:pathLst>
-          </a:custGeom>
-          <a:ln w="44742">
-            <a:solidFill>
-              <a:srgbClr val="F7F2E5"/>
-            </a:solidFill>
-          </a:ln>
-        </p:spPr>
-        <p:txBody>
-          <a:bodyPr wrap="square" lIns="0" tIns="0" rIns="0" bIns="0" rtlCol="0"/>
-          <a:lstStyle/>
-          <a:p>
-            <a:endParaRPr dirty="0"/>
-          </a:p>
-        </p:txBody>
-      </p:sp>
-      <p:sp>
-        <p:nvSpPr>
-          <p:cNvPr id="6" name="object 6"/>
-          <p:cNvSpPr txBox="1">
-            <a:spLocks noGrp="1"/>
-          </p:cNvSpPr>
-          <p:nvPr>
-            <p:ph type="ftr" sz="quarter" idx="5"/>
-          </p:nvPr>
-        </p:nvSpPr>
-        <p:spPr>
-          <a:prstGeom prst="rect">
-            <a:avLst/>
-          </a:prstGeom>
-        </p:spPr>
-        <p:txBody>
-          <a:bodyPr vert="horz" wrap="square" lIns="0" tIns="21590" rIns="0" bIns="0" rtlCol="0">
-            <a:spAutoFit/>
-          </a:bodyPr>
-          <a:lstStyle/>
-          <a:p>
-            <a:pPr marL="12700">
-              <a:lnSpc>
-                <a:spcPct val="100000"/>
-              </a:lnSpc>
-              <a:spcBef>
-                <a:spcPts val="170"/>
-              </a:spcBef>
-            </a:pPr>
-            <a:r>
-              <a:rPr spc="80" dirty="0"/>
-              <a:t>Stat </a:t>
-            </a:r>
-            <a:r>
-              <a:rPr spc="65" dirty="0"/>
-              <a:t>680A</a:t>
-            </a:r>
-            <a:r>
-              <a:rPr spc="55" dirty="0"/>
-              <a:t> Presentation</a:t>
-            </a:r>
-          </a:p>
-        </p:txBody>
-      </p:sp>
-      <p:sp>
-        <p:nvSpPr>
-          <p:cNvPr id="7" name="object 7"/>
-          <p:cNvSpPr txBox="1">
-            <a:spLocks noGrp="1"/>
-          </p:cNvSpPr>
-          <p:nvPr>
-            <p:ph type="sldNum" sz="quarter" idx="7"/>
-          </p:nvPr>
-        </p:nvSpPr>
-        <p:spPr>
-          <a:prstGeom prst="rect">
-            <a:avLst/>
-          </a:prstGeom>
-        </p:spPr>
-        <p:txBody>
-          <a:bodyPr vert="horz" wrap="square" lIns="0" tIns="18415" rIns="0" bIns="0" rtlCol="0">
-            <a:spAutoFit/>
-          </a:bodyPr>
-          <a:lstStyle/>
-          <a:p>
-            <a:pPr marL="25400">
-              <a:lnSpc>
-                <a:spcPct val="100000"/>
-              </a:lnSpc>
-              <a:spcBef>
-                <a:spcPts val="145"/>
-              </a:spcBef>
-            </a:pPr>
-            <a:fld id="{81D60167-4931-47E6-BA6A-407CBD079E47}" type="slidenum">
-              <a:rPr spc="20" dirty="0"/>
-              <a:t>12</a:t>
-            </a:fld>
-            <a:r>
-              <a:rPr spc="20" dirty="0"/>
-              <a:t>/15</a:t>
-            </a:r>
-          </a:p>
-        </p:txBody>
-      </p:sp>
-      <p:pic>
-        <p:nvPicPr>
-          <p:cNvPr id="9" name="Picture 8">
-            <a:extLst>
-              <a:ext uri="{FF2B5EF4-FFF2-40B4-BE49-F238E27FC236}">
-                <a16:creationId xmlns:a16="http://schemas.microsoft.com/office/drawing/2014/main" id="{0976437C-B3DF-214F-B612-21AF1E5C2533}"/>
-              </a:ext>
-            </a:extLst>
-          </p:cNvPr>
-          <p:cNvPicPr>
-            <a:picLocks noChangeAspect="1"/>
-          </p:cNvPicPr>
-          <p:nvPr/>
-        </p:nvPicPr>
-        <p:blipFill>
-          <a:blip r:embed="rId2"/>
-          <a:stretch>
-            <a:fillRect/>
-          </a:stretch>
-        </p:blipFill>
-        <p:spPr>
-          <a:xfrm>
-            <a:off x="181935" y="1011577"/>
-            <a:ext cx="4246230" cy="1437595"/>
-          </a:xfrm>
-          <a:prstGeom prst="rect">
-            <a:avLst/>
-          </a:prstGeom>
-        </p:spPr>
-      </p:pic>
-    </p:spTree>
-    <p:extLst>
-      <p:ext uri="{BB962C8B-B14F-4D97-AF65-F5344CB8AC3E}">
-        <p14:creationId xmlns:p14="http://schemas.microsoft.com/office/powerpoint/2010/main" val="1539295739"/>
-      </p:ext>
-    </p:extLst>
-  </p:cSld>
-  <p:clrMapOvr>
-    <a:masterClrMapping/>
-  </p:clrMapOvr>
-  <p:transition>
-    <p:cut/>
-  </p:transition>
-</p:sld>
-</file>
-
-<file path=ppt/slides/slide13.xml><?xml version="1.0" encoding="utf-8"?>
-<p:sld xmlns:a="http://schemas.openxmlformats.org/drawingml/2006/main" xmlns:r="http://schemas.openxmlformats.org/officeDocument/2006/relationships" xmlns:p="http://schemas.openxmlformats.org/presentationml/2006/main">
-  <p:cSld>
-    <p:spTree>
-      <p:nvGrpSpPr>
-        <p:cNvPr id="1" name=""/>
-        <p:cNvGrpSpPr/>
-        <p:nvPr/>
-      </p:nvGrpSpPr>
-      <p:grpSpPr>
-        <a:xfrm>
-          <a:off x="0" y="0"/>
-          <a:ext cx="0" cy="0"/>
-          <a:chOff x="0" y="0"/>
-          <a:chExt cx="0" cy="0"/>
-        </a:xfrm>
-      </p:grpSpPr>
-      <p:sp>
-        <p:nvSpPr>
-          <p:cNvPr id="2" name="object 2"/>
-          <p:cNvSpPr txBox="1"/>
-          <p:nvPr/>
-        </p:nvSpPr>
-        <p:spPr>
-          <a:xfrm>
-            <a:off x="275297" y="121180"/>
-            <a:ext cx="1264285" cy="244475"/>
-          </a:xfrm>
-          <a:prstGeom prst="rect">
-            <a:avLst/>
-          </a:prstGeom>
-        </p:spPr>
-        <p:txBody>
-          <a:bodyPr vert="horz" wrap="square" lIns="0" tIns="17145" rIns="0" bIns="0" rtlCol="0">
-            <a:spAutoFit/>
-          </a:bodyPr>
-          <a:lstStyle/>
-          <a:p>
-            <a:pPr marL="12700">
-              <a:lnSpc>
-                <a:spcPct val="100000"/>
-              </a:lnSpc>
-              <a:spcBef>
-                <a:spcPts val="135"/>
-              </a:spcBef>
-            </a:pPr>
-            <a:r>
-              <a:rPr sz="1400" spc="-45" dirty="0">
-                <a:solidFill>
-                  <a:srgbClr val="58180C"/>
-                </a:solidFill>
-                <a:latin typeface="Palatino Linotype"/>
-                <a:cs typeface="Palatino Linotype"/>
-              </a:rPr>
-              <a:t>Model</a:t>
-            </a:r>
-            <a:r>
-              <a:rPr sz="1400" spc="55" dirty="0">
-                <a:solidFill>
-                  <a:srgbClr val="58180C"/>
-                </a:solidFill>
-                <a:latin typeface="Palatino Linotype"/>
-                <a:cs typeface="Palatino Linotype"/>
-              </a:rPr>
-              <a:t> </a:t>
-            </a:r>
-            <a:r>
-              <a:rPr sz="1400" spc="-10" dirty="0">
-                <a:solidFill>
-                  <a:srgbClr val="58180C"/>
-                </a:solidFill>
-                <a:latin typeface="Palatino Linotype"/>
-                <a:cs typeface="Palatino Linotype"/>
-              </a:rPr>
-              <a:t>Selection</a:t>
-            </a:r>
-            <a:endParaRPr sz="1400" dirty="0">
-              <a:latin typeface="Palatino Linotype"/>
-              <a:cs typeface="Palatino Linotype"/>
-            </a:endParaRPr>
-          </a:p>
-        </p:txBody>
-      </p:sp>
-      <p:sp>
-        <p:nvSpPr>
-          <p:cNvPr id="3" name="object 3"/>
-          <p:cNvSpPr/>
-          <p:nvPr/>
-        </p:nvSpPr>
-        <p:spPr>
-          <a:xfrm>
-            <a:off x="217321" y="486740"/>
-            <a:ext cx="3977640" cy="198755"/>
-          </a:xfrm>
-          <a:custGeom>
-            <a:avLst/>
-            <a:gdLst/>
-            <a:ahLst/>
-            <a:cxnLst/>
-            <a:rect l="l" t="t" r="r" b="b"/>
-            <a:pathLst>
-              <a:path w="3977640" h="198755">
-                <a:moveTo>
-                  <a:pt x="0" y="198361"/>
-                </a:moveTo>
-                <a:lnTo>
-                  <a:pt x="3977474" y="198361"/>
-                </a:lnTo>
-                <a:lnTo>
-                  <a:pt x="3977474" y="0"/>
-                </a:lnTo>
-                <a:lnTo>
-                  <a:pt x="0" y="0"/>
-                </a:lnTo>
-                <a:lnTo>
-                  <a:pt x="0" y="198361"/>
-                </a:lnTo>
-                <a:close/>
-              </a:path>
-            </a:pathLst>
-          </a:custGeom>
-          <a:solidFill>
-            <a:srgbClr val="DBE4E4"/>
-          </a:solidFill>
-        </p:spPr>
-        <p:txBody>
-          <a:bodyPr wrap="square" lIns="0" tIns="0" rIns="0" bIns="0" rtlCol="0"/>
-          <a:lstStyle/>
-          <a:p>
-            <a:endParaRPr dirty="0"/>
-          </a:p>
-        </p:txBody>
-      </p:sp>
-      <p:sp>
-        <p:nvSpPr>
-          <p:cNvPr id="4" name="object 4"/>
-          <p:cNvSpPr txBox="1"/>
-          <p:nvPr/>
-        </p:nvSpPr>
-        <p:spPr>
-          <a:xfrm>
-            <a:off x="275296" y="486740"/>
-            <a:ext cx="2182153" cy="196849"/>
-          </a:xfrm>
-          <a:prstGeom prst="rect">
-            <a:avLst/>
-          </a:prstGeom>
-        </p:spPr>
-        <p:txBody>
-          <a:bodyPr vert="horz" wrap="square" lIns="0" tIns="12065" rIns="0" bIns="0" rtlCol="0">
-            <a:spAutoFit/>
-          </a:bodyPr>
-          <a:lstStyle/>
-          <a:p>
-            <a:pPr marL="12700">
-              <a:lnSpc>
-                <a:spcPct val="100000"/>
-              </a:lnSpc>
-              <a:spcBef>
-                <a:spcPts val="95"/>
-              </a:spcBef>
-            </a:pPr>
-            <a:r>
-              <a:rPr sz="1200" spc="-50" dirty="0">
-                <a:solidFill>
-                  <a:srgbClr val="58180C"/>
-                </a:solidFill>
-                <a:latin typeface="Palatino Linotype"/>
-                <a:cs typeface="Palatino Linotype"/>
-              </a:rPr>
-              <a:t>Reduced</a:t>
-            </a:r>
-            <a:r>
-              <a:rPr sz="1200" spc="30" dirty="0">
-                <a:solidFill>
-                  <a:srgbClr val="58180C"/>
-                </a:solidFill>
-                <a:latin typeface="Palatino Linotype"/>
-                <a:cs typeface="Palatino Linotype"/>
-              </a:rPr>
-              <a:t> </a:t>
-            </a:r>
-            <a:r>
-              <a:rPr sz="1200" spc="-55" dirty="0">
-                <a:solidFill>
-                  <a:srgbClr val="58180C"/>
-                </a:solidFill>
-                <a:latin typeface="Palatino Linotype"/>
-                <a:cs typeface="Palatino Linotype"/>
-              </a:rPr>
-              <a:t>Model</a:t>
-            </a:r>
-            <a:r>
-              <a:rPr lang="en-US" sz="1200" spc="-55" dirty="0">
-                <a:solidFill>
-                  <a:srgbClr val="58180C"/>
-                </a:solidFill>
-                <a:latin typeface="Palatino Linotype"/>
-                <a:cs typeface="Palatino Linotype"/>
-              </a:rPr>
-              <a:t> (Candidate 2)</a:t>
-            </a:r>
-            <a:endParaRPr sz="1200" dirty="0">
-              <a:latin typeface="Palatino Linotype"/>
-              <a:cs typeface="Palatino Linotype"/>
-            </a:endParaRPr>
-          </a:p>
-        </p:txBody>
-      </p:sp>
-      <p:sp>
-        <p:nvSpPr>
-          <p:cNvPr id="5" name="object 5"/>
-          <p:cNvSpPr/>
-          <p:nvPr/>
-        </p:nvSpPr>
-        <p:spPr>
-          <a:xfrm flipV="1">
-            <a:off x="315264" y="1596473"/>
-            <a:ext cx="45719" cy="45719"/>
-          </a:xfrm>
-          <a:custGeom>
-            <a:avLst/>
-            <a:gdLst/>
-            <a:ahLst/>
-            <a:cxnLst/>
-            <a:rect l="l" t="t" r="r" b="b"/>
-            <a:pathLst>
-              <a:path w="89535">
-                <a:moveTo>
-                  <a:pt x="0" y="0"/>
-                </a:moveTo>
-                <a:lnTo>
-                  <a:pt x="89471" y="0"/>
-                </a:lnTo>
-              </a:path>
-            </a:pathLst>
-          </a:custGeom>
-          <a:ln w="44742">
-            <a:solidFill>
-              <a:srgbClr val="F7F2E5"/>
-            </a:solidFill>
-          </a:ln>
-        </p:spPr>
-        <p:txBody>
-          <a:bodyPr wrap="square" lIns="0" tIns="0" rIns="0" bIns="0" rtlCol="0"/>
-          <a:lstStyle/>
-          <a:p>
-            <a:endParaRPr dirty="0"/>
-          </a:p>
-        </p:txBody>
-      </p:sp>
-      <p:sp>
-        <p:nvSpPr>
-          <p:cNvPr id="6" name="object 6"/>
-          <p:cNvSpPr txBox="1">
-            <a:spLocks noGrp="1"/>
-          </p:cNvSpPr>
-          <p:nvPr>
-            <p:ph type="ftr" sz="quarter" idx="5"/>
-          </p:nvPr>
-        </p:nvSpPr>
-        <p:spPr>
-          <a:prstGeom prst="rect">
-            <a:avLst/>
-          </a:prstGeom>
-        </p:spPr>
-        <p:txBody>
-          <a:bodyPr vert="horz" wrap="square" lIns="0" tIns="21590" rIns="0" bIns="0" rtlCol="0">
-            <a:spAutoFit/>
-          </a:bodyPr>
-          <a:lstStyle/>
-          <a:p>
-            <a:pPr marL="12700">
-              <a:lnSpc>
-                <a:spcPct val="100000"/>
-              </a:lnSpc>
-              <a:spcBef>
-                <a:spcPts val="170"/>
-              </a:spcBef>
-            </a:pPr>
-            <a:r>
-              <a:rPr spc="80" dirty="0"/>
-              <a:t>Stat </a:t>
-            </a:r>
-            <a:r>
-              <a:rPr spc="65" dirty="0"/>
-              <a:t>680A</a:t>
-            </a:r>
-            <a:r>
-              <a:rPr spc="55" dirty="0"/>
-              <a:t> Presentation</a:t>
-            </a:r>
-          </a:p>
-        </p:txBody>
-      </p:sp>
-      <p:sp>
-        <p:nvSpPr>
-          <p:cNvPr id="7" name="object 7"/>
-          <p:cNvSpPr txBox="1">
-            <a:spLocks noGrp="1"/>
-          </p:cNvSpPr>
-          <p:nvPr>
-            <p:ph type="sldNum" sz="quarter" idx="7"/>
-          </p:nvPr>
-        </p:nvSpPr>
-        <p:spPr>
-          <a:prstGeom prst="rect">
-            <a:avLst/>
-          </a:prstGeom>
-        </p:spPr>
-        <p:txBody>
-          <a:bodyPr vert="horz" wrap="square" lIns="0" tIns="18415" rIns="0" bIns="0" rtlCol="0">
-            <a:spAutoFit/>
-          </a:bodyPr>
-          <a:lstStyle/>
-          <a:p>
-            <a:pPr marL="25400">
-              <a:lnSpc>
-                <a:spcPct val="100000"/>
-              </a:lnSpc>
-              <a:spcBef>
-                <a:spcPts val="145"/>
-              </a:spcBef>
-            </a:pPr>
-            <a:fld id="{81D60167-4931-47E6-BA6A-407CBD079E47}" type="slidenum">
-              <a:rPr spc="20" dirty="0"/>
-              <a:t>13</a:t>
-            </a:fld>
-            <a:r>
-              <a:rPr spc="20" dirty="0"/>
-              <a:t>/15</a:t>
-            </a:r>
-          </a:p>
-        </p:txBody>
-      </p:sp>
-      <p:pic>
-        <p:nvPicPr>
-          <p:cNvPr id="9" name="Picture 8">
-            <a:extLst>
-              <a:ext uri="{FF2B5EF4-FFF2-40B4-BE49-F238E27FC236}">
-                <a16:creationId xmlns:a16="http://schemas.microsoft.com/office/drawing/2014/main" id="{84FA99F2-6BCE-2348-93CE-202D77701344}"/>
-              </a:ext>
-            </a:extLst>
-          </p:cNvPr>
-          <p:cNvPicPr>
-            <a:picLocks noChangeAspect="1"/>
-          </p:cNvPicPr>
-          <p:nvPr/>
-        </p:nvPicPr>
-        <p:blipFill>
-          <a:blip r:embed="rId2"/>
-          <a:stretch>
-            <a:fillRect/>
-          </a:stretch>
-        </p:blipFill>
-        <p:spPr>
-          <a:xfrm>
-            <a:off x="197119" y="1247775"/>
-            <a:ext cx="4122783" cy="965200"/>
-          </a:xfrm>
-          <a:prstGeom prst="rect">
-            <a:avLst/>
-          </a:prstGeom>
-        </p:spPr>
-      </p:pic>
-      <p:pic>
-        <p:nvPicPr>
-          <p:cNvPr id="10" name="Picture 9">
-            <a:extLst>
-              <a:ext uri="{FF2B5EF4-FFF2-40B4-BE49-F238E27FC236}">
-                <a16:creationId xmlns:a16="http://schemas.microsoft.com/office/drawing/2014/main" id="{A3D7CEA2-71A8-C244-B299-C21EB227748F}"/>
-              </a:ext>
-            </a:extLst>
-          </p:cNvPr>
-          <p:cNvPicPr>
-            <a:picLocks noChangeAspect="1"/>
-          </p:cNvPicPr>
-          <p:nvPr/>
-        </p:nvPicPr>
-        <p:blipFill>
-          <a:blip r:embed="rId2"/>
-          <a:stretch>
-            <a:fillRect/>
-          </a:stretch>
-        </p:blipFill>
-        <p:spPr>
-          <a:xfrm>
-            <a:off x="198271" y="1247775"/>
-            <a:ext cx="4122783" cy="965200"/>
-          </a:xfrm>
-          <a:prstGeom prst="rect">
-            <a:avLst/>
-          </a:prstGeom>
-        </p:spPr>
-      </p:pic>
-    </p:spTree>
-    <p:extLst>
-      <p:ext uri="{BB962C8B-B14F-4D97-AF65-F5344CB8AC3E}">
-        <p14:creationId xmlns:p14="http://schemas.microsoft.com/office/powerpoint/2010/main" val="4178273517"/>
-      </p:ext>
-    </p:extLst>
-  </p:cSld>
-  <p:clrMapOvr>
-    <a:masterClrMapping/>
-  </p:clrMapOvr>
-  <p:transition>
-    <p:cut/>
-  </p:transition>
-</p:sld>
-</file>
-
-<file path=ppt/slides/slide14.xml><?xml version="1.0" encoding="utf-8"?>
-<p:sld xmlns:a="http://schemas.openxmlformats.org/drawingml/2006/main" xmlns:r="http://schemas.openxmlformats.org/officeDocument/2006/relationships" xmlns:p="http://schemas.openxmlformats.org/presentationml/2006/main">
-  <p:cSld>
-    <p:spTree>
-      <p:nvGrpSpPr>
-        <p:cNvPr id="1" name=""/>
-        <p:cNvGrpSpPr/>
-        <p:nvPr/>
-      </p:nvGrpSpPr>
-      <p:grpSpPr>
-        <a:xfrm>
-          <a:off x="0" y="0"/>
-          <a:ext cx="0" cy="0"/>
-          <a:chOff x="0" y="0"/>
-          <a:chExt cx="0" cy="0"/>
-        </a:xfrm>
-      </p:grpSpPr>
-      <p:sp>
-        <p:nvSpPr>
-          <p:cNvPr id="2" name="object 2"/>
-          <p:cNvSpPr txBox="1"/>
-          <p:nvPr/>
-        </p:nvSpPr>
-        <p:spPr>
-          <a:xfrm>
-            <a:off x="275297" y="121180"/>
-            <a:ext cx="1264285" cy="244475"/>
-          </a:xfrm>
-          <a:prstGeom prst="rect">
-            <a:avLst/>
-          </a:prstGeom>
-        </p:spPr>
-        <p:txBody>
-          <a:bodyPr vert="horz" wrap="square" lIns="0" tIns="17145" rIns="0" bIns="0" rtlCol="0">
-            <a:spAutoFit/>
-          </a:bodyPr>
-          <a:lstStyle/>
-          <a:p>
-            <a:pPr marL="12700">
-              <a:lnSpc>
-                <a:spcPct val="100000"/>
-              </a:lnSpc>
-              <a:spcBef>
-                <a:spcPts val="135"/>
-              </a:spcBef>
-            </a:pPr>
-            <a:r>
-              <a:rPr sz="1400" spc="-45" dirty="0">
-                <a:solidFill>
-                  <a:srgbClr val="58180C"/>
-                </a:solidFill>
-                <a:latin typeface="Palatino Linotype"/>
-                <a:cs typeface="Palatino Linotype"/>
-              </a:rPr>
-              <a:t>Model</a:t>
-            </a:r>
-            <a:r>
-              <a:rPr sz="1400" spc="55" dirty="0">
-                <a:solidFill>
-                  <a:srgbClr val="58180C"/>
-                </a:solidFill>
-                <a:latin typeface="Palatino Linotype"/>
-                <a:cs typeface="Palatino Linotype"/>
-              </a:rPr>
-              <a:t> </a:t>
-            </a:r>
-            <a:r>
-              <a:rPr sz="1400" spc="-10" dirty="0">
-                <a:solidFill>
-                  <a:srgbClr val="58180C"/>
-                </a:solidFill>
-                <a:latin typeface="Palatino Linotype"/>
-                <a:cs typeface="Palatino Linotype"/>
-              </a:rPr>
-              <a:t>Selection</a:t>
-            </a:r>
-            <a:endParaRPr sz="1400" dirty="0">
-              <a:latin typeface="Palatino Linotype"/>
-              <a:cs typeface="Palatino Linotype"/>
-            </a:endParaRPr>
-          </a:p>
-        </p:txBody>
-      </p:sp>
-      <p:sp>
-        <p:nvSpPr>
-          <p:cNvPr id="3" name="object 3"/>
-          <p:cNvSpPr/>
-          <p:nvPr/>
-        </p:nvSpPr>
-        <p:spPr>
-          <a:xfrm>
-            <a:off x="263455" y="505396"/>
-            <a:ext cx="3977640" cy="198755"/>
-          </a:xfrm>
-          <a:custGeom>
-            <a:avLst/>
-            <a:gdLst/>
-            <a:ahLst/>
-            <a:cxnLst/>
-            <a:rect l="l" t="t" r="r" b="b"/>
-            <a:pathLst>
-              <a:path w="3977640" h="198755">
-                <a:moveTo>
-                  <a:pt x="0" y="198361"/>
-                </a:moveTo>
-                <a:lnTo>
-                  <a:pt x="3977474" y="198361"/>
-                </a:lnTo>
-                <a:lnTo>
-                  <a:pt x="3977474" y="0"/>
-                </a:lnTo>
-                <a:lnTo>
-                  <a:pt x="0" y="0"/>
-                </a:lnTo>
-                <a:lnTo>
-                  <a:pt x="0" y="198361"/>
-                </a:lnTo>
-                <a:close/>
-              </a:path>
-            </a:pathLst>
-          </a:custGeom>
-          <a:solidFill>
-            <a:srgbClr val="DBE4E4"/>
-          </a:solidFill>
-        </p:spPr>
-        <p:txBody>
-          <a:bodyPr wrap="square" lIns="0" tIns="0" rIns="0" bIns="0" rtlCol="0"/>
-          <a:lstStyle/>
-          <a:p>
-            <a:endParaRPr dirty="0"/>
-          </a:p>
-        </p:txBody>
-      </p:sp>
-      <p:sp>
-        <p:nvSpPr>
-          <p:cNvPr id="4" name="object 4"/>
-          <p:cNvSpPr txBox="1"/>
-          <p:nvPr/>
-        </p:nvSpPr>
-        <p:spPr>
-          <a:xfrm>
-            <a:off x="315264" y="485875"/>
-            <a:ext cx="1035050" cy="207645"/>
-          </a:xfrm>
-          <a:prstGeom prst="rect">
-            <a:avLst/>
-          </a:prstGeom>
-        </p:spPr>
-        <p:txBody>
-          <a:bodyPr vert="horz" wrap="square" lIns="0" tIns="12065" rIns="0" bIns="0" rtlCol="0">
-            <a:spAutoFit/>
-          </a:bodyPr>
-          <a:lstStyle/>
-          <a:p>
-            <a:pPr marL="12700">
-              <a:lnSpc>
-                <a:spcPct val="100000"/>
-              </a:lnSpc>
-              <a:spcBef>
-                <a:spcPts val="95"/>
-              </a:spcBef>
-            </a:pPr>
-            <a:r>
-              <a:rPr sz="1200" spc="-50" dirty="0">
-                <a:solidFill>
-                  <a:srgbClr val="58180C"/>
-                </a:solidFill>
-                <a:latin typeface="Palatino Linotype"/>
-                <a:cs typeface="Palatino Linotype"/>
-              </a:rPr>
-              <a:t>Reduced</a:t>
-            </a:r>
-            <a:r>
-              <a:rPr sz="1200" spc="30" dirty="0">
-                <a:solidFill>
-                  <a:srgbClr val="58180C"/>
-                </a:solidFill>
-                <a:latin typeface="Palatino Linotype"/>
-                <a:cs typeface="Palatino Linotype"/>
-              </a:rPr>
-              <a:t> </a:t>
-            </a:r>
-            <a:r>
-              <a:rPr sz="1200" spc="-55" dirty="0">
-                <a:solidFill>
-                  <a:srgbClr val="58180C"/>
-                </a:solidFill>
-                <a:latin typeface="Palatino Linotype"/>
-                <a:cs typeface="Palatino Linotype"/>
-              </a:rPr>
-              <a:t>Model</a:t>
-            </a:r>
-            <a:endParaRPr sz="1200" dirty="0">
-              <a:latin typeface="Palatino Linotype"/>
-              <a:cs typeface="Palatino Linotype"/>
-            </a:endParaRPr>
-          </a:p>
-        </p:txBody>
-      </p:sp>
-      <p:sp>
-        <p:nvSpPr>
-          <p:cNvPr id="5" name="object 5"/>
-          <p:cNvSpPr/>
-          <p:nvPr/>
-        </p:nvSpPr>
-        <p:spPr>
-          <a:xfrm flipV="1">
-            <a:off x="315264" y="1596473"/>
-            <a:ext cx="45719" cy="45719"/>
-          </a:xfrm>
-          <a:custGeom>
-            <a:avLst/>
-            <a:gdLst/>
-            <a:ahLst/>
-            <a:cxnLst/>
-            <a:rect l="l" t="t" r="r" b="b"/>
-            <a:pathLst>
-              <a:path w="89535">
-                <a:moveTo>
-                  <a:pt x="0" y="0"/>
-                </a:moveTo>
-                <a:lnTo>
-                  <a:pt x="89471" y="0"/>
-                </a:lnTo>
-              </a:path>
-            </a:pathLst>
-          </a:custGeom>
-          <a:ln w="44742">
-            <a:solidFill>
-              <a:srgbClr val="F7F2E5"/>
-            </a:solidFill>
-          </a:ln>
-        </p:spPr>
-        <p:txBody>
-          <a:bodyPr wrap="square" lIns="0" tIns="0" rIns="0" bIns="0" rtlCol="0"/>
-          <a:lstStyle/>
-          <a:p>
-            <a:endParaRPr dirty="0"/>
-          </a:p>
-        </p:txBody>
-      </p:sp>
-      <p:sp>
-        <p:nvSpPr>
-          <p:cNvPr id="6" name="object 6"/>
-          <p:cNvSpPr txBox="1">
-            <a:spLocks noGrp="1"/>
-          </p:cNvSpPr>
-          <p:nvPr>
-            <p:ph type="ftr" sz="quarter" idx="5"/>
-          </p:nvPr>
-        </p:nvSpPr>
-        <p:spPr>
-          <a:prstGeom prst="rect">
-            <a:avLst/>
-          </a:prstGeom>
-        </p:spPr>
-        <p:txBody>
-          <a:bodyPr vert="horz" wrap="square" lIns="0" tIns="21590" rIns="0" bIns="0" rtlCol="0">
-            <a:spAutoFit/>
-          </a:bodyPr>
-          <a:lstStyle/>
-          <a:p>
-            <a:pPr marL="12700">
-              <a:lnSpc>
-                <a:spcPct val="100000"/>
-              </a:lnSpc>
-              <a:spcBef>
-                <a:spcPts val="170"/>
-              </a:spcBef>
-            </a:pPr>
-            <a:r>
-              <a:rPr spc="80" dirty="0"/>
-              <a:t>Stat </a:t>
-            </a:r>
-            <a:r>
-              <a:rPr spc="65" dirty="0"/>
-              <a:t>680A</a:t>
-            </a:r>
-            <a:r>
-              <a:rPr spc="55" dirty="0"/>
-              <a:t> Presentation</a:t>
-            </a:r>
-          </a:p>
-        </p:txBody>
-      </p:sp>
-      <p:sp>
-        <p:nvSpPr>
-          <p:cNvPr id="7" name="object 7"/>
-          <p:cNvSpPr txBox="1">
-            <a:spLocks noGrp="1"/>
-          </p:cNvSpPr>
-          <p:nvPr>
-            <p:ph type="sldNum" sz="quarter" idx="7"/>
-          </p:nvPr>
-        </p:nvSpPr>
-        <p:spPr>
-          <a:prstGeom prst="rect">
-            <a:avLst/>
-          </a:prstGeom>
-        </p:spPr>
-        <p:txBody>
-          <a:bodyPr vert="horz" wrap="square" lIns="0" tIns="18415" rIns="0" bIns="0" rtlCol="0">
-            <a:spAutoFit/>
-          </a:bodyPr>
-          <a:lstStyle/>
-          <a:p>
-            <a:pPr marL="25400">
-              <a:lnSpc>
-                <a:spcPct val="100000"/>
-              </a:lnSpc>
-              <a:spcBef>
-                <a:spcPts val="145"/>
-              </a:spcBef>
-            </a:pPr>
-            <a:fld id="{81D60167-4931-47E6-BA6A-407CBD079E47}" type="slidenum">
-              <a:rPr spc="20" dirty="0"/>
-              <a:t>14</a:t>
-            </a:fld>
-            <a:r>
-              <a:rPr spc="20" dirty="0"/>
-              <a:t>/15</a:t>
-            </a:r>
-          </a:p>
-        </p:txBody>
-      </p:sp>
-      <p:sp>
-        <p:nvSpPr>
-          <p:cNvPr id="8" name="object 4"/>
-          <p:cNvSpPr/>
-          <p:nvPr/>
-        </p:nvSpPr>
-        <p:spPr>
-          <a:xfrm>
-            <a:off x="260101" y="684796"/>
-            <a:ext cx="3989747" cy="911677"/>
-          </a:xfrm>
-          <a:custGeom>
-            <a:avLst/>
-            <a:gdLst/>
-            <a:ahLst/>
-            <a:cxnLst/>
-            <a:rect l="l" t="t" r="r" b="b"/>
-            <a:pathLst>
-              <a:path w="3977640" h="1104264">
-                <a:moveTo>
-                  <a:pt x="0" y="1104125"/>
-                </a:moveTo>
-                <a:lnTo>
-                  <a:pt x="3977474" y="1104125"/>
-                </a:lnTo>
-                <a:lnTo>
-                  <a:pt x="3977474" y="0"/>
-                </a:lnTo>
-                <a:lnTo>
-                  <a:pt x="0" y="0"/>
-                </a:lnTo>
-                <a:lnTo>
-                  <a:pt x="0" y="1104125"/>
-                </a:lnTo>
-                <a:close/>
-              </a:path>
-            </a:pathLst>
-          </a:custGeom>
-          <a:solidFill>
-            <a:srgbClr val="F7F2E5"/>
-          </a:solidFill>
-        </p:spPr>
-        <p:txBody>
-          <a:bodyPr wrap="square" lIns="0" tIns="0" rIns="0" bIns="0" rtlCol="0"/>
-          <a:lstStyle/>
-          <a:p>
-            <a:pPr marL="171450" indent="-171450">
-              <a:buFont typeface="Arial" panose="020B0604020202020204" pitchFamily="34" charset="0"/>
-              <a:buChar char="•"/>
-            </a:pPr>
-            <a:r>
-              <a:rPr lang="en-US" sz="1100" dirty="0">
-                <a:latin typeface="Times New Roman" panose="02020603050405020304" pitchFamily="18" charset="0"/>
-                <a:cs typeface="Times New Roman" panose="02020603050405020304" pitchFamily="18" charset="0"/>
-              </a:rPr>
-              <a:t>Two candidate reduced models done by stepwise model selection with AIC and p-value analysis, respectively</a:t>
-            </a:r>
-          </a:p>
-          <a:p>
-            <a:pPr marL="171450" indent="-171450">
-              <a:buFont typeface="Arial" panose="020B0604020202020204" pitchFamily="34" charset="0"/>
-              <a:buChar char="•"/>
-            </a:pPr>
-            <a:r>
-              <a:rPr lang="en-US" sz="1100" dirty="0">
-                <a:latin typeface="Times New Roman" panose="02020603050405020304" pitchFamily="18" charset="0"/>
-                <a:cs typeface="Times New Roman" panose="02020603050405020304" pitchFamily="18" charset="0"/>
-              </a:rPr>
-              <a:t>ANOVA shows that both models are significantly different from full model, but not significantly different from each other</a:t>
-            </a:r>
-          </a:p>
-          <a:p>
-            <a:pPr marL="171450" indent="-171450">
-              <a:buFont typeface="Arial" panose="020B0604020202020204" pitchFamily="34" charset="0"/>
-              <a:buChar char="•"/>
-            </a:pPr>
-            <a:r>
-              <a:rPr lang="en-US" sz="1100" dirty="0">
-                <a:latin typeface="Times New Roman" panose="02020603050405020304" pitchFamily="18" charset="0"/>
-                <a:cs typeface="Times New Roman" panose="02020603050405020304" pitchFamily="18" charset="0"/>
-              </a:rPr>
-              <a:t>Final reduced model without interaction terms</a:t>
-            </a:r>
-            <a:endParaRPr sz="1100" dirty="0">
-              <a:latin typeface="Times New Roman" panose="02020603050405020304" pitchFamily="18" charset="0"/>
-              <a:cs typeface="Times New Roman" panose="02020603050405020304" pitchFamily="18" charset="0"/>
-            </a:endParaRPr>
-          </a:p>
-        </p:txBody>
-      </p:sp>
-    </p:spTree>
-  </p:cSld>
-  <p:clrMapOvr>
-    <a:masterClrMapping/>
-  </p:clrMapOvr>
-  <p:transition>
-    <p:cut/>
-  </p:transition>
-</p:sld>
-</file>
-
-<file path=ppt/slides/slide15.xml><?xml version="1.0" encoding="utf-8"?>
-<p:sld xmlns:a="http://schemas.openxmlformats.org/drawingml/2006/main" xmlns:r="http://schemas.openxmlformats.org/officeDocument/2006/relationships" xmlns:p="http://schemas.openxmlformats.org/presentationml/2006/main">
-  <p:cSld>
-    <p:spTree>
-      <p:nvGrpSpPr>
-        <p:cNvPr id="1" name=""/>
-        <p:cNvGrpSpPr/>
-        <p:nvPr/>
-      </p:nvGrpSpPr>
-      <p:grpSpPr>
-        <a:xfrm>
-          <a:off x="0" y="0"/>
-          <a:ext cx="0" cy="0"/>
-          <a:chOff x="0" y="0"/>
-          <a:chExt cx="0" cy="0"/>
-        </a:xfrm>
-      </p:grpSpPr>
-      <p:sp>
-        <p:nvSpPr>
-          <p:cNvPr id="2" name="object 2"/>
-          <p:cNvSpPr txBox="1"/>
-          <p:nvPr/>
-        </p:nvSpPr>
-        <p:spPr>
-          <a:xfrm>
-            <a:off x="275297" y="121180"/>
-            <a:ext cx="1462405" cy="244475"/>
-          </a:xfrm>
-          <a:prstGeom prst="rect">
-            <a:avLst/>
-          </a:prstGeom>
-        </p:spPr>
-        <p:txBody>
-          <a:bodyPr vert="horz" wrap="square" lIns="0" tIns="17145" rIns="0" bIns="0" rtlCol="0">
-            <a:spAutoFit/>
-          </a:bodyPr>
-          <a:lstStyle/>
-          <a:p>
-            <a:pPr marL="12700">
-              <a:lnSpc>
-                <a:spcPct val="100000"/>
-              </a:lnSpc>
-              <a:spcBef>
-                <a:spcPts val="135"/>
-              </a:spcBef>
-            </a:pPr>
-            <a:r>
-              <a:rPr sz="1400" spc="-45" dirty="0">
-                <a:solidFill>
-                  <a:srgbClr val="58180C"/>
-                </a:solidFill>
-                <a:latin typeface="Palatino Linotype"/>
-                <a:cs typeface="Palatino Linotype"/>
-              </a:rPr>
-              <a:t>Model</a:t>
-            </a:r>
-            <a:r>
-              <a:rPr sz="1400" spc="65" dirty="0">
-                <a:solidFill>
-                  <a:srgbClr val="58180C"/>
-                </a:solidFill>
-                <a:latin typeface="Palatino Linotype"/>
-                <a:cs typeface="Palatino Linotype"/>
-              </a:rPr>
-              <a:t> </a:t>
-            </a:r>
-            <a:r>
-              <a:rPr sz="1400" spc="-20" dirty="0">
-                <a:solidFill>
-                  <a:srgbClr val="58180C"/>
-                </a:solidFill>
-                <a:latin typeface="Palatino Linotype"/>
-                <a:cs typeface="Palatino Linotype"/>
-              </a:rPr>
-              <a:t>Diagnostics</a:t>
-            </a:r>
-            <a:endParaRPr sz="1400" dirty="0">
-              <a:latin typeface="Palatino Linotype"/>
-              <a:cs typeface="Palatino Linotype"/>
-            </a:endParaRPr>
-          </a:p>
-        </p:txBody>
-      </p:sp>
-      <p:sp>
-        <p:nvSpPr>
-          <p:cNvPr id="3" name="object 3"/>
-          <p:cNvSpPr txBox="1">
-            <a:spLocks noGrp="1"/>
-          </p:cNvSpPr>
-          <p:nvPr>
-            <p:ph type="ftr" sz="quarter" idx="5"/>
-          </p:nvPr>
-        </p:nvSpPr>
-        <p:spPr>
-          <a:prstGeom prst="rect">
-            <a:avLst/>
-          </a:prstGeom>
-        </p:spPr>
-        <p:txBody>
-          <a:bodyPr vert="horz" wrap="square" lIns="0" tIns="21590" rIns="0" bIns="0" rtlCol="0">
-            <a:spAutoFit/>
-          </a:bodyPr>
-          <a:lstStyle/>
-          <a:p>
-            <a:pPr marL="12700">
-              <a:lnSpc>
-                <a:spcPct val="100000"/>
-              </a:lnSpc>
-              <a:spcBef>
-                <a:spcPts val="170"/>
-              </a:spcBef>
-            </a:pPr>
-            <a:r>
-              <a:rPr spc="80" dirty="0"/>
-              <a:t>Stat </a:t>
-            </a:r>
-            <a:r>
-              <a:rPr spc="65" dirty="0"/>
-              <a:t>680A</a:t>
-            </a:r>
-            <a:r>
-              <a:rPr spc="55" dirty="0"/>
-              <a:t> Presentation</a:t>
-            </a:r>
-          </a:p>
-        </p:txBody>
-      </p:sp>
-      <p:sp>
-        <p:nvSpPr>
-          <p:cNvPr id="4" name="object 4"/>
-          <p:cNvSpPr txBox="1">
-            <a:spLocks noGrp="1"/>
-          </p:cNvSpPr>
-          <p:nvPr>
-            <p:ph type="sldNum" sz="quarter" idx="7"/>
-          </p:nvPr>
-        </p:nvSpPr>
-        <p:spPr>
-          <a:prstGeom prst="rect">
-            <a:avLst/>
-          </a:prstGeom>
-        </p:spPr>
-        <p:txBody>
-          <a:bodyPr vert="horz" wrap="square" lIns="0" tIns="18415" rIns="0" bIns="0" rtlCol="0">
-            <a:spAutoFit/>
-          </a:bodyPr>
-          <a:lstStyle/>
-          <a:p>
-            <a:pPr marL="25400">
-              <a:lnSpc>
-                <a:spcPct val="100000"/>
-              </a:lnSpc>
-              <a:spcBef>
-                <a:spcPts val="145"/>
-              </a:spcBef>
-            </a:pPr>
-            <a:fld id="{81D60167-4931-47E6-BA6A-407CBD079E47}" type="slidenum">
-              <a:rPr spc="20" dirty="0"/>
-              <a:t>15</a:t>
-            </a:fld>
-            <a:r>
-              <a:rPr spc="20" dirty="0"/>
-              <a:t>/15</a:t>
-            </a:r>
-          </a:p>
-        </p:txBody>
-      </p:sp>
-      <p:sp>
-        <p:nvSpPr>
-          <p:cNvPr id="5" name="object 4">
-            <a:extLst>
-              <a:ext uri="{FF2B5EF4-FFF2-40B4-BE49-F238E27FC236}">
-                <a16:creationId xmlns:a16="http://schemas.microsoft.com/office/drawing/2014/main" id="{2703E2D0-A5A1-4992-A00E-5FF627788C81}"/>
-              </a:ext>
-            </a:extLst>
-          </p:cNvPr>
-          <p:cNvSpPr/>
-          <p:nvPr/>
-        </p:nvSpPr>
-        <p:spPr>
-          <a:xfrm>
-            <a:off x="171450" y="663575"/>
-            <a:ext cx="3989747" cy="2209800"/>
-          </a:xfrm>
-          <a:custGeom>
-            <a:avLst/>
-            <a:gdLst/>
-            <a:ahLst/>
-            <a:cxnLst/>
-            <a:rect l="l" t="t" r="r" b="b"/>
-            <a:pathLst>
-              <a:path w="3977640" h="1104264">
-                <a:moveTo>
-                  <a:pt x="0" y="1104125"/>
-                </a:moveTo>
-                <a:lnTo>
-                  <a:pt x="3977474" y="1104125"/>
-                </a:lnTo>
-                <a:lnTo>
-                  <a:pt x="3977474" y="0"/>
-                </a:lnTo>
-                <a:lnTo>
-                  <a:pt x="0" y="0"/>
-                </a:lnTo>
-                <a:lnTo>
-                  <a:pt x="0" y="1104125"/>
-                </a:lnTo>
-                <a:close/>
-              </a:path>
-            </a:pathLst>
-          </a:custGeom>
-          <a:solidFill>
-            <a:srgbClr val="F7F2E5"/>
-          </a:solidFill>
-        </p:spPr>
-        <p:txBody>
-          <a:bodyPr wrap="square" lIns="0" tIns="0" rIns="0" bIns="0" rtlCol="0"/>
-          <a:lstStyle/>
-          <a:p>
-            <a:pPr marL="171450" indent="-171450">
-              <a:buFont typeface="Arial" panose="020B0604020202020204" pitchFamily="34" charset="0"/>
-              <a:buChar char="•"/>
-            </a:pPr>
-            <a:r>
-              <a:rPr lang="en-US" sz="1100" dirty="0">
-                <a:latin typeface="Times New Roman" panose="02020603050405020304" pitchFamily="18" charset="0"/>
-                <a:cs typeface="Times New Roman" panose="02020603050405020304" pitchFamily="18" charset="0"/>
-              </a:rPr>
-              <a:t>For the model diagnostic analysis, PSA was converted to a categorical variable by binning the values into 8 categories.</a:t>
-            </a:r>
-          </a:p>
-          <a:p>
-            <a:pPr marL="171450" indent="-171450">
-              <a:buFont typeface="Arial" panose="020B0604020202020204" pitchFamily="34" charset="0"/>
-              <a:buChar char="•"/>
-            </a:pPr>
-            <a:endParaRPr lang="en-US" sz="1100" dirty="0">
-              <a:latin typeface="Times New Roman" panose="02020603050405020304" pitchFamily="18" charset="0"/>
-              <a:cs typeface="Times New Roman" panose="02020603050405020304" pitchFamily="18" charset="0"/>
-            </a:endParaRPr>
-          </a:p>
-          <a:p>
-            <a:pPr marL="171450" indent="-171450">
-              <a:buFont typeface="Arial" panose="020B0604020202020204" pitchFamily="34" charset="0"/>
-              <a:buChar char="•"/>
-            </a:pPr>
-            <a:r>
-              <a:rPr lang="en-US" sz="1100" dirty="0">
-                <a:latin typeface="Times New Roman" panose="02020603050405020304" pitchFamily="18" charset="0"/>
-                <a:cs typeface="Times New Roman" panose="02020603050405020304" pitchFamily="18" charset="0"/>
-              </a:rPr>
-              <a:t>Graphs of measures of influence depicted potential outliers.  </a:t>
-            </a:r>
-          </a:p>
-          <a:p>
-            <a:r>
-              <a:rPr lang="en-US" sz="1100" dirty="0">
-                <a:latin typeface="Times New Roman" panose="02020603050405020304" pitchFamily="18" charset="0"/>
-                <a:cs typeface="Times New Roman" panose="02020603050405020304" pitchFamily="18" charset="0"/>
-              </a:rPr>
-              <a:t>  </a:t>
-            </a:r>
-          </a:p>
-          <a:p>
-            <a:pPr marL="171450" indent="-171450">
-              <a:buFont typeface="Arial" panose="020B0604020202020204" pitchFamily="34" charset="0"/>
-              <a:buChar char="•"/>
-            </a:pPr>
-            <a:r>
-              <a:rPr lang="en-US" sz="1100" dirty="0">
-                <a:latin typeface="Times New Roman" panose="02020603050405020304" pitchFamily="18" charset="0"/>
-                <a:cs typeface="Times New Roman" panose="02020603050405020304" pitchFamily="18" charset="0"/>
-              </a:rPr>
-              <a:t>None of these outliers displayed multiple measures of influence</a:t>
-            </a:r>
-            <a:br>
-              <a:rPr lang="en-US" sz="1100" dirty="0">
-                <a:latin typeface="Times New Roman" panose="02020603050405020304" pitchFamily="18" charset="0"/>
-                <a:cs typeface="Times New Roman" panose="02020603050405020304" pitchFamily="18" charset="0"/>
-              </a:rPr>
-            </a:br>
-            <a:r>
-              <a:rPr lang="en-US" sz="1100" dirty="0">
-                <a:latin typeface="Times New Roman" panose="02020603050405020304" pitchFamily="18" charset="0"/>
-                <a:cs typeface="Times New Roman" panose="02020603050405020304" pitchFamily="18" charset="0"/>
-              </a:rPr>
-              <a:t>outside of their respectable cutoffs. Therefore, no data were removed.</a:t>
-            </a:r>
-          </a:p>
-          <a:p>
-            <a:pPr marL="171450" indent="-171450">
-              <a:buFont typeface="Arial" panose="020B0604020202020204" pitchFamily="34" charset="0"/>
-              <a:buChar char="•"/>
-            </a:pPr>
-            <a:endParaRPr lang="en-US" sz="1100" dirty="0">
-              <a:latin typeface="Times New Roman" panose="02020603050405020304" pitchFamily="18" charset="0"/>
-              <a:cs typeface="Times New Roman" panose="02020603050405020304" pitchFamily="18" charset="0"/>
-            </a:endParaRPr>
-          </a:p>
-          <a:p>
-            <a:pPr marL="171450" indent="-171450">
-              <a:buFont typeface="Arial" panose="020B0604020202020204" pitchFamily="34" charset="0"/>
-              <a:buChar char="•"/>
-            </a:pPr>
-            <a:r>
-              <a:rPr lang="en-US" sz="1100" dirty="0">
-                <a:latin typeface="Times New Roman" panose="02020603050405020304" pitchFamily="18" charset="0"/>
-                <a:cs typeface="Times New Roman" panose="02020603050405020304" pitchFamily="18" charset="0"/>
-              </a:rPr>
-              <a:t>Interpretation of the final model requires consideration of the odds ratios for each predictor in relation to detection of capsular penetration. </a:t>
-            </a:r>
-          </a:p>
-          <a:p>
-            <a:r>
-              <a:rPr lang="en-US" sz="1100" dirty="0">
-                <a:latin typeface="Times New Roman" panose="02020603050405020304" pitchFamily="18" charset="0"/>
-                <a:cs typeface="Times New Roman" panose="02020603050405020304" pitchFamily="18" charset="0"/>
-              </a:rPr>
-              <a:t>  </a:t>
-            </a:r>
-          </a:p>
-          <a:p>
-            <a:endParaRPr lang="en-US" sz="1100" dirty="0">
-              <a:latin typeface="Times New Roman" panose="02020603050405020304" pitchFamily="18" charset="0"/>
-              <a:cs typeface="Times New Roman" panose="02020603050405020304" pitchFamily="18" charset="0"/>
-            </a:endParaRPr>
-          </a:p>
-          <a:p>
-            <a:endParaRPr sz="1100" dirty="0">
-              <a:latin typeface="Times New Roman" panose="02020603050405020304" pitchFamily="18" charset="0"/>
-              <a:cs typeface="Times New Roman" panose="02020603050405020304" pitchFamily="18" charset="0"/>
-            </a:endParaRPr>
-          </a:p>
-        </p:txBody>
-      </p:sp>
-    </p:spTree>
-    <p:extLst>
-      <p:ext uri="{BB962C8B-B14F-4D97-AF65-F5344CB8AC3E}">
-        <p14:creationId xmlns:p14="http://schemas.microsoft.com/office/powerpoint/2010/main" val="3511595530"/>
-      </p:ext>
-    </p:extLst>
-  </p:cSld>
-  <p:clrMapOvr>
-    <a:masterClrMapping/>
-  </p:clrMapOvr>
-  <p:transition>
-    <p:cut/>
-  </p:transition>
-</p:sld>
-</file>
-
-<file path=ppt/slides/slide16.xml><?xml version="1.0" encoding="utf-8"?>
-<p:sld xmlns:a="http://schemas.openxmlformats.org/drawingml/2006/main" xmlns:r="http://schemas.openxmlformats.org/officeDocument/2006/relationships" xmlns:p="http://schemas.openxmlformats.org/presentationml/2006/main">
-  <p:cSld>
-    <p:spTree>
-      <p:nvGrpSpPr>
-        <p:cNvPr id="1" name=""/>
-        <p:cNvGrpSpPr/>
-        <p:nvPr/>
-      </p:nvGrpSpPr>
-      <p:grpSpPr>
-        <a:xfrm>
-          <a:off x="0" y="0"/>
-          <a:ext cx="0" cy="0"/>
-          <a:chOff x="0" y="0"/>
-          <a:chExt cx="0" cy="0"/>
-        </a:xfrm>
-      </p:grpSpPr>
-      <p:sp>
-        <p:nvSpPr>
-          <p:cNvPr id="2" name="object 2"/>
-          <p:cNvSpPr txBox="1"/>
-          <p:nvPr/>
-        </p:nvSpPr>
-        <p:spPr>
-          <a:xfrm>
-            <a:off x="275297" y="121180"/>
-            <a:ext cx="1462405" cy="244475"/>
-          </a:xfrm>
-          <a:prstGeom prst="rect">
-            <a:avLst/>
-          </a:prstGeom>
-        </p:spPr>
-        <p:txBody>
-          <a:bodyPr vert="horz" wrap="square" lIns="0" tIns="17145" rIns="0" bIns="0" rtlCol="0">
-            <a:spAutoFit/>
-          </a:bodyPr>
-          <a:lstStyle/>
-          <a:p>
-            <a:pPr marL="12700">
-              <a:lnSpc>
-                <a:spcPct val="100000"/>
-              </a:lnSpc>
-              <a:spcBef>
-                <a:spcPts val="135"/>
-              </a:spcBef>
-            </a:pPr>
-            <a:r>
-              <a:rPr sz="1400" spc="-45" dirty="0">
-                <a:solidFill>
-                  <a:srgbClr val="58180C"/>
-                </a:solidFill>
-                <a:latin typeface="Palatino Linotype"/>
-                <a:cs typeface="Palatino Linotype"/>
-              </a:rPr>
-              <a:t>Model</a:t>
-            </a:r>
-            <a:r>
-              <a:rPr sz="1400" spc="65" dirty="0">
-                <a:solidFill>
-                  <a:srgbClr val="58180C"/>
-                </a:solidFill>
-                <a:latin typeface="Palatino Linotype"/>
-                <a:cs typeface="Palatino Linotype"/>
-              </a:rPr>
-              <a:t> </a:t>
-            </a:r>
-            <a:r>
-              <a:rPr sz="1400" spc="-20" dirty="0">
-                <a:solidFill>
-                  <a:srgbClr val="58180C"/>
-                </a:solidFill>
-                <a:latin typeface="Palatino Linotype"/>
-                <a:cs typeface="Palatino Linotype"/>
-              </a:rPr>
-              <a:t>Diagnostics</a:t>
-            </a:r>
-            <a:endParaRPr sz="1400" dirty="0">
-              <a:latin typeface="Palatino Linotype"/>
-              <a:cs typeface="Palatino Linotype"/>
-            </a:endParaRPr>
-          </a:p>
-        </p:txBody>
-      </p:sp>
-      <p:sp>
-        <p:nvSpPr>
-          <p:cNvPr id="3" name="object 3"/>
-          <p:cNvSpPr txBox="1">
-            <a:spLocks noGrp="1"/>
-          </p:cNvSpPr>
-          <p:nvPr>
-            <p:ph type="ftr" sz="quarter" idx="5"/>
-          </p:nvPr>
-        </p:nvSpPr>
-        <p:spPr>
-          <a:prstGeom prst="rect">
-            <a:avLst/>
-          </a:prstGeom>
-        </p:spPr>
-        <p:txBody>
-          <a:bodyPr vert="horz" wrap="square" lIns="0" tIns="21590" rIns="0" bIns="0" rtlCol="0">
-            <a:spAutoFit/>
-          </a:bodyPr>
-          <a:lstStyle/>
-          <a:p>
-            <a:pPr marL="12700">
-              <a:lnSpc>
-                <a:spcPct val="100000"/>
-              </a:lnSpc>
-              <a:spcBef>
-                <a:spcPts val="170"/>
-              </a:spcBef>
-            </a:pPr>
-            <a:r>
-              <a:rPr spc="80" dirty="0"/>
-              <a:t>Stat </a:t>
-            </a:r>
-            <a:r>
-              <a:rPr spc="65" dirty="0"/>
-              <a:t>680A</a:t>
-            </a:r>
-            <a:r>
-              <a:rPr spc="55" dirty="0"/>
-              <a:t> Presentation</a:t>
-            </a:r>
-          </a:p>
-        </p:txBody>
-      </p:sp>
-      <p:sp>
-        <p:nvSpPr>
-          <p:cNvPr id="4" name="object 4"/>
-          <p:cNvSpPr txBox="1">
-            <a:spLocks noGrp="1"/>
-          </p:cNvSpPr>
-          <p:nvPr>
-            <p:ph type="sldNum" sz="quarter" idx="7"/>
-          </p:nvPr>
-        </p:nvSpPr>
-        <p:spPr>
-          <a:prstGeom prst="rect">
-            <a:avLst/>
-          </a:prstGeom>
-        </p:spPr>
-        <p:txBody>
-          <a:bodyPr vert="horz" wrap="square" lIns="0" tIns="18415" rIns="0" bIns="0" rtlCol="0">
-            <a:spAutoFit/>
-          </a:bodyPr>
-          <a:lstStyle/>
-          <a:p>
-            <a:pPr marL="25400">
-              <a:lnSpc>
-                <a:spcPct val="100000"/>
-              </a:lnSpc>
-              <a:spcBef>
-                <a:spcPts val="145"/>
-              </a:spcBef>
-            </a:pPr>
-            <a:fld id="{81D60167-4931-47E6-BA6A-407CBD079E47}" type="slidenum">
-              <a:rPr spc="20" dirty="0"/>
-              <a:t>16</a:t>
-            </a:fld>
-            <a:r>
-              <a:rPr spc="20" dirty="0"/>
-              <a:t>/15</a:t>
-            </a:r>
-          </a:p>
-        </p:txBody>
-      </p:sp>
-      <p:pic>
-        <p:nvPicPr>
-          <p:cNvPr id="6" name="Picture 5">
-            <a:extLst>
-              <a:ext uri="{FF2B5EF4-FFF2-40B4-BE49-F238E27FC236}">
-                <a16:creationId xmlns:a16="http://schemas.microsoft.com/office/drawing/2014/main" id="{CCE70F9B-C5FB-4673-9F30-79CF438BF3F6}"/>
-              </a:ext>
-            </a:extLst>
-          </p:cNvPr>
-          <p:cNvPicPr/>
-          <p:nvPr/>
-        </p:nvPicPr>
-        <p:blipFill>
-          <a:blip r:embed="rId2"/>
-          <a:stretch>
-            <a:fillRect/>
-          </a:stretch>
-        </p:blipFill>
-        <p:spPr>
-          <a:xfrm>
-            <a:off x="622935" y="434975"/>
-            <a:ext cx="3282315" cy="2769580"/>
-          </a:xfrm>
-          <a:prstGeom prst="rect">
-            <a:avLst/>
-          </a:prstGeom>
-        </p:spPr>
-      </p:pic>
-    </p:spTree>
-  </p:cSld>
-  <p:clrMapOvr>
-    <a:masterClrMapping/>
-  </p:clrMapOvr>
-  <p:transition>
-    <p:cut/>
-  </p:transition>
-</p:sld>
-</file>
-
-<file path=ppt/slides/slide17.xml><?xml version="1.0" encoding="utf-8"?>
-<p:sld xmlns:a="http://schemas.openxmlformats.org/drawingml/2006/main" xmlns:r="http://schemas.openxmlformats.org/officeDocument/2006/relationships" xmlns:p="http://schemas.openxmlformats.org/presentationml/2006/main">
-  <p:cSld>
-    <p:spTree>
-      <p:nvGrpSpPr>
-        <p:cNvPr id="1" name=""/>
-        <p:cNvGrpSpPr/>
-        <p:nvPr/>
-      </p:nvGrpSpPr>
-      <p:grpSpPr>
-        <a:xfrm>
-          <a:off x="0" y="0"/>
-          <a:ext cx="0" cy="0"/>
-          <a:chOff x="0" y="0"/>
-          <a:chExt cx="0" cy="0"/>
-        </a:xfrm>
-      </p:grpSpPr>
-      <p:sp>
-        <p:nvSpPr>
-          <p:cNvPr id="2" name="object 2">
-            <a:extLst>
-              <a:ext uri="{FF2B5EF4-FFF2-40B4-BE49-F238E27FC236}">
-                <a16:creationId xmlns:a16="http://schemas.microsoft.com/office/drawing/2014/main" id="{869EB904-3463-D945-A3F7-1EFDAE943A02}"/>
-              </a:ext>
-            </a:extLst>
-          </p:cNvPr>
-          <p:cNvSpPr txBox="1"/>
-          <p:nvPr/>
-        </p:nvSpPr>
-        <p:spPr>
-          <a:xfrm>
-            <a:off x="275297" y="121180"/>
-            <a:ext cx="1462405" cy="244475"/>
-          </a:xfrm>
-          <a:prstGeom prst="rect">
-            <a:avLst/>
-          </a:prstGeom>
-        </p:spPr>
-        <p:txBody>
-          <a:bodyPr vert="horz" wrap="square" lIns="0" tIns="17145" rIns="0" bIns="0" rtlCol="0">
-            <a:spAutoFit/>
-          </a:bodyPr>
-          <a:lstStyle/>
-          <a:p>
-            <a:pPr marL="12700">
-              <a:lnSpc>
-                <a:spcPct val="100000"/>
-              </a:lnSpc>
-              <a:spcBef>
-                <a:spcPts val="135"/>
-              </a:spcBef>
-            </a:pPr>
-            <a:r>
-              <a:rPr sz="1400" spc="-45" dirty="0">
-                <a:solidFill>
-                  <a:srgbClr val="58180C"/>
-                </a:solidFill>
-                <a:latin typeface="Palatino Linotype"/>
-                <a:cs typeface="Palatino Linotype"/>
-              </a:rPr>
-              <a:t>Model</a:t>
-            </a:r>
-            <a:r>
-              <a:rPr sz="1400" spc="65" dirty="0">
-                <a:solidFill>
-                  <a:srgbClr val="58180C"/>
-                </a:solidFill>
-                <a:latin typeface="Palatino Linotype"/>
-                <a:cs typeface="Palatino Linotype"/>
-              </a:rPr>
-              <a:t> </a:t>
-            </a:r>
-            <a:r>
-              <a:rPr sz="1400" spc="-20" dirty="0">
-                <a:solidFill>
-                  <a:srgbClr val="58180C"/>
-                </a:solidFill>
-                <a:latin typeface="Palatino Linotype"/>
-                <a:cs typeface="Palatino Linotype"/>
-              </a:rPr>
-              <a:t>Diagnostics</a:t>
-            </a:r>
-            <a:endParaRPr sz="1400" dirty="0">
-              <a:latin typeface="Palatino Linotype"/>
-              <a:cs typeface="Palatino Linotype"/>
-            </a:endParaRPr>
-          </a:p>
-        </p:txBody>
-      </p:sp>
-      <p:pic>
-        <p:nvPicPr>
-          <p:cNvPr id="3" name="Picture 2">
-            <a:extLst>
-              <a:ext uri="{FF2B5EF4-FFF2-40B4-BE49-F238E27FC236}">
-                <a16:creationId xmlns:a16="http://schemas.microsoft.com/office/drawing/2014/main" id="{95ECEE44-2852-B04B-8CA4-4E928F5A4F80}"/>
-              </a:ext>
-            </a:extLst>
-          </p:cNvPr>
-          <p:cNvPicPr>
-            <a:picLocks noChangeAspect="1"/>
-          </p:cNvPicPr>
-          <p:nvPr/>
-        </p:nvPicPr>
-        <p:blipFill>
-          <a:blip r:embed="rId2"/>
-          <a:stretch>
-            <a:fillRect/>
-          </a:stretch>
-        </p:blipFill>
-        <p:spPr>
-          <a:xfrm>
-            <a:off x="184150" y="930275"/>
-            <a:ext cx="4241800" cy="1600200"/>
-          </a:xfrm>
-          <a:prstGeom prst="rect">
-            <a:avLst/>
-          </a:prstGeom>
-        </p:spPr>
-      </p:pic>
-    </p:spTree>
-    <p:extLst>
-      <p:ext uri="{BB962C8B-B14F-4D97-AF65-F5344CB8AC3E}">
-        <p14:creationId xmlns:p14="http://schemas.microsoft.com/office/powerpoint/2010/main" val="1024071336"/>
-      </p:ext>
-    </p:extLst>
-  </p:cSld>
-  <p:clrMapOvr>
-    <a:masterClrMapping/>
-  </p:clrMapOvr>
-</p:sld>
-</file>
-
-<file path=ppt/slides/slide18.xml><?xml version="1.0" encoding="utf-8"?>
-<p:sld xmlns:a="http://schemas.openxmlformats.org/drawingml/2006/main" xmlns:r="http://schemas.openxmlformats.org/officeDocument/2006/relationships" xmlns:p="http://schemas.openxmlformats.org/presentationml/2006/main">
-  <p:cSld>
-    <p:spTree>
-      <p:nvGrpSpPr>
-        <p:cNvPr id="1" name=""/>
-        <p:cNvGrpSpPr/>
-        <p:nvPr/>
-      </p:nvGrpSpPr>
-      <p:grpSpPr>
-        <a:xfrm>
-          <a:off x="0" y="0"/>
-          <a:ext cx="0" cy="0"/>
-          <a:chOff x="0" y="0"/>
-          <a:chExt cx="0" cy="0"/>
-        </a:xfrm>
-      </p:grpSpPr>
-      <p:sp>
-        <p:nvSpPr>
-          <p:cNvPr id="7" name="object 4"/>
-          <p:cNvSpPr/>
-          <p:nvPr/>
-        </p:nvSpPr>
-        <p:spPr>
-          <a:xfrm>
-            <a:off x="158416" y="635158"/>
-            <a:ext cx="4351697" cy="2569397"/>
-          </a:xfrm>
-          <a:custGeom>
-            <a:avLst/>
-            <a:gdLst/>
-            <a:ahLst/>
-            <a:cxnLst/>
-            <a:rect l="l" t="t" r="r" b="b"/>
-            <a:pathLst>
-              <a:path w="3977640" h="1104264">
-                <a:moveTo>
-                  <a:pt x="0" y="1104125"/>
-                </a:moveTo>
-                <a:lnTo>
-                  <a:pt x="3977474" y="1104125"/>
-                </a:lnTo>
-                <a:lnTo>
-                  <a:pt x="3977474" y="0"/>
-                </a:lnTo>
-                <a:lnTo>
-                  <a:pt x="0" y="0"/>
-                </a:lnTo>
-                <a:lnTo>
-                  <a:pt x="0" y="1104125"/>
-                </a:lnTo>
-                <a:close/>
-              </a:path>
-            </a:pathLst>
-          </a:custGeom>
-          <a:solidFill>
-            <a:srgbClr val="F7F2E5"/>
-          </a:solidFill>
-        </p:spPr>
-        <p:txBody>
-          <a:bodyPr wrap="square" lIns="0" tIns="0" rIns="0" bIns="0" rtlCol="0"/>
-          <a:lstStyle/>
-          <a:p>
-            <a:pPr marL="171450" indent="-171450">
-              <a:buFont typeface="Arial" panose="020B0604020202020204" pitchFamily="34" charset="0"/>
-              <a:buChar char="•"/>
-            </a:pPr>
-            <a:endParaRPr sz="1100" dirty="0">
-              <a:latin typeface="Times New Roman" panose="02020603050405020304" pitchFamily="18" charset="0"/>
-              <a:cs typeface="Times New Roman" panose="02020603050405020304" pitchFamily="18" charset="0"/>
-            </a:endParaRPr>
-          </a:p>
-        </p:txBody>
-      </p:sp>
-      <p:sp>
-        <p:nvSpPr>
-          <p:cNvPr id="2" name="object 2"/>
-          <p:cNvSpPr txBox="1"/>
-          <p:nvPr/>
-        </p:nvSpPr>
-        <p:spPr>
-          <a:xfrm>
-            <a:off x="275297" y="121180"/>
-            <a:ext cx="800100" cy="244475"/>
-          </a:xfrm>
-          <a:prstGeom prst="rect">
-            <a:avLst/>
-          </a:prstGeom>
-        </p:spPr>
-        <p:txBody>
-          <a:bodyPr vert="horz" wrap="square" lIns="0" tIns="17145" rIns="0" bIns="0" rtlCol="0">
-            <a:spAutoFit/>
-          </a:bodyPr>
-          <a:lstStyle/>
-          <a:p>
-            <a:pPr marL="12700">
-              <a:lnSpc>
-                <a:spcPct val="100000"/>
-              </a:lnSpc>
-              <a:spcBef>
-                <a:spcPts val="135"/>
-              </a:spcBef>
-            </a:pPr>
-            <a:r>
-              <a:rPr sz="1400" spc="-30" dirty="0">
-                <a:solidFill>
-                  <a:srgbClr val="58180C"/>
-                </a:solidFill>
-                <a:latin typeface="Palatino Linotype"/>
-                <a:cs typeface="Palatino Linotype"/>
-              </a:rPr>
-              <a:t>Inferences</a:t>
-            </a:r>
-            <a:endParaRPr sz="1400" dirty="0">
-              <a:latin typeface="Palatino Linotype"/>
-              <a:cs typeface="Palatino Linotype"/>
-            </a:endParaRPr>
-          </a:p>
-        </p:txBody>
-      </p:sp>
-      <p:sp>
-        <p:nvSpPr>
-          <p:cNvPr id="3" name="object 3"/>
-          <p:cNvSpPr txBox="1">
-            <a:spLocks noGrp="1"/>
-          </p:cNvSpPr>
-          <p:nvPr>
-            <p:ph type="ftr" sz="quarter" idx="5"/>
-          </p:nvPr>
-        </p:nvSpPr>
-        <p:spPr>
-          <a:prstGeom prst="rect">
-            <a:avLst/>
-          </a:prstGeom>
-        </p:spPr>
-        <p:txBody>
-          <a:bodyPr vert="horz" wrap="square" lIns="0" tIns="21590" rIns="0" bIns="0" rtlCol="0">
-            <a:spAutoFit/>
-          </a:bodyPr>
-          <a:lstStyle/>
-          <a:p>
-            <a:pPr marL="12700">
-              <a:lnSpc>
-                <a:spcPct val="100000"/>
-              </a:lnSpc>
-              <a:spcBef>
-                <a:spcPts val="170"/>
-              </a:spcBef>
-            </a:pPr>
-            <a:r>
-              <a:rPr spc="80" dirty="0"/>
-              <a:t>Stat </a:t>
-            </a:r>
-            <a:r>
-              <a:rPr spc="65" dirty="0"/>
-              <a:t>680A</a:t>
-            </a:r>
-            <a:r>
-              <a:rPr spc="55" dirty="0"/>
-              <a:t> Presentation</a:t>
-            </a:r>
-          </a:p>
-        </p:txBody>
-      </p:sp>
-      <p:sp>
-        <p:nvSpPr>
-          <p:cNvPr id="4" name="object 4"/>
-          <p:cNvSpPr txBox="1">
-            <a:spLocks noGrp="1"/>
-          </p:cNvSpPr>
-          <p:nvPr>
-            <p:ph type="sldNum" sz="quarter" idx="7"/>
-          </p:nvPr>
-        </p:nvSpPr>
-        <p:spPr>
-          <a:prstGeom prst="rect">
-            <a:avLst/>
-          </a:prstGeom>
-        </p:spPr>
-        <p:txBody>
-          <a:bodyPr vert="horz" wrap="square" lIns="0" tIns="18415" rIns="0" bIns="0" rtlCol="0">
-            <a:spAutoFit/>
-          </a:bodyPr>
-          <a:lstStyle/>
-          <a:p>
-            <a:pPr marL="25400">
-              <a:lnSpc>
-                <a:spcPct val="100000"/>
-              </a:lnSpc>
-              <a:spcBef>
-                <a:spcPts val="145"/>
-              </a:spcBef>
-            </a:pPr>
-            <a:fld id="{81D60167-4931-47E6-BA6A-407CBD079E47}" type="slidenum">
-              <a:rPr spc="20" dirty="0"/>
-              <a:t>18</a:t>
-            </a:fld>
-            <a:r>
-              <a:rPr spc="20" dirty="0"/>
-              <a:t>/15</a:t>
-            </a:r>
-          </a:p>
-        </p:txBody>
-      </p:sp>
-      <p:sp>
-        <p:nvSpPr>
-          <p:cNvPr id="5" name="TextBox 4"/>
-          <p:cNvSpPr txBox="1"/>
-          <p:nvPr/>
-        </p:nvSpPr>
-        <p:spPr>
-          <a:xfrm>
-            <a:off x="163152" y="892175"/>
-            <a:ext cx="4275498" cy="430887"/>
-          </a:xfrm>
-          <a:prstGeom prst="rect">
-            <a:avLst/>
-          </a:prstGeom>
-          <a:noFill/>
-        </p:spPr>
-        <p:txBody>
-          <a:bodyPr wrap="square" rtlCol="0">
-            <a:spAutoFit/>
-          </a:bodyPr>
-          <a:lstStyle/>
-          <a:p>
-            <a:pPr marL="171450" indent="-171450">
-              <a:buFont typeface="Arial" panose="020B0604020202020204" pitchFamily="34" charset="0"/>
-              <a:buChar char="•"/>
-            </a:pPr>
-            <a:r>
-              <a:rPr lang="en-US" sz="1100" dirty="0">
-                <a:latin typeface="Times New Roman" panose="02020603050405020304" pitchFamily="18" charset="0"/>
-                <a:cs typeface="Times New Roman" panose="02020603050405020304" pitchFamily="18" charset="0"/>
-              </a:rPr>
-              <a:t>Odds ratio for each predictor is calculated by transforming the respective coefficient estimates by </a:t>
-            </a:r>
-            <a:r>
-              <a:rPr lang="en-US" sz="1100" spc="-45" dirty="0">
-                <a:latin typeface="Times New Roman" panose="02020603050405020304" pitchFamily="18" charset="0"/>
-                <a:cs typeface="Times New Roman" panose="02020603050405020304" pitchFamily="18" charset="0"/>
-              </a:rPr>
-              <a:t>e</a:t>
-            </a:r>
-            <a:r>
-              <a:rPr lang="el-GR" sz="1100" spc="-67" baseline="27777" dirty="0">
-                <a:latin typeface="Times New Roman" panose="02020603050405020304" pitchFamily="18" charset="0"/>
-                <a:cs typeface="Times New Roman" panose="02020603050405020304" pitchFamily="18" charset="0"/>
-              </a:rPr>
-              <a:t>β</a:t>
-            </a:r>
-            <a:endParaRPr lang="en-US" sz="1100" spc="-67" baseline="27777" dirty="0">
-              <a:latin typeface="Times New Roman" panose="02020603050405020304" pitchFamily="18" charset="0"/>
-              <a:cs typeface="Times New Roman" panose="02020603050405020304" pitchFamily="18" charset="0"/>
-            </a:endParaRPr>
-          </a:p>
-        </p:txBody>
-      </p:sp>
-      <p:pic>
-        <p:nvPicPr>
-          <p:cNvPr id="8" name="Picture 7">
-            <a:extLst>
-              <a:ext uri="{FF2B5EF4-FFF2-40B4-BE49-F238E27FC236}">
-                <a16:creationId xmlns:a16="http://schemas.microsoft.com/office/drawing/2014/main" id="{5C884584-94FE-854C-88B8-FB303C5BB195}"/>
-              </a:ext>
-            </a:extLst>
-          </p:cNvPr>
-          <p:cNvPicPr>
-            <a:picLocks noChangeAspect="1"/>
-          </p:cNvPicPr>
-          <p:nvPr/>
-        </p:nvPicPr>
-        <p:blipFill>
-          <a:blip r:embed="rId3"/>
-          <a:stretch>
-            <a:fillRect/>
-          </a:stretch>
-        </p:blipFill>
-        <p:spPr>
-          <a:xfrm>
-            <a:off x="249001" y="1706285"/>
-            <a:ext cx="4122783" cy="965200"/>
-          </a:xfrm>
-          <a:prstGeom prst="rect">
-            <a:avLst/>
-          </a:prstGeom>
-        </p:spPr>
-      </p:pic>
-    </p:spTree>
-  </p:cSld>
-  <p:clrMapOvr>
-    <a:masterClrMapping/>
-  </p:clrMapOvr>
-  <p:transition>
-    <p:cut/>
-  </p:transition>
-</p:sld>
-</file>
-
-<file path=ppt/slides/slide19.xml><?xml version="1.0" encoding="utf-8"?>
-<p:sld xmlns:a="http://schemas.openxmlformats.org/drawingml/2006/main" xmlns:r="http://schemas.openxmlformats.org/officeDocument/2006/relationships" xmlns:p="http://schemas.openxmlformats.org/presentationml/2006/main">
-  <p:cSld>
-    <p:spTree>
-      <p:nvGrpSpPr>
-        <p:cNvPr id="1" name=""/>
-        <p:cNvGrpSpPr/>
-        <p:nvPr/>
-      </p:nvGrpSpPr>
-      <p:grpSpPr>
-        <a:xfrm>
-          <a:off x="0" y="0"/>
-          <a:ext cx="0" cy="0"/>
-          <a:chOff x="0" y="0"/>
-          <a:chExt cx="0" cy="0"/>
-        </a:xfrm>
-      </p:grpSpPr>
-      <p:sp>
-        <p:nvSpPr>
-          <p:cNvPr id="2" name="object 2"/>
-          <p:cNvSpPr txBox="1"/>
-          <p:nvPr/>
-        </p:nvSpPr>
-        <p:spPr>
-          <a:xfrm>
-            <a:off x="275297" y="121180"/>
-            <a:ext cx="879475" cy="244475"/>
-          </a:xfrm>
-          <a:prstGeom prst="rect">
-            <a:avLst/>
-          </a:prstGeom>
-        </p:spPr>
-        <p:txBody>
-          <a:bodyPr vert="horz" wrap="square" lIns="0" tIns="17145" rIns="0" bIns="0" rtlCol="0">
-            <a:spAutoFit/>
-          </a:bodyPr>
-          <a:lstStyle/>
-          <a:p>
-            <a:pPr marL="12700">
-              <a:lnSpc>
-                <a:spcPct val="100000"/>
-              </a:lnSpc>
-              <a:spcBef>
-                <a:spcPts val="135"/>
-              </a:spcBef>
-            </a:pPr>
-            <a:r>
-              <a:rPr sz="1400" spc="-35" dirty="0">
-                <a:solidFill>
-                  <a:srgbClr val="58180C"/>
-                </a:solidFill>
-                <a:latin typeface="Palatino Linotype"/>
-                <a:cs typeface="Palatino Linotype"/>
-              </a:rPr>
-              <a:t>Conclusion</a:t>
-            </a:r>
-            <a:endParaRPr sz="1400" dirty="0">
-              <a:latin typeface="Palatino Linotype"/>
-              <a:cs typeface="Palatino Linotype"/>
-            </a:endParaRPr>
-          </a:p>
-        </p:txBody>
-      </p:sp>
-      <p:sp>
-        <p:nvSpPr>
-          <p:cNvPr id="3" name="object 3"/>
-          <p:cNvSpPr txBox="1">
-            <a:spLocks noGrp="1"/>
-          </p:cNvSpPr>
-          <p:nvPr>
-            <p:ph type="ftr" sz="quarter" idx="5"/>
-          </p:nvPr>
-        </p:nvSpPr>
-        <p:spPr>
-          <a:prstGeom prst="rect">
-            <a:avLst/>
-          </a:prstGeom>
-        </p:spPr>
-        <p:txBody>
-          <a:bodyPr vert="horz" wrap="square" lIns="0" tIns="21590" rIns="0" bIns="0" rtlCol="0">
-            <a:spAutoFit/>
-          </a:bodyPr>
-          <a:lstStyle/>
-          <a:p>
-            <a:pPr marL="12700">
-              <a:lnSpc>
-                <a:spcPct val="100000"/>
-              </a:lnSpc>
-              <a:spcBef>
-                <a:spcPts val="170"/>
-              </a:spcBef>
-            </a:pPr>
-            <a:r>
-              <a:rPr spc="80" dirty="0"/>
-              <a:t>Stat </a:t>
-            </a:r>
-            <a:r>
-              <a:rPr spc="65" dirty="0"/>
-              <a:t>680A</a:t>
-            </a:r>
-            <a:r>
-              <a:rPr spc="55" dirty="0"/>
-              <a:t> Presentation</a:t>
-            </a:r>
-          </a:p>
-        </p:txBody>
-      </p:sp>
-      <p:sp>
-        <p:nvSpPr>
-          <p:cNvPr id="4" name="object 4"/>
-          <p:cNvSpPr txBox="1">
-            <a:spLocks noGrp="1"/>
-          </p:cNvSpPr>
-          <p:nvPr>
-            <p:ph type="sldNum" sz="quarter" idx="7"/>
-          </p:nvPr>
-        </p:nvSpPr>
-        <p:spPr>
-          <a:prstGeom prst="rect">
-            <a:avLst/>
-          </a:prstGeom>
-        </p:spPr>
-        <p:txBody>
-          <a:bodyPr vert="horz" wrap="square" lIns="0" tIns="18415" rIns="0" bIns="0" rtlCol="0">
-            <a:spAutoFit/>
-          </a:bodyPr>
-          <a:lstStyle/>
-          <a:p>
-            <a:pPr marL="25400">
-              <a:lnSpc>
-                <a:spcPct val="100000"/>
-              </a:lnSpc>
-              <a:spcBef>
-                <a:spcPts val="145"/>
-              </a:spcBef>
-            </a:pPr>
-            <a:fld id="{81D60167-4931-47E6-BA6A-407CBD079E47}" type="slidenum">
-              <a:rPr spc="20" dirty="0"/>
-              <a:t>19</a:t>
-            </a:fld>
-            <a:r>
-              <a:rPr spc="20" dirty="0"/>
-              <a:t>/15</a:t>
-            </a:r>
-          </a:p>
-        </p:txBody>
-      </p:sp>
-      <p:sp>
-        <p:nvSpPr>
-          <p:cNvPr id="5" name="object 4">
-            <a:extLst>
-              <a:ext uri="{FF2B5EF4-FFF2-40B4-BE49-F238E27FC236}">
-                <a16:creationId xmlns:a16="http://schemas.microsoft.com/office/drawing/2014/main" id="{7535C72F-B68D-4A0C-940D-5079E7FC4077}"/>
-              </a:ext>
-            </a:extLst>
-          </p:cNvPr>
-          <p:cNvSpPr/>
-          <p:nvPr/>
-        </p:nvSpPr>
-        <p:spPr>
-          <a:xfrm>
-            <a:off x="129201" y="587375"/>
-            <a:ext cx="4351697" cy="2569397"/>
-          </a:xfrm>
-          <a:custGeom>
-            <a:avLst/>
-            <a:gdLst/>
-            <a:ahLst/>
-            <a:cxnLst/>
-            <a:rect l="l" t="t" r="r" b="b"/>
-            <a:pathLst>
-              <a:path w="3977640" h="1104264">
-                <a:moveTo>
-                  <a:pt x="0" y="1104125"/>
-                </a:moveTo>
-                <a:lnTo>
-                  <a:pt x="3977474" y="1104125"/>
-                </a:lnTo>
-                <a:lnTo>
-                  <a:pt x="3977474" y="0"/>
-                </a:lnTo>
-                <a:lnTo>
-                  <a:pt x="0" y="0"/>
-                </a:lnTo>
-                <a:lnTo>
-                  <a:pt x="0" y="1104125"/>
-                </a:lnTo>
-                <a:close/>
-              </a:path>
-            </a:pathLst>
-          </a:custGeom>
-          <a:solidFill>
-            <a:srgbClr val="F7F2E5"/>
-          </a:solidFill>
-        </p:spPr>
-        <p:txBody>
-          <a:bodyPr wrap="square" lIns="0" tIns="0" rIns="0" bIns="0" rtlCol="0"/>
-          <a:lstStyle/>
-          <a:p>
-            <a:pPr marL="171450" indent="-171450">
-              <a:buFont typeface="Arial" panose="020B0604020202020204" pitchFamily="34" charset="0"/>
-              <a:buChar char="•"/>
-            </a:pPr>
-            <a:endParaRPr sz="1100" dirty="0">
-              <a:latin typeface="Times New Roman" panose="02020603050405020304" pitchFamily="18" charset="0"/>
-              <a:cs typeface="Times New Roman" panose="02020603050405020304" pitchFamily="18" charset="0"/>
-            </a:endParaRPr>
-          </a:p>
-        </p:txBody>
-      </p:sp>
-      <p:sp>
-        <p:nvSpPr>
-          <p:cNvPr id="6" name="TextBox 5">
-            <a:extLst>
-              <a:ext uri="{FF2B5EF4-FFF2-40B4-BE49-F238E27FC236}">
-                <a16:creationId xmlns:a16="http://schemas.microsoft.com/office/drawing/2014/main" id="{AF0DA184-B9D7-4FF3-A380-DA2E53D12E99}"/>
-              </a:ext>
-            </a:extLst>
-          </p:cNvPr>
-          <p:cNvSpPr txBox="1"/>
-          <p:nvPr/>
-        </p:nvSpPr>
-        <p:spPr>
-          <a:xfrm>
-            <a:off x="129201" y="663575"/>
-            <a:ext cx="4199298" cy="2123658"/>
-          </a:xfrm>
-          <a:prstGeom prst="rect">
-            <a:avLst/>
-          </a:prstGeom>
-          <a:noFill/>
-        </p:spPr>
-        <p:txBody>
-          <a:bodyPr wrap="square" rtlCol="0">
-            <a:spAutoFit/>
-          </a:bodyPr>
-          <a:lstStyle/>
-          <a:p>
-            <a:pPr marL="171450" indent="-171450">
-              <a:buFont typeface="Arial" panose="020B0604020202020204" pitchFamily="34" charset="0"/>
-              <a:buChar char="•"/>
-            </a:pPr>
-            <a:r>
-              <a:rPr lang="en-US" sz="1100" dirty="0">
-                <a:latin typeface="Times New Roman" panose="02020603050405020304" pitchFamily="18" charset="0"/>
-                <a:cs typeface="Times New Roman" panose="02020603050405020304" pitchFamily="18" charset="0"/>
-                <a:sym typeface="Wingdings" panose="05000000000000000000" pitchFamily="2" charset="2"/>
-              </a:rPr>
-              <a:t>Analysis of the final reduced model shows a sensitivity of 0.77 and specificity 0.78.</a:t>
-            </a:r>
-          </a:p>
-          <a:p>
-            <a:pPr marL="171450" indent="-171450">
-              <a:buFont typeface="Arial" panose="020B0604020202020204" pitchFamily="34" charset="0"/>
-              <a:buChar char="•"/>
-            </a:pPr>
-            <a:endParaRPr lang="en-US" sz="1100" dirty="0">
-              <a:latin typeface="Times New Roman" panose="02020603050405020304" pitchFamily="18" charset="0"/>
-              <a:cs typeface="Times New Roman" panose="02020603050405020304" pitchFamily="18" charset="0"/>
-              <a:sym typeface="Wingdings" panose="05000000000000000000" pitchFamily="2" charset="2"/>
-            </a:endParaRPr>
-          </a:p>
-          <a:p>
-            <a:pPr marL="171450" indent="-171450">
-              <a:buFont typeface="Arial" panose="020B0604020202020204" pitchFamily="34" charset="0"/>
-              <a:buChar char="•"/>
-            </a:pPr>
-            <a:r>
-              <a:rPr lang="en-US" sz="1100" dirty="0">
-                <a:latin typeface="Times New Roman" panose="02020603050405020304" pitchFamily="18" charset="0"/>
-                <a:cs typeface="Times New Roman" panose="02020603050405020304" pitchFamily="18" charset="0"/>
-                <a:sym typeface="Wingdings" panose="05000000000000000000" pitchFamily="2" charset="2"/>
-              </a:rPr>
-              <a:t>Higher sensitivity is preferred over specificity, in this case.</a:t>
-            </a:r>
-          </a:p>
-          <a:p>
-            <a:endParaRPr lang="en-US" sz="1100" dirty="0">
-              <a:latin typeface="Times New Roman" panose="02020603050405020304" pitchFamily="18" charset="0"/>
-              <a:cs typeface="Times New Roman" panose="02020603050405020304" pitchFamily="18" charset="0"/>
-              <a:sym typeface="Wingdings" panose="05000000000000000000" pitchFamily="2" charset="2"/>
-            </a:endParaRPr>
-          </a:p>
-          <a:p>
-            <a:pPr marL="171450" indent="-171450">
-              <a:buFont typeface="Arial" panose="020B0604020202020204" pitchFamily="34" charset="0"/>
-              <a:buChar char="•"/>
-            </a:pPr>
-            <a:r>
-              <a:rPr lang="en-US" sz="1100" dirty="0">
-                <a:latin typeface="Times New Roman" panose="02020603050405020304" pitchFamily="18" charset="0"/>
-                <a:cs typeface="Times New Roman" panose="02020603050405020304" pitchFamily="18" charset="0"/>
-                <a:sym typeface="Wingdings" panose="05000000000000000000" pitchFamily="2" charset="2"/>
-              </a:rPr>
-              <a:t>Verifies that model has highest chance of properly predicting capsular penetration based on baseline diagnostic measurements.</a:t>
-            </a:r>
-          </a:p>
-          <a:p>
-            <a:endParaRPr lang="en-US" sz="1100" dirty="0">
-              <a:latin typeface="Times New Roman" panose="02020603050405020304" pitchFamily="18" charset="0"/>
-              <a:cs typeface="Times New Roman" panose="02020603050405020304" pitchFamily="18" charset="0"/>
-              <a:sym typeface="Wingdings" panose="05000000000000000000" pitchFamily="2" charset="2"/>
-            </a:endParaRPr>
-          </a:p>
-          <a:p>
-            <a:pPr marL="171450" indent="-171450">
-              <a:buFont typeface="Arial" panose="020B0604020202020204" pitchFamily="34" charset="0"/>
-              <a:buChar char="•"/>
-            </a:pPr>
-            <a:r>
-              <a:rPr lang="en-US" sz="1100" dirty="0">
-                <a:latin typeface="Times New Roman" panose="02020603050405020304" pitchFamily="18" charset="0"/>
-                <a:cs typeface="Times New Roman" panose="02020603050405020304" pitchFamily="18" charset="0"/>
-                <a:sym typeface="Wingdings" panose="05000000000000000000" pitchFamily="2" charset="2"/>
-              </a:rPr>
-              <a:t>Limitations:</a:t>
-            </a:r>
-          </a:p>
-          <a:p>
-            <a:pPr marL="628650" lvl="1" indent="-171450">
-              <a:buFont typeface="Arial" panose="020B0604020202020204" pitchFamily="34" charset="0"/>
-              <a:buChar char="•"/>
-            </a:pPr>
-            <a:r>
-              <a:rPr lang="en-US" sz="1100" dirty="0">
-                <a:latin typeface="Times New Roman" panose="02020603050405020304" pitchFamily="18" charset="0"/>
-                <a:cs typeface="Times New Roman" panose="02020603050405020304" pitchFamily="18" charset="0"/>
-                <a:sym typeface="Wingdings" panose="05000000000000000000" pitchFamily="2" charset="2"/>
-              </a:rPr>
-              <a:t>Sample size limits ability to improve variability of model</a:t>
-            </a:r>
-          </a:p>
-          <a:p>
-            <a:pPr marL="628650" lvl="1" indent="-171450">
-              <a:buFont typeface="Arial" panose="020B0604020202020204" pitchFamily="34" charset="0"/>
-              <a:buChar char="•"/>
-            </a:pPr>
-            <a:r>
-              <a:rPr lang="en-US" sz="1100" dirty="0">
-                <a:latin typeface="Times New Roman" panose="02020603050405020304" pitchFamily="18" charset="0"/>
-                <a:cs typeface="Times New Roman" panose="02020603050405020304" pitchFamily="18" charset="0"/>
-                <a:sym typeface="Wingdings" panose="05000000000000000000" pitchFamily="2" charset="2"/>
-              </a:rPr>
-              <a:t>Other important variables (i.e. diet, exercise, smoking, etc.) would help improve the model</a:t>
-            </a:r>
-          </a:p>
-        </p:txBody>
-      </p:sp>
-    </p:spTree>
-  </p:cSld>
-  <p:clrMapOvr>
-    <a:masterClrMapping/>
-  </p:clrMapOvr>
-  <p:transition>
-    <p:cut/>
-  </p:transition>
-</p:sld>
-</file>
-
 <file path=ppt/slides/slide2.xml><?xml version="1.0" encoding="utf-8"?>
 <p:sld xmlns:a="http://schemas.openxmlformats.org/drawingml/2006/main" xmlns:r="http://schemas.openxmlformats.org/officeDocument/2006/relationships" xmlns:p="http://schemas.openxmlformats.org/presentationml/2006/main">
   <p:cSld>
@@ -6349,976 +2774,6 @@
               <a:t>Conclusion</a:t>
             </a:r>
             <a:endParaRPr sz="1100" dirty="0">
-              <a:latin typeface="Georgia"/>
-              <a:cs typeface="Georgia"/>
-            </a:endParaRPr>
-          </a:p>
-        </p:txBody>
-      </p:sp>
-    </p:spTree>
-  </p:cSld>
-  <p:clrMapOvr>
-    <a:masterClrMapping/>
-  </p:clrMapOvr>
-  <p:transition>
-    <p:cut/>
-  </p:transition>
-</p:sld>
-</file>
-
-<file path=ppt/slides/slide20.xml><?xml version="1.0" encoding="utf-8"?>
-<p:sld xmlns:a="http://schemas.openxmlformats.org/drawingml/2006/main" xmlns:r="http://schemas.openxmlformats.org/officeDocument/2006/relationships" xmlns:p="http://schemas.openxmlformats.org/presentationml/2006/main">
-  <p:cSld>
-    <p:spTree>
-      <p:nvGrpSpPr>
-        <p:cNvPr id="1" name=""/>
-        <p:cNvGrpSpPr/>
-        <p:nvPr/>
-      </p:nvGrpSpPr>
-      <p:grpSpPr>
-        <a:xfrm>
-          <a:off x="0" y="0"/>
-          <a:ext cx="0" cy="0"/>
-          <a:chOff x="0" y="0"/>
-          <a:chExt cx="0" cy="0"/>
-        </a:xfrm>
-      </p:grpSpPr>
-      <p:sp>
-        <p:nvSpPr>
-          <p:cNvPr id="2" name="object 2"/>
-          <p:cNvSpPr txBox="1">
-            <a:spLocks noGrp="1"/>
-          </p:cNvSpPr>
-          <p:nvPr>
-            <p:ph type="title"/>
-          </p:nvPr>
-        </p:nvSpPr>
-        <p:spPr>
-          <a:xfrm>
-            <a:off x="275297" y="121180"/>
-            <a:ext cx="845819" cy="244475"/>
-          </a:xfrm>
-          <a:prstGeom prst="rect">
-            <a:avLst/>
-          </a:prstGeom>
-        </p:spPr>
-        <p:txBody>
-          <a:bodyPr vert="horz" wrap="square" lIns="0" tIns="17145" rIns="0" bIns="0" rtlCol="0">
-            <a:spAutoFit/>
-          </a:bodyPr>
-          <a:lstStyle/>
-          <a:p>
-            <a:pPr marL="12700">
-              <a:lnSpc>
-                <a:spcPct val="100000"/>
-              </a:lnSpc>
-              <a:spcBef>
-                <a:spcPts val="135"/>
-              </a:spcBef>
-            </a:pPr>
-            <a:r>
-              <a:rPr spc="-30" dirty="0"/>
-              <a:t>References</a:t>
-            </a:r>
-          </a:p>
-        </p:txBody>
-      </p:sp>
-      <p:sp>
-        <p:nvSpPr>
-          <p:cNvPr id="4" name="object 4"/>
-          <p:cNvSpPr txBox="1">
-            <a:spLocks noGrp="1"/>
-          </p:cNvSpPr>
-          <p:nvPr>
-            <p:ph type="ftr" sz="quarter" idx="5"/>
-          </p:nvPr>
-        </p:nvSpPr>
-        <p:spPr>
-          <a:prstGeom prst="rect">
-            <a:avLst/>
-          </a:prstGeom>
-        </p:spPr>
-        <p:txBody>
-          <a:bodyPr vert="horz" wrap="square" lIns="0" tIns="21590" rIns="0" bIns="0" rtlCol="0">
-            <a:spAutoFit/>
-          </a:bodyPr>
-          <a:lstStyle/>
-          <a:p>
-            <a:pPr marL="12700">
-              <a:lnSpc>
-                <a:spcPct val="100000"/>
-              </a:lnSpc>
-              <a:spcBef>
-                <a:spcPts val="170"/>
-              </a:spcBef>
-            </a:pPr>
-            <a:r>
-              <a:rPr spc="80" dirty="0"/>
-              <a:t>Stat </a:t>
-            </a:r>
-            <a:r>
-              <a:rPr spc="65" dirty="0"/>
-              <a:t>680A</a:t>
-            </a:r>
-            <a:r>
-              <a:rPr spc="55" dirty="0"/>
-              <a:t> Presentation</a:t>
-            </a:r>
-          </a:p>
-        </p:txBody>
-      </p:sp>
-      <p:sp>
-        <p:nvSpPr>
-          <p:cNvPr id="5" name="object 5"/>
-          <p:cNvSpPr txBox="1">
-            <a:spLocks noGrp="1"/>
-          </p:cNvSpPr>
-          <p:nvPr>
-            <p:ph type="sldNum" sz="quarter" idx="7"/>
-          </p:nvPr>
-        </p:nvSpPr>
-        <p:spPr>
-          <a:prstGeom prst="rect">
-            <a:avLst/>
-          </a:prstGeom>
-        </p:spPr>
-        <p:txBody>
-          <a:bodyPr vert="horz" wrap="square" lIns="0" tIns="18415" rIns="0" bIns="0" rtlCol="0">
-            <a:spAutoFit/>
-          </a:bodyPr>
-          <a:lstStyle/>
-          <a:p>
-            <a:pPr marL="25400">
-              <a:lnSpc>
-                <a:spcPct val="100000"/>
-              </a:lnSpc>
-              <a:spcBef>
-                <a:spcPts val="145"/>
-              </a:spcBef>
-            </a:pPr>
-            <a:fld id="{81D60167-4931-47E6-BA6A-407CBD079E47}" type="slidenum">
-              <a:rPr spc="20" dirty="0"/>
-              <a:t>20</a:t>
-            </a:fld>
-            <a:r>
-              <a:rPr spc="20" dirty="0"/>
-              <a:t>/15</a:t>
-            </a:r>
-          </a:p>
-        </p:txBody>
-      </p:sp>
-      <p:sp>
-        <p:nvSpPr>
-          <p:cNvPr id="3" name="object 3"/>
-          <p:cNvSpPr txBox="1"/>
-          <p:nvPr/>
-        </p:nvSpPr>
-        <p:spPr>
-          <a:xfrm>
-            <a:off x="447357" y="513409"/>
-            <a:ext cx="3802379" cy="2618740"/>
-          </a:xfrm>
-          <a:prstGeom prst="rect">
-            <a:avLst/>
-          </a:prstGeom>
-        </p:spPr>
-        <p:txBody>
-          <a:bodyPr vert="horz" wrap="square" lIns="0" tIns="29209" rIns="0" bIns="0" rtlCol="0">
-            <a:spAutoFit/>
-          </a:bodyPr>
-          <a:lstStyle/>
-          <a:p>
-            <a:pPr marL="189230" marR="55244" indent="-177165">
-              <a:lnSpc>
-                <a:spcPts val="1200"/>
-              </a:lnSpc>
-              <a:spcBef>
-                <a:spcPts val="229"/>
-              </a:spcBef>
-            </a:pPr>
-            <a:r>
-              <a:rPr sz="1650" spc="165" baseline="5050" dirty="0">
-                <a:solidFill>
-                  <a:srgbClr val="58180C"/>
-                </a:solidFill>
-                <a:latin typeface="Arial Black"/>
-                <a:cs typeface="Arial Black"/>
-              </a:rPr>
-              <a:t>e </a:t>
-            </a:r>
-            <a:r>
-              <a:rPr sz="1000" spc="25" dirty="0">
-                <a:latin typeface="Georgia"/>
-                <a:cs typeface="Georgia"/>
-              </a:rPr>
-              <a:t>“SEER </a:t>
-            </a:r>
-            <a:r>
-              <a:rPr sz="1000" spc="-10" dirty="0">
-                <a:latin typeface="Georgia"/>
-                <a:cs typeface="Georgia"/>
-              </a:rPr>
-              <a:t>Cancer </a:t>
-            </a:r>
-            <a:r>
-              <a:rPr sz="1000" spc="-5" dirty="0">
-                <a:latin typeface="Georgia"/>
-                <a:cs typeface="Georgia"/>
-              </a:rPr>
-              <a:t>Fact </a:t>
-            </a:r>
-            <a:r>
-              <a:rPr sz="1000" spc="-25" dirty="0">
-                <a:latin typeface="Georgia"/>
-                <a:cs typeface="Georgia"/>
-              </a:rPr>
-              <a:t>Sheet: </a:t>
-            </a:r>
-            <a:r>
-              <a:rPr sz="1000" spc="-5" dirty="0">
-                <a:latin typeface="Georgia"/>
-                <a:cs typeface="Georgia"/>
-              </a:rPr>
-              <a:t>Prostate </a:t>
-            </a:r>
-            <a:r>
-              <a:rPr sz="1000" spc="-15" dirty="0">
-                <a:latin typeface="Georgia"/>
-                <a:cs typeface="Georgia"/>
-              </a:rPr>
-              <a:t>Cancer”. </a:t>
-            </a:r>
-            <a:r>
-              <a:rPr sz="1000" spc="-30" dirty="0">
-                <a:latin typeface="Georgia"/>
-                <a:cs typeface="Georgia"/>
-              </a:rPr>
-              <a:t>NIH. </a:t>
-            </a:r>
-            <a:r>
-              <a:rPr sz="1000" spc="-30" dirty="0">
-                <a:latin typeface="Georgia"/>
-                <a:cs typeface="Georgia"/>
-                <a:hlinkClick r:id="rId2"/>
-              </a:rPr>
-              <a:t> </a:t>
-            </a:r>
-            <a:r>
-              <a:rPr sz="1000" spc="-15" dirty="0">
-                <a:latin typeface="Georgia"/>
-                <a:cs typeface="Georgia"/>
-                <a:hlinkClick r:id="rId2"/>
-              </a:rPr>
-              <a:t>https://seer.cancer.gov/statfacts/html/prost.html</a:t>
-            </a:r>
-            <a:r>
-              <a:rPr sz="1000" spc="-15" dirty="0">
-                <a:latin typeface="Georgia"/>
-                <a:cs typeface="Georgia"/>
-              </a:rPr>
-              <a:t>. Retrieved</a:t>
-            </a:r>
-            <a:r>
-              <a:rPr sz="1000" spc="95" dirty="0">
-                <a:latin typeface="Georgia"/>
-                <a:cs typeface="Georgia"/>
-              </a:rPr>
-              <a:t> </a:t>
-            </a:r>
-            <a:r>
-              <a:rPr sz="1000" spc="5" dirty="0">
-                <a:latin typeface="Georgia"/>
-                <a:cs typeface="Georgia"/>
-              </a:rPr>
-              <a:t>13</a:t>
-            </a:r>
-            <a:endParaRPr sz="1000" dirty="0">
-              <a:latin typeface="Georgia"/>
-              <a:cs typeface="Georgia"/>
-            </a:endParaRPr>
-          </a:p>
-          <a:p>
-            <a:pPr marL="189230">
-              <a:lnSpc>
-                <a:spcPts val="1150"/>
-              </a:lnSpc>
-            </a:pPr>
-            <a:r>
-              <a:rPr sz="1000" spc="-35" dirty="0">
-                <a:latin typeface="Georgia"/>
-                <a:cs typeface="Georgia"/>
-              </a:rPr>
-              <a:t>November</a:t>
-            </a:r>
-            <a:r>
-              <a:rPr sz="1000" spc="85" dirty="0">
-                <a:latin typeface="Georgia"/>
-                <a:cs typeface="Georgia"/>
-              </a:rPr>
-              <a:t> </a:t>
-            </a:r>
-            <a:r>
-              <a:rPr sz="1000" spc="-40" dirty="0">
-                <a:latin typeface="Georgia"/>
-                <a:cs typeface="Georgia"/>
-              </a:rPr>
-              <a:t>2018.</a:t>
-            </a:r>
-            <a:endParaRPr sz="1000" dirty="0">
-              <a:latin typeface="Georgia"/>
-              <a:cs typeface="Georgia"/>
-            </a:endParaRPr>
-          </a:p>
-          <a:p>
-            <a:pPr marL="189230" marR="440055" indent="-168275">
-              <a:lnSpc>
-                <a:spcPts val="1200"/>
-              </a:lnSpc>
-              <a:spcBef>
-                <a:spcPts val="35"/>
-              </a:spcBef>
-            </a:pPr>
-            <a:r>
-              <a:rPr sz="1500" spc="157" baseline="5555" dirty="0">
-                <a:solidFill>
-                  <a:srgbClr val="58180C"/>
-                </a:solidFill>
-                <a:latin typeface="Arial Black"/>
-                <a:cs typeface="Arial Black"/>
-              </a:rPr>
-              <a:t>e </a:t>
-            </a:r>
-            <a:r>
-              <a:rPr sz="1000" spc="5" dirty="0">
-                <a:latin typeface="Georgia"/>
-                <a:cs typeface="Georgia"/>
-              </a:rPr>
-              <a:t>“Prostate </a:t>
-            </a:r>
-            <a:r>
-              <a:rPr sz="1000" spc="-10" dirty="0">
-                <a:latin typeface="Georgia"/>
-                <a:cs typeface="Georgia"/>
-              </a:rPr>
-              <a:t>Cancer </a:t>
-            </a:r>
-            <a:r>
-              <a:rPr sz="1000" spc="-25" dirty="0">
-                <a:latin typeface="Georgia"/>
-                <a:cs typeface="Georgia"/>
-              </a:rPr>
-              <a:t>Treatment”. </a:t>
-            </a:r>
-            <a:r>
-              <a:rPr sz="1000" spc="-15" dirty="0">
-                <a:latin typeface="Georgia"/>
-                <a:cs typeface="Georgia"/>
-              </a:rPr>
-              <a:t>National </a:t>
-            </a:r>
-            <a:r>
-              <a:rPr sz="1000" spc="-10" dirty="0">
-                <a:latin typeface="Georgia"/>
-                <a:cs typeface="Georgia"/>
-              </a:rPr>
-              <a:t>Cancer </a:t>
-            </a:r>
-            <a:r>
-              <a:rPr sz="1000" spc="-5" dirty="0">
-                <a:latin typeface="Georgia"/>
-                <a:cs typeface="Georgia"/>
-              </a:rPr>
-              <a:t>Institute. </a:t>
-            </a:r>
-            <a:r>
-              <a:rPr sz="1000" spc="-5" dirty="0">
-                <a:latin typeface="Georgia"/>
-                <a:cs typeface="Georgia"/>
-                <a:hlinkClick r:id="rId3"/>
-              </a:rPr>
-              <a:t> </a:t>
-            </a:r>
-            <a:r>
-              <a:rPr sz="1000" spc="-15" dirty="0">
-                <a:latin typeface="Georgia"/>
-                <a:cs typeface="Georgia"/>
-                <a:hlinkClick r:id="rId3"/>
-              </a:rPr>
-              <a:t>https://www.cancer.gov/types/</a:t>
-            </a:r>
-            <a:endParaRPr sz="1000" dirty="0">
-              <a:latin typeface="Georgia"/>
-              <a:cs typeface="Georgia"/>
-            </a:endParaRPr>
-          </a:p>
-          <a:p>
-            <a:pPr marL="189230">
-              <a:lnSpc>
-                <a:spcPts val="1150"/>
-              </a:lnSpc>
-            </a:pPr>
-            <a:r>
-              <a:rPr sz="1000" spc="-15" dirty="0">
-                <a:latin typeface="Georgia"/>
-                <a:cs typeface="Georgia"/>
-              </a:rPr>
-              <a:t>prostate/patient/prostate-treatment. Retrieved </a:t>
-            </a:r>
-            <a:r>
-              <a:rPr sz="1000" spc="5" dirty="0">
-                <a:latin typeface="Georgia"/>
-                <a:cs typeface="Georgia"/>
-              </a:rPr>
-              <a:t>13</a:t>
-            </a:r>
-            <a:r>
-              <a:rPr sz="1000" spc="-35" dirty="0">
-                <a:latin typeface="Georgia"/>
-                <a:cs typeface="Georgia"/>
-              </a:rPr>
-              <a:t> November</a:t>
-            </a:r>
-            <a:endParaRPr sz="1000" dirty="0">
-              <a:latin typeface="Georgia"/>
-              <a:cs typeface="Georgia"/>
-            </a:endParaRPr>
-          </a:p>
-          <a:p>
-            <a:pPr marL="186055">
-              <a:lnSpc>
-                <a:spcPts val="1195"/>
-              </a:lnSpc>
-            </a:pPr>
-            <a:r>
-              <a:rPr sz="1000" spc="-40" dirty="0">
-                <a:latin typeface="Georgia"/>
-                <a:cs typeface="Georgia"/>
-              </a:rPr>
-              <a:t>2018.</a:t>
-            </a:r>
-            <a:endParaRPr sz="1000" dirty="0">
-              <a:latin typeface="Georgia"/>
-              <a:cs typeface="Georgia"/>
-            </a:endParaRPr>
-          </a:p>
-          <a:p>
-            <a:pPr marL="189230" marR="5080" indent="-168275">
-              <a:lnSpc>
-                <a:spcPts val="1200"/>
-              </a:lnSpc>
-              <a:spcBef>
-                <a:spcPts val="40"/>
-              </a:spcBef>
-            </a:pPr>
-            <a:r>
-              <a:rPr sz="1500" spc="157" baseline="5555" dirty="0">
-                <a:solidFill>
-                  <a:srgbClr val="58180C"/>
-                </a:solidFill>
-                <a:latin typeface="Arial Black"/>
-                <a:cs typeface="Arial Black"/>
-              </a:rPr>
-              <a:t>e </a:t>
-            </a:r>
-            <a:r>
-              <a:rPr sz="1000" spc="-25" dirty="0">
-                <a:latin typeface="Georgia"/>
-                <a:cs typeface="Georgia"/>
-              </a:rPr>
-              <a:t>Ruddon, </a:t>
-            </a:r>
-            <a:r>
-              <a:rPr sz="1000" spc="-20" dirty="0">
-                <a:latin typeface="Georgia"/>
-                <a:cs typeface="Georgia"/>
-              </a:rPr>
-              <a:t>Raymond </a:t>
-            </a:r>
-            <a:r>
-              <a:rPr sz="1000" spc="25" dirty="0">
-                <a:latin typeface="Georgia"/>
-                <a:cs typeface="Georgia"/>
-              </a:rPr>
-              <a:t>W. </a:t>
-            </a:r>
-            <a:r>
-              <a:rPr sz="1000" spc="-45" dirty="0">
-                <a:latin typeface="Georgia"/>
-                <a:cs typeface="Georgia"/>
-              </a:rPr>
-              <a:t>(2007). </a:t>
-            </a:r>
-            <a:r>
-              <a:rPr sz="1000" spc="-10" dirty="0">
-                <a:latin typeface="Georgia"/>
-                <a:cs typeface="Georgia"/>
-              </a:rPr>
-              <a:t>Cancer </a:t>
-            </a:r>
-            <a:r>
-              <a:rPr sz="1000" spc="-20" dirty="0">
-                <a:latin typeface="Georgia"/>
-                <a:cs typeface="Georgia"/>
-              </a:rPr>
-              <a:t>biology </a:t>
-            </a:r>
-            <a:r>
-              <a:rPr sz="1000" spc="-15" dirty="0">
-                <a:latin typeface="Georgia"/>
-                <a:cs typeface="Georgia"/>
-              </a:rPr>
-              <a:t>(4th </a:t>
-            </a:r>
-            <a:r>
-              <a:rPr sz="1000" spc="-10" dirty="0">
-                <a:latin typeface="Georgia"/>
-                <a:cs typeface="Georgia"/>
-              </a:rPr>
-              <a:t>ed.). </a:t>
-            </a:r>
-            <a:r>
-              <a:rPr sz="1000" spc="-15" dirty="0">
-                <a:latin typeface="Georgia"/>
-                <a:cs typeface="Georgia"/>
-              </a:rPr>
-              <a:t>Oxford:  Oxford University Press. </a:t>
-            </a:r>
-            <a:r>
-              <a:rPr sz="1000" spc="-10" dirty="0">
-                <a:latin typeface="Georgia"/>
-                <a:cs typeface="Georgia"/>
-              </a:rPr>
-              <a:t>p. </a:t>
-            </a:r>
-            <a:r>
-              <a:rPr sz="1000" spc="-45" dirty="0">
-                <a:latin typeface="Georgia"/>
-                <a:cs typeface="Georgia"/>
-              </a:rPr>
-              <a:t>223. </a:t>
-            </a:r>
-            <a:r>
-              <a:rPr sz="1000" spc="-5" dirty="0">
-                <a:latin typeface="Georgia"/>
-                <a:cs typeface="Georgia"/>
-              </a:rPr>
-              <a:t>ISBN</a:t>
-            </a:r>
-            <a:r>
-              <a:rPr sz="1000" spc="-20" dirty="0">
-                <a:latin typeface="Georgia"/>
-                <a:cs typeface="Georgia"/>
-              </a:rPr>
-              <a:t> </a:t>
-            </a:r>
-            <a:r>
-              <a:rPr sz="1000" spc="-25" dirty="0">
-                <a:latin typeface="Georgia"/>
-                <a:cs typeface="Georgia"/>
-              </a:rPr>
-              <a:t>9780195175431.</a:t>
-            </a:r>
-            <a:endParaRPr sz="1000" dirty="0">
-              <a:latin typeface="Georgia"/>
-              <a:cs typeface="Georgia"/>
-            </a:endParaRPr>
-          </a:p>
-          <a:p>
-            <a:pPr marL="21590">
-              <a:lnSpc>
-                <a:spcPts val="1150"/>
-              </a:lnSpc>
-            </a:pPr>
-            <a:r>
-              <a:rPr sz="1500" spc="157" baseline="5555" dirty="0">
-                <a:solidFill>
-                  <a:srgbClr val="58180C"/>
-                </a:solidFill>
-                <a:latin typeface="Arial Black"/>
-                <a:cs typeface="Arial Black"/>
-              </a:rPr>
-              <a:t>e </a:t>
-            </a:r>
-            <a:r>
-              <a:rPr sz="1000" spc="-5" dirty="0">
-                <a:latin typeface="Georgia"/>
-                <a:cs typeface="Georgia"/>
-              </a:rPr>
-              <a:t>Clinical </a:t>
-            </a:r>
-            <a:r>
-              <a:rPr sz="1000" spc="-25" dirty="0">
-                <a:latin typeface="Georgia"/>
-                <a:cs typeface="Georgia"/>
-              </a:rPr>
-              <a:t>and </a:t>
-            </a:r>
-            <a:r>
-              <a:rPr sz="1000" spc="-20" dirty="0">
-                <a:latin typeface="Georgia"/>
-                <a:cs typeface="Georgia"/>
-              </a:rPr>
-              <a:t>pathological </a:t>
-            </a:r>
-            <a:r>
-              <a:rPr sz="1000" spc="-25" dirty="0">
-                <a:latin typeface="Georgia"/>
-                <a:cs typeface="Georgia"/>
-              </a:rPr>
-              <a:t>significance </a:t>
-            </a:r>
-            <a:r>
-              <a:rPr sz="1000" spc="-35" dirty="0">
-                <a:latin typeface="Georgia"/>
-                <a:cs typeface="Georgia"/>
-              </a:rPr>
-              <a:t>of </a:t>
-            </a:r>
-            <a:r>
-              <a:rPr sz="1000" spc="-15" dirty="0">
-                <a:latin typeface="Georgia"/>
-                <a:cs typeface="Georgia"/>
-              </a:rPr>
-              <a:t>the </a:t>
-            </a:r>
-            <a:r>
-              <a:rPr sz="1000" spc="-25" dirty="0">
-                <a:latin typeface="Georgia"/>
-                <a:cs typeface="Georgia"/>
-              </a:rPr>
-              <a:t>level and </a:t>
-            </a:r>
-            <a:r>
-              <a:rPr sz="1000" spc="-10" dirty="0">
-                <a:latin typeface="Georgia"/>
-                <a:cs typeface="Georgia"/>
-              </a:rPr>
-              <a:t>extent</a:t>
-            </a:r>
-            <a:r>
-              <a:rPr sz="1000" spc="40" dirty="0">
-                <a:latin typeface="Georgia"/>
-                <a:cs typeface="Georgia"/>
-              </a:rPr>
-              <a:t> </a:t>
-            </a:r>
-            <a:r>
-              <a:rPr sz="1000" spc="-35" dirty="0">
-                <a:latin typeface="Georgia"/>
-                <a:cs typeface="Georgia"/>
-              </a:rPr>
-              <a:t>of</a:t>
-            </a:r>
-            <a:endParaRPr sz="1000" dirty="0">
-              <a:latin typeface="Georgia"/>
-              <a:cs typeface="Georgia"/>
-            </a:endParaRPr>
-          </a:p>
-          <a:p>
-            <a:pPr marL="182880" marR="250190" indent="6350">
-              <a:lnSpc>
-                <a:spcPts val="1200"/>
-              </a:lnSpc>
-              <a:spcBef>
-                <a:spcPts val="40"/>
-              </a:spcBef>
-            </a:pPr>
-            <a:r>
-              <a:rPr sz="1000" spc="-20" dirty="0">
-                <a:latin typeface="Georgia"/>
-                <a:cs typeface="Georgia"/>
-              </a:rPr>
-              <a:t>capsular </a:t>
-            </a:r>
-            <a:r>
-              <a:rPr sz="1000" spc="-35" dirty="0">
-                <a:latin typeface="Georgia"/>
-                <a:cs typeface="Georgia"/>
-              </a:rPr>
-              <a:t>invasion </a:t>
-            </a:r>
-            <a:r>
-              <a:rPr sz="1000" spc="-30" dirty="0">
-                <a:latin typeface="Georgia"/>
-                <a:cs typeface="Georgia"/>
-              </a:rPr>
-              <a:t>in </a:t>
-            </a:r>
-            <a:r>
-              <a:rPr sz="1000" spc="-15" dirty="0">
-                <a:latin typeface="Georgia"/>
-                <a:cs typeface="Georgia"/>
-              </a:rPr>
-              <a:t>clinical stage </a:t>
-            </a:r>
-            <a:r>
-              <a:rPr sz="1000" spc="-10" dirty="0">
-                <a:latin typeface="Georgia"/>
-                <a:cs typeface="Georgia"/>
-              </a:rPr>
-              <a:t>T1–2 </a:t>
-            </a:r>
-            <a:r>
-              <a:rPr sz="1000" spc="-15" dirty="0">
-                <a:latin typeface="Georgia"/>
-                <a:cs typeface="Georgia"/>
-              </a:rPr>
-              <a:t>prostate </a:t>
-            </a:r>
-            <a:r>
-              <a:rPr sz="1000" spc="-20" dirty="0">
-                <a:latin typeface="Georgia"/>
-                <a:cs typeface="Georgia"/>
-              </a:rPr>
-              <a:t>cancer. </a:t>
-            </a:r>
-            <a:r>
-              <a:rPr sz="1000" spc="40" dirty="0">
-                <a:latin typeface="Georgia"/>
-                <a:cs typeface="Georgia"/>
-              </a:rPr>
-              <a:t>TM  </a:t>
-            </a:r>
-            <a:r>
-              <a:rPr sz="1000" spc="-20" dirty="0">
-                <a:latin typeface="Georgia"/>
-                <a:cs typeface="Georgia"/>
-              </a:rPr>
-              <a:t>Wheeler, </a:t>
-            </a:r>
-            <a:r>
-              <a:rPr sz="1000" spc="30" dirty="0">
-                <a:latin typeface="Georgia"/>
-                <a:cs typeface="Georgia"/>
-              </a:rPr>
-              <a:t>O </a:t>
-            </a:r>
-            <a:r>
-              <a:rPr sz="1000" spc="-20" dirty="0">
-                <a:latin typeface="Georgia"/>
-                <a:cs typeface="Georgia"/>
-              </a:rPr>
-              <a:t>Dillioglugil, </a:t>
-            </a:r>
-            <a:r>
-              <a:rPr sz="1000" spc="10" dirty="0">
-                <a:latin typeface="Georgia"/>
-                <a:cs typeface="Georgia"/>
-              </a:rPr>
-              <a:t>MW Kattan, </a:t>
-            </a:r>
-            <a:r>
-              <a:rPr sz="1000" spc="75" dirty="0">
-                <a:latin typeface="Georgia"/>
-                <a:cs typeface="Georgia"/>
-              </a:rPr>
-              <a:t>A </a:t>
-            </a:r>
-            <a:r>
-              <a:rPr sz="1000" spc="-5" dirty="0">
-                <a:latin typeface="Georgia"/>
-                <a:cs typeface="Georgia"/>
-              </a:rPr>
-              <a:t>Arakawa. </a:t>
-            </a:r>
-            <a:r>
-              <a:rPr sz="1000" spc="-45" dirty="0">
-                <a:latin typeface="Georgia"/>
-                <a:cs typeface="Georgia"/>
-              </a:rPr>
-              <a:t>- </a:t>
-            </a:r>
-            <a:r>
-              <a:rPr sz="1000" spc="-40" dirty="0">
-                <a:latin typeface="Georgia"/>
-                <a:cs typeface="Georgia"/>
-              </a:rPr>
-              <a:t>Human  </a:t>
-            </a:r>
-            <a:r>
-              <a:rPr sz="1000" spc="-20" dirty="0">
-                <a:latin typeface="Georgia"/>
-                <a:cs typeface="Georgia"/>
-              </a:rPr>
-              <a:t>pathology,</a:t>
-            </a:r>
-            <a:r>
-              <a:rPr sz="1000" spc="85" dirty="0">
-                <a:latin typeface="Georgia"/>
-                <a:cs typeface="Georgia"/>
-              </a:rPr>
-              <a:t> </a:t>
-            </a:r>
-            <a:r>
-              <a:rPr sz="1000" spc="-35" dirty="0">
-                <a:latin typeface="Georgia"/>
-                <a:cs typeface="Georgia"/>
-              </a:rPr>
-              <a:t>1998.</a:t>
-            </a:r>
-            <a:endParaRPr sz="1000" dirty="0">
-              <a:latin typeface="Georgia"/>
-              <a:cs typeface="Georgia"/>
-            </a:endParaRPr>
-          </a:p>
-          <a:p>
-            <a:pPr marL="21590">
-              <a:lnSpc>
-                <a:spcPts val="1145"/>
-              </a:lnSpc>
-            </a:pPr>
-            <a:r>
-              <a:rPr sz="1500" spc="157" baseline="5555" dirty="0">
-                <a:solidFill>
-                  <a:srgbClr val="58180C"/>
-                </a:solidFill>
-                <a:latin typeface="Arial Black"/>
-                <a:cs typeface="Arial Black"/>
-              </a:rPr>
-              <a:t>e </a:t>
-            </a:r>
-            <a:r>
-              <a:rPr sz="1000" spc="-20" dirty="0">
-                <a:latin typeface="Georgia"/>
-                <a:cs typeface="Georgia"/>
-              </a:rPr>
-              <a:t>“Interpreting Diagnostic</a:t>
-            </a:r>
-            <a:r>
-              <a:rPr sz="1000" spc="80" dirty="0">
-                <a:latin typeface="Georgia"/>
-                <a:cs typeface="Georgia"/>
-              </a:rPr>
-              <a:t> </a:t>
-            </a:r>
-            <a:r>
-              <a:rPr sz="1000" spc="-20" dirty="0">
-                <a:latin typeface="Georgia"/>
-                <a:cs typeface="Georgia"/>
-              </a:rPr>
-              <a:t>Tests”.</a:t>
-            </a:r>
-            <a:endParaRPr sz="1000" dirty="0">
-              <a:latin typeface="Georgia"/>
-              <a:cs typeface="Georgia"/>
-            </a:endParaRPr>
-          </a:p>
-          <a:p>
-            <a:pPr marL="186055" marR="63500" indent="2540" algn="just">
-              <a:lnSpc>
-                <a:spcPts val="1200"/>
-              </a:lnSpc>
-              <a:spcBef>
-                <a:spcPts val="35"/>
-              </a:spcBef>
-            </a:pPr>
-            <a:r>
-              <a:rPr sz="1000" spc="-15" dirty="0">
-                <a:latin typeface="Georgia"/>
-                <a:cs typeface="Georgia"/>
-                <a:hlinkClick r:id="rId4"/>
-              </a:rPr>
-              <a:t>http://gim.unmc.edu/dxtests/roc3.htm</a:t>
-            </a:r>
-            <a:r>
-              <a:rPr sz="1000" spc="-15" dirty="0">
-                <a:latin typeface="Georgia"/>
-                <a:cs typeface="Georgia"/>
-              </a:rPr>
-              <a:t>. </a:t>
-            </a:r>
-            <a:r>
-              <a:rPr sz="1000" spc="-5" dirty="0">
-                <a:latin typeface="Georgia"/>
-                <a:cs typeface="Georgia"/>
-              </a:rPr>
-              <a:t>Tape, </a:t>
-            </a:r>
-            <a:r>
-              <a:rPr sz="1000" spc="-15" dirty="0">
-                <a:latin typeface="Georgia"/>
-                <a:cs typeface="Georgia"/>
-              </a:rPr>
-              <a:t>Thomas </a:t>
-            </a:r>
-            <a:r>
-              <a:rPr sz="1000" spc="25" dirty="0">
-                <a:latin typeface="Georgia"/>
-                <a:cs typeface="Georgia"/>
-              </a:rPr>
-              <a:t>G. </a:t>
-            </a:r>
-            <a:r>
-              <a:rPr sz="1000" spc="-5" dirty="0">
-                <a:latin typeface="Georgia"/>
-                <a:cs typeface="Georgia"/>
-              </a:rPr>
-              <a:t>MD.  </a:t>
-            </a:r>
-            <a:r>
-              <a:rPr sz="1000" spc="-15" dirty="0">
-                <a:latin typeface="Georgia"/>
-                <a:cs typeface="Georgia"/>
-              </a:rPr>
-              <a:t>University </a:t>
-            </a:r>
-            <a:r>
-              <a:rPr sz="1000" spc="-35" dirty="0">
-                <a:latin typeface="Georgia"/>
-                <a:cs typeface="Georgia"/>
-              </a:rPr>
-              <a:t>of </a:t>
-            </a:r>
-            <a:r>
-              <a:rPr sz="1000" spc="-20" dirty="0">
-                <a:latin typeface="Georgia"/>
-                <a:cs typeface="Georgia"/>
-              </a:rPr>
-              <a:t>Nebraska </a:t>
-            </a:r>
-            <a:r>
-              <a:rPr sz="1000" spc="-25" dirty="0">
-                <a:latin typeface="Georgia"/>
-                <a:cs typeface="Georgia"/>
-              </a:rPr>
-              <a:t>Medical </a:t>
-            </a:r>
-            <a:r>
-              <a:rPr sz="1000" spc="-10" dirty="0">
-                <a:latin typeface="Georgia"/>
-                <a:cs typeface="Georgia"/>
-              </a:rPr>
-              <a:t>Center. </a:t>
-            </a:r>
-            <a:r>
-              <a:rPr sz="1000" spc="-15" dirty="0">
-                <a:latin typeface="Georgia"/>
-                <a:cs typeface="Georgia"/>
-              </a:rPr>
-              <a:t>Retrieved </a:t>
-            </a:r>
-            <a:r>
-              <a:rPr sz="1000" spc="5" dirty="0">
-                <a:latin typeface="Georgia"/>
-                <a:cs typeface="Georgia"/>
-              </a:rPr>
-              <a:t>13 </a:t>
-            </a:r>
-            <a:r>
-              <a:rPr sz="1000" spc="-35" dirty="0">
-                <a:latin typeface="Georgia"/>
-                <a:cs typeface="Georgia"/>
-              </a:rPr>
-              <a:t>November  </a:t>
-            </a:r>
-            <a:r>
-              <a:rPr sz="1000" spc="-40" dirty="0">
-                <a:latin typeface="Georgia"/>
-                <a:cs typeface="Georgia"/>
-              </a:rPr>
-              <a:t>2018.</a:t>
-            </a:r>
-            <a:endParaRPr sz="1000" dirty="0">
               <a:latin typeface="Georgia"/>
               <a:cs typeface="Georgia"/>
             </a:endParaRPr>

--- a/Presentation/795 PowerPoint.pptx
+++ b/Presentation/795 PowerPoint.pptx
@@ -5,7 +5,7 @@
     <p:sldMasterId id="2147483648" r:id="rId1"/>
   </p:sldMasterIdLst>
   <p:notesMasterIdLst>
-    <p:notesMasterId r:id="rId11"/>
+    <p:notesMasterId r:id="rId17"/>
   </p:notesMasterIdLst>
   <p:sldIdLst>
     <p:sldId id="256" r:id="rId2"/>
@@ -17,6 +17,12 @@
     <p:sldId id="281" r:id="rId8"/>
     <p:sldId id="282" r:id="rId9"/>
     <p:sldId id="261" r:id="rId10"/>
+    <p:sldId id="283" r:id="rId11"/>
+    <p:sldId id="284" r:id="rId12"/>
+    <p:sldId id="285" r:id="rId13"/>
+    <p:sldId id="286" r:id="rId14"/>
+    <p:sldId id="287" r:id="rId15"/>
+    <p:sldId id="288" r:id="rId16"/>
   </p:sldIdLst>
   <p:sldSz cx="4610100" cy="3460750"/>
   <p:notesSz cx="4610100" cy="3460750"/>
@@ -2418,6 +2424,1653 @@
         </p:txBody>
       </p:sp>
     </p:spTree>
+  </p:cSld>
+  <p:clrMapOvr>
+    <a:masterClrMapping/>
+  </p:clrMapOvr>
+  <p:transition>
+    <p:cut/>
+  </p:transition>
+</p:sld>
+</file>
+
+<file path=ppt/slides/slide10.xml><?xml version="1.0" encoding="utf-8"?>
+<p:sld xmlns:a="http://schemas.openxmlformats.org/drawingml/2006/main" xmlns:r="http://schemas.openxmlformats.org/officeDocument/2006/relationships" xmlns:p="http://schemas.openxmlformats.org/presentationml/2006/main">
+  <p:cSld>
+    <p:spTree>
+      <p:nvGrpSpPr>
+        <p:cNvPr id="1" name=""/>
+        <p:cNvGrpSpPr/>
+        <p:nvPr/>
+      </p:nvGrpSpPr>
+      <p:grpSpPr>
+        <a:xfrm>
+          <a:off x="0" y="0"/>
+          <a:ext cx="0" cy="0"/>
+          <a:chOff x="0" y="0"/>
+          <a:chExt cx="0" cy="0"/>
+        </a:xfrm>
+      </p:grpSpPr>
+      <p:sp>
+        <p:nvSpPr>
+          <p:cNvPr id="2" name="object 2"/>
+          <p:cNvSpPr txBox="1">
+            <a:spLocks noGrp="1"/>
+          </p:cNvSpPr>
+          <p:nvPr>
+            <p:ph type="title"/>
+          </p:nvPr>
+        </p:nvSpPr>
+        <p:spPr>
+          <a:xfrm>
+            <a:off x="275296" y="121180"/>
+            <a:ext cx="1877354" cy="232756"/>
+          </a:xfrm>
+          <a:prstGeom prst="rect">
+            <a:avLst/>
+          </a:prstGeom>
+        </p:spPr>
+        <p:txBody>
+          <a:bodyPr vert="horz" wrap="square" lIns="0" tIns="17145" rIns="0" bIns="0" rtlCol="0">
+            <a:spAutoFit/>
+          </a:bodyPr>
+          <a:lstStyle/>
+          <a:p>
+            <a:pPr marL="12700">
+              <a:lnSpc>
+                <a:spcPct val="100000"/>
+              </a:lnSpc>
+              <a:spcBef>
+                <a:spcPts val="135"/>
+              </a:spcBef>
+            </a:pPr>
+            <a:r>
+              <a:rPr lang="en-US" spc="-15" dirty="0"/>
+              <a:t>EDA</a:t>
+            </a:r>
+            <a:endParaRPr spc="-15" dirty="0"/>
+          </a:p>
+        </p:txBody>
+      </p:sp>
+      <p:sp>
+        <p:nvSpPr>
+          <p:cNvPr id="6" name="object 6"/>
+          <p:cNvSpPr txBox="1">
+            <a:spLocks noGrp="1"/>
+          </p:cNvSpPr>
+          <p:nvPr>
+            <p:ph type="ftr" sz="quarter" idx="5"/>
+          </p:nvPr>
+        </p:nvSpPr>
+        <p:spPr>
+          <a:xfrm>
+            <a:off x="1716874" y="3204555"/>
+            <a:ext cx="978535" cy="114134"/>
+          </a:xfrm>
+          <a:prstGeom prst="rect">
+            <a:avLst/>
+          </a:prstGeom>
+        </p:spPr>
+        <p:txBody>
+          <a:bodyPr vert="horz" wrap="square" lIns="0" tIns="21590" rIns="0" bIns="0" rtlCol="0">
+            <a:spAutoFit/>
+          </a:bodyPr>
+          <a:lstStyle/>
+          <a:p>
+            <a:pPr marL="12700">
+              <a:lnSpc>
+                <a:spcPct val="100000"/>
+              </a:lnSpc>
+              <a:spcBef>
+                <a:spcPts val="170"/>
+              </a:spcBef>
+            </a:pPr>
+            <a:r>
+              <a:rPr spc="80" dirty="0"/>
+              <a:t>Stat </a:t>
+            </a:r>
+            <a:r>
+              <a:rPr lang="en-US" spc="65" dirty="0"/>
+              <a:t>795</a:t>
+            </a:r>
+            <a:r>
+              <a:rPr spc="55" dirty="0"/>
+              <a:t> Presentation</a:t>
+            </a:r>
+          </a:p>
+        </p:txBody>
+      </p:sp>
+      <p:sp>
+        <p:nvSpPr>
+          <p:cNvPr id="7" name="object 7"/>
+          <p:cNvSpPr txBox="1">
+            <a:spLocks noGrp="1"/>
+          </p:cNvSpPr>
+          <p:nvPr>
+            <p:ph type="sldNum" sz="quarter" idx="7"/>
+          </p:nvPr>
+        </p:nvSpPr>
+        <p:spPr>
+          <a:prstGeom prst="rect">
+            <a:avLst/>
+          </a:prstGeom>
+        </p:spPr>
+        <p:txBody>
+          <a:bodyPr vert="horz" wrap="square" lIns="0" tIns="18415" rIns="0" bIns="0" rtlCol="0">
+            <a:spAutoFit/>
+          </a:bodyPr>
+          <a:lstStyle/>
+          <a:p>
+            <a:pPr marL="25400">
+              <a:lnSpc>
+                <a:spcPct val="100000"/>
+              </a:lnSpc>
+              <a:spcBef>
+                <a:spcPts val="145"/>
+              </a:spcBef>
+            </a:pPr>
+            <a:fld id="{81D60167-4931-47E6-BA6A-407CBD079E47}" type="slidenum">
+              <a:rPr spc="20" dirty="0"/>
+              <a:t>10</a:t>
+            </a:fld>
+            <a:r>
+              <a:rPr spc="20" dirty="0"/>
+              <a:t>/15</a:t>
+            </a:r>
+          </a:p>
+        </p:txBody>
+      </p:sp>
+      <p:pic>
+        <p:nvPicPr>
+          <p:cNvPr id="13" name="Picture 12">
+            <a:extLst>
+              <a:ext uri="{FF2B5EF4-FFF2-40B4-BE49-F238E27FC236}">
+                <a16:creationId xmlns:a16="http://schemas.microsoft.com/office/drawing/2014/main" id="{864F5AC7-498B-1E45-8783-749EAA820851}"/>
+              </a:ext>
+            </a:extLst>
+          </p:cNvPr>
+          <p:cNvPicPr>
+            <a:picLocks noChangeAspect="1"/>
+          </p:cNvPicPr>
+          <p:nvPr/>
+        </p:nvPicPr>
+        <p:blipFill>
+          <a:blip r:embed="rId2">
+            <a:extLst>
+              <a:ext uri="{28A0092B-C50C-407E-A947-70E740481C1C}">
+                <a14:useLocalDpi xmlns:a14="http://schemas.microsoft.com/office/drawing/2010/main" val="0"/>
+              </a:ext>
+            </a:extLst>
+          </a:blip>
+          <a:stretch>
+            <a:fillRect/>
+          </a:stretch>
+        </p:blipFill>
+        <p:spPr>
+          <a:xfrm>
+            <a:off x="149403" y="349373"/>
+            <a:ext cx="4222381" cy="2684944"/>
+          </a:xfrm>
+          <a:prstGeom prst="rect">
+            <a:avLst/>
+          </a:prstGeom>
+        </p:spPr>
+      </p:pic>
+    </p:spTree>
+    <p:extLst>
+      <p:ext uri="{BB962C8B-B14F-4D97-AF65-F5344CB8AC3E}">
+        <p14:creationId xmlns:p14="http://schemas.microsoft.com/office/powerpoint/2010/main" val="1464774213"/>
+      </p:ext>
+    </p:extLst>
+  </p:cSld>
+  <p:clrMapOvr>
+    <a:masterClrMapping/>
+  </p:clrMapOvr>
+  <p:transition>
+    <p:cut/>
+  </p:transition>
+</p:sld>
+</file>
+
+<file path=ppt/slides/slide11.xml><?xml version="1.0" encoding="utf-8"?>
+<p:sld xmlns:a="http://schemas.openxmlformats.org/drawingml/2006/main" xmlns:r="http://schemas.openxmlformats.org/officeDocument/2006/relationships" xmlns:p="http://schemas.openxmlformats.org/presentationml/2006/main">
+  <p:cSld>
+    <p:spTree>
+      <p:nvGrpSpPr>
+        <p:cNvPr id="1" name=""/>
+        <p:cNvGrpSpPr/>
+        <p:nvPr/>
+      </p:nvGrpSpPr>
+      <p:grpSpPr>
+        <a:xfrm>
+          <a:off x="0" y="0"/>
+          <a:ext cx="0" cy="0"/>
+          <a:chOff x="0" y="0"/>
+          <a:chExt cx="0" cy="0"/>
+        </a:xfrm>
+      </p:grpSpPr>
+      <p:sp>
+        <p:nvSpPr>
+          <p:cNvPr id="2" name="object 2"/>
+          <p:cNvSpPr txBox="1">
+            <a:spLocks noGrp="1"/>
+          </p:cNvSpPr>
+          <p:nvPr>
+            <p:ph type="title"/>
+          </p:nvPr>
+        </p:nvSpPr>
+        <p:spPr>
+          <a:xfrm>
+            <a:off x="275296" y="121180"/>
+            <a:ext cx="1877354" cy="232756"/>
+          </a:xfrm>
+          <a:prstGeom prst="rect">
+            <a:avLst/>
+          </a:prstGeom>
+        </p:spPr>
+        <p:txBody>
+          <a:bodyPr vert="horz" wrap="square" lIns="0" tIns="17145" rIns="0" bIns="0" rtlCol="0">
+            <a:spAutoFit/>
+          </a:bodyPr>
+          <a:lstStyle/>
+          <a:p>
+            <a:pPr marL="12700">
+              <a:lnSpc>
+                <a:spcPct val="100000"/>
+              </a:lnSpc>
+              <a:spcBef>
+                <a:spcPts val="135"/>
+              </a:spcBef>
+            </a:pPr>
+            <a:r>
+              <a:rPr lang="en-US" spc="-15" dirty="0"/>
+              <a:t>EDA</a:t>
+            </a:r>
+            <a:endParaRPr spc="-15" dirty="0"/>
+          </a:p>
+        </p:txBody>
+      </p:sp>
+      <p:sp>
+        <p:nvSpPr>
+          <p:cNvPr id="6" name="object 6"/>
+          <p:cNvSpPr txBox="1">
+            <a:spLocks noGrp="1"/>
+          </p:cNvSpPr>
+          <p:nvPr>
+            <p:ph type="ftr" sz="quarter" idx="5"/>
+          </p:nvPr>
+        </p:nvSpPr>
+        <p:spPr>
+          <a:xfrm>
+            <a:off x="1716874" y="3204555"/>
+            <a:ext cx="978535" cy="114134"/>
+          </a:xfrm>
+          <a:prstGeom prst="rect">
+            <a:avLst/>
+          </a:prstGeom>
+        </p:spPr>
+        <p:txBody>
+          <a:bodyPr vert="horz" wrap="square" lIns="0" tIns="21590" rIns="0" bIns="0" rtlCol="0">
+            <a:spAutoFit/>
+          </a:bodyPr>
+          <a:lstStyle/>
+          <a:p>
+            <a:pPr marL="12700">
+              <a:lnSpc>
+                <a:spcPct val="100000"/>
+              </a:lnSpc>
+              <a:spcBef>
+                <a:spcPts val="170"/>
+              </a:spcBef>
+            </a:pPr>
+            <a:r>
+              <a:rPr spc="80" dirty="0"/>
+              <a:t>Stat </a:t>
+            </a:r>
+            <a:r>
+              <a:rPr lang="en-US" spc="65" dirty="0"/>
+              <a:t>795</a:t>
+            </a:r>
+            <a:r>
+              <a:rPr spc="55" dirty="0"/>
+              <a:t> Presentation</a:t>
+            </a:r>
+          </a:p>
+        </p:txBody>
+      </p:sp>
+      <p:sp>
+        <p:nvSpPr>
+          <p:cNvPr id="7" name="object 7"/>
+          <p:cNvSpPr txBox="1">
+            <a:spLocks noGrp="1"/>
+          </p:cNvSpPr>
+          <p:nvPr>
+            <p:ph type="sldNum" sz="quarter" idx="7"/>
+          </p:nvPr>
+        </p:nvSpPr>
+        <p:spPr>
+          <a:prstGeom prst="rect">
+            <a:avLst/>
+          </a:prstGeom>
+        </p:spPr>
+        <p:txBody>
+          <a:bodyPr vert="horz" wrap="square" lIns="0" tIns="18415" rIns="0" bIns="0" rtlCol="0">
+            <a:spAutoFit/>
+          </a:bodyPr>
+          <a:lstStyle/>
+          <a:p>
+            <a:pPr marL="25400">
+              <a:lnSpc>
+                <a:spcPct val="100000"/>
+              </a:lnSpc>
+              <a:spcBef>
+                <a:spcPts val="145"/>
+              </a:spcBef>
+            </a:pPr>
+            <a:fld id="{81D60167-4931-47E6-BA6A-407CBD079E47}" type="slidenum">
+              <a:rPr spc="20" dirty="0"/>
+              <a:t>11</a:t>
+            </a:fld>
+            <a:r>
+              <a:rPr spc="20" dirty="0"/>
+              <a:t>/15</a:t>
+            </a:r>
+          </a:p>
+        </p:txBody>
+      </p:sp>
+      <p:pic>
+        <p:nvPicPr>
+          <p:cNvPr id="3" name="Picture 2">
+            <a:extLst>
+              <a:ext uri="{FF2B5EF4-FFF2-40B4-BE49-F238E27FC236}">
+                <a16:creationId xmlns:a16="http://schemas.microsoft.com/office/drawing/2014/main" id="{BD335D46-01C8-8F43-A1B5-38231B13F1C7}"/>
+              </a:ext>
+            </a:extLst>
+          </p:cNvPr>
+          <p:cNvPicPr>
+            <a:picLocks noChangeAspect="1"/>
+          </p:cNvPicPr>
+          <p:nvPr/>
+        </p:nvPicPr>
+        <p:blipFill>
+          <a:blip r:embed="rId2"/>
+          <a:stretch>
+            <a:fillRect/>
+          </a:stretch>
+        </p:blipFill>
+        <p:spPr>
+          <a:xfrm>
+            <a:off x="24916" y="443296"/>
+            <a:ext cx="4362450" cy="2774011"/>
+          </a:xfrm>
+          <a:prstGeom prst="rect">
+            <a:avLst/>
+          </a:prstGeom>
+        </p:spPr>
+      </p:pic>
+    </p:spTree>
+    <p:extLst>
+      <p:ext uri="{BB962C8B-B14F-4D97-AF65-F5344CB8AC3E}">
+        <p14:creationId xmlns:p14="http://schemas.microsoft.com/office/powerpoint/2010/main" val="910923941"/>
+      </p:ext>
+    </p:extLst>
+  </p:cSld>
+  <p:clrMapOvr>
+    <a:masterClrMapping/>
+  </p:clrMapOvr>
+  <p:transition>
+    <p:cut/>
+  </p:transition>
+</p:sld>
+</file>
+
+<file path=ppt/slides/slide12.xml><?xml version="1.0" encoding="utf-8"?>
+<p:sld xmlns:a="http://schemas.openxmlformats.org/drawingml/2006/main" xmlns:r="http://schemas.openxmlformats.org/officeDocument/2006/relationships" xmlns:p="http://schemas.openxmlformats.org/presentationml/2006/main">
+  <p:cSld>
+    <p:spTree>
+      <p:nvGrpSpPr>
+        <p:cNvPr id="1" name=""/>
+        <p:cNvGrpSpPr/>
+        <p:nvPr/>
+      </p:nvGrpSpPr>
+      <p:grpSpPr>
+        <a:xfrm>
+          <a:off x="0" y="0"/>
+          <a:ext cx="0" cy="0"/>
+          <a:chOff x="0" y="0"/>
+          <a:chExt cx="0" cy="0"/>
+        </a:xfrm>
+      </p:grpSpPr>
+      <p:sp>
+        <p:nvSpPr>
+          <p:cNvPr id="2" name="object 2"/>
+          <p:cNvSpPr txBox="1">
+            <a:spLocks noGrp="1"/>
+          </p:cNvSpPr>
+          <p:nvPr>
+            <p:ph type="title"/>
+          </p:nvPr>
+        </p:nvSpPr>
+        <p:spPr>
+          <a:xfrm>
+            <a:off x="275296" y="121180"/>
+            <a:ext cx="1877354" cy="232756"/>
+          </a:xfrm>
+          <a:prstGeom prst="rect">
+            <a:avLst/>
+          </a:prstGeom>
+        </p:spPr>
+        <p:txBody>
+          <a:bodyPr vert="horz" wrap="square" lIns="0" tIns="17145" rIns="0" bIns="0" rtlCol="0">
+            <a:spAutoFit/>
+          </a:bodyPr>
+          <a:lstStyle/>
+          <a:p>
+            <a:pPr marL="12700">
+              <a:lnSpc>
+                <a:spcPct val="100000"/>
+              </a:lnSpc>
+              <a:spcBef>
+                <a:spcPts val="135"/>
+              </a:spcBef>
+            </a:pPr>
+            <a:r>
+              <a:rPr lang="en-US" spc="-15" dirty="0"/>
+              <a:t>ANCOVA Model</a:t>
+            </a:r>
+            <a:endParaRPr spc="-15" dirty="0"/>
+          </a:p>
+        </p:txBody>
+      </p:sp>
+      <p:sp>
+        <p:nvSpPr>
+          <p:cNvPr id="6" name="object 6"/>
+          <p:cNvSpPr txBox="1">
+            <a:spLocks noGrp="1"/>
+          </p:cNvSpPr>
+          <p:nvPr>
+            <p:ph type="ftr" sz="quarter" idx="5"/>
+          </p:nvPr>
+        </p:nvSpPr>
+        <p:spPr>
+          <a:xfrm>
+            <a:off x="1716874" y="3204555"/>
+            <a:ext cx="978535" cy="114134"/>
+          </a:xfrm>
+          <a:prstGeom prst="rect">
+            <a:avLst/>
+          </a:prstGeom>
+        </p:spPr>
+        <p:txBody>
+          <a:bodyPr vert="horz" wrap="square" lIns="0" tIns="21590" rIns="0" bIns="0" rtlCol="0">
+            <a:spAutoFit/>
+          </a:bodyPr>
+          <a:lstStyle/>
+          <a:p>
+            <a:pPr marL="12700">
+              <a:lnSpc>
+                <a:spcPct val="100000"/>
+              </a:lnSpc>
+              <a:spcBef>
+                <a:spcPts val="170"/>
+              </a:spcBef>
+            </a:pPr>
+            <a:r>
+              <a:rPr spc="80" dirty="0"/>
+              <a:t>Stat </a:t>
+            </a:r>
+            <a:r>
+              <a:rPr lang="en-US" spc="65" dirty="0"/>
+              <a:t>795</a:t>
+            </a:r>
+            <a:r>
+              <a:rPr spc="55" dirty="0"/>
+              <a:t> Presentation</a:t>
+            </a:r>
+          </a:p>
+        </p:txBody>
+      </p:sp>
+      <p:sp>
+        <p:nvSpPr>
+          <p:cNvPr id="7" name="object 7"/>
+          <p:cNvSpPr txBox="1">
+            <a:spLocks noGrp="1"/>
+          </p:cNvSpPr>
+          <p:nvPr>
+            <p:ph type="sldNum" sz="quarter" idx="7"/>
+          </p:nvPr>
+        </p:nvSpPr>
+        <p:spPr>
+          <a:prstGeom prst="rect">
+            <a:avLst/>
+          </a:prstGeom>
+        </p:spPr>
+        <p:txBody>
+          <a:bodyPr vert="horz" wrap="square" lIns="0" tIns="18415" rIns="0" bIns="0" rtlCol="0">
+            <a:spAutoFit/>
+          </a:bodyPr>
+          <a:lstStyle/>
+          <a:p>
+            <a:pPr marL="25400">
+              <a:lnSpc>
+                <a:spcPct val="100000"/>
+              </a:lnSpc>
+              <a:spcBef>
+                <a:spcPts val="145"/>
+              </a:spcBef>
+            </a:pPr>
+            <a:fld id="{81D60167-4931-47E6-BA6A-407CBD079E47}" type="slidenum">
+              <a:rPr spc="20" dirty="0"/>
+              <a:t>12</a:t>
+            </a:fld>
+            <a:r>
+              <a:rPr spc="20" dirty="0"/>
+              <a:t>/15</a:t>
+            </a:r>
+          </a:p>
+        </p:txBody>
+      </p:sp>
+      <p:pic>
+        <p:nvPicPr>
+          <p:cNvPr id="10" name="Picture 9">
+            <a:extLst>
+              <a:ext uri="{FF2B5EF4-FFF2-40B4-BE49-F238E27FC236}">
+                <a16:creationId xmlns:a16="http://schemas.microsoft.com/office/drawing/2014/main" id="{0A2F20D7-4631-F042-93B7-4290C3498BA8}"/>
+              </a:ext>
+            </a:extLst>
+          </p:cNvPr>
+          <p:cNvPicPr>
+            <a:picLocks noChangeAspect="1"/>
+          </p:cNvPicPr>
+          <p:nvPr/>
+        </p:nvPicPr>
+        <p:blipFill>
+          <a:blip r:embed="rId2"/>
+          <a:stretch>
+            <a:fillRect/>
+          </a:stretch>
+        </p:blipFill>
+        <p:spPr>
+          <a:xfrm>
+            <a:off x="0" y="968375"/>
+            <a:ext cx="4610100" cy="1794772"/>
+          </a:xfrm>
+          <a:prstGeom prst="rect">
+            <a:avLst/>
+          </a:prstGeom>
+        </p:spPr>
+      </p:pic>
+      <p:sp>
+        <p:nvSpPr>
+          <p:cNvPr id="11" name="object 2">
+            <a:extLst>
+              <a:ext uri="{FF2B5EF4-FFF2-40B4-BE49-F238E27FC236}">
+                <a16:creationId xmlns:a16="http://schemas.microsoft.com/office/drawing/2014/main" id="{754A14FF-0DE7-7D4F-8789-DF0D81A91E92}"/>
+              </a:ext>
+            </a:extLst>
+          </p:cNvPr>
+          <p:cNvSpPr txBox="1">
+            <a:spLocks/>
+          </p:cNvSpPr>
+          <p:nvPr/>
+        </p:nvSpPr>
+        <p:spPr>
+          <a:xfrm>
+            <a:off x="275296" y="464421"/>
+            <a:ext cx="2486954" cy="232756"/>
+          </a:xfrm>
+          <a:prstGeom prst="rect">
+            <a:avLst/>
+          </a:prstGeom>
+        </p:spPr>
+        <p:txBody>
+          <a:bodyPr vert="horz" wrap="square" lIns="0" tIns="17145" rIns="0" bIns="0" rtlCol="0">
+            <a:spAutoFit/>
+          </a:bodyPr>
+          <a:lstStyle>
+            <a:lvl1pPr>
+              <a:defRPr sz="1400" b="0" i="0">
+                <a:solidFill>
+                  <a:srgbClr val="58180C"/>
+                </a:solidFill>
+                <a:latin typeface="Palatino Linotype"/>
+                <a:ea typeface="+mj-ea"/>
+                <a:cs typeface="Palatino Linotype"/>
+              </a:defRPr>
+            </a:lvl1pPr>
+          </a:lstStyle>
+          <a:p>
+            <a:pPr marL="12700">
+              <a:spcBef>
+                <a:spcPts val="135"/>
+              </a:spcBef>
+            </a:pPr>
+            <a:r>
+              <a:rPr lang="en-US" kern="0" spc="-15" dirty="0"/>
+              <a:t>Type III SS for Carry Distance</a:t>
+            </a:r>
+          </a:p>
+        </p:txBody>
+      </p:sp>
+    </p:spTree>
+    <p:extLst>
+      <p:ext uri="{BB962C8B-B14F-4D97-AF65-F5344CB8AC3E}">
+        <p14:creationId xmlns:p14="http://schemas.microsoft.com/office/powerpoint/2010/main" val="2941610143"/>
+      </p:ext>
+    </p:extLst>
+  </p:cSld>
+  <p:clrMapOvr>
+    <a:masterClrMapping/>
+  </p:clrMapOvr>
+  <p:transition>
+    <p:cut/>
+  </p:transition>
+</p:sld>
+</file>
+
+<file path=ppt/slides/slide13.xml><?xml version="1.0" encoding="utf-8"?>
+<p:sld xmlns:a="http://schemas.openxmlformats.org/drawingml/2006/main" xmlns:r="http://schemas.openxmlformats.org/officeDocument/2006/relationships" xmlns:p="http://schemas.openxmlformats.org/presentationml/2006/main">
+  <p:cSld>
+    <p:spTree>
+      <p:nvGrpSpPr>
+        <p:cNvPr id="1" name=""/>
+        <p:cNvGrpSpPr/>
+        <p:nvPr/>
+      </p:nvGrpSpPr>
+      <p:grpSpPr>
+        <a:xfrm>
+          <a:off x="0" y="0"/>
+          <a:ext cx="0" cy="0"/>
+          <a:chOff x="0" y="0"/>
+          <a:chExt cx="0" cy="0"/>
+        </a:xfrm>
+      </p:grpSpPr>
+      <p:sp>
+        <p:nvSpPr>
+          <p:cNvPr id="2" name="object 2"/>
+          <p:cNvSpPr txBox="1">
+            <a:spLocks noGrp="1"/>
+          </p:cNvSpPr>
+          <p:nvPr>
+            <p:ph type="title"/>
+          </p:nvPr>
+        </p:nvSpPr>
+        <p:spPr>
+          <a:xfrm>
+            <a:off x="275296" y="121180"/>
+            <a:ext cx="1877354" cy="232756"/>
+          </a:xfrm>
+          <a:prstGeom prst="rect">
+            <a:avLst/>
+          </a:prstGeom>
+        </p:spPr>
+        <p:txBody>
+          <a:bodyPr vert="horz" wrap="square" lIns="0" tIns="17145" rIns="0" bIns="0" rtlCol="0">
+            <a:spAutoFit/>
+          </a:bodyPr>
+          <a:lstStyle/>
+          <a:p>
+            <a:pPr marL="12700">
+              <a:lnSpc>
+                <a:spcPct val="100000"/>
+              </a:lnSpc>
+              <a:spcBef>
+                <a:spcPts val="135"/>
+              </a:spcBef>
+            </a:pPr>
+            <a:r>
+              <a:rPr lang="en-US" spc="-15" dirty="0"/>
+              <a:t>ANCOVA Diagnostics</a:t>
+            </a:r>
+            <a:endParaRPr spc="-15" dirty="0"/>
+          </a:p>
+        </p:txBody>
+      </p:sp>
+      <p:sp>
+        <p:nvSpPr>
+          <p:cNvPr id="6" name="object 6"/>
+          <p:cNvSpPr txBox="1">
+            <a:spLocks noGrp="1"/>
+          </p:cNvSpPr>
+          <p:nvPr>
+            <p:ph type="ftr" sz="quarter" idx="5"/>
+          </p:nvPr>
+        </p:nvSpPr>
+        <p:spPr>
+          <a:xfrm>
+            <a:off x="1716874" y="3204555"/>
+            <a:ext cx="978535" cy="114134"/>
+          </a:xfrm>
+          <a:prstGeom prst="rect">
+            <a:avLst/>
+          </a:prstGeom>
+        </p:spPr>
+        <p:txBody>
+          <a:bodyPr vert="horz" wrap="square" lIns="0" tIns="21590" rIns="0" bIns="0" rtlCol="0">
+            <a:spAutoFit/>
+          </a:bodyPr>
+          <a:lstStyle/>
+          <a:p>
+            <a:pPr marL="12700">
+              <a:lnSpc>
+                <a:spcPct val="100000"/>
+              </a:lnSpc>
+              <a:spcBef>
+                <a:spcPts val="170"/>
+              </a:spcBef>
+            </a:pPr>
+            <a:r>
+              <a:rPr spc="80" dirty="0"/>
+              <a:t>Stat </a:t>
+            </a:r>
+            <a:r>
+              <a:rPr lang="en-US" spc="65" dirty="0"/>
+              <a:t>795</a:t>
+            </a:r>
+            <a:r>
+              <a:rPr spc="55" dirty="0"/>
+              <a:t> Presentation</a:t>
+            </a:r>
+          </a:p>
+        </p:txBody>
+      </p:sp>
+      <p:sp>
+        <p:nvSpPr>
+          <p:cNvPr id="7" name="object 7"/>
+          <p:cNvSpPr txBox="1">
+            <a:spLocks noGrp="1"/>
+          </p:cNvSpPr>
+          <p:nvPr>
+            <p:ph type="sldNum" sz="quarter" idx="7"/>
+          </p:nvPr>
+        </p:nvSpPr>
+        <p:spPr>
+          <a:prstGeom prst="rect">
+            <a:avLst/>
+          </a:prstGeom>
+        </p:spPr>
+        <p:txBody>
+          <a:bodyPr vert="horz" wrap="square" lIns="0" tIns="18415" rIns="0" bIns="0" rtlCol="0">
+            <a:spAutoFit/>
+          </a:bodyPr>
+          <a:lstStyle/>
+          <a:p>
+            <a:pPr marL="25400">
+              <a:lnSpc>
+                <a:spcPct val="100000"/>
+              </a:lnSpc>
+              <a:spcBef>
+                <a:spcPts val="145"/>
+              </a:spcBef>
+            </a:pPr>
+            <a:fld id="{81D60167-4931-47E6-BA6A-407CBD079E47}" type="slidenum">
+              <a:rPr spc="20" dirty="0"/>
+              <a:t>13</a:t>
+            </a:fld>
+            <a:r>
+              <a:rPr spc="20" dirty="0"/>
+              <a:t>/15</a:t>
+            </a:r>
+          </a:p>
+        </p:txBody>
+      </p:sp>
+      <p:pic>
+        <p:nvPicPr>
+          <p:cNvPr id="3" name="Picture 2">
+            <a:extLst>
+              <a:ext uri="{FF2B5EF4-FFF2-40B4-BE49-F238E27FC236}">
+                <a16:creationId xmlns:a16="http://schemas.microsoft.com/office/drawing/2014/main" id="{1C845392-F743-984A-B7F1-7BB3DECADD47}"/>
+              </a:ext>
+            </a:extLst>
+          </p:cNvPr>
+          <p:cNvPicPr>
+            <a:picLocks noChangeAspect="1"/>
+          </p:cNvPicPr>
+          <p:nvPr/>
+        </p:nvPicPr>
+        <p:blipFill>
+          <a:blip r:embed="rId2"/>
+          <a:stretch>
+            <a:fillRect/>
+          </a:stretch>
+        </p:blipFill>
+        <p:spPr>
+          <a:xfrm>
+            <a:off x="755083" y="434975"/>
+            <a:ext cx="3099934" cy="2972539"/>
+          </a:xfrm>
+          <a:prstGeom prst="rect">
+            <a:avLst/>
+          </a:prstGeom>
+        </p:spPr>
+      </p:pic>
+    </p:spTree>
+    <p:extLst>
+      <p:ext uri="{BB962C8B-B14F-4D97-AF65-F5344CB8AC3E}">
+        <p14:creationId xmlns:p14="http://schemas.microsoft.com/office/powerpoint/2010/main" val="1249693750"/>
+      </p:ext>
+    </p:extLst>
+  </p:cSld>
+  <p:clrMapOvr>
+    <a:masterClrMapping/>
+  </p:clrMapOvr>
+  <p:transition>
+    <p:cut/>
+  </p:transition>
+</p:sld>
+</file>
+
+<file path=ppt/slides/slide14.xml><?xml version="1.0" encoding="utf-8"?>
+<p:sld xmlns:a="http://schemas.openxmlformats.org/drawingml/2006/main" xmlns:r="http://schemas.openxmlformats.org/officeDocument/2006/relationships" xmlns:p="http://schemas.openxmlformats.org/presentationml/2006/main">
+  <p:cSld>
+    <p:spTree>
+      <p:nvGrpSpPr>
+        <p:cNvPr id="1" name=""/>
+        <p:cNvGrpSpPr/>
+        <p:nvPr/>
+      </p:nvGrpSpPr>
+      <p:grpSpPr>
+        <a:xfrm>
+          <a:off x="0" y="0"/>
+          <a:ext cx="0" cy="0"/>
+          <a:chOff x="0" y="0"/>
+          <a:chExt cx="0" cy="0"/>
+        </a:xfrm>
+      </p:grpSpPr>
+      <p:sp>
+        <p:nvSpPr>
+          <p:cNvPr id="2" name="object 2"/>
+          <p:cNvSpPr txBox="1">
+            <a:spLocks noGrp="1"/>
+          </p:cNvSpPr>
+          <p:nvPr>
+            <p:ph type="title"/>
+          </p:nvPr>
+        </p:nvSpPr>
+        <p:spPr>
+          <a:xfrm>
+            <a:off x="275296" y="121180"/>
+            <a:ext cx="1877354" cy="232756"/>
+          </a:xfrm>
+          <a:prstGeom prst="rect">
+            <a:avLst/>
+          </a:prstGeom>
+        </p:spPr>
+        <p:txBody>
+          <a:bodyPr vert="horz" wrap="square" lIns="0" tIns="17145" rIns="0" bIns="0" rtlCol="0">
+            <a:spAutoFit/>
+          </a:bodyPr>
+          <a:lstStyle/>
+          <a:p>
+            <a:pPr marL="12700">
+              <a:lnSpc>
+                <a:spcPct val="100000"/>
+              </a:lnSpc>
+              <a:spcBef>
+                <a:spcPts val="135"/>
+              </a:spcBef>
+            </a:pPr>
+            <a:r>
+              <a:rPr lang="en-US" spc="-15" dirty="0"/>
+              <a:t>Results</a:t>
+            </a:r>
+            <a:endParaRPr spc="-15" dirty="0"/>
+          </a:p>
+        </p:txBody>
+      </p:sp>
+      <p:sp>
+        <p:nvSpPr>
+          <p:cNvPr id="6" name="object 6"/>
+          <p:cNvSpPr txBox="1">
+            <a:spLocks noGrp="1"/>
+          </p:cNvSpPr>
+          <p:nvPr>
+            <p:ph type="ftr" sz="quarter" idx="5"/>
+          </p:nvPr>
+        </p:nvSpPr>
+        <p:spPr>
+          <a:xfrm>
+            <a:off x="1716874" y="3204555"/>
+            <a:ext cx="978535" cy="114134"/>
+          </a:xfrm>
+          <a:prstGeom prst="rect">
+            <a:avLst/>
+          </a:prstGeom>
+        </p:spPr>
+        <p:txBody>
+          <a:bodyPr vert="horz" wrap="square" lIns="0" tIns="21590" rIns="0" bIns="0" rtlCol="0">
+            <a:spAutoFit/>
+          </a:bodyPr>
+          <a:lstStyle/>
+          <a:p>
+            <a:pPr marL="12700">
+              <a:lnSpc>
+                <a:spcPct val="100000"/>
+              </a:lnSpc>
+              <a:spcBef>
+                <a:spcPts val="170"/>
+              </a:spcBef>
+            </a:pPr>
+            <a:r>
+              <a:rPr spc="80" dirty="0"/>
+              <a:t>Stat </a:t>
+            </a:r>
+            <a:r>
+              <a:rPr lang="en-US" spc="65" dirty="0"/>
+              <a:t>795</a:t>
+            </a:r>
+            <a:r>
+              <a:rPr spc="55" dirty="0"/>
+              <a:t> Presentation</a:t>
+            </a:r>
+          </a:p>
+        </p:txBody>
+      </p:sp>
+      <p:sp>
+        <p:nvSpPr>
+          <p:cNvPr id="7" name="object 7"/>
+          <p:cNvSpPr txBox="1">
+            <a:spLocks noGrp="1"/>
+          </p:cNvSpPr>
+          <p:nvPr>
+            <p:ph type="sldNum" sz="quarter" idx="7"/>
+          </p:nvPr>
+        </p:nvSpPr>
+        <p:spPr>
+          <a:prstGeom prst="rect">
+            <a:avLst/>
+          </a:prstGeom>
+        </p:spPr>
+        <p:txBody>
+          <a:bodyPr vert="horz" wrap="square" lIns="0" tIns="18415" rIns="0" bIns="0" rtlCol="0">
+            <a:spAutoFit/>
+          </a:bodyPr>
+          <a:lstStyle/>
+          <a:p>
+            <a:pPr marL="25400">
+              <a:lnSpc>
+                <a:spcPct val="100000"/>
+              </a:lnSpc>
+              <a:spcBef>
+                <a:spcPts val="145"/>
+              </a:spcBef>
+            </a:pPr>
+            <a:fld id="{81D60167-4931-47E6-BA6A-407CBD079E47}" type="slidenum">
+              <a:rPr spc="20" dirty="0"/>
+              <a:t>14</a:t>
+            </a:fld>
+            <a:r>
+              <a:rPr spc="20" dirty="0"/>
+              <a:t>/15</a:t>
+            </a:r>
+          </a:p>
+        </p:txBody>
+      </p:sp>
+      <p:pic>
+        <p:nvPicPr>
+          <p:cNvPr id="8" name="Picture 7">
+            <a:extLst>
+              <a:ext uri="{FF2B5EF4-FFF2-40B4-BE49-F238E27FC236}">
+                <a16:creationId xmlns:a16="http://schemas.microsoft.com/office/drawing/2014/main" id="{C66F126F-B4D2-F44C-8729-46532F3B7F33}"/>
+              </a:ext>
+            </a:extLst>
+          </p:cNvPr>
+          <p:cNvPicPr>
+            <a:picLocks noChangeAspect="1"/>
+          </p:cNvPicPr>
+          <p:nvPr/>
+        </p:nvPicPr>
+        <p:blipFill>
+          <a:blip r:embed="rId2"/>
+          <a:stretch>
+            <a:fillRect/>
+          </a:stretch>
+        </p:blipFill>
+        <p:spPr>
+          <a:xfrm>
+            <a:off x="0" y="511176"/>
+            <a:ext cx="2305050" cy="897386"/>
+          </a:xfrm>
+          <a:prstGeom prst="rect">
+            <a:avLst/>
+          </a:prstGeom>
+        </p:spPr>
+      </p:pic>
+      <p:sp>
+        <p:nvSpPr>
+          <p:cNvPr id="9" name="object 2">
+            <a:extLst>
+              <a:ext uri="{FF2B5EF4-FFF2-40B4-BE49-F238E27FC236}">
+                <a16:creationId xmlns:a16="http://schemas.microsoft.com/office/drawing/2014/main" id="{3375309D-8B6F-954A-BC8A-B3B59D6E58C5}"/>
+              </a:ext>
+            </a:extLst>
+          </p:cNvPr>
+          <p:cNvSpPr txBox="1">
+            <a:spLocks/>
+          </p:cNvSpPr>
+          <p:nvPr/>
+        </p:nvSpPr>
+        <p:spPr>
+          <a:xfrm>
+            <a:off x="95250" y="1408562"/>
+            <a:ext cx="990600" cy="171201"/>
+          </a:xfrm>
+          <a:prstGeom prst="rect">
+            <a:avLst/>
+          </a:prstGeom>
+        </p:spPr>
+        <p:txBody>
+          <a:bodyPr vert="horz" wrap="square" lIns="0" tIns="17145" rIns="0" bIns="0" rtlCol="0">
+            <a:spAutoFit/>
+          </a:bodyPr>
+          <a:lstStyle>
+            <a:lvl1pPr>
+              <a:defRPr sz="1400" b="0" i="0">
+                <a:solidFill>
+                  <a:srgbClr val="58180C"/>
+                </a:solidFill>
+                <a:latin typeface="Palatino Linotype"/>
+                <a:ea typeface="+mj-ea"/>
+                <a:cs typeface="Palatino Linotype"/>
+              </a:defRPr>
+            </a:lvl1pPr>
+          </a:lstStyle>
+          <a:p>
+            <a:pPr marL="12700">
+              <a:spcBef>
+                <a:spcPts val="135"/>
+              </a:spcBef>
+            </a:pPr>
+            <a:r>
+              <a:rPr lang="en-US" sz="1000" kern="0" spc="-15" dirty="0"/>
+              <a:t>Carry Distance</a:t>
+            </a:r>
+          </a:p>
+        </p:txBody>
+      </p:sp>
+      <p:pic>
+        <p:nvPicPr>
+          <p:cNvPr id="4" name="Picture 3">
+            <a:extLst>
+              <a:ext uri="{FF2B5EF4-FFF2-40B4-BE49-F238E27FC236}">
+                <a16:creationId xmlns:a16="http://schemas.microsoft.com/office/drawing/2014/main" id="{7BBA5962-BA2B-0148-BA5F-77A5E36B39D2}"/>
+              </a:ext>
+            </a:extLst>
+          </p:cNvPr>
+          <p:cNvPicPr>
+            <a:picLocks noChangeAspect="1"/>
+          </p:cNvPicPr>
+          <p:nvPr/>
+        </p:nvPicPr>
+        <p:blipFill>
+          <a:blip r:embed="rId3"/>
+          <a:stretch>
+            <a:fillRect/>
+          </a:stretch>
+        </p:blipFill>
+        <p:spPr>
+          <a:xfrm>
+            <a:off x="0" y="1669223"/>
+            <a:ext cx="2305050" cy="924911"/>
+          </a:xfrm>
+          <a:prstGeom prst="rect">
+            <a:avLst/>
+          </a:prstGeom>
+        </p:spPr>
+      </p:pic>
+      <p:sp>
+        <p:nvSpPr>
+          <p:cNvPr id="10" name="object 2">
+            <a:extLst>
+              <a:ext uri="{FF2B5EF4-FFF2-40B4-BE49-F238E27FC236}">
+                <a16:creationId xmlns:a16="http://schemas.microsoft.com/office/drawing/2014/main" id="{BA156503-CA3D-9E47-ABAE-B50906872B40}"/>
+              </a:ext>
+            </a:extLst>
+          </p:cNvPr>
+          <p:cNvSpPr txBox="1">
+            <a:spLocks/>
+          </p:cNvSpPr>
+          <p:nvPr/>
+        </p:nvSpPr>
+        <p:spPr>
+          <a:xfrm>
+            <a:off x="95250" y="2603595"/>
+            <a:ext cx="990600" cy="171201"/>
+          </a:xfrm>
+          <a:prstGeom prst="rect">
+            <a:avLst/>
+          </a:prstGeom>
+        </p:spPr>
+        <p:txBody>
+          <a:bodyPr vert="horz" wrap="square" lIns="0" tIns="17145" rIns="0" bIns="0" rtlCol="0">
+            <a:spAutoFit/>
+          </a:bodyPr>
+          <a:lstStyle>
+            <a:lvl1pPr>
+              <a:defRPr sz="1400" b="0" i="0">
+                <a:solidFill>
+                  <a:srgbClr val="58180C"/>
+                </a:solidFill>
+                <a:latin typeface="Palatino Linotype"/>
+                <a:ea typeface="+mj-ea"/>
+                <a:cs typeface="Palatino Linotype"/>
+              </a:defRPr>
+            </a:lvl1pPr>
+          </a:lstStyle>
+          <a:p>
+            <a:pPr marL="12700">
+              <a:spcBef>
+                <a:spcPts val="135"/>
+              </a:spcBef>
+            </a:pPr>
+            <a:r>
+              <a:rPr lang="en-US" sz="1000" kern="0" spc="-15" dirty="0"/>
+              <a:t>Carry Dispersion</a:t>
+            </a:r>
+          </a:p>
+        </p:txBody>
+      </p:sp>
+      <p:pic>
+        <p:nvPicPr>
+          <p:cNvPr id="5" name="Picture 4">
+            <a:extLst>
+              <a:ext uri="{FF2B5EF4-FFF2-40B4-BE49-F238E27FC236}">
+                <a16:creationId xmlns:a16="http://schemas.microsoft.com/office/drawing/2014/main" id="{7EAF386D-1F2A-DC4A-BCF0-7B74A6AD2490}"/>
+              </a:ext>
+            </a:extLst>
+          </p:cNvPr>
+          <p:cNvPicPr>
+            <a:picLocks noChangeAspect="1"/>
+          </p:cNvPicPr>
+          <p:nvPr/>
+        </p:nvPicPr>
+        <p:blipFill>
+          <a:blip r:embed="rId4"/>
+          <a:stretch>
+            <a:fillRect/>
+          </a:stretch>
+        </p:blipFill>
+        <p:spPr>
+          <a:xfrm>
+            <a:off x="2300846" y="532999"/>
+            <a:ext cx="2309254" cy="875563"/>
+          </a:xfrm>
+          <a:prstGeom prst="rect">
+            <a:avLst/>
+          </a:prstGeom>
+        </p:spPr>
+      </p:pic>
+      <p:sp>
+        <p:nvSpPr>
+          <p:cNvPr id="11" name="object 2">
+            <a:extLst>
+              <a:ext uri="{FF2B5EF4-FFF2-40B4-BE49-F238E27FC236}">
+                <a16:creationId xmlns:a16="http://schemas.microsoft.com/office/drawing/2014/main" id="{4A3AC342-F55B-9646-982C-F32B623BFD9F}"/>
+              </a:ext>
+            </a:extLst>
+          </p:cNvPr>
+          <p:cNvSpPr txBox="1">
+            <a:spLocks/>
+          </p:cNvSpPr>
+          <p:nvPr/>
+        </p:nvSpPr>
+        <p:spPr>
+          <a:xfrm>
+            <a:off x="2300846" y="1428974"/>
+            <a:ext cx="990600" cy="171201"/>
+          </a:xfrm>
+          <a:prstGeom prst="rect">
+            <a:avLst/>
+          </a:prstGeom>
+        </p:spPr>
+        <p:txBody>
+          <a:bodyPr vert="horz" wrap="square" lIns="0" tIns="17145" rIns="0" bIns="0" rtlCol="0">
+            <a:spAutoFit/>
+          </a:bodyPr>
+          <a:lstStyle>
+            <a:lvl1pPr>
+              <a:defRPr sz="1400" b="0" i="0">
+                <a:solidFill>
+                  <a:srgbClr val="58180C"/>
+                </a:solidFill>
+                <a:latin typeface="Palatino Linotype"/>
+                <a:ea typeface="+mj-ea"/>
+                <a:cs typeface="Palatino Linotype"/>
+              </a:defRPr>
+            </a:lvl1pPr>
+          </a:lstStyle>
+          <a:p>
+            <a:pPr marL="12700">
+              <a:spcBef>
+                <a:spcPts val="135"/>
+              </a:spcBef>
+            </a:pPr>
+            <a:r>
+              <a:rPr lang="en-US" sz="1000" kern="0" spc="-15" dirty="0"/>
+              <a:t>Total Distance</a:t>
+            </a:r>
+          </a:p>
+        </p:txBody>
+      </p:sp>
+      <p:pic>
+        <p:nvPicPr>
+          <p:cNvPr id="12" name="Picture 11">
+            <a:extLst>
+              <a:ext uri="{FF2B5EF4-FFF2-40B4-BE49-F238E27FC236}">
+                <a16:creationId xmlns:a16="http://schemas.microsoft.com/office/drawing/2014/main" id="{E62E2FC6-3570-754B-B32A-38E03251F5B1}"/>
+              </a:ext>
+            </a:extLst>
+          </p:cNvPr>
+          <p:cNvPicPr>
+            <a:picLocks noChangeAspect="1"/>
+          </p:cNvPicPr>
+          <p:nvPr/>
+        </p:nvPicPr>
+        <p:blipFill>
+          <a:blip r:embed="rId5"/>
+          <a:stretch>
+            <a:fillRect/>
+          </a:stretch>
+        </p:blipFill>
+        <p:spPr>
+          <a:xfrm>
+            <a:off x="2300846" y="1687507"/>
+            <a:ext cx="2309254" cy="911357"/>
+          </a:xfrm>
+          <a:prstGeom prst="rect">
+            <a:avLst/>
+          </a:prstGeom>
+        </p:spPr>
+      </p:pic>
+      <p:sp>
+        <p:nvSpPr>
+          <p:cNvPr id="13" name="object 2">
+            <a:extLst>
+              <a:ext uri="{FF2B5EF4-FFF2-40B4-BE49-F238E27FC236}">
+                <a16:creationId xmlns:a16="http://schemas.microsoft.com/office/drawing/2014/main" id="{059F271A-875F-0B44-96A3-8E0E2A006B1A}"/>
+              </a:ext>
+            </a:extLst>
+          </p:cNvPr>
+          <p:cNvSpPr txBox="1">
+            <a:spLocks/>
+          </p:cNvSpPr>
+          <p:nvPr/>
+        </p:nvSpPr>
+        <p:spPr>
+          <a:xfrm>
+            <a:off x="2300846" y="2603595"/>
+            <a:ext cx="990600" cy="171201"/>
+          </a:xfrm>
+          <a:prstGeom prst="rect">
+            <a:avLst/>
+          </a:prstGeom>
+        </p:spPr>
+        <p:txBody>
+          <a:bodyPr vert="horz" wrap="square" lIns="0" tIns="17145" rIns="0" bIns="0" rtlCol="0">
+            <a:spAutoFit/>
+          </a:bodyPr>
+          <a:lstStyle>
+            <a:lvl1pPr>
+              <a:defRPr sz="1400" b="0" i="0">
+                <a:solidFill>
+                  <a:srgbClr val="58180C"/>
+                </a:solidFill>
+                <a:latin typeface="Palatino Linotype"/>
+                <a:ea typeface="+mj-ea"/>
+                <a:cs typeface="Palatino Linotype"/>
+              </a:defRPr>
+            </a:lvl1pPr>
+          </a:lstStyle>
+          <a:p>
+            <a:pPr marL="12700">
+              <a:spcBef>
+                <a:spcPts val="135"/>
+              </a:spcBef>
+            </a:pPr>
+            <a:r>
+              <a:rPr lang="en-US" sz="1000" kern="0" spc="-15" dirty="0"/>
+              <a:t>Total Dispersion</a:t>
+            </a:r>
+          </a:p>
+        </p:txBody>
+      </p:sp>
+    </p:spTree>
+    <p:extLst>
+      <p:ext uri="{BB962C8B-B14F-4D97-AF65-F5344CB8AC3E}">
+        <p14:creationId xmlns:p14="http://schemas.microsoft.com/office/powerpoint/2010/main" val="119026934"/>
+      </p:ext>
+    </p:extLst>
+  </p:cSld>
+  <p:clrMapOvr>
+    <a:masterClrMapping/>
+  </p:clrMapOvr>
+  <p:transition>
+    <p:cut/>
+  </p:transition>
+</p:sld>
+</file>
+
+<file path=ppt/slides/slide15.xml><?xml version="1.0" encoding="utf-8"?>
+<p:sld xmlns:a="http://schemas.openxmlformats.org/drawingml/2006/main" xmlns:r="http://schemas.openxmlformats.org/officeDocument/2006/relationships" xmlns:p="http://schemas.openxmlformats.org/presentationml/2006/main">
+  <p:cSld>
+    <p:spTree>
+      <p:nvGrpSpPr>
+        <p:cNvPr id="1" name=""/>
+        <p:cNvGrpSpPr/>
+        <p:nvPr/>
+      </p:nvGrpSpPr>
+      <p:grpSpPr>
+        <a:xfrm>
+          <a:off x="0" y="0"/>
+          <a:ext cx="0" cy="0"/>
+          <a:chOff x="0" y="0"/>
+          <a:chExt cx="0" cy="0"/>
+        </a:xfrm>
+      </p:grpSpPr>
+      <p:sp>
+        <p:nvSpPr>
+          <p:cNvPr id="2" name="object 2"/>
+          <p:cNvSpPr txBox="1">
+            <a:spLocks noGrp="1"/>
+          </p:cNvSpPr>
+          <p:nvPr>
+            <p:ph type="title"/>
+          </p:nvPr>
+        </p:nvSpPr>
+        <p:spPr>
+          <a:xfrm>
+            <a:off x="275296" y="121180"/>
+            <a:ext cx="1877354" cy="232756"/>
+          </a:xfrm>
+          <a:prstGeom prst="rect">
+            <a:avLst/>
+          </a:prstGeom>
+        </p:spPr>
+        <p:txBody>
+          <a:bodyPr vert="horz" wrap="square" lIns="0" tIns="17145" rIns="0" bIns="0" rtlCol="0">
+            <a:spAutoFit/>
+          </a:bodyPr>
+          <a:lstStyle/>
+          <a:p>
+            <a:pPr marL="12700">
+              <a:lnSpc>
+                <a:spcPct val="100000"/>
+              </a:lnSpc>
+              <a:spcBef>
+                <a:spcPts val="135"/>
+              </a:spcBef>
+            </a:pPr>
+            <a:r>
+              <a:rPr lang="en-US" spc="-15" dirty="0"/>
+              <a:t>Conclusion</a:t>
+            </a:r>
+            <a:endParaRPr spc="-15" dirty="0"/>
+          </a:p>
+        </p:txBody>
+      </p:sp>
+      <p:sp>
+        <p:nvSpPr>
+          <p:cNvPr id="3" name="object 3"/>
+          <p:cNvSpPr/>
+          <p:nvPr/>
+        </p:nvSpPr>
+        <p:spPr>
+          <a:xfrm>
+            <a:off x="315264" y="1004036"/>
+            <a:ext cx="3977640" cy="192405"/>
+          </a:xfrm>
+          <a:custGeom>
+            <a:avLst/>
+            <a:gdLst/>
+            <a:ahLst/>
+            <a:cxnLst/>
+            <a:rect l="l" t="t" r="r" b="b"/>
+            <a:pathLst>
+              <a:path w="3977640" h="192405">
+                <a:moveTo>
+                  <a:pt x="0" y="192036"/>
+                </a:moveTo>
+                <a:lnTo>
+                  <a:pt x="3977474" y="192036"/>
+                </a:lnTo>
+                <a:lnTo>
+                  <a:pt x="3977474" y="0"/>
+                </a:lnTo>
+                <a:lnTo>
+                  <a:pt x="0" y="0"/>
+                </a:lnTo>
+                <a:lnTo>
+                  <a:pt x="0" y="192036"/>
+                </a:lnTo>
+                <a:close/>
+              </a:path>
+            </a:pathLst>
+          </a:custGeom>
+          <a:solidFill>
+            <a:srgbClr val="DBE4E4"/>
+          </a:solidFill>
+        </p:spPr>
+        <p:txBody>
+          <a:bodyPr wrap="square" lIns="0" tIns="0" rIns="0" bIns="0" rtlCol="0"/>
+          <a:lstStyle/>
+          <a:p>
+            <a:endParaRPr dirty="0"/>
+          </a:p>
+        </p:txBody>
+      </p:sp>
+      <p:sp>
+        <p:nvSpPr>
+          <p:cNvPr id="4" name="object 4"/>
+          <p:cNvSpPr/>
+          <p:nvPr/>
+        </p:nvSpPr>
+        <p:spPr>
+          <a:xfrm>
+            <a:off x="315264" y="1196073"/>
+            <a:ext cx="3977640" cy="1982102"/>
+          </a:xfrm>
+          <a:custGeom>
+            <a:avLst/>
+            <a:gdLst/>
+            <a:ahLst/>
+            <a:cxnLst/>
+            <a:rect l="l" t="t" r="r" b="b"/>
+            <a:pathLst>
+              <a:path w="3977640" h="1104264">
+                <a:moveTo>
+                  <a:pt x="0" y="1104125"/>
+                </a:moveTo>
+                <a:lnTo>
+                  <a:pt x="3977474" y="1104125"/>
+                </a:lnTo>
+                <a:lnTo>
+                  <a:pt x="3977474" y="0"/>
+                </a:lnTo>
+                <a:lnTo>
+                  <a:pt x="0" y="0"/>
+                </a:lnTo>
+                <a:lnTo>
+                  <a:pt x="0" y="1104125"/>
+                </a:lnTo>
+                <a:close/>
+              </a:path>
+            </a:pathLst>
+          </a:custGeom>
+          <a:solidFill>
+            <a:srgbClr val="F7F2E5"/>
+          </a:solidFill>
+        </p:spPr>
+        <p:txBody>
+          <a:bodyPr wrap="square" lIns="0" tIns="0" rIns="0" bIns="0" rtlCol="0"/>
+          <a:lstStyle/>
+          <a:p>
+            <a:endParaRPr dirty="0"/>
+          </a:p>
+        </p:txBody>
+      </p:sp>
+      <p:sp>
+        <p:nvSpPr>
+          <p:cNvPr id="5" name="object 5"/>
+          <p:cNvSpPr txBox="1">
+            <a:spLocks noGrp="1"/>
+          </p:cNvSpPr>
+          <p:nvPr>
+            <p:ph type="body" idx="1"/>
+          </p:nvPr>
+        </p:nvSpPr>
+        <p:spPr>
+          <a:xfrm>
+            <a:off x="313227" y="1149025"/>
+            <a:ext cx="3968648" cy="1050288"/>
+          </a:xfrm>
+          <a:prstGeom prst="rect">
+            <a:avLst/>
+          </a:prstGeom>
+        </p:spPr>
+        <p:txBody>
+          <a:bodyPr vert="horz" wrap="square" lIns="0" tIns="62230" rIns="0" bIns="0" rtlCol="0">
+            <a:spAutoFit/>
+          </a:bodyPr>
+          <a:lstStyle/>
+          <a:p>
+            <a:pPr marL="210185" indent="-171450">
+              <a:lnSpc>
+                <a:spcPct val="100000"/>
+              </a:lnSpc>
+              <a:spcBef>
+                <a:spcPts val="490"/>
+              </a:spcBef>
+              <a:buFont typeface="Arial" panose="020B0604020202020204" pitchFamily="34" charset="0"/>
+              <a:buChar char="•"/>
+            </a:pPr>
+            <a:r>
+              <a:rPr lang="en-US" sz="1200" spc="-30" dirty="0">
+                <a:solidFill>
+                  <a:srgbClr val="58180C"/>
+                </a:solidFill>
+                <a:latin typeface="Palatino Linotype"/>
+              </a:rPr>
+              <a:t>Both measures of distance (carry and total) had treatment effects that were highly significant.</a:t>
+            </a:r>
+          </a:p>
+          <a:p>
+            <a:pPr marL="210185" indent="-171450">
+              <a:lnSpc>
+                <a:spcPct val="100000"/>
+              </a:lnSpc>
+              <a:spcBef>
+                <a:spcPts val="490"/>
+              </a:spcBef>
+              <a:buFont typeface="Arial" panose="020B0604020202020204" pitchFamily="34" charset="0"/>
+              <a:buChar char="•"/>
+            </a:pPr>
+            <a:r>
+              <a:rPr lang="en-US" spc="-30" dirty="0"/>
+              <a:t>Measures of dispersion depended on the blocks they were placed in. This indicates wind had a significant impact on dispersion more so than the ball type used. </a:t>
+            </a:r>
+            <a:endParaRPr lang="en-US" sz="1200" spc="-30" dirty="0">
+              <a:solidFill>
+                <a:srgbClr val="58180C"/>
+              </a:solidFill>
+              <a:latin typeface="Palatino Linotype"/>
+            </a:endParaRPr>
+          </a:p>
+        </p:txBody>
+      </p:sp>
+      <p:sp>
+        <p:nvSpPr>
+          <p:cNvPr id="6" name="object 6"/>
+          <p:cNvSpPr txBox="1">
+            <a:spLocks noGrp="1"/>
+          </p:cNvSpPr>
+          <p:nvPr>
+            <p:ph type="ftr" sz="quarter" idx="5"/>
+          </p:nvPr>
+        </p:nvSpPr>
+        <p:spPr>
+          <a:xfrm>
+            <a:off x="1716874" y="3204555"/>
+            <a:ext cx="978535" cy="114134"/>
+          </a:xfrm>
+          <a:prstGeom prst="rect">
+            <a:avLst/>
+          </a:prstGeom>
+        </p:spPr>
+        <p:txBody>
+          <a:bodyPr vert="horz" wrap="square" lIns="0" tIns="21590" rIns="0" bIns="0" rtlCol="0">
+            <a:spAutoFit/>
+          </a:bodyPr>
+          <a:lstStyle/>
+          <a:p>
+            <a:pPr marL="12700">
+              <a:lnSpc>
+                <a:spcPct val="100000"/>
+              </a:lnSpc>
+              <a:spcBef>
+                <a:spcPts val="170"/>
+              </a:spcBef>
+            </a:pPr>
+            <a:r>
+              <a:rPr spc="80" dirty="0"/>
+              <a:t>Stat </a:t>
+            </a:r>
+            <a:r>
+              <a:rPr lang="en-US" spc="65" dirty="0"/>
+              <a:t>795</a:t>
+            </a:r>
+            <a:r>
+              <a:rPr spc="55" dirty="0"/>
+              <a:t> Presentation</a:t>
+            </a:r>
+          </a:p>
+        </p:txBody>
+      </p:sp>
+      <p:sp>
+        <p:nvSpPr>
+          <p:cNvPr id="7" name="object 7"/>
+          <p:cNvSpPr txBox="1">
+            <a:spLocks noGrp="1"/>
+          </p:cNvSpPr>
+          <p:nvPr>
+            <p:ph type="sldNum" sz="quarter" idx="7"/>
+          </p:nvPr>
+        </p:nvSpPr>
+        <p:spPr>
+          <a:prstGeom prst="rect">
+            <a:avLst/>
+          </a:prstGeom>
+        </p:spPr>
+        <p:txBody>
+          <a:bodyPr vert="horz" wrap="square" lIns="0" tIns="18415" rIns="0" bIns="0" rtlCol="0">
+            <a:spAutoFit/>
+          </a:bodyPr>
+          <a:lstStyle/>
+          <a:p>
+            <a:pPr marL="25400">
+              <a:lnSpc>
+                <a:spcPct val="100000"/>
+              </a:lnSpc>
+              <a:spcBef>
+                <a:spcPts val="145"/>
+              </a:spcBef>
+            </a:pPr>
+            <a:fld id="{81D60167-4931-47E6-BA6A-407CBD079E47}" type="slidenum">
+              <a:rPr spc="20" dirty="0"/>
+              <a:t>15</a:t>
+            </a:fld>
+            <a:r>
+              <a:rPr spc="20" dirty="0"/>
+              <a:t>/15</a:t>
+            </a:r>
+          </a:p>
+        </p:txBody>
+      </p:sp>
+    </p:spTree>
+    <p:extLst>
+      <p:ext uri="{BB962C8B-B14F-4D97-AF65-F5344CB8AC3E}">
+        <p14:creationId xmlns:p14="http://schemas.microsoft.com/office/powerpoint/2010/main" val="943963141"/>
+      </p:ext>
+    </p:extLst>
   </p:cSld>
   <p:clrMapOvr>
     <a:masterClrMapping/>
